--- a/[RI] Maximum clique - 107_2015 197_2016.pptx
+++ b/[RI] Maximum clique - 107_2015 197_2016.pptx
@@ -710,7 +710,7 @@
           <a:bodyPr/>
           <a:lstStyle/>
           <a:p>
-            <a:fld id="{ED291B17-9318-49DB-B28B-6E5994AE9581}" type="datetime1">
+            <a:fld id="{787114A7-E6C0-418C-9746-924384952FFA}" type="datetime1">
               <a:rPr lang="en-US" smtClean="0"/>
               <a:t>19-Aug-21</a:t>
             </a:fld>
@@ -739,6 +739,10 @@
           <a:bodyPr/>
           <a:lstStyle/>
           <a:p>
+            <a:r>
+              <a:rPr lang="en-US"/>
+              <a:t>* nije testirano</a:t>
+            </a:r>
             <a:endParaRPr lang="en-US" dirty="0"/>
           </a:p>
         </p:txBody>
@@ -913,7 +917,7 @@
           <a:bodyPr/>
           <a:lstStyle/>
           <a:p>
-            <a:fld id="{2CED4963-E985-44C4-B8C4-FDD613B7C2F8}" type="datetime1">
+            <a:fld id="{45E5DCC3-ED7E-4357-AB17-C456B0C26267}" type="datetime1">
               <a:rPr lang="en-US" smtClean="0"/>
               <a:t>19-Aug-21</a:t>
             </a:fld>
@@ -936,6 +940,10 @@
           <a:bodyPr/>
           <a:lstStyle/>
           <a:p>
+            <a:r>
+              <a:rPr lang="en-US"/>
+              <a:t>* nije testirano</a:t>
+            </a:r>
             <a:endParaRPr lang="en-US" dirty="0"/>
           </a:p>
         </p:txBody>
@@ -1275,7 +1283,7 @@
           <a:bodyPr/>
           <a:lstStyle/>
           <a:p>
-            <a:fld id="{ED291B17-9318-49DB-B28B-6E5994AE9581}" type="datetime1">
+            <a:fld id="{32B866DC-2DD3-4684-9286-BA8D11B99F65}" type="datetime1">
               <a:rPr lang="en-US" smtClean="0"/>
               <a:t>19-Aug-21</a:t>
             </a:fld>
@@ -1304,6 +1312,10 @@
           <a:bodyPr/>
           <a:lstStyle/>
           <a:p>
+            <a:r>
+              <a:rPr lang="en-US"/>
+              <a:t>* nije testirano</a:t>
+            </a:r>
             <a:endParaRPr lang="en-US" dirty="0"/>
           </a:p>
         </p:txBody>
@@ -1473,7 +1485,7 @@
           <a:bodyPr/>
           <a:lstStyle/>
           <a:p>
-            <a:fld id="{78DD82B9-B8EE-4375-B6FF-88FA6ABB15D9}" type="datetime1">
+            <a:fld id="{3241DFA3-D189-4C98-AA3D-5C5210A24D66}" type="datetime1">
               <a:rPr lang="en-US" smtClean="0"/>
               <a:t>19-Aug-21</a:t>
             </a:fld>
@@ -1502,6 +1514,10 @@
           <a:bodyPr/>
           <a:lstStyle/>
           <a:p>
+            <a:r>
+              <a:rPr lang="en-US"/>
+              <a:t>* nije testirano</a:t>
+            </a:r>
             <a:endParaRPr lang="en-US" dirty="0"/>
           </a:p>
         </p:txBody>
@@ -1785,7 +1801,7 @@
           <a:bodyPr/>
           <a:lstStyle/>
           <a:p>
-            <a:fld id="{B2497495-0637-405E-AE64-5CC7506D51F5}" type="datetime1">
+            <a:fld id="{1945E8C0-6A43-4935-84C5-FCF4DAAF0DBF}" type="datetime1">
               <a:rPr lang="en-US" smtClean="0"/>
               <a:t>19-Aug-21</a:t>
             </a:fld>
@@ -1814,6 +1830,10 @@
           <a:bodyPr/>
           <a:lstStyle/>
           <a:p>
+            <a:r>
+              <a:rPr lang="en-US"/>
+              <a:t>* nije testirano</a:t>
+            </a:r>
             <a:endParaRPr lang="en-US" dirty="0"/>
           </a:p>
         </p:txBody>
@@ -2038,7 +2058,7 @@
           <a:bodyPr/>
           <a:lstStyle/>
           <a:p>
-            <a:fld id="{7BFFD690-9426-415D-8B65-26881E07B2D4}" type="datetime1">
+            <a:fld id="{28409D40-57F7-42B4-A6EB-5519178EA39D}" type="datetime1">
               <a:rPr lang="en-US" smtClean="0"/>
               <a:t>19-Aug-21</a:t>
             </a:fld>
@@ -2061,6 +2081,10 @@
           <a:bodyPr/>
           <a:lstStyle/>
           <a:p>
+            <a:r>
+              <a:rPr lang="en-US"/>
+              <a:t>* nije testirano</a:t>
+            </a:r>
             <a:endParaRPr lang="en-US" dirty="0"/>
           </a:p>
         </p:txBody>
@@ -2460,7 +2484,7 @@
           <a:bodyPr/>
           <a:lstStyle/>
           <a:p>
-            <a:fld id="{04C4989A-474C-40DE-95B9-011C28B71673}" type="datetime1">
+            <a:fld id="{3ABBBF51-A0EA-4176-822C-C2F4E1C48E00}" type="datetime1">
               <a:rPr lang="en-US" smtClean="0"/>
               <a:t>19-Aug-21</a:t>
             </a:fld>
@@ -2483,6 +2507,10 @@
           <a:bodyPr/>
           <a:lstStyle/>
           <a:p>
+            <a:r>
+              <a:rPr lang="en-US"/>
+              <a:t>* nije testirano</a:t>
+            </a:r>
             <a:endParaRPr lang="en-US" dirty="0"/>
           </a:p>
         </p:txBody>
@@ -2583,7 +2611,7 @@
           <a:bodyPr/>
           <a:lstStyle/>
           <a:p>
-            <a:fld id="{5DB4ED54-5B5E-4A04-93D3-5772E3CE3818}" type="datetime1">
+            <a:fld id="{7AA56B23-EAF6-43CE-9C5F-C1AC6F75B3FE}" type="datetime1">
               <a:rPr lang="en-US" smtClean="0"/>
               <a:t>19-Aug-21</a:t>
             </a:fld>
@@ -2606,6 +2634,10 @@
           <a:bodyPr/>
           <a:lstStyle/>
           <a:p>
+            <a:r>
+              <a:rPr lang="en-US"/>
+              <a:t>* nije testirano</a:t>
+            </a:r>
             <a:endParaRPr lang="en-US" dirty="0"/>
           </a:p>
         </p:txBody>
@@ -2678,7 +2710,7 @@
           <a:bodyPr/>
           <a:lstStyle/>
           <a:p>
-            <a:fld id="{4EDE50D6-574B-40AF-946F-D52A04ADE379}" type="datetime1">
+            <a:fld id="{9CF9F856-8832-45FD-BDF7-49D388E23701}" type="datetime1">
               <a:rPr lang="en-US" smtClean="0"/>
               <a:t>19-Aug-21</a:t>
             </a:fld>
@@ -2701,6 +2733,10 @@
           <a:bodyPr/>
           <a:lstStyle/>
           <a:p>
+            <a:r>
+              <a:rPr lang="en-US"/>
+              <a:t>* nije testirano</a:t>
+            </a:r>
             <a:endParaRPr lang="en-US" dirty="0"/>
           </a:p>
         </p:txBody>
@@ -3055,7 +3091,7 @@
           <a:bodyPr/>
           <a:lstStyle/>
           <a:p>
-            <a:fld id="{D82884F1-FFEA-405F-9602-3DCA865EDA4E}" type="datetime1">
+            <a:fld id="{D0353F64-6950-4819-AEAC-6A0A49540B45}" type="datetime1">
               <a:rPr lang="en-US" smtClean="0"/>
               <a:t>19-Aug-21</a:t>
             </a:fld>
@@ -3089,6 +3125,10 @@
           <a:bodyPr/>
           <a:lstStyle/>
           <a:p>
+            <a:r>
+              <a:rPr lang="en-US"/>
+              <a:t>* nije testirano</a:t>
+            </a:r>
             <a:endParaRPr lang="en-US" dirty="0"/>
           </a:p>
         </p:txBody>
@@ -3348,7 +3388,7 @@
           <a:bodyPr/>
           <a:lstStyle/>
           <a:p>
-            <a:fld id="{7E18DB4A-8810-4A10-AD5C-D5E2C667F5B3}" type="datetime1">
+            <a:fld id="{EF0885CB-6479-43E7-8A1D-2D9096958F51}" type="datetime1">
               <a:rPr lang="en-US" smtClean="0"/>
               <a:t>19-Aug-21</a:t>
             </a:fld>
@@ -3372,6 +3412,10 @@
           <a:lstStyle/>
           <a:p>
             <a:pPr algn="l"/>
+            <a:r>
+              <a:rPr lang="en-US"/>
+              <a:t>* nije testirano</a:t>
+            </a:r>
             <a:endParaRPr lang="en-US" dirty="0"/>
           </a:p>
         </p:txBody>
@@ -3563,7 +3607,7 @@
             </a:lvl1pPr>
           </a:lstStyle>
           <a:p>
-            <a:fld id="{ED291B17-9318-49DB-B28B-6E5994AE9581}" type="datetime1">
+            <a:fld id="{9A1DEE35-3117-409A-BC8A-67B6E44B5615}" type="datetime1">
               <a:rPr lang="en-US" smtClean="0"/>
               <a:t>19-Aug-21</a:t>
             </a:fld>
@@ -3605,6 +3649,10 @@
             </a:lvl1pPr>
           </a:lstStyle>
           <a:p>
+            <a:r>
+              <a:rPr lang="en-US"/>
+              <a:t>* nije testirano</a:t>
+            </a:r>
             <a:endParaRPr lang="en-US" dirty="0"/>
           </a:p>
         </p:txBody>
@@ -4561,22 +4609,54 @@
               </a:lnSpc>
             </a:pPr>
             <a:r>
-              <a:rPr lang="en-US" sz="2800">
+              <a:rPr lang="en-US" sz="2800" dirty="0">
                 <a:solidFill>
                   <a:srgbClr val="FFFFFF"/>
                 </a:solidFill>
               </a:rPr>
-              <a:t>Problem Maksimalne klike </a:t>
+              <a:t>Problem </a:t>
+            </a:r>
+            <a:r>
+              <a:rPr lang="en-US" sz="2800" dirty="0" err="1">
+                <a:solidFill>
+                  <a:srgbClr val="FFFFFF"/>
+                </a:solidFill>
+              </a:rPr>
+              <a:t>Maksimalne</a:t>
+            </a:r>
+            <a:r>
+              <a:rPr lang="en-US" sz="2800" dirty="0">
+                <a:solidFill>
+                  <a:srgbClr val="FFFFFF"/>
+                </a:solidFill>
+              </a:rPr>
+              <a:t> </a:t>
+            </a:r>
+            <a:r>
+              <a:rPr lang="en-US" sz="2800" dirty="0" err="1">
+                <a:solidFill>
+                  <a:srgbClr val="FFFFFF"/>
+                </a:solidFill>
+              </a:rPr>
+              <a:t>klike</a:t>
+            </a:r>
+            <a:r>
+              <a:rPr lang="en-US" sz="2800" dirty="0">
+                <a:solidFill>
+                  <a:srgbClr val="FFFFFF"/>
+                </a:solidFill>
+              </a:rPr>
+              <a:t> </a:t>
             </a:r>
             <a:br>
-              <a:rPr lang="en-US" sz="2800">
+              <a:rPr lang="en-US" sz="2800" dirty="0">
                 <a:solidFill>
                   <a:srgbClr val="FFFFFF"/>
                 </a:solidFill>
               </a:rPr>
             </a:br>
             <a:r>
-              <a:rPr lang="en-US" sz="2800">
+              <a:rPr lang="en-US" sz="2800" dirty="0">
                 <a:solidFill>
                   <a:srgbClr val="FFFFFF"/>
                 </a:solidFill>
@@ -4615,7 +4695,7 @@
           <a:lstStyle/>
           <a:p>
             <a:r>
-              <a:rPr lang="sr-Latn-RS">
+              <a:rPr lang="sr-Latn-RS" dirty="0">
                 <a:solidFill>
                   <a:srgbClr val="FFFFFF">
                     <a:alpha val="75000"/>
@@ -4627,7 +4707,7 @@
           </a:p>
           <a:p>
             <a:r>
-              <a:rPr lang="sr-Latn-RS">
+              <a:rPr lang="sr-Latn-RS" dirty="0">
                 <a:solidFill>
                   <a:srgbClr val="FFFFFF">
                     <a:alpha val="75000"/>
@@ -6932,14 +7012,14 @@
             <p:ph idx="1"/>
             <p:extLst>
               <p:ext uri="{D42A27DB-BD31-4B8C-83A1-F6EECF244321}">
-                <p14:modId xmlns:p14="http://schemas.microsoft.com/office/powerpoint/2010/main" val="758684262"/>
+                <p14:modId xmlns:p14="http://schemas.microsoft.com/office/powerpoint/2010/main" val="205797507"/>
               </p:ext>
             </p:extLst>
           </p:nvPr>
         </p:nvGraphicFramePr>
         <p:xfrm>
           <a:off x="1094840" y="1659188"/>
-          <a:ext cx="10001984" cy="4699724"/>
+          <a:ext cx="10001986" cy="4287174"/>
         </p:xfrm>
         <a:graphic>
           <a:graphicData uri="http://schemas.openxmlformats.org/drawingml/2006/table">
@@ -6948,71 +7028,78 @@
                 <a:tableStyleId>{5C22544A-7EE6-4342-B048-85BDC9FD1C3A}</a:tableStyleId>
               </a:tblPr>
               <a:tblGrid>
-                <a:gridCol w="2118214">
+                <a:gridCol w="1954426">
                   <a:extLst>
                     <a:ext uri="{9D8B030D-6E8A-4147-A177-3AD203B41FA5}">
                       <a16:colId xmlns:a16="http://schemas.microsoft.com/office/drawing/2014/main" val="1103098868"/>
                     </a:ext>
                   </a:extLst>
                 </a:gridCol>
-                <a:gridCol w="1257300">
+                <a:gridCol w="1160081">
                   <a:extLst>
                     <a:ext uri="{9D8B030D-6E8A-4147-A177-3AD203B41FA5}">
                       <a16:colId xmlns:a16="http://schemas.microsoft.com/office/drawing/2014/main" val="2274748186"/>
                     </a:ext>
                   </a:extLst>
                 </a:gridCol>
-                <a:gridCol w="1143000">
+                <a:gridCol w="1054619">
                   <a:extLst>
                     <a:ext uri="{9D8B030D-6E8A-4147-A177-3AD203B41FA5}">
                       <a16:colId xmlns:a16="http://schemas.microsoft.com/office/drawing/2014/main" val="3564559143"/>
                     </a:ext>
                   </a:extLst>
                 </a:gridCol>
-                <a:gridCol w="1292470">
+                <a:gridCol w="1192532">
                   <a:extLst>
                     <a:ext uri="{9D8B030D-6E8A-4147-A177-3AD203B41FA5}">
                       <a16:colId xmlns:a16="http://schemas.microsoft.com/office/drawing/2014/main" val="3653694080"/>
                     </a:ext>
                   </a:extLst>
                 </a:gridCol>
-                <a:gridCol w="838200">
+                <a:gridCol w="773388">
                   <a:extLst>
                     <a:ext uri="{9D8B030D-6E8A-4147-A177-3AD203B41FA5}">
                       <a16:colId xmlns:a16="http://schemas.microsoft.com/office/drawing/2014/main" val="3276962968"/>
                     </a:ext>
                   </a:extLst>
                 </a:gridCol>
-                <a:gridCol w="838200">
+                <a:gridCol w="773388">
                   <a:extLst>
                     <a:ext uri="{9D8B030D-6E8A-4147-A177-3AD203B41FA5}">
                       <a16:colId xmlns:a16="http://schemas.microsoft.com/office/drawing/2014/main" val="3511980048"/>
                     </a:ext>
                   </a:extLst>
                 </a:gridCol>
-                <a:gridCol w="838200">
+                <a:gridCol w="773388">
                   <a:extLst>
                     <a:ext uri="{9D8B030D-6E8A-4147-A177-3AD203B41FA5}">
                       <a16:colId xmlns:a16="http://schemas.microsoft.com/office/drawing/2014/main" val="272198918"/>
                     </a:ext>
                   </a:extLst>
                 </a:gridCol>
-                <a:gridCol w="838200">
+                <a:gridCol w="773388">
                   <a:extLst>
                     <a:ext uri="{9D8B030D-6E8A-4147-A177-3AD203B41FA5}">
                       <a16:colId xmlns:a16="http://schemas.microsoft.com/office/drawing/2014/main" val="1663337357"/>
                     </a:ext>
                   </a:extLst>
                 </a:gridCol>
-                <a:gridCol w="838200">
+                <a:gridCol w="773388">
                   <a:extLst>
                     <a:ext uri="{9D8B030D-6E8A-4147-A177-3AD203B41FA5}">
                       <a16:colId xmlns:a16="http://schemas.microsoft.com/office/drawing/2014/main" val="1370916162"/>
                     </a:ext>
                   </a:extLst>
                 </a:gridCol>
+                <a:gridCol w="773388">
+                  <a:extLst>
+                    <a:ext uri="{9D8B030D-6E8A-4147-A177-3AD203B41FA5}">
+                      <a16:colId xmlns:a16="http://schemas.microsoft.com/office/drawing/2014/main" val="716641096"/>
+                    </a:ext>
+                  </a:extLst>
+                </a:gridCol>
               </a:tblGrid>
-              <a:tr h="536331">
+              <a:tr h="676002">
                 <a:tc rowSpan="3">
                   <a:txBody>
                     <a:bodyPr/>
@@ -7107,7 +7194,7 @@
                     </a:solidFill>
                   </a:tcPr>
                 </a:tc>
-                <a:tc gridSpan="5">
+                <a:tc gridSpan="6">
                   <a:txBody>
                     <a:bodyPr/>
                     <a:lstStyle/>
@@ -7210,13 +7297,40 @@
                   </a:txBody>
                   <a:tcPr/>
                 </a:tc>
+                <a:tc hMerge="1">
+                  <a:txBody>
+                    <a:bodyPr/>
+                    <a:lstStyle/>
+                    <a:p>
+                      <a:pPr algn="ctr"/>
+                      <a:endParaRPr lang="sr-Latn-RS" sz="1400" dirty="0"/>
+                    </a:p>
+                  </a:txBody>
+                  <a:tcPr anchor="ctr">
+                    <a:lnL w="12700" cap="flat" cmpd="sng" algn="ctr">
+                      <a:solidFill>
+                        <a:schemeClr val="bg1"/>
+                      </a:solidFill>
+                      <a:prstDash val="solid"/>
+                      <a:round/>
+                      <a:headEnd type="none" w="med" len="med"/>
+                      <a:tailEnd type="none" w="med" len="med"/>
+                    </a:lnL>
+                    <a:solidFill>
+                      <a:schemeClr val="tx1">
+                        <a:lumMod val="75000"/>
+                        <a:lumOff val="25000"/>
+                      </a:schemeClr>
+                    </a:solidFill>
+                  </a:tcPr>
+                </a:tc>
                 <a:extLst>
                   <a:ext uri="{0D108BD9-81ED-4DB2-BD59-A6C34878D82A}">
                     <a16:rowId xmlns:a16="http://schemas.microsoft.com/office/drawing/2014/main" val="1433913432"/>
                   </a:ext>
                 </a:extLst>
               </a:tr>
-              <a:tr h="386862">
+              <a:tr h="346642">
                 <a:tc vMerge="1">
                   <a:txBody>
                     <a:bodyPr/>
@@ -7451,13 +7565,70 @@
                     </a:solidFill>
                   </a:tcPr>
                 </a:tc>
+                <a:tc>
+                  <a:txBody>
+                    <a:bodyPr/>
+                    <a:lstStyle/>
+                    <a:p>
+                      <a:pPr algn="ctr"/>
+                      <a:r>
+                        <a:rPr lang="en-US" sz="1400" b="1" dirty="0">
+                          <a:solidFill>
+                            <a:schemeClr val="bg1"/>
+                          </a:solidFill>
+                        </a:rPr>
+                        <a:t>10.000</a:t>
+                      </a:r>
+                      <a:endParaRPr lang="sr-Latn-RS" sz="1400" b="1" dirty="0">
+                        <a:solidFill>
+                          <a:schemeClr val="bg1"/>
+                        </a:solidFill>
+                      </a:endParaRPr>
+                    </a:p>
+                  </a:txBody>
+                  <a:tcPr anchor="ctr">
+                    <a:lnL w="12700" cap="flat" cmpd="sng" algn="ctr">
+                      <a:solidFill>
+                        <a:schemeClr val="bg1"/>
+                      </a:solidFill>
+                      <a:prstDash val="solid"/>
+                      <a:round/>
+                      <a:headEnd type="none" w="med" len="med"/>
+                      <a:tailEnd type="none" w="med" len="med"/>
+                    </a:lnL>
+                    <a:lnR w="12700" cap="flat" cmpd="sng" algn="ctr">
+                      <a:solidFill>
+                        <a:schemeClr val="bg1"/>
+                      </a:solidFill>
+                      <a:prstDash val="solid"/>
+                      <a:round/>
+                      <a:headEnd type="none" w="med" len="med"/>
+                      <a:tailEnd type="none" w="med" len="med"/>
+                    </a:lnR>
+                    <a:lnB w="12700" cap="flat" cmpd="sng" algn="ctr">
+                      <a:solidFill>
+                        <a:schemeClr val="bg1"/>
+                      </a:solidFill>
+                      <a:prstDash val="solid"/>
+                      <a:round/>
+                      <a:headEnd type="none" w="med" len="med"/>
+                      <a:tailEnd type="none" w="med" len="med"/>
+                    </a:lnB>
+                    <a:solidFill>
+                      <a:schemeClr val="tx1">
+                        <a:lumMod val="75000"/>
+                        <a:lumOff val="25000"/>
+                      </a:schemeClr>
+                    </a:solidFill>
+                  </a:tcPr>
+                </a:tc>
                 <a:extLst>
                   <a:ext uri="{0D108BD9-81ED-4DB2-BD59-A6C34878D82A}">
                     <a16:rowId xmlns:a16="http://schemas.microsoft.com/office/drawing/2014/main" val="2295222003"/>
                   </a:ext>
                 </a:extLst>
               </a:tr>
-              <a:tr h="386862">
+              <a:tr h="346642">
                 <a:tc vMerge="1">
                   <a:txBody>
                     <a:bodyPr/>
@@ -7827,13 +7998,79 @@
                     </a:solidFill>
                   </a:tcPr>
                 </a:tc>
+                <a:tc>
+                  <a:txBody>
+                    <a:bodyPr/>
+                    <a:lstStyle/>
+                    <a:p>
+                      <a:pPr algn="ctr"/>
+                      <a:r>
+                        <a:rPr lang="en-US" sz="1400" b="1" dirty="0">
+                          <a:solidFill>
+                            <a:schemeClr val="bg1"/>
+                          </a:solidFill>
+                        </a:rPr>
+                        <a:t>1</a:t>
+                      </a:r>
+                      <a:endParaRPr lang="sr-Latn-RS" sz="1400" b="1" dirty="0">
+                        <a:solidFill>
+                          <a:schemeClr val="bg1"/>
+                        </a:solidFill>
+                      </a:endParaRPr>
+                    </a:p>
+                  </a:txBody>
+                  <a:tcPr anchor="ctr">
+                    <a:lnL w="12700" cap="flat" cmpd="sng" algn="ctr">
+                      <a:solidFill>
+                        <a:schemeClr val="bg1"/>
+                      </a:solidFill>
+                      <a:prstDash val="solid"/>
+                      <a:round/>
+                      <a:headEnd type="none" w="med" len="med"/>
+                      <a:tailEnd type="none" w="med" len="med"/>
+                    </a:lnL>
+                    <a:lnR w="12700" cap="flat" cmpd="sng" algn="ctr">
+                      <a:solidFill>
+                        <a:schemeClr val="bg1"/>
+                      </a:solidFill>
+                      <a:prstDash val="solid"/>
+                      <a:round/>
+                      <a:headEnd type="none" w="med" len="med"/>
+                      <a:tailEnd type="none" w="med" len="med"/>
+                    </a:lnR>
+                    <a:lnT w="12700" cap="flat" cmpd="sng" algn="ctr">
+                      <a:solidFill>
+                        <a:schemeClr val="bg1"/>
+                      </a:solidFill>
+                      <a:prstDash val="solid"/>
+                      <a:round/>
+                      <a:headEnd type="none" w="med" len="med"/>
+                      <a:tailEnd type="none" w="med" len="med"/>
+                    </a:lnT>
+                    <a:lnB w="38100" cap="flat" cmpd="sng" algn="ctr">
+                      <a:solidFill>
+                        <a:schemeClr val="bg1"/>
+                      </a:solidFill>
+                      <a:prstDash val="solid"/>
+                      <a:round/>
+                      <a:headEnd type="none" w="med" len="med"/>
+                      <a:tailEnd type="none" w="med" len="med"/>
+                    </a:lnB>
+                    <a:solidFill>
+                      <a:schemeClr val="tx1">
+                        <a:lumMod val="75000"/>
+                        <a:lumOff val="25000"/>
+                      </a:schemeClr>
+                    </a:solidFill>
+                  </a:tcPr>
+                </a:tc>
                 <a:extLst>
                   <a:ext uri="{0D108BD9-81ED-4DB2-BD59-A6C34878D82A}">
                     <a16:rowId xmlns:a16="http://schemas.microsoft.com/office/drawing/2014/main" val="2709891890"/>
                   </a:ext>
                 </a:extLst>
               </a:tr>
-              <a:tr h="638896">
+              <a:tr h="572474">
                 <a:tc>
                   <a:txBody>
                     <a:bodyPr/>
@@ -8157,13 +8394,64 @@
                     </a:lnT>
                   </a:tcPr>
                 </a:tc>
+                <a:tc>
+                  <a:txBody>
+                    <a:bodyPr/>
+                    <a:lstStyle/>
+                    <a:p>
+                      <a:pPr algn="ctr"/>
+                      <a:r>
+                        <a:rPr lang="en-US" sz="1400" dirty="0">
+                          <a:solidFill>
+                            <a:srgbClr val="656565"/>
+                          </a:solidFill>
+                        </a:rPr>
+                        <a:t>29</a:t>
+                      </a:r>
+                      <a:endParaRPr lang="sr-Latn-RS" sz="1400" dirty="0">
+                        <a:solidFill>
+                          <a:srgbClr val="656565"/>
+                        </a:solidFill>
+                      </a:endParaRPr>
+                    </a:p>
+                  </a:txBody>
+                  <a:tcPr anchor="ctr">
+                    <a:lnL w="12700" cap="flat" cmpd="sng" algn="ctr">
+                      <a:solidFill>
+                        <a:schemeClr val="bg1"/>
+                      </a:solidFill>
+                      <a:prstDash val="solid"/>
+                      <a:round/>
+                      <a:headEnd type="none" w="med" len="med"/>
+                      <a:tailEnd type="none" w="med" len="med"/>
+                    </a:lnL>
+                    <a:lnR w="12700" cap="flat" cmpd="sng" algn="ctr">
+                      <a:solidFill>
+                        <a:schemeClr val="bg1"/>
+                      </a:solidFill>
+                      <a:prstDash val="solid"/>
+                      <a:round/>
+                      <a:headEnd type="none" w="med" len="med"/>
+                      <a:tailEnd type="none" w="med" len="med"/>
+                    </a:lnR>
+                    <a:lnT w="38100" cap="flat" cmpd="sng" algn="ctr">
+                      <a:solidFill>
+                        <a:schemeClr val="bg1"/>
+                      </a:solidFill>
+                      <a:prstDash val="solid"/>
+                      <a:round/>
+                      <a:headEnd type="none" w="med" len="med"/>
+                      <a:tailEnd type="none" w="med" len="med"/>
+                    </a:lnT>
+                  </a:tcPr>
+                </a:tc>
                 <a:extLst>
                   <a:ext uri="{0D108BD9-81ED-4DB2-BD59-A6C34878D82A}">
                     <a16:rowId xmlns:a16="http://schemas.microsoft.com/office/drawing/2014/main" val="32078127"/>
                   </a:ext>
                 </a:extLst>
               </a:tr>
-              <a:tr h="638896">
+              <a:tr h="572474">
                 <a:tc>
                   <a:txBody>
                     <a:bodyPr/>
@@ -8458,13 +8746,55 @@
                     </a:lnR>
                   </a:tcPr>
                 </a:tc>
+                <a:tc>
+                  <a:txBody>
+                    <a:bodyPr/>
+                    <a:lstStyle/>
+                    <a:p>
+                      <a:pPr algn="ctr"/>
+                      <a:r>
+                        <a:rPr lang="en-US" sz="1400" dirty="0">
+                          <a:solidFill>
+                            <a:srgbClr val="656565"/>
+                          </a:solidFill>
+                        </a:rPr>
+                        <a:t>16</a:t>
+                      </a:r>
+                      <a:endParaRPr lang="sr-Latn-RS" sz="1400" dirty="0">
+                        <a:solidFill>
+                          <a:srgbClr val="656565"/>
+                        </a:solidFill>
+                      </a:endParaRPr>
+                    </a:p>
+                  </a:txBody>
+                  <a:tcPr anchor="ctr">
+                    <a:lnL w="12700" cap="flat" cmpd="sng" algn="ctr">
+                      <a:solidFill>
+                        <a:schemeClr val="bg1"/>
+                      </a:solidFill>
+                      <a:prstDash val="solid"/>
+                      <a:round/>
+                      <a:headEnd type="none" w="med" len="med"/>
+                      <a:tailEnd type="none" w="med" len="med"/>
+                    </a:lnL>
+                    <a:lnR w="12700" cap="flat" cmpd="sng" algn="ctr">
+                      <a:solidFill>
+                        <a:schemeClr val="bg1"/>
+                      </a:solidFill>
+                      <a:prstDash val="solid"/>
+                      <a:round/>
+                      <a:headEnd type="none" w="med" len="med"/>
+                      <a:tailEnd type="none" w="med" len="med"/>
+                    </a:lnR>
+                  </a:tcPr>
+                </a:tc>
                 <a:extLst>
                   <a:ext uri="{0D108BD9-81ED-4DB2-BD59-A6C34878D82A}">
                     <a16:rowId xmlns:a16="http://schemas.microsoft.com/office/drawing/2014/main" val="3798880914"/>
                   </a:ext>
                 </a:extLst>
               </a:tr>
-              <a:tr h="638896">
+              <a:tr h="572474">
                 <a:tc>
                   <a:txBody>
                     <a:bodyPr/>
@@ -8751,13 +9081,55 @@
                     </a:lnR>
                   </a:tcPr>
                 </a:tc>
+                <a:tc>
+                  <a:txBody>
+                    <a:bodyPr/>
+                    <a:lstStyle/>
+                    <a:p>
+                      <a:pPr algn="ctr"/>
+                      <a:r>
+                        <a:rPr lang="en-US" sz="1400" dirty="0">
+                          <a:solidFill>
+                            <a:srgbClr val="656565"/>
+                          </a:solidFill>
+                        </a:rPr>
+                        <a:t>*</a:t>
+                      </a:r>
+                      <a:endParaRPr lang="sr-Latn-RS" sz="1400" dirty="0">
+                        <a:solidFill>
+                          <a:srgbClr val="656565"/>
+                        </a:solidFill>
+                      </a:endParaRPr>
+                    </a:p>
+                  </a:txBody>
+                  <a:tcPr anchor="ctr">
+                    <a:lnL w="12700" cap="flat" cmpd="sng" algn="ctr">
+                      <a:solidFill>
+                        <a:schemeClr val="bg1"/>
+                      </a:solidFill>
+                      <a:prstDash val="solid"/>
+                      <a:round/>
+                      <a:headEnd type="none" w="med" len="med"/>
+                      <a:tailEnd type="none" w="med" len="med"/>
+                    </a:lnL>
+                    <a:lnR w="12700" cap="flat" cmpd="sng" algn="ctr">
+                      <a:solidFill>
+                        <a:schemeClr val="bg1"/>
+                      </a:solidFill>
+                      <a:prstDash val="solid"/>
+                      <a:round/>
+                      <a:headEnd type="none" w="med" len="med"/>
+                      <a:tailEnd type="none" w="med" len="med"/>
+                    </a:lnR>
+                  </a:tcPr>
+                </a:tc>
                 <a:extLst>
                   <a:ext uri="{0D108BD9-81ED-4DB2-BD59-A6C34878D82A}">
                     <a16:rowId xmlns:a16="http://schemas.microsoft.com/office/drawing/2014/main" val="2550482716"/>
                   </a:ext>
                 </a:extLst>
               </a:tr>
-              <a:tr h="638896">
+              <a:tr h="572474">
                 <a:tc>
                   <a:txBody>
                     <a:bodyPr/>
@@ -9039,13 +9411,55 @@
                     </a:lnR>
                   </a:tcPr>
                 </a:tc>
+                <a:tc>
+                  <a:txBody>
+                    <a:bodyPr/>
+                    <a:lstStyle/>
+                    <a:p>
+                      <a:pPr algn="ctr"/>
+                      <a:r>
+                        <a:rPr lang="en-US" sz="1400" dirty="0">
+                          <a:solidFill>
+                            <a:srgbClr val="656565"/>
+                          </a:solidFill>
+                        </a:rPr>
+                        <a:t>*</a:t>
+                      </a:r>
+                      <a:endParaRPr lang="sr-Latn-RS" sz="1400" dirty="0">
+                        <a:solidFill>
+                          <a:srgbClr val="656565"/>
+                        </a:solidFill>
+                      </a:endParaRPr>
+                    </a:p>
+                  </a:txBody>
+                  <a:tcPr anchor="ctr">
+                    <a:lnL w="12700" cap="flat" cmpd="sng" algn="ctr">
+                      <a:solidFill>
+                        <a:schemeClr val="bg1"/>
+                      </a:solidFill>
+                      <a:prstDash val="solid"/>
+                      <a:round/>
+                      <a:headEnd type="none" w="med" len="med"/>
+                      <a:tailEnd type="none" w="med" len="med"/>
+                    </a:lnL>
+                    <a:lnR w="12700" cap="flat" cmpd="sng" algn="ctr">
+                      <a:solidFill>
+                        <a:schemeClr val="bg1"/>
+                      </a:solidFill>
+                      <a:prstDash val="solid"/>
+                      <a:round/>
+                      <a:headEnd type="none" w="med" len="med"/>
+                      <a:tailEnd type="none" w="med" len="med"/>
+                    </a:lnR>
+                  </a:tcPr>
+                </a:tc>
                 <a:extLst>
                   <a:ext uri="{0D108BD9-81ED-4DB2-BD59-A6C34878D82A}">
                     <a16:rowId xmlns:a16="http://schemas.microsoft.com/office/drawing/2014/main" val="917537749"/>
                   </a:ext>
                 </a:extLst>
               </a:tr>
-              <a:tr h="638896">
+              <a:tr h="572474">
                 <a:tc>
                   <a:txBody>
                     <a:bodyPr/>
@@ -9340,6 +9754,48 @@
                     </a:lnR>
                   </a:tcPr>
                 </a:tc>
+                <a:tc>
+                  <a:txBody>
+                    <a:bodyPr/>
+                    <a:lstStyle/>
+                    <a:p>
+                      <a:pPr algn="ctr"/>
+                      <a:r>
+                        <a:rPr lang="en-US" sz="1400" dirty="0">
+                          <a:solidFill>
+                            <a:srgbClr val="656565"/>
+                          </a:solidFill>
+                        </a:rPr>
+                        <a:t>*</a:t>
+                      </a:r>
+                      <a:endParaRPr lang="sr-Latn-RS" sz="1400" dirty="0">
+                        <a:solidFill>
+                          <a:srgbClr val="656565"/>
+                        </a:solidFill>
+                      </a:endParaRPr>
+                    </a:p>
+                  </a:txBody>
+                  <a:tcPr anchor="ctr">
+                    <a:lnL w="12700" cap="flat" cmpd="sng" algn="ctr">
+                      <a:solidFill>
+                        <a:schemeClr val="bg1"/>
+                      </a:solidFill>
+                      <a:prstDash val="solid"/>
+                      <a:round/>
+                      <a:headEnd type="none" w="med" len="med"/>
+                      <a:tailEnd type="none" w="med" len="med"/>
+                    </a:lnL>
+                    <a:lnR w="12700" cap="flat" cmpd="sng" algn="ctr">
+                      <a:solidFill>
+                        <a:schemeClr val="bg1"/>
+                      </a:solidFill>
+                      <a:prstDash val="solid"/>
+                      <a:round/>
+                      <a:headEnd type="none" w="med" len="med"/>
+                      <a:tailEnd type="none" w="med" len="med"/>
+                    </a:lnR>
+                  </a:tcPr>
+                </a:tc>
                 <a:extLst>
                   <a:ext uri="{0D108BD9-81ED-4DB2-BD59-A6C34878D82A}">
                     <a16:rowId xmlns:a16="http://schemas.microsoft.com/office/drawing/2014/main" val="1540637405"/>
@@ -9350,6 +9806,35 @@
           </a:graphicData>
         </a:graphic>
       </p:graphicFrame>
+      <p:sp>
+        <p:nvSpPr>
+          <p:cNvPr id="5" name="Footer Placeholder 4">
+            <a:extLst>
+              <a:ext uri="{FF2B5EF4-FFF2-40B4-BE49-F238E27FC236}">
+                <a16:creationId xmlns:a16="http://schemas.microsoft.com/office/drawing/2014/main" id="{877FC872-457D-4CD3-B588-C2619D3ED1C9}"/>
+              </a:ext>
+            </a:extLst>
+          </p:cNvPr>
+          <p:cNvSpPr>
+            <a:spLocks noGrp="1"/>
+          </p:cNvSpPr>
+          <p:nvPr>
+            <p:ph type="ftr" sz="quarter" idx="11"/>
+          </p:nvPr>
+        </p:nvSpPr>
+        <p:spPr/>
+        <p:txBody>
+          <a:bodyPr/>
+          <a:lstStyle/>
+          <a:p>
+            <a:r>
+              <a:rPr lang="en-US"/>
+              <a:t>* nije testirano</a:t>
+            </a:r>
+            <a:endParaRPr lang="en-US" dirty="0"/>
+          </a:p>
+        </p:txBody>
+      </p:sp>
     </p:spTree>
     <p:extLst>
       <p:ext uri="{BB962C8B-B14F-4D97-AF65-F5344CB8AC3E}">
@@ -10687,24 +11172,6 @@
 </file>
 
 <file path=customXml/item1.xml><?xml version="1.0" encoding="utf-8"?>
-<p:properties xmlns:p="http://schemas.microsoft.com/office/2006/metadata/properties" xmlns:xsi="http://www.w3.org/2001/XMLSchema-instance" xmlns:pc="http://schemas.microsoft.com/office/infopath/2007/PartnerControls">
-  <documentManagement>
-    <Status xmlns="71af3243-3dd4-4a8d-8c0d-dd76da1f02a5">Not started</Status>
-    <MediaServiceKeyPoints xmlns="71af3243-3dd4-4a8d-8c0d-dd76da1f02a5" xsi:nil="true"/>
-  </documentManagement>
-</p:properties>
-</file>
-
-<file path=customXml/item2.xml><?xml version="1.0" encoding="utf-8"?>
-<?mso-contentType ?>
-<FormTemplates xmlns="http://schemas.microsoft.com/sharepoint/v3/contenttype/forms">
-  <Display>DocumentLibraryForm</Display>
-  <Edit>DocumentLibraryForm</Edit>
-  <New>DocumentLibraryForm</New>
-</FormTemplates>
-</file>
-
-<file path=customXml/item3.xml><?xml version="1.0" encoding="utf-8"?>
 <ct:contentTypeSchema xmlns:ct="http://schemas.microsoft.com/office/2006/metadata/contentType" xmlns:ma="http://schemas.microsoft.com/office/2006/metadata/properties/metaAttributes" ct:_="" ma:_="" ma:contentTypeName="Document" ma:contentTypeID="0x01010079F111ED35F8CC479449609E8A0923A6" ma:contentTypeVersion="12" ma:contentTypeDescription="Create a new document." ma:contentTypeScope="" ma:versionID="a410dd7f93c95333ffa1b60ed6adedd1">
   <xsd:schema xmlns:xsd="http://www.w3.org/2001/XMLSchema" xmlns:xs="http://www.w3.org/2001/XMLSchema" xmlns:p="http://schemas.microsoft.com/office/2006/metadata/properties" xmlns:ns2="71af3243-3dd4-4a8d-8c0d-dd76da1f02a5" xmlns:ns3="16c05727-aa75-4e4a-9b5f-8a80a1165891" targetNamespace="http://schemas.microsoft.com/office/2006/metadata/properties" ma:root="true" ma:fieldsID="a936d9baba76aa3866493feff160faab" ns2:_="" ns3:_="">
     <xsd:import namespace="71af3243-3dd4-4a8d-8c0d-dd76da1f02a5"/>
@@ -10925,25 +11392,25 @@
 </ct:contentTypeSchema>
 </file>
 
-<file path=customXml/itemProps1.xml><?xml version="1.0" encoding="utf-8"?>
-<ds:datastoreItem xmlns:ds="http://schemas.openxmlformats.org/officeDocument/2006/customXml" ds:itemID="{8D289AE2-D2AE-49D1-AFAC-3A79F6794255}">
-  <ds:schemaRefs>
-    <ds:schemaRef ds:uri="http://schemas.microsoft.com/office/2006/metadata/properties"/>
-    <ds:schemaRef ds:uri="http://schemas.microsoft.com/office/infopath/2007/PartnerControls"/>
-    <ds:schemaRef ds:uri="71af3243-3dd4-4a8d-8c0d-dd76da1f02a5"/>
-  </ds:schemaRefs>
-</ds:datastoreItem>
+<file path=customXml/item2.xml><?xml version="1.0" encoding="utf-8"?>
+<?mso-contentType ?>
+<FormTemplates xmlns="http://schemas.microsoft.com/sharepoint/v3/contenttype/forms">
+  <Display>DocumentLibraryForm</Display>
+  <Edit>DocumentLibraryForm</Edit>
+  <New>DocumentLibraryForm</New>
+</FormTemplates>
 </file>
 
-<file path=customXml/itemProps2.xml><?xml version="1.0" encoding="utf-8"?>
-<ds:datastoreItem xmlns:ds="http://schemas.openxmlformats.org/officeDocument/2006/customXml" ds:itemID="{927BD4C1-B6B1-4715-ABF9-E660A51A4EA0}">
-  <ds:schemaRefs>
-    <ds:schemaRef ds:uri="http://schemas.microsoft.com/sharepoint/v3/contenttype/forms"/>
-  </ds:schemaRefs>
-</ds:datastoreItem>
+<file path=customXml/item3.xml><?xml version="1.0" encoding="utf-8"?>
+<p:properties xmlns:p="http://schemas.microsoft.com/office/2006/metadata/properties" xmlns:xsi="http://www.w3.org/2001/XMLSchema-instance" xmlns:pc="http://schemas.microsoft.com/office/infopath/2007/PartnerControls">
+  <documentManagement>
+    <Status xmlns="71af3243-3dd4-4a8d-8c0d-dd76da1f02a5">Not started</Status>
+    <MediaServiceKeyPoints xmlns="71af3243-3dd4-4a8d-8c0d-dd76da1f02a5" xsi:nil="true"/>
+  </documentManagement>
+</p:properties>
 </file>
 
-<file path=customXml/itemProps3.xml><?xml version="1.0" encoding="utf-8"?>
+<file path=customXml/itemProps1.xml><?xml version="1.0" encoding="utf-8"?>
 <ds:datastoreItem xmlns:ds="http://schemas.openxmlformats.org/officeDocument/2006/customXml" ds:itemID="{41E7CA09-9778-4414-AE97-8064B12DA30E}">
   <ds:schemaRefs>
     <ds:schemaRef ds:uri="http://schemas.microsoft.com/office/2006/metadata/contentType"/>
@@ -10960,4 +11427,22 @@
     <ds:schemaRef ds:uri="http://schemas.microsoft.com/internal/obd"/>
   </ds:schemaRefs>
 </ds:datastoreItem>
+</file>
+
+<file path=customXml/itemProps2.xml><?xml version="1.0" encoding="utf-8"?>
+<ds:datastoreItem xmlns:ds="http://schemas.openxmlformats.org/officeDocument/2006/customXml" ds:itemID="{927BD4C1-B6B1-4715-ABF9-E660A51A4EA0}">
+  <ds:schemaRefs>
+    <ds:schemaRef ds:uri="http://schemas.microsoft.com/sharepoint/v3/contenttype/forms"/>
+  </ds:schemaRefs>
+</ds:datastoreItem>
+</file>
+
+<file path=customXml/itemProps3.xml><?xml version="1.0" encoding="utf-8"?>
+<ds:datastoreItem xmlns:ds="http://schemas.openxmlformats.org/officeDocument/2006/customXml" ds:itemID="{8D289AE2-D2AE-49D1-AFAC-3A79F6794255}">
+  <ds:schemaRefs>
+    <ds:schemaRef ds:uri="http://schemas.microsoft.com/office/2006/metadata/properties"/>
+    <ds:schemaRef ds:uri="http://schemas.microsoft.com/office/infopath/2007/PartnerControls"/>
+    <ds:schemaRef ds:uri="71af3243-3dd4-4a8d-8c0d-dd76da1f02a5"/>
+  </ds:schemaRefs>
+</ds:datastoreItem>
 </file>
--- a/[RI] Maximum clique - 107_2015 197_2016.pptx
+++ b/[RI] Maximum clique - 107_2015 197_2016.pptx
@@ -5,19 +5,21 @@
     <p:sldMasterId id="2147483712" r:id="rId4"/>
   </p:sldMasterIdLst>
   <p:notesMasterIdLst>
-    <p:notesMasterId r:id="rId15"/>
+    <p:notesMasterId r:id="rId17"/>
   </p:notesMasterIdLst>
   <p:sldIdLst>
     <p:sldId id="257" r:id="rId5"/>
     <p:sldId id="258" r:id="rId6"/>
     <p:sldId id="263" r:id="rId7"/>
-    <p:sldId id="265" r:id="rId8"/>
-    <p:sldId id="261" r:id="rId9"/>
-    <p:sldId id="260" r:id="rId10"/>
-    <p:sldId id="262" r:id="rId11"/>
-    <p:sldId id="264" r:id="rId12"/>
-    <p:sldId id="266" r:id="rId13"/>
-    <p:sldId id="259" r:id="rId14"/>
+    <p:sldId id="268" r:id="rId8"/>
+    <p:sldId id="267" r:id="rId9"/>
+    <p:sldId id="261" r:id="rId10"/>
+    <p:sldId id="269" r:id="rId11"/>
+    <p:sldId id="270" r:id="rId12"/>
+    <p:sldId id="260" r:id="rId13"/>
+    <p:sldId id="262" r:id="rId14"/>
+    <p:sldId id="264" r:id="rId15"/>
+    <p:sldId id="259" r:id="rId16"/>
   </p:sldIdLst>
   <p:sldSz cx="12192000" cy="6858000"/>
   <p:notesSz cx="6858000" cy="9144000"/>
@@ -117,6 +119,26 @@
     </a:lvl9pPr>
   </p:defaultTextStyle>
   <p:extLst>
+    <p:ext uri="{521415D9-36F7-43E2-AB2F-B90AF26B5E84}">
+      <p14:sectionLst xmlns:p14="http://schemas.microsoft.com/office/powerpoint/2010/main">
+        <p14:section name="Default Section" id="{23214BB2-8984-4C10-A104-29E1AE13E56E}">
+          <p14:sldIdLst>
+            <p14:sldId id="257"/>
+            <p14:sldId id="258"/>
+            <p14:sldId id="263"/>
+            <p14:sldId id="268"/>
+            <p14:sldId id="267"/>
+            <p14:sldId id="261"/>
+            <p14:sldId id="269"/>
+            <p14:sldId id="270"/>
+            <p14:sldId id="260"/>
+            <p14:sldId id="262"/>
+            <p14:sldId id="264"/>
+            <p14:sldId id="259"/>
+          </p14:sldIdLst>
+        </p14:section>
+      </p14:sectionLst>
+    </p:ext>
     <p:ext uri="{EFAFB233-063F-42B5-8137-9DF3F51BA10A}">
       <p15:sldGuideLst xmlns:p15="http://schemas.microsoft.com/office/powerpoint/2012/main"/>
     </p:ext>
@@ -206,7 +228,7 @@
           <a:p>
             <a:fld id="{1A137E8F-F871-4A08-836F-14C59715171E}" type="datetimeFigureOut">
               <a:rPr lang="sr-Latn-RS" smtClean="0"/>
-              <a:t>19.8.2021.</a:t>
+              <a:t>20.8.2021.</a:t>
             </a:fld>
             <a:endParaRPr lang="sr-Latn-RS"/>
           </a:p>
@@ -712,7 +734,7 @@
           <a:p>
             <a:fld id="{787114A7-E6C0-418C-9746-924384952FFA}" type="datetime1">
               <a:rPr lang="en-US" smtClean="0"/>
-              <a:t>19-Aug-21</a:t>
+              <a:t>20-Aug-21</a:t>
             </a:fld>
             <a:endParaRPr lang="en-US" dirty="0"/>
           </a:p>
@@ -919,7 +941,7 @@
           <a:p>
             <a:fld id="{45E5DCC3-ED7E-4357-AB17-C456B0C26267}" type="datetime1">
               <a:rPr lang="en-US" smtClean="0"/>
-              <a:t>19-Aug-21</a:t>
+              <a:t>20-Aug-21</a:t>
             </a:fld>
             <a:endParaRPr lang="en-US" dirty="0"/>
           </a:p>
@@ -1285,7 +1307,7 @@
           <a:p>
             <a:fld id="{32B866DC-2DD3-4684-9286-BA8D11B99F65}" type="datetime1">
               <a:rPr lang="en-US" smtClean="0"/>
-              <a:t>19-Aug-21</a:t>
+              <a:t>20-Aug-21</a:t>
             </a:fld>
             <a:endParaRPr lang="en-US" dirty="0"/>
           </a:p>
@@ -1487,7 +1509,7 @@
           <a:p>
             <a:fld id="{3241DFA3-D189-4C98-AA3D-5C5210A24D66}" type="datetime1">
               <a:rPr lang="en-US" smtClean="0"/>
-              <a:t>19-Aug-21</a:t>
+              <a:t>20-Aug-21</a:t>
             </a:fld>
             <a:endParaRPr lang="en-US" dirty="0"/>
           </a:p>
@@ -1803,7 +1825,7 @@
           <a:p>
             <a:fld id="{1945E8C0-6A43-4935-84C5-FCF4DAAF0DBF}" type="datetime1">
               <a:rPr lang="en-US" smtClean="0"/>
-              <a:t>19-Aug-21</a:t>
+              <a:t>20-Aug-21</a:t>
             </a:fld>
             <a:endParaRPr lang="en-US" dirty="0"/>
           </a:p>
@@ -2060,7 +2082,7 @@
           <a:p>
             <a:fld id="{28409D40-57F7-42B4-A6EB-5519178EA39D}" type="datetime1">
               <a:rPr lang="en-US" smtClean="0"/>
-              <a:t>19-Aug-21</a:t>
+              <a:t>20-Aug-21</a:t>
             </a:fld>
             <a:endParaRPr lang="en-US" dirty="0"/>
           </a:p>
@@ -2486,7 +2508,7 @@
           <a:p>
             <a:fld id="{3ABBBF51-A0EA-4176-822C-C2F4E1C48E00}" type="datetime1">
               <a:rPr lang="en-US" smtClean="0"/>
-              <a:t>19-Aug-21</a:t>
+              <a:t>20-Aug-21</a:t>
             </a:fld>
             <a:endParaRPr lang="en-US" dirty="0"/>
           </a:p>
@@ -2613,7 +2635,7 @@
           <a:p>
             <a:fld id="{7AA56B23-EAF6-43CE-9C5F-C1AC6F75B3FE}" type="datetime1">
               <a:rPr lang="en-US" smtClean="0"/>
-              <a:t>19-Aug-21</a:t>
+              <a:t>20-Aug-21</a:t>
             </a:fld>
             <a:endParaRPr lang="en-US" dirty="0"/>
           </a:p>
@@ -2712,7 +2734,7 @@
           <a:p>
             <a:fld id="{9CF9F856-8832-45FD-BDF7-49D388E23701}" type="datetime1">
               <a:rPr lang="en-US" smtClean="0"/>
-              <a:t>19-Aug-21</a:t>
+              <a:t>20-Aug-21</a:t>
             </a:fld>
             <a:endParaRPr lang="en-US" dirty="0"/>
           </a:p>
@@ -3093,7 +3115,7 @@
           <a:p>
             <a:fld id="{D0353F64-6950-4819-AEAC-6A0A49540B45}" type="datetime1">
               <a:rPr lang="en-US" smtClean="0"/>
-              <a:t>19-Aug-21</a:t>
+              <a:t>20-Aug-21</a:t>
             </a:fld>
             <a:endParaRPr lang="en-US" dirty="0"/>
           </a:p>
@@ -3390,7 +3412,7 @@
           <a:p>
             <a:fld id="{EF0885CB-6479-43E7-8A1D-2D9096958F51}" type="datetime1">
               <a:rPr lang="en-US" smtClean="0"/>
-              <a:t>19-Aug-21</a:t>
+              <a:t>20-Aug-21</a:t>
             </a:fld>
             <a:endParaRPr lang="en-US" dirty="0"/>
           </a:p>
@@ -3609,7 +3631,7 @@
           <a:p>
             <a:fld id="{9A1DEE35-3117-409A-BC8A-67B6E44B5615}" type="datetime1">
               <a:rPr lang="en-US" smtClean="0"/>
-              <a:t>19-Aug-21</a:t>
+              <a:t>20-Aug-21</a:t>
             </a:fld>
             <a:endParaRPr lang="en-US" dirty="0"/>
           </a:p>
@@ -5024,1937 +5046,6 @@
           <p:cNvPr id="2" name="Title 1">
             <a:extLst>
               <a:ext uri="{FF2B5EF4-FFF2-40B4-BE49-F238E27FC236}">
-                <a16:creationId xmlns:a16="http://schemas.microsoft.com/office/drawing/2014/main" id="{B1FF1351-E477-4A1D-A7B0-8C91D3978052}"/>
-              </a:ext>
-            </a:extLst>
-          </p:cNvPr>
-          <p:cNvSpPr>
-            <a:spLocks noGrp="1"/>
-          </p:cNvSpPr>
-          <p:nvPr>
-            <p:ph type="title"/>
-          </p:nvPr>
-        </p:nvSpPr>
-        <p:spPr>
-          <a:xfrm>
-            <a:off x="581192" y="702156"/>
-            <a:ext cx="11029616" cy="503189"/>
-          </a:xfrm>
-        </p:spPr>
-        <p:txBody>
-          <a:bodyPr>
-            <a:normAutofit fontScale="90000"/>
-          </a:bodyPr>
-          <a:lstStyle/>
-          <a:p>
-            <a:r>
-              <a:rPr lang="sr-Latn-RS" dirty="0"/>
-              <a:t>Linkovi</a:t>
-            </a:r>
-          </a:p>
-        </p:txBody>
-      </p:sp>
-      <p:sp>
-        <p:nvSpPr>
-          <p:cNvPr id="4" name="TextBox 3">
-            <a:extLst>
-              <a:ext uri="{FF2B5EF4-FFF2-40B4-BE49-F238E27FC236}">
-                <a16:creationId xmlns:a16="http://schemas.microsoft.com/office/drawing/2014/main" id="{95DC9682-ABA3-401A-98ED-8EAAA33FFCF1}"/>
-              </a:ext>
-            </a:extLst>
-          </p:cNvPr>
-          <p:cNvSpPr txBox="1"/>
-          <p:nvPr/>
-        </p:nvSpPr>
-        <p:spPr>
-          <a:xfrm>
-            <a:off x="581192" y="1463040"/>
-            <a:ext cx="11029616" cy="1477328"/>
-          </a:xfrm>
-          <a:prstGeom prst="rect">
-            <a:avLst/>
-          </a:prstGeom>
-          <a:noFill/>
-        </p:spPr>
-        <p:txBody>
-          <a:bodyPr wrap="square" rtlCol="0">
-            <a:spAutoFit/>
-          </a:bodyPr>
-          <a:lstStyle/>
-          <a:p>
-            <a:pPr marL="285750" indent="-285750">
-              <a:buFont typeface="Arial" panose="020B0604020202020204" pitchFamily="34" charset="0"/>
-              <a:buChar char="•"/>
-            </a:pPr>
-            <a:r>
-              <a:rPr lang="sr-Latn-RS" dirty="0">
-                <a:hlinkClick r:id="rId2"/>
-              </a:rPr>
-              <a:t>DIMACS benschmark set</a:t>
-            </a:r>
-            <a:endParaRPr lang="sr-Latn-RS" dirty="0"/>
-          </a:p>
-          <a:p>
-            <a:pPr marL="285750" indent="-285750">
-              <a:buFont typeface="Arial" panose="020B0604020202020204" pitchFamily="34" charset="0"/>
-              <a:buChar char="•"/>
-            </a:pPr>
-            <a:endParaRPr lang="sr-Latn-RS" dirty="0"/>
-          </a:p>
-          <a:p>
-            <a:pPr marL="285750" indent="-285750">
-              <a:buFont typeface="Arial" panose="020B0604020202020204" pitchFamily="34" charset="0"/>
-              <a:buChar char="•"/>
-            </a:pPr>
-            <a:r>
-              <a:rPr lang="en-US" dirty="0" err="1"/>
-              <a:t>Vizualizacija</a:t>
-            </a:r>
-            <a:r>
-              <a:rPr lang="en-US" dirty="0"/>
-              <a:t> </a:t>
-            </a:r>
-            <a:r>
-              <a:rPr lang="en-US" dirty="0" err="1"/>
-              <a:t>grafova</a:t>
-            </a:r>
-            <a:r>
-              <a:rPr lang="en-US" dirty="0"/>
-              <a:t>: </a:t>
-            </a:r>
-            <a:r>
-              <a:rPr lang="en-US" dirty="0" err="1">
-                <a:hlinkClick r:id="rId3"/>
-              </a:rPr>
-              <a:t>NetworkX</a:t>
-            </a:r>
-            <a:endParaRPr lang="en-US" dirty="0"/>
-          </a:p>
-          <a:p>
-            <a:pPr marL="285750" indent="-285750">
-              <a:buFont typeface="Arial" panose="020B0604020202020204" pitchFamily="34" charset="0"/>
-              <a:buChar char="•"/>
-            </a:pPr>
-            <a:endParaRPr lang="en-US" dirty="0"/>
-          </a:p>
-          <a:p>
-            <a:pPr marL="285750" indent="-285750">
-              <a:buFont typeface="Arial" panose="020B0604020202020204" pitchFamily="34" charset="0"/>
-              <a:buChar char="•"/>
-            </a:pPr>
-            <a:endParaRPr lang="sr-Latn-RS" dirty="0"/>
-          </a:p>
-        </p:txBody>
-      </p:sp>
-    </p:spTree>
-    <p:extLst>
-      <p:ext uri="{BB962C8B-B14F-4D97-AF65-F5344CB8AC3E}">
-        <p14:creationId xmlns:p14="http://schemas.microsoft.com/office/powerpoint/2010/main" val="4188400318"/>
-      </p:ext>
-    </p:extLst>
-  </p:cSld>
-  <p:clrMapOvr>
-    <a:masterClrMapping/>
-  </p:clrMapOvr>
-</p:sld>
-</file>
-
-<file path=ppt/slides/slide2.xml><?xml version="1.0" encoding="utf-8"?>
-<p:sld xmlns:a="http://schemas.openxmlformats.org/drawingml/2006/main" xmlns:r="http://schemas.openxmlformats.org/officeDocument/2006/relationships" xmlns:p="http://schemas.openxmlformats.org/presentationml/2006/main">
-  <p:cSld>
-    <p:spTree>
-      <p:nvGrpSpPr>
-        <p:cNvPr id="1" name=""/>
-        <p:cNvGrpSpPr/>
-        <p:nvPr/>
-      </p:nvGrpSpPr>
-      <p:grpSpPr>
-        <a:xfrm>
-          <a:off x="0" y="0"/>
-          <a:ext cx="0" cy="0"/>
-          <a:chOff x="0" y="0"/>
-          <a:chExt cx="0" cy="0"/>
-        </a:xfrm>
-      </p:grpSpPr>
-      <p:sp>
-        <p:nvSpPr>
-          <p:cNvPr id="2" name="Title 1">
-            <a:extLst>
-              <a:ext uri="{FF2B5EF4-FFF2-40B4-BE49-F238E27FC236}">
-                <a16:creationId xmlns:a16="http://schemas.microsoft.com/office/drawing/2014/main" id="{5E562972-3449-42D1-8185-B4BEFD52AB44}"/>
-              </a:ext>
-            </a:extLst>
-          </p:cNvPr>
-          <p:cNvSpPr>
-            <a:spLocks noGrp="1"/>
-          </p:cNvSpPr>
-          <p:nvPr>
-            <p:ph type="title"/>
-          </p:nvPr>
-        </p:nvSpPr>
-        <p:spPr>
-          <a:xfrm>
-            <a:off x="581192" y="702156"/>
-            <a:ext cx="11029616" cy="519815"/>
-          </a:xfrm>
-        </p:spPr>
-        <p:txBody>
-          <a:bodyPr/>
-          <a:lstStyle/>
-          <a:p>
-            <a:r>
-              <a:rPr lang="sr-Latn-RS"/>
-              <a:t>Pojmovi, problem, predloženo rešenje</a:t>
-            </a:r>
-            <a:endParaRPr lang="en-US" dirty="0"/>
-          </a:p>
-        </p:txBody>
-      </p:sp>
-      <p:sp>
-        <p:nvSpPr>
-          <p:cNvPr id="8" name="Content Placeholder 2">
-            <a:extLst>
-              <a:ext uri="{FF2B5EF4-FFF2-40B4-BE49-F238E27FC236}">
-                <a16:creationId xmlns:a16="http://schemas.microsoft.com/office/drawing/2014/main" id="{619BA27D-D50E-4EB3-B0F2-2DE619963027}"/>
-              </a:ext>
-            </a:extLst>
-          </p:cNvPr>
-          <p:cNvSpPr>
-            <a:spLocks noGrp="1"/>
-          </p:cNvSpPr>
-          <p:nvPr>
-            <p:ph idx="1"/>
-          </p:nvPr>
-        </p:nvSpPr>
-        <p:spPr>
-          <a:xfrm>
-            <a:off x="581193" y="1315616"/>
-            <a:ext cx="8096276" cy="5010539"/>
-          </a:xfrm>
-        </p:spPr>
-        <p:txBody>
-          <a:bodyPr>
-            <a:normAutofit/>
-          </a:bodyPr>
-          <a:lstStyle/>
-          <a:p>
-            <a:pPr marL="285750" indent="-285750">
-              <a:buFont typeface="Arial" panose="020B0604020202020204" pitchFamily="34" charset="0"/>
-              <a:buChar char="•"/>
-            </a:pPr>
-            <a:r>
-              <a:rPr lang="sr-Latn-RS" dirty="0"/>
-              <a:t>Klika </a:t>
-            </a:r>
-            <a:br>
-              <a:rPr lang="sr-Latn-RS" dirty="0"/>
-            </a:br>
-            <a:r>
-              <a:rPr lang="sr-Latn-RS" dirty="0"/>
-              <a:t>skup čvorova u grafu takav da su svi čvorovi iz skupa uzajamno susedni, kompletan podgraf/graf</a:t>
-            </a:r>
-          </a:p>
-          <a:p>
-            <a:pPr marL="285750" indent="-285750">
-              <a:buFont typeface="Arial" panose="020B0604020202020204" pitchFamily="34" charset="0"/>
-              <a:buChar char="•"/>
-            </a:pPr>
-            <a:r>
-              <a:rPr lang="sr-Latn-RS" dirty="0"/>
-              <a:t>Stepen čvora grafa</a:t>
-            </a:r>
-            <a:br>
-              <a:rPr lang="sr-Latn-RS" dirty="0"/>
-            </a:br>
-            <a:r>
-              <a:rPr lang="sr-Latn-RS" dirty="0"/>
-              <a:t>broj grana koje su mu susedne</a:t>
-            </a:r>
-          </a:p>
-          <a:p>
-            <a:pPr marL="285750" indent="-285750">
-              <a:buFont typeface="Arial" panose="020B0604020202020204" pitchFamily="34" charset="0"/>
-              <a:buChar char="•"/>
-            </a:pPr>
-            <a:r>
-              <a:rPr lang="sr-Latn-RS" dirty="0"/>
-              <a:t>Problem klike</a:t>
-            </a:r>
-            <a:br>
-              <a:rPr lang="sr-Latn-RS" dirty="0"/>
-            </a:br>
-            <a:r>
-              <a:rPr lang="sr-Latn-RS" dirty="0"/>
-              <a:t>određivanje da li graf sadrži kliku ne manju od date veličine </a:t>
-            </a:r>
-            <a:r>
-              <a:rPr lang="sr-Latn-RS" i="1" dirty="0"/>
-              <a:t>k</a:t>
-            </a:r>
-            <a:r>
-              <a:rPr lang="sr-Latn-RS" dirty="0"/>
-              <a:t> </a:t>
-            </a:r>
-          </a:p>
-          <a:p>
-            <a:pPr marL="285750" indent="-285750">
-              <a:buFont typeface="Arial" panose="020B0604020202020204" pitchFamily="34" charset="0"/>
-              <a:buChar char="•"/>
-            </a:pPr>
-            <a:r>
-              <a:rPr lang="sr-Latn-RS" dirty="0"/>
-              <a:t>Problem maksimalne klike</a:t>
-            </a:r>
-            <a:br>
-              <a:rPr lang="sr-Latn-RS" dirty="0"/>
-            </a:br>
-            <a:r>
-              <a:rPr lang="sr-Latn-RS" dirty="0"/>
-              <a:t>optimizacioni problem, pronalaženje najveće klike u grafu</a:t>
-            </a:r>
-          </a:p>
-          <a:p>
-            <a:pPr marL="285750" indent="-285750">
-              <a:buFont typeface="Arial" panose="020B0604020202020204" pitchFamily="34" charset="0"/>
-              <a:buChar char="•"/>
-            </a:pPr>
-            <a:r>
-              <a:rPr lang="sr-Latn-RS" dirty="0"/>
-              <a:t>NP-težak problem</a:t>
-            </a:r>
-            <a:endParaRPr lang="en-US" dirty="0"/>
-          </a:p>
-          <a:p>
-            <a:pPr marL="285750" indent="-285750">
-              <a:buFont typeface="Arial" panose="020B0604020202020204" pitchFamily="34" charset="0"/>
-              <a:buChar char="•"/>
-            </a:pPr>
-            <a:r>
-              <a:rPr lang="sr-Latn-RS" dirty="0"/>
-              <a:t>Isti problem </a:t>
-            </a:r>
-            <a:br>
-              <a:rPr lang="sr-Latn-RS" dirty="0"/>
-            </a:br>
-            <a:r>
-              <a:rPr lang="sr-Latn-RS" dirty="0"/>
-              <a:t>Maksimalni nezavisni skup na komplementarnom grafu</a:t>
-            </a:r>
-            <a:endParaRPr lang="en-US" dirty="0"/>
-          </a:p>
-          <a:p>
-            <a:endParaRPr lang="sr-Latn-RS" dirty="0"/>
-          </a:p>
-        </p:txBody>
-      </p:sp>
-    </p:spTree>
-    <p:extLst>
-      <p:ext uri="{BB962C8B-B14F-4D97-AF65-F5344CB8AC3E}">
-        <p14:creationId xmlns:p14="http://schemas.microsoft.com/office/powerpoint/2010/main" val="263784652"/>
-      </p:ext>
-    </p:extLst>
-  </p:cSld>
-  <p:clrMapOvr>
-    <a:masterClrMapping/>
-  </p:clrMapOvr>
-</p:sld>
-</file>
-
-<file path=ppt/slides/slide3.xml><?xml version="1.0" encoding="utf-8"?>
-<p:sld xmlns:a="http://schemas.openxmlformats.org/drawingml/2006/main" xmlns:r="http://schemas.openxmlformats.org/officeDocument/2006/relationships" xmlns:p="http://schemas.openxmlformats.org/presentationml/2006/main">
-  <p:cSld>
-    <p:spTree>
-      <p:nvGrpSpPr>
-        <p:cNvPr id="1" name=""/>
-        <p:cNvGrpSpPr/>
-        <p:nvPr/>
-      </p:nvGrpSpPr>
-      <p:grpSpPr>
-        <a:xfrm>
-          <a:off x="0" y="0"/>
-          <a:ext cx="0" cy="0"/>
-          <a:chOff x="0" y="0"/>
-          <a:chExt cx="0" cy="0"/>
-        </a:xfrm>
-      </p:grpSpPr>
-      <p:sp>
-        <p:nvSpPr>
-          <p:cNvPr id="2" name="Title 1">
-            <a:extLst>
-              <a:ext uri="{FF2B5EF4-FFF2-40B4-BE49-F238E27FC236}">
-                <a16:creationId xmlns:a16="http://schemas.microsoft.com/office/drawing/2014/main" id="{F7BA4CF3-8A96-4143-A88F-806EFAD28D44}"/>
-              </a:ext>
-            </a:extLst>
-          </p:cNvPr>
-          <p:cNvSpPr>
-            <a:spLocks noGrp="1"/>
-          </p:cNvSpPr>
-          <p:nvPr>
-            <p:ph type="title"/>
-          </p:nvPr>
-        </p:nvSpPr>
-        <p:spPr>
-          <a:xfrm>
-            <a:off x="581192" y="702156"/>
-            <a:ext cx="11029616" cy="599106"/>
-          </a:xfrm>
-        </p:spPr>
-        <p:txBody>
-          <a:bodyPr/>
-          <a:lstStyle/>
-          <a:p>
-            <a:r>
-              <a:rPr lang="sr-Latn-RS" dirty="0"/>
-              <a:t>Brute force algoritam sa odsecanjem</a:t>
-            </a:r>
-          </a:p>
-        </p:txBody>
-      </p:sp>
-      <p:sp>
-        <p:nvSpPr>
-          <p:cNvPr id="5" name="TextBox 4">
-            <a:extLst>
-              <a:ext uri="{FF2B5EF4-FFF2-40B4-BE49-F238E27FC236}">
-                <a16:creationId xmlns:a16="http://schemas.microsoft.com/office/drawing/2014/main" id="{4E31F959-DF0C-4F41-BF42-6BBAB0DDBE58}"/>
-              </a:ext>
-            </a:extLst>
-          </p:cNvPr>
-          <p:cNvSpPr txBox="1"/>
-          <p:nvPr/>
-        </p:nvSpPr>
-        <p:spPr>
-          <a:xfrm>
-            <a:off x="703385" y="1301261"/>
-            <a:ext cx="9249507" cy="5355312"/>
-          </a:xfrm>
-          <a:prstGeom prst="rect">
-            <a:avLst/>
-          </a:prstGeom>
-          <a:noFill/>
-        </p:spPr>
-        <p:txBody>
-          <a:bodyPr wrap="square" rtlCol="0">
-            <a:spAutoFit/>
-          </a:bodyPr>
-          <a:lstStyle/>
-          <a:p>
-            <a:endParaRPr lang="en-GB" b="0" dirty="0">
-              <a:solidFill>
-                <a:srgbClr val="D4D4D4"/>
-              </a:solidFill>
-              <a:effectLst/>
-              <a:latin typeface="Consolas" panose="020B0609020204030204" pitchFamily="49" charset="0"/>
-            </a:endParaRPr>
-          </a:p>
-          <a:p>
-            <a:r>
-              <a:rPr lang="en-GB" b="0" dirty="0">
-                <a:solidFill>
-                  <a:srgbClr val="569CD6"/>
-                </a:solidFill>
-                <a:effectLst/>
-                <a:latin typeface="Consolas" panose="020B0609020204030204" pitchFamily="49" charset="0"/>
-              </a:rPr>
-              <a:t>def</a:t>
-            </a:r>
-            <a:r>
-              <a:rPr lang="en-GB" b="0" dirty="0">
-                <a:solidFill>
-                  <a:srgbClr val="D4D4D4"/>
-                </a:solidFill>
-                <a:effectLst/>
-                <a:latin typeface="Consolas" panose="020B0609020204030204" pitchFamily="49" charset="0"/>
-              </a:rPr>
-              <a:t> </a:t>
-            </a:r>
-            <a:r>
-              <a:rPr lang="en-GB" b="0" dirty="0" err="1">
-                <a:solidFill>
-                  <a:srgbClr val="656565"/>
-                </a:solidFill>
-                <a:effectLst/>
-                <a:latin typeface="Consolas" panose="020B0609020204030204" pitchFamily="49" charset="0"/>
-              </a:rPr>
-              <a:t>brute_force_clique</a:t>
-            </a:r>
-            <a:r>
-              <a:rPr lang="en-GB" b="0" dirty="0">
-                <a:solidFill>
-                  <a:srgbClr val="656565"/>
-                </a:solidFill>
-                <a:effectLst/>
-                <a:latin typeface="Consolas" panose="020B0609020204030204" pitchFamily="49" charset="0"/>
-              </a:rPr>
-              <a:t>_(</a:t>
-            </a:r>
-            <a:r>
-              <a:rPr lang="en-GB" b="0" dirty="0" err="1">
-                <a:solidFill>
-                  <a:srgbClr val="656565"/>
-                </a:solidFill>
-                <a:effectLst/>
-                <a:latin typeface="Consolas" panose="020B0609020204030204" pitchFamily="49" charset="0"/>
-              </a:rPr>
-              <a:t>G:dict</a:t>
-            </a:r>
-            <a:r>
-              <a:rPr lang="en-GB" b="0" dirty="0">
-                <a:solidFill>
-                  <a:srgbClr val="656565"/>
-                </a:solidFill>
-                <a:effectLst/>
-                <a:latin typeface="Consolas" panose="020B0609020204030204" pitchFamily="49" charset="0"/>
-              </a:rPr>
-              <a:t>, U:list, size, </a:t>
-            </a:r>
-            <a:r>
-              <a:rPr lang="en-GB" b="0" dirty="0" err="1">
-                <a:solidFill>
-                  <a:srgbClr val="656565"/>
-                </a:solidFill>
-                <a:effectLst/>
-                <a:latin typeface="Consolas" panose="020B0609020204030204" pitchFamily="49" charset="0"/>
-              </a:rPr>
-              <a:t>nodes:list</a:t>
-            </a:r>
-            <a:r>
-              <a:rPr lang="en-GB" b="0" dirty="0">
-                <a:solidFill>
-                  <a:srgbClr val="656565"/>
-                </a:solidFill>
-                <a:effectLst/>
-                <a:latin typeface="Consolas" panose="020B0609020204030204" pitchFamily="49" charset="0"/>
-              </a:rPr>
-              <a:t>):</a:t>
-            </a:r>
-          </a:p>
-          <a:p>
-            <a:r>
-              <a:rPr lang="en-GB" b="0" dirty="0">
-                <a:solidFill>
-                  <a:srgbClr val="D4D4D4"/>
-                </a:solidFill>
-                <a:effectLst/>
-                <a:latin typeface="Consolas" panose="020B0609020204030204" pitchFamily="49" charset="0"/>
-              </a:rPr>
-              <a:t>    </a:t>
-            </a:r>
-            <a:r>
-              <a:rPr lang="en-GB" b="0" dirty="0">
-                <a:solidFill>
-                  <a:srgbClr val="569CD6"/>
-                </a:solidFill>
-                <a:effectLst/>
-                <a:latin typeface="Consolas" panose="020B0609020204030204" pitchFamily="49" charset="0"/>
-              </a:rPr>
-              <a:t>global</a:t>
-            </a:r>
-            <a:r>
-              <a:rPr lang="en-GB" b="0" dirty="0">
-                <a:solidFill>
-                  <a:srgbClr val="D4D4D4"/>
-                </a:solidFill>
-                <a:effectLst/>
-                <a:latin typeface="Consolas" panose="020B0609020204030204" pitchFamily="49" charset="0"/>
-              </a:rPr>
-              <a:t> </a:t>
-            </a:r>
-            <a:r>
-              <a:rPr lang="en-GB" b="0" dirty="0">
-                <a:solidFill>
-                  <a:srgbClr val="656565"/>
-                </a:solidFill>
-                <a:effectLst/>
-                <a:latin typeface="Consolas" panose="020B0609020204030204" pitchFamily="49" charset="0"/>
-              </a:rPr>
-              <a:t>max, </a:t>
-            </a:r>
-            <a:r>
-              <a:rPr lang="en-GB" b="0" dirty="0" err="1">
-                <a:solidFill>
-                  <a:srgbClr val="656565"/>
-                </a:solidFill>
-                <a:effectLst/>
-                <a:latin typeface="Consolas" panose="020B0609020204030204" pitchFamily="49" charset="0"/>
-              </a:rPr>
-              <a:t>clique_nodes</a:t>
-            </a:r>
-            <a:endParaRPr lang="en-GB" b="0" dirty="0">
-              <a:solidFill>
-                <a:srgbClr val="656565"/>
-              </a:solidFill>
-              <a:effectLst/>
-              <a:latin typeface="Consolas" panose="020B0609020204030204" pitchFamily="49" charset="0"/>
-            </a:endParaRPr>
-          </a:p>
-          <a:p>
-            <a:r>
-              <a:rPr lang="en-GB" b="0" dirty="0">
-                <a:solidFill>
-                  <a:srgbClr val="D4D4D4"/>
-                </a:solidFill>
-                <a:effectLst/>
-                <a:latin typeface="Consolas" panose="020B0609020204030204" pitchFamily="49" charset="0"/>
-              </a:rPr>
-              <a:t>    </a:t>
-            </a:r>
-            <a:r>
-              <a:rPr lang="en-GB" b="0" dirty="0">
-                <a:solidFill>
-                  <a:srgbClr val="569CD6"/>
-                </a:solidFill>
-                <a:effectLst/>
-                <a:latin typeface="Consolas" panose="020B0609020204030204" pitchFamily="49" charset="0"/>
-              </a:rPr>
-              <a:t>if</a:t>
-            </a:r>
-            <a:r>
-              <a:rPr lang="en-GB" b="0" dirty="0">
-                <a:solidFill>
-                  <a:srgbClr val="D4D4D4"/>
-                </a:solidFill>
-                <a:effectLst/>
-                <a:latin typeface="Consolas" panose="020B0609020204030204" pitchFamily="49" charset="0"/>
-              </a:rPr>
-              <a:t> </a:t>
-            </a:r>
-            <a:r>
-              <a:rPr lang="en-GB" b="0" dirty="0" err="1">
-                <a:solidFill>
-                  <a:srgbClr val="656565"/>
-                </a:solidFill>
-                <a:effectLst/>
-                <a:latin typeface="Consolas" panose="020B0609020204030204" pitchFamily="49" charset="0"/>
-              </a:rPr>
-              <a:t>len</a:t>
-            </a:r>
-            <a:r>
-              <a:rPr lang="en-GB" b="0" dirty="0">
-                <a:solidFill>
-                  <a:srgbClr val="656565"/>
-                </a:solidFill>
-                <a:effectLst/>
-                <a:latin typeface="Consolas" panose="020B0609020204030204" pitchFamily="49" charset="0"/>
-              </a:rPr>
-              <a:t>(U) == 0:</a:t>
-            </a:r>
-          </a:p>
-          <a:p>
-            <a:r>
-              <a:rPr lang="en-GB" b="0" dirty="0">
-                <a:solidFill>
-                  <a:srgbClr val="656565"/>
-                </a:solidFill>
-                <a:effectLst/>
-                <a:latin typeface="Consolas" panose="020B0609020204030204" pitchFamily="49" charset="0"/>
-              </a:rPr>
-              <a:t>        max = size</a:t>
-            </a:r>
-          </a:p>
-          <a:p>
-            <a:r>
-              <a:rPr lang="en-GB" b="0" dirty="0">
-                <a:solidFill>
-                  <a:srgbClr val="656565"/>
-                </a:solidFill>
-                <a:effectLst/>
-                <a:latin typeface="Consolas" panose="020B0609020204030204" pitchFamily="49" charset="0"/>
-              </a:rPr>
-              <a:t>        </a:t>
-            </a:r>
-            <a:r>
-              <a:rPr lang="en-GB" b="0" dirty="0" err="1">
-                <a:solidFill>
-                  <a:srgbClr val="656565"/>
-                </a:solidFill>
-                <a:effectLst/>
-                <a:latin typeface="Consolas" panose="020B0609020204030204" pitchFamily="49" charset="0"/>
-              </a:rPr>
-              <a:t>clique_nodes</a:t>
-            </a:r>
-            <a:r>
-              <a:rPr lang="en-GB" b="0" dirty="0">
-                <a:solidFill>
-                  <a:srgbClr val="656565"/>
-                </a:solidFill>
-                <a:effectLst/>
-                <a:latin typeface="Consolas" panose="020B0609020204030204" pitchFamily="49" charset="0"/>
-              </a:rPr>
-              <a:t> = nodes</a:t>
-            </a:r>
-          </a:p>
-          <a:p>
-            <a:r>
-              <a:rPr lang="en-GB" b="0" dirty="0">
-                <a:solidFill>
-                  <a:srgbClr val="D4D4D4"/>
-                </a:solidFill>
-                <a:effectLst/>
-                <a:latin typeface="Consolas" panose="020B0609020204030204" pitchFamily="49" charset="0"/>
-              </a:rPr>
-              <a:t>        </a:t>
-            </a:r>
-            <a:r>
-              <a:rPr lang="en-GB" b="0" dirty="0">
-                <a:solidFill>
-                  <a:srgbClr val="569CD6"/>
-                </a:solidFill>
-                <a:effectLst/>
-                <a:latin typeface="Consolas" panose="020B0609020204030204" pitchFamily="49" charset="0"/>
-              </a:rPr>
-              <a:t>return</a:t>
-            </a:r>
-            <a:r>
-              <a:rPr lang="en-GB" b="0" dirty="0">
-                <a:solidFill>
-                  <a:srgbClr val="D4D4D4"/>
-                </a:solidFill>
-                <a:effectLst/>
-                <a:latin typeface="Consolas" panose="020B0609020204030204" pitchFamily="49" charset="0"/>
-              </a:rPr>
-              <a:t> </a:t>
-            </a:r>
-          </a:p>
-          <a:p>
-            <a:r>
-              <a:rPr lang="en-GB" b="0" dirty="0">
-                <a:solidFill>
-                  <a:srgbClr val="D4D4D4"/>
-                </a:solidFill>
-                <a:effectLst/>
-                <a:latin typeface="Consolas" panose="020B0609020204030204" pitchFamily="49" charset="0"/>
-              </a:rPr>
-              <a:t>        </a:t>
-            </a:r>
-          </a:p>
-          <a:p>
-            <a:r>
-              <a:rPr lang="en-GB" b="0" dirty="0">
-                <a:solidFill>
-                  <a:srgbClr val="D4D4D4"/>
-                </a:solidFill>
-                <a:effectLst/>
-                <a:latin typeface="Consolas" panose="020B0609020204030204" pitchFamily="49" charset="0"/>
-              </a:rPr>
-              <a:t>    </a:t>
-            </a:r>
-            <a:r>
-              <a:rPr lang="en-GB" b="0" dirty="0">
-                <a:solidFill>
-                  <a:srgbClr val="569CD6"/>
-                </a:solidFill>
-                <a:effectLst/>
-                <a:latin typeface="Consolas" panose="020B0609020204030204" pitchFamily="49" charset="0"/>
-              </a:rPr>
-              <a:t>while</a:t>
-            </a:r>
-            <a:r>
-              <a:rPr lang="en-GB" b="0" dirty="0">
-                <a:solidFill>
-                  <a:srgbClr val="D4D4D4"/>
-                </a:solidFill>
-                <a:effectLst/>
-                <a:latin typeface="Consolas" panose="020B0609020204030204" pitchFamily="49" charset="0"/>
-              </a:rPr>
-              <a:t> </a:t>
-            </a:r>
-            <a:r>
-              <a:rPr lang="en-GB" b="0" dirty="0" err="1">
-                <a:solidFill>
-                  <a:srgbClr val="656565"/>
-                </a:solidFill>
-                <a:effectLst/>
-                <a:latin typeface="Consolas" panose="020B0609020204030204" pitchFamily="49" charset="0"/>
-              </a:rPr>
-              <a:t>len</a:t>
-            </a:r>
-            <a:r>
-              <a:rPr lang="en-GB" b="0" dirty="0">
-                <a:solidFill>
-                  <a:srgbClr val="656565"/>
-                </a:solidFill>
-                <a:effectLst/>
-                <a:latin typeface="Consolas" panose="020B0609020204030204" pitchFamily="49" charset="0"/>
-              </a:rPr>
-              <a:t>(U) != 0:</a:t>
-            </a:r>
-          </a:p>
-          <a:p>
-            <a:r>
-              <a:rPr lang="en-GB" b="0" dirty="0">
-                <a:solidFill>
-                  <a:srgbClr val="D4D4D4"/>
-                </a:solidFill>
-                <a:effectLst/>
-                <a:latin typeface="Consolas" panose="020B0609020204030204" pitchFamily="49" charset="0"/>
-              </a:rPr>
-              <a:t>        </a:t>
-            </a:r>
-            <a:r>
-              <a:rPr lang="en-GB" b="0" dirty="0">
-                <a:solidFill>
-                  <a:srgbClr val="569CD6"/>
-                </a:solidFill>
-                <a:effectLst/>
-                <a:latin typeface="Consolas" panose="020B0609020204030204" pitchFamily="49" charset="0"/>
-              </a:rPr>
-              <a:t>if</a:t>
-            </a:r>
-            <a:r>
-              <a:rPr lang="en-GB" b="0" dirty="0">
-                <a:solidFill>
-                  <a:srgbClr val="D4D4D4"/>
-                </a:solidFill>
-                <a:effectLst/>
-                <a:latin typeface="Consolas" panose="020B0609020204030204" pitchFamily="49" charset="0"/>
-              </a:rPr>
-              <a:t> </a:t>
-            </a:r>
-            <a:r>
-              <a:rPr lang="en-GB" b="0" dirty="0">
-                <a:solidFill>
-                  <a:srgbClr val="656565"/>
-                </a:solidFill>
-                <a:effectLst/>
-                <a:latin typeface="Consolas" panose="020B0609020204030204" pitchFamily="49" charset="0"/>
-              </a:rPr>
-              <a:t>size + </a:t>
-            </a:r>
-            <a:r>
-              <a:rPr lang="en-GB" b="0" dirty="0" err="1">
-                <a:solidFill>
-                  <a:srgbClr val="656565"/>
-                </a:solidFill>
-                <a:effectLst/>
-                <a:latin typeface="Consolas" panose="020B0609020204030204" pitchFamily="49" charset="0"/>
-              </a:rPr>
-              <a:t>len</a:t>
-            </a:r>
-            <a:r>
-              <a:rPr lang="en-GB" b="0" dirty="0">
-                <a:solidFill>
-                  <a:srgbClr val="656565"/>
-                </a:solidFill>
-                <a:effectLst/>
-                <a:latin typeface="Consolas" panose="020B0609020204030204" pitchFamily="49" charset="0"/>
-              </a:rPr>
-              <a:t>(U) &lt;= max:</a:t>
-            </a:r>
-          </a:p>
-          <a:p>
-            <a:r>
-              <a:rPr lang="en-GB" b="0" dirty="0">
-                <a:solidFill>
-                  <a:srgbClr val="D4D4D4"/>
-                </a:solidFill>
-                <a:effectLst/>
-                <a:latin typeface="Consolas" panose="020B0609020204030204" pitchFamily="49" charset="0"/>
-              </a:rPr>
-              <a:t>            </a:t>
-            </a:r>
-            <a:r>
-              <a:rPr lang="en-GB" b="0" dirty="0">
-                <a:solidFill>
-                  <a:srgbClr val="569CD6"/>
-                </a:solidFill>
-                <a:effectLst/>
-                <a:latin typeface="Consolas" panose="020B0609020204030204" pitchFamily="49" charset="0"/>
-              </a:rPr>
-              <a:t>return</a:t>
-            </a:r>
-            <a:r>
-              <a:rPr lang="en-GB" b="0" dirty="0">
-                <a:solidFill>
-                  <a:srgbClr val="D4D4D4"/>
-                </a:solidFill>
-                <a:effectLst/>
-                <a:latin typeface="Consolas" panose="020B0609020204030204" pitchFamily="49" charset="0"/>
-              </a:rPr>
-              <a:t> </a:t>
-            </a:r>
-          </a:p>
-          <a:p>
-            <a:r>
-              <a:rPr lang="en-GB" b="0" dirty="0">
-                <a:solidFill>
-                  <a:srgbClr val="D4D4D4"/>
-                </a:solidFill>
-                <a:effectLst/>
-                <a:latin typeface="Consolas" panose="020B0609020204030204" pitchFamily="49" charset="0"/>
-              </a:rPr>
-              <a:t>        </a:t>
-            </a:r>
-            <a:r>
-              <a:rPr lang="en-GB" b="0" dirty="0" err="1">
-                <a:solidFill>
-                  <a:srgbClr val="656565"/>
-                </a:solidFill>
-                <a:effectLst/>
-                <a:latin typeface="Consolas" panose="020B0609020204030204" pitchFamily="49" charset="0"/>
-              </a:rPr>
-              <a:t>i</a:t>
-            </a:r>
-            <a:r>
-              <a:rPr lang="en-GB" b="0" dirty="0">
-                <a:solidFill>
-                  <a:srgbClr val="656565"/>
-                </a:solidFill>
-                <a:effectLst/>
-                <a:latin typeface="Consolas" panose="020B0609020204030204" pitchFamily="49" charset="0"/>
-              </a:rPr>
-              <a:t> = U[0]</a:t>
-            </a:r>
-          </a:p>
-          <a:p>
-            <a:r>
-              <a:rPr lang="en-GB" b="0" dirty="0">
-                <a:solidFill>
-                  <a:srgbClr val="656565"/>
-                </a:solidFill>
-                <a:effectLst/>
-                <a:latin typeface="Consolas" panose="020B0609020204030204" pitchFamily="49" charset="0"/>
-              </a:rPr>
-              <a:t>        </a:t>
-            </a:r>
-            <a:r>
-              <a:rPr lang="en-GB" b="0" dirty="0" err="1">
-                <a:solidFill>
-                  <a:srgbClr val="656565"/>
-                </a:solidFill>
-                <a:effectLst/>
-                <a:latin typeface="Consolas" panose="020B0609020204030204" pitchFamily="49" charset="0"/>
-              </a:rPr>
-              <a:t>nodes.append</a:t>
-            </a:r>
-            <a:r>
-              <a:rPr lang="en-GB" b="0" dirty="0">
-                <a:solidFill>
-                  <a:srgbClr val="656565"/>
-                </a:solidFill>
-                <a:effectLst/>
-                <a:latin typeface="Consolas" panose="020B0609020204030204" pitchFamily="49" charset="0"/>
-              </a:rPr>
-              <a:t>(</a:t>
-            </a:r>
-            <a:r>
-              <a:rPr lang="en-GB" b="0" dirty="0" err="1">
-                <a:solidFill>
-                  <a:srgbClr val="656565"/>
-                </a:solidFill>
-                <a:effectLst/>
-                <a:latin typeface="Consolas" panose="020B0609020204030204" pitchFamily="49" charset="0"/>
-              </a:rPr>
-              <a:t>i</a:t>
-            </a:r>
-            <a:r>
-              <a:rPr lang="en-GB" b="0" dirty="0">
-                <a:solidFill>
-                  <a:srgbClr val="656565"/>
-                </a:solidFill>
-                <a:effectLst/>
-                <a:latin typeface="Consolas" panose="020B0609020204030204" pitchFamily="49" charset="0"/>
-              </a:rPr>
-              <a:t>)</a:t>
-            </a:r>
-          </a:p>
-          <a:p>
-            <a:r>
-              <a:rPr lang="en-GB" b="0" dirty="0">
-                <a:solidFill>
-                  <a:srgbClr val="656565"/>
-                </a:solidFill>
-                <a:effectLst/>
-                <a:latin typeface="Consolas" panose="020B0609020204030204" pitchFamily="49" charset="0"/>
-              </a:rPr>
-              <a:t>        </a:t>
-            </a:r>
-            <a:r>
-              <a:rPr lang="en-GB" b="0" dirty="0" err="1">
-                <a:solidFill>
-                  <a:srgbClr val="656565"/>
-                </a:solidFill>
-                <a:effectLst/>
-                <a:latin typeface="Consolas" panose="020B0609020204030204" pitchFamily="49" charset="0"/>
-              </a:rPr>
-              <a:t>U.remove</a:t>
-            </a:r>
-            <a:r>
-              <a:rPr lang="en-GB" b="0" dirty="0">
-                <a:solidFill>
-                  <a:srgbClr val="656565"/>
-                </a:solidFill>
-                <a:effectLst/>
-                <a:latin typeface="Consolas" panose="020B0609020204030204" pitchFamily="49" charset="0"/>
-              </a:rPr>
-              <a:t>(</a:t>
-            </a:r>
-            <a:r>
-              <a:rPr lang="en-GB" b="0" dirty="0" err="1">
-                <a:solidFill>
-                  <a:srgbClr val="656565"/>
-                </a:solidFill>
-                <a:effectLst/>
-                <a:latin typeface="Consolas" panose="020B0609020204030204" pitchFamily="49" charset="0"/>
-              </a:rPr>
-              <a:t>i</a:t>
-            </a:r>
-            <a:r>
-              <a:rPr lang="en-GB" b="0" dirty="0">
-                <a:solidFill>
-                  <a:srgbClr val="656565"/>
-                </a:solidFill>
-                <a:effectLst/>
-                <a:latin typeface="Consolas" panose="020B0609020204030204" pitchFamily="49" charset="0"/>
-              </a:rPr>
-              <a:t>)</a:t>
-            </a:r>
-          </a:p>
-          <a:p>
-            <a:r>
-              <a:rPr lang="en-GB" b="0" dirty="0">
-                <a:solidFill>
-                  <a:srgbClr val="656565"/>
-                </a:solidFill>
-                <a:effectLst/>
-                <a:latin typeface="Consolas" panose="020B0609020204030204" pitchFamily="49" charset="0"/>
-              </a:rPr>
-              <a:t>        </a:t>
-            </a:r>
-            <a:r>
-              <a:rPr lang="en-GB" b="0" dirty="0" err="1">
-                <a:solidFill>
-                  <a:srgbClr val="656565"/>
-                </a:solidFill>
-                <a:effectLst/>
-                <a:latin typeface="Consolas" panose="020B0609020204030204" pitchFamily="49" charset="0"/>
-              </a:rPr>
-              <a:t>brute_force_clique</a:t>
-            </a:r>
-            <a:r>
-              <a:rPr lang="en-GB" b="0" dirty="0">
-                <a:solidFill>
-                  <a:srgbClr val="656565"/>
-                </a:solidFill>
-                <a:effectLst/>
-                <a:latin typeface="Consolas" panose="020B0609020204030204" pitchFamily="49" charset="0"/>
-              </a:rPr>
-              <a:t>_(G, intersection(U,G[</a:t>
-            </a:r>
-            <a:r>
-              <a:rPr lang="en-GB" b="0" dirty="0" err="1">
-                <a:solidFill>
-                  <a:srgbClr val="656565"/>
-                </a:solidFill>
-                <a:effectLst/>
-                <a:latin typeface="Consolas" panose="020B0609020204030204" pitchFamily="49" charset="0"/>
-              </a:rPr>
-              <a:t>i</a:t>
-            </a:r>
-            <a:r>
-              <a:rPr lang="en-GB" b="0" dirty="0">
-                <a:solidFill>
-                  <a:srgbClr val="656565"/>
-                </a:solidFill>
-                <a:effectLst/>
-                <a:latin typeface="Consolas" panose="020B0609020204030204" pitchFamily="49" charset="0"/>
-              </a:rPr>
-              <a:t>]), size+1,nodes[:]) </a:t>
-            </a:r>
-          </a:p>
-          <a:p>
-            <a:br>
-              <a:rPr lang="en-GB" b="0" dirty="0">
-                <a:solidFill>
-                  <a:srgbClr val="D4D4D4"/>
-                </a:solidFill>
-                <a:effectLst/>
-                <a:latin typeface="Consolas" panose="020B0609020204030204" pitchFamily="49" charset="0"/>
-              </a:rPr>
-            </a:br>
-            <a:r>
-              <a:rPr lang="en-GB" b="0" dirty="0">
-                <a:solidFill>
-                  <a:srgbClr val="569CD6"/>
-                </a:solidFill>
-                <a:effectLst/>
-                <a:latin typeface="Consolas" panose="020B0609020204030204" pitchFamily="49" charset="0"/>
-              </a:rPr>
-              <a:t>def</a:t>
-            </a:r>
-            <a:r>
-              <a:rPr lang="en-GB" b="0" dirty="0">
-                <a:solidFill>
-                  <a:srgbClr val="D4D4D4"/>
-                </a:solidFill>
-                <a:effectLst/>
-                <a:latin typeface="Consolas" panose="020B0609020204030204" pitchFamily="49" charset="0"/>
-              </a:rPr>
-              <a:t> </a:t>
-            </a:r>
-            <a:r>
-              <a:rPr lang="en-GB" b="0" dirty="0" err="1">
-                <a:solidFill>
-                  <a:srgbClr val="656565"/>
-                </a:solidFill>
-                <a:effectLst/>
-                <a:latin typeface="Consolas" panose="020B0609020204030204" pitchFamily="49" charset="0"/>
-              </a:rPr>
-              <a:t>brute_force_clique</a:t>
-            </a:r>
-            <a:r>
-              <a:rPr lang="en-GB" b="0" dirty="0">
-                <a:solidFill>
-                  <a:srgbClr val="656565"/>
-                </a:solidFill>
-                <a:effectLst/>
-                <a:latin typeface="Consolas" panose="020B0609020204030204" pitchFamily="49" charset="0"/>
-              </a:rPr>
-              <a:t>(</a:t>
-            </a:r>
-            <a:r>
-              <a:rPr lang="en-GB" b="0" dirty="0" err="1">
-                <a:solidFill>
-                  <a:srgbClr val="656565"/>
-                </a:solidFill>
-                <a:effectLst/>
-                <a:latin typeface="Consolas" panose="020B0609020204030204" pitchFamily="49" charset="0"/>
-              </a:rPr>
-              <a:t>G:dict</a:t>
-            </a:r>
-            <a:r>
-              <a:rPr lang="en-GB" b="0" dirty="0">
-                <a:solidFill>
-                  <a:srgbClr val="656565"/>
-                </a:solidFill>
-                <a:effectLst/>
-                <a:latin typeface="Consolas" panose="020B0609020204030204" pitchFamily="49" charset="0"/>
-              </a:rPr>
-              <a:t>):</a:t>
-            </a:r>
-          </a:p>
-          <a:p>
-            <a:r>
-              <a:rPr lang="en-GB" b="0" dirty="0">
-                <a:solidFill>
-                  <a:srgbClr val="656565"/>
-                </a:solidFill>
-                <a:effectLst/>
-                <a:latin typeface="Consolas" panose="020B0609020204030204" pitchFamily="49" charset="0"/>
-              </a:rPr>
-              <a:t>    </a:t>
-            </a:r>
-            <a:r>
-              <a:rPr lang="en-GB" b="0" dirty="0" err="1">
-                <a:solidFill>
-                  <a:srgbClr val="656565"/>
-                </a:solidFill>
-                <a:effectLst/>
-                <a:latin typeface="Consolas" panose="020B0609020204030204" pitchFamily="49" charset="0"/>
-              </a:rPr>
-              <a:t>brute_force_clique</a:t>
-            </a:r>
-            <a:r>
-              <a:rPr lang="en-GB" b="0" dirty="0">
-                <a:solidFill>
-                  <a:srgbClr val="656565"/>
-                </a:solidFill>
-                <a:effectLst/>
-                <a:latin typeface="Consolas" panose="020B0609020204030204" pitchFamily="49" charset="0"/>
-              </a:rPr>
-              <a:t>_(G, list(</a:t>
-            </a:r>
-            <a:r>
-              <a:rPr lang="en-GB" b="0" dirty="0" err="1">
-                <a:solidFill>
-                  <a:srgbClr val="656565"/>
-                </a:solidFill>
-                <a:effectLst/>
-                <a:latin typeface="Consolas" panose="020B0609020204030204" pitchFamily="49" charset="0"/>
-              </a:rPr>
-              <a:t>G.keys</a:t>
-            </a:r>
-            <a:r>
-              <a:rPr lang="en-GB" b="0" dirty="0">
-                <a:solidFill>
-                  <a:srgbClr val="656565"/>
-                </a:solidFill>
-                <a:effectLst/>
-                <a:latin typeface="Consolas" panose="020B0609020204030204" pitchFamily="49" charset="0"/>
-              </a:rPr>
-              <a:t>()), 0, [])</a:t>
-            </a:r>
-          </a:p>
-          <a:p>
-            <a:pPr marL="0" indent="0">
-              <a:buNone/>
-            </a:pPr>
-            <a:endParaRPr lang="sr-Latn-RS" dirty="0">
-              <a:latin typeface="Rod" panose="020B0604020202020204" pitchFamily="49" charset="-79"/>
-              <a:cs typeface="Rod" panose="020B0604020202020204" pitchFamily="49" charset="-79"/>
-            </a:endParaRPr>
-          </a:p>
-        </p:txBody>
-      </p:sp>
-      <p:sp>
-        <p:nvSpPr>
-          <p:cNvPr id="8" name="TextBox 7">
-            <a:extLst>
-              <a:ext uri="{FF2B5EF4-FFF2-40B4-BE49-F238E27FC236}">
-                <a16:creationId xmlns:a16="http://schemas.microsoft.com/office/drawing/2014/main" id="{D7E9EAB1-3D4E-41D5-92ED-5F69DF178FDC}"/>
-              </a:ext>
-            </a:extLst>
-          </p:cNvPr>
-          <p:cNvSpPr txBox="1"/>
-          <p:nvPr/>
-        </p:nvSpPr>
-        <p:spPr>
-          <a:xfrm>
-            <a:off x="5587512" y="2077312"/>
-            <a:ext cx="6290896" cy="923330"/>
-          </a:xfrm>
-          <a:prstGeom prst="rect">
-            <a:avLst/>
-          </a:prstGeom>
-          <a:noFill/>
-          <a:ln>
-            <a:solidFill>
-              <a:schemeClr val="accent1"/>
-            </a:solidFill>
-          </a:ln>
-        </p:spPr>
-        <p:txBody>
-          <a:bodyPr wrap="square" rtlCol="0">
-            <a:spAutoFit/>
-          </a:bodyPr>
-          <a:lstStyle/>
-          <a:p>
-            <a:r>
-              <a:rPr lang="en-GB" b="0" dirty="0">
-                <a:solidFill>
-                  <a:srgbClr val="569CD6"/>
-                </a:solidFill>
-                <a:effectLst/>
-                <a:latin typeface="Consolas" panose="020B0609020204030204" pitchFamily="49" charset="0"/>
-              </a:rPr>
-              <a:t>def</a:t>
-            </a:r>
-            <a:r>
-              <a:rPr lang="en-GB" b="0" dirty="0">
-                <a:solidFill>
-                  <a:srgbClr val="D4D4D4"/>
-                </a:solidFill>
-                <a:effectLst/>
-                <a:latin typeface="Consolas" panose="020B0609020204030204" pitchFamily="49" charset="0"/>
-              </a:rPr>
-              <a:t> </a:t>
-            </a:r>
-            <a:r>
-              <a:rPr lang="en-GB" b="0" dirty="0">
-                <a:solidFill>
-                  <a:srgbClr val="656565"/>
-                </a:solidFill>
-                <a:effectLst/>
-                <a:latin typeface="Consolas" panose="020B0609020204030204" pitchFamily="49" charset="0"/>
-              </a:rPr>
-              <a:t>intersection(a: list, b: list):</a:t>
-            </a:r>
-          </a:p>
-          <a:p>
-            <a:r>
-              <a:rPr lang="en-GB" b="0" dirty="0">
-                <a:solidFill>
-                  <a:srgbClr val="D4D4D4"/>
-                </a:solidFill>
-                <a:effectLst/>
-                <a:latin typeface="Consolas" panose="020B0609020204030204" pitchFamily="49" charset="0"/>
-              </a:rPr>
-              <a:t>    </a:t>
-            </a:r>
-            <a:r>
-              <a:rPr lang="en-GB" b="0" dirty="0">
-                <a:solidFill>
-                  <a:srgbClr val="569CD6"/>
-                </a:solidFill>
-                <a:effectLst/>
-                <a:latin typeface="Consolas" panose="020B0609020204030204" pitchFamily="49" charset="0"/>
-              </a:rPr>
-              <a:t>return</a:t>
-            </a:r>
-            <a:r>
-              <a:rPr lang="en-GB" b="0" dirty="0">
-                <a:solidFill>
-                  <a:srgbClr val="D4D4D4"/>
-                </a:solidFill>
-                <a:effectLst/>
-                <a:latin typeface="Consolas" panose="020B0609020204030204" pitchFamily="49" charset="0"/>
-              </a:rPr>
-              <a:t> </a:t>
-            </a:r>
-            <a:r>
-              <a:rPr lang="en-GB" b="0" dirty="0">
-                <a:solidFill>
-                  <a:srgbClr val="656565"/>
-                </a:solidFill>
-                <a:effectLst/>
-                <a:latin typeface="Consolas" panose="020B0609020204030204" pitchFamily="49" charset="0"/>
-              </a:rPr>
-              <a:t>[value </a:t>
-            </a:r>
-            <a:r>
-              <a:rPr lang="en-GB" b="0" dirty="0">
-                <a:solidFill>
-                  <a:srgbClr val="569CD6"/>
-                </a:solidFill>
-                <a:effectLst/>
-                <a:latin typeface="Consolas" panose="020B0609020204030204" pitchFamily="49" charset="0"/>
-              </a:rPr>
-              <a:t>for</a:t>
-            </a:r>
-            <a:r>
-              <a:rPr lang="en-GB" b="0" dirty="0">
-                <a:solidFill>
-                  <a:srgbClr val="D4D4D4"/>
-                </a:solidFill>
-                <a:effectLst/>
-                <a:latin typeface="Consolas" panose="020B0609020204030204" pitchFamily="49" charset="0"/>
-              </a:rPr>
-              <a:t> </a:t>
-            </a:r>
-            <a:r>
-              <a:rPr lang="en-GB" b="0" dirty="0">
-                <a:solidFill>
-                  <a:srgbClr val="656565"/>
-                </a:solidFill>
-                <a:effectLst/>
-                <a:latin typeface="Consolas" panose="020B0609020204030204" pitchFamily="49" charset="0"/>
-              </a:rPr>
-              <a:t>value</a:t>
-            </a:r>
-            <a:r>
-              <a:rPr lang="en-GB" b="0" dirty="0">
-                <a:solidFill>
-                  <a:srgbClr val="D4D4D4"/>
-                </a:solidFill>
-                <a:effectLst/>
-                <a:latin typeface="Consolas" panose="020B0609020204030204" pitchFamily="49" charset="0"/>
-              </a:rPr>
-              <a:t> </a:t>
-            </a:r>
-            <a:r>
-              <a:rPr lang="en-GB" b="0" dirty="0">
-                <a:solidFill>
-                  <a:srgbClr val="569CD6"/>
-                </a:solidFill>
-                <a:effectLst/>
-                <a:latin typeface="Consolas" panose="020B0609020204030204" pitchFamily="49" charset="0"/>
-              </a:rPr>
-              <a:t>in</a:t>
-            </a:r>
-            <a:r>
-              <a:rPr lang="en-GB" b="0" dirty="0">
-                <a:solidFill>
-                  <a:srgbClr val="D4D4D4"/>
-                </a:solidFill>
-                <a:effectLst/>
-                <a:latin typeface="Consolas" panose="020B0609020204030204" pitchFamily="49" charset="0"/>
-              </a:rPr>
-              <a:t> </a:t>
-            </a:r>
-            <a:r>
-              <a:rPr lang="en-GB" b="0" dirty="0">
-                <a:solidFill>
-                  <a:srgbClr val="656565"/>
-                </a:solidFill>
-                <a:effectLst/>
-                <a:latin typeface="Consolas" panose="020B0609020204030204" pitchFamily="49" charset="0"/>
-              </a:rPr>
-              <a:t>a</a:t>
-            </a:r>
-            <a:r>
-              <a:rPr lang="en-GB" b="0" dirty="0">
-                <a:solidFill>
-                  <a:srgbClr val="D4D4D4"/>
-                </a:solidFill>
-                <a:effectLst/>
-                <a:latin typeface="Consolas" panose="020B0609020204030204" pitchFamily="49" charset="0"/>
-              </a:rPr>
-              <a:t> </a:t>
-            </a:r>
-            <a:r>
-              <a:rPr lang="en-GB" b="0" dirty="0">
-                <a:solidFill>
-                  <a:srgbClr val="569CD6"/>
-                </a:solidFill>
-                <a:effectLst/>
-                <a:latin typeface="Consolas" panose="020B0609020204030204" pitchFamily="49" charset="0"/>
-              </a:rPr>
-              <a:t>if</a:t>
-            </a:r>
-            <a:r>
-              <a:rPr lang="en-GB" b="0" dirty="0">
-                <a:solidFill>
-                  <a:srgbClr val="D4D4D4"/>
-                </a:solidFill>
-                <a:effectLst/>
-                <a:latin typeface="Consolas" panose="020B0609020204030204" pitchFamily="49" charset="0"/>
-              </a:rPr>
-              <a:t> </a:t>
-            </a:r>
-            <a:r>
-              <a:rPr lang="en-GB" b="0" dirty="0">
-                <a:solidFill>
-                  <a:srgbClr val="656565"/>
-                </a:solidFill>
-                <a:effectLst/>
-                <a:latin typeface="Consolas" panose="020B0609020204030204" pitchFamily="49" charset="0"/>
-              </a:rPr>
-              <a:t>value </a:t>
-            </a:r>
-            <a:r>
-              <a:rPr lang="en-GB" b="0" dirty="0">
-                <a:solidFill>
-                  <a:srgbClr val="569CD6"/>
-                </a:solidFill>
-                <a:effectLst/>
-                <a:latin typeface="Consolas" panose="020B0609020204030204" pitchFamily="49" charset="0"/>
-              </a:rPr>
-              <a:t>in</a:t>
-            </a:r>
-            <a:r>
-              <a:rPr lang="en-GB" b="0" dirty="0">
-                <a:solidFill>
-                  <a:srgbClr val="D4D4D4"/>
-                </a:solidFill>
-                <a:effectLst/>
-                <a:latin typeface="Consolas" panose="020B0609020204030204" pitchFamily="49" charset="0"/>
-              </a:rPr>
-              <a:t> </a:t>
-            </a:r>
-            <a:r>
-              <a:rPr lang="en-GB" b="0" dirty="0">
-                <a:solidFill>
-                  <a:srgbClr val="656565"/>
-                </a:solidFill>
-                <a:effectLst/>
-                <a:latin typeface="Consolas" panose="020B0609020204030204" pitchFamily="49" charset="0"/>
-              </a:rPr>
-              <a:t>b]</a:t>
-            </a:r>
-            <a:endParaRPr lang="sr-Latn-RS" b="0" dirty="0">
-              <a:solidFill>
-                <a:srgbClr val="656565"/>
-              </a:solidFill>
-              <a:effectLst/>
-              <a:latin typeface="Consolas" panose="020B0609020204030204" pitchFamily="49" charset="0"/>
-            </a:endParaRPr>
-          </a:p>
-          <a:p>
-            <a:endParaRPr lang="sr-Latn-RS" dirty="0"/>
-          </a:p>
-        </p:txBody>
-      </p:sp>
-    </p:spTree>
-    <p:extLst>
-      <p:ext uri="{BB962C8B-B14F-4D97-AF65-F5344CB8AC3E}">
-        <p14:creationId xmlns:p14="http://schemas.microsoft.com/office/powerpoint/2010/main" val="4117549991"/>
-      </p:ext>
-    </p:extLst>
-  </p:cSld>
-  <p:clrMapOvr>
-    <a:masterClrMapping/>
-  </p:clrMapOvr>
-</p:sld>
-</file>
-
-<file path=ppt/slides/slide4.xml><?xml version="1.0" encoding="utf-8"?>
-<p:sld xmlns:a="http://schemas.openxmlformats.org/drawingml/2006/main" xmlns:r="http://schemas.openxmlformats.org/officeDocument/2006/relationships" xmlns:p="http://schemas.openxmlformats.org/presentationml/2006/main">
-  <p:cSld>
-    <p:spTree>
-      <p:nvGrpSpPr>
-        <p:cNvPr id="1" name=""/>
-        <p:cNvGrpSpPr/>
-        <p:nvPr/>
-      </p:nvGrpSpPr>
-      <p:grpSpPr>
-        <a:xfrm>
-          <a:off x="0" y="0"/>
-          <a:ext cx="0" cy="0"/>
-          <a:chOff x="0" y="0"/>
-          <a:chExt cx="0" cy="0"/>
-        </a:xfrm>
-      </p:grpSpPr>
-      <p:sp>
-        <p:nvSpPr>
-          <p:cNvPr id="2" name="Title 1">
-            <a:extLst>
-              <a:ext uri="{FF2B5EF4-FFF2-40B4-BE49-F238E27FC236}">
-                <a16:creationId xmlns:a16="http://schemas.microsoft.com/office/drawing/2014/main" id="{EF978AFC-579A-478B-AACC-E4B13820CFEA}"/>
-              </a:ext>
-            </a:extLst>
-          </p:cNvPr>
-          <p:cNvSpPr>
-            <a:spLocks noGrp="1"/>
-          </p:cNvSpPr>
-          <p:nvPr>
-            <p:ph type="title"/>
-          </p:nvPr>
-        </p:nvSpPr>
-        <p:spPr>
-          <a:xfrm>
-            <a:off x="581192" y="702156"/>
-            <a:ext cx="11029616" cy="854082"/>
-          </a:xfrm>
-        </p:spPr>
-        <p:txBody>
-          <a:bodyPr/>
-          <a:lstStyle/>
-          <a:p>
-            <a:r>
-              <a:rPr lang="sr-Latn-RS" dirty="0"/>
-              <a:t>Rezultati dobijeni brute force algoritmom</a:t>
-            </a:r>
-          </a:p>
-        </p:txBody>
-      </p:sp>
-      <p:sp>
-        <p:nvSpPr>
-          <p:cNvPr id="3" name="Content Placeholder 2">
-            <a:extLst>
-              <a:ext uri="{FF2B5EF4-FFF2-40B4-BE49-F238E27FC236}">
-                <a16:creationId xmlns:a16="http://schemas.microsoft.com/office/drawing/2014/main" id="{49DF681F-8625-424B-AF0B-CA5BC457DA35}"/>
-              </a:ext>
-            </a:extLst>
-          </p:cNvPr>
-          <p:cNvSpPr>
-            <a:spLocks noGrp="1"/>
-          </p:cNvSpPr>
-          <p:nvPr>
-            <p:ph idx="1"/>
-          </p:nvPr>
-        </p:nvSpPr>
-        <p:spPr/>
-        <p:txBody>
-          <a:bodyPr/>
-          <a:lstStyle/>
-          <a:p>
-            <a:r>
-              <a:rPr lang="en-US" dirty="0" err="1"/>
-              <a:t>Dodati</a:t>
-            </a:r>
-            <a:endParaRPr lang="en-US" dirty="0"/>
-          </a:p>
-        </p:txBody>
-      </p:sp>
-    </p:spTree>
-    <p:extLst>
-      <p:ext uri="{BB962C8B-B14F-4D97-AF65-F5344CB8AC3E}">
-        <p14:creationId xmlns:p14="http://schemas.microsoft.com/office/powerpoint/2010/main" val="3201541715"/>
-      </p:ext>
-    </p:extLst>
-  </p:cSld>
-  <p:clrMapOvr>
-    <a:masterClrMapping/>
-  </p:clrMapOvr>
-</p:sld>
-</file>
-
-<file path=ppt/slides/slide5.xml><?xml version="1.0" encoding="utf-8"?>
-<p:sld xmlns:a="http://schemas.openxmlformats.org/drawingml/2006/main" xmlns:r="http://schemas.openxmlformats.org/officeDocument/2006/relationships" xmlns:p="http://schemas.openxmlformats.org/presentationml/2006/main">
-  <p:cSld>
-    <p:spTree>
-      <p:nvGrpSpPr>
-        <p:cNvPr id="1" name=""/>
-        <p:cNvGrpSpPr/>
-        <p:nvPr/>
-      </p:nvGrpSpPr>
-      <p:grpSpPr>
-        <a:xfrm>
-          <a:off x="0" y="0"/>
-          <a:ext cx="0" cy="0"/>
-          <a:chOff x="0" y="0"/>
-          <a:chExt cx="0" cy="0"/>
-        </a:xfrm>
-      </p:grpSpPr>
-      <p:sp>
-        <p:nvSpPr>
-          <p:cNvPr id="2" name="Title 1">
-            <a:extLst>
-              <a:ext uri="{FF2B5EF4-FFF2-40B4-BE49-F238E27FC236}">
-                <a16:creationId xmlns:a16="http://schemas.microsoft.com/office/drawing/2014/main" id="{81F33AC2-55F7-4A39-83E4-045E60E6E5D0}"/>
-              </a:ext>
-            </a:extLst>
-          </p:cNvPr>
-          <p:cNvSpPr>
-            <a:spLocks noGrp="1"/>
-          </p:cNvSpPr>
-          <p:nvPr>
-            <p:ph type="title"/>
-          </p:nvPr>
-        </p:nvSpPr>
-        <p:spPr>
-          <a:xfrm>
-            <a:off x="581192" y="702156"/>
-            <a:ext cx="11029616" cy="561379"/>
-          </a:xfrm>
-        </p:spPr>
-        <p:txBody>
-          <a:bodyPr>
-            <a:normAutofit/>
-          </a:bodyPr>
-          <a:lstStyle/>
-          <a:p>
-            <a:r>
-              <a:rPr lang="sr-Latn-RS"/>
-              <a:t>Optimizacija genetskim algoritmom</a:t>
-            </a:r>
-            <a:endParaRPr lang="sr-Latn-RS" dirty="0"/>
-          </a:p>
-        </p:txBody>
-      </p:sp>
-      <p:sp>
-        <p:nvSpPr>
-          <p:cNvPr id="3" name="Content Placeholder 2">
-            <a:extLst>
-              <a:ext uri="{FF2B5EF4-FFF2-40B4-BE49-F238E27FC236}">
-                <a16:creationId xmlns:a16="http://schemas.microsoft.com/office/drawing/2014/main" id="{120B0C78-5550-42A7-9465-EAECB049C924}"/>
-              </a:ext>
-            </a:extLst>
-          </p:cNvPr>
-          <p:cNvSpPr>
-            <a:spLocks noGrp="1"/>
-          </p:cNvSpPr>
-          <p:nvPr>
-            <p:ph idx="1"/>
-          </p:nvPr>
-        </p:nvSpPr>
-        <p:spPr>
-          <a:xfrm>
-            <a:off x="581192" y="1263534"/>
-            <a:ext cx="11029615" cy="4892309"/>
-          </a:xfrm>
-        </p:spPr>
-        <p:txBody>
-          <a:bodyPr>
-            <a:normAutofit/>
-          </a:bodyPr>
-          <a:lstStyle/>
-          <a:p>
-            <a:pPr marL="285750" indent="-285750">
-              <a:buFont typeface="Arial" panose="020B0604020202020204" pitchFamily="34" charset="0"/>
-              <a:buChar char="•"/>
-            </a:pPr>
-            <a:r>
-              <a:rPr lang="sr-Latn-RS" sz="2000" dirty="0"/>
-              <a:t>Genetski algoritam kao optimizacija</a:t>
-            </a:r>
-          </a:p>
-          <a:p>
-            <a:pPr marL="742950" lvl="1" indent="-285750">
-              <a:buFont typeface="Wingdings" panose="05000000000000000000" pitchFamily="2" charset="2"/>
-              <a:buChar char="§"/>
-            </a:pPr>
-            <a:r>
-              <a:rPr lang="sr-Latn-RS" sz="2000" dirty="0"/>
-              <a:t>Ukrštanje, mutacija, random inicijalna populacija rešenja</a:t>
-            </a:r>
-            <a:br>
-              <a:rPr lang="en-US" sz="2000" dirty="0"/>
-            </a:br>
-            <a:endParaRPr lang="sr-Latn-RS" sz="2000" dirty="0"/>
-          </a:p>
-          <a:p>
-            <a:pPr marL="742950" lvl="1" indent="-285750">
-              <a:buFont typeface="Wingdings" panose="05000000000000000000" pitchFamily="2" charset="2"/>
-              <a:buChar char="§"/>
-            </a:pPr>
-            <a:r>
-              <a:rPr lang="sr-Latn-RS" sz="2000" dirty="0"/>
-              <a:t>Nakon svakih 10 uzastopnih generacija ponovno generisanje populacije</a:t>
-            </a:r>
-            <a:br>
-              <a:rPr lang="en-US" sz="2000" dirty="0"/>
-            </a:br>
-            <a:endParaRPr lang="sr-Latn-RS" sz="2000" dirty="0"/>
-          </a:p>
-          <a:p>
-            <a:pPr marL="742950" lvl="1" indent="-285750">
-              <a:buFont typeface="Wingdings" panose="05000000000000000000" pitchFamily="2" charset="2"/>
-              <a:buChar char="§"/>
-            </a:pPr>
-            <a:r>
-              <a:rPr lang="sr-Latn-RS" sz="2000" dirty="0"/>
-              <a:t>Propagacija globalnog najboljeg resenja na narednu generaciju</a:t>
-            </a:r>
-            <a:br>
-              <a:rPr lang="en-US" sz="2000" dirty="0"/>
-            </a:br>
-            <a:endParaRPr lang="sr-Latn-RS" sz="2000" dirty="0"/>
-          </a:p>
-          <a:p>
-            <a:pPr marL="742950" lvl="1" indent="-285750">
-              <a:buFont typeface="Wingdings" panose="05000000000000000000" pitchFamily="2" charset="2"/>
-              <a:buChar char="§"/>
-            </a:pPr>
-            <a:r>
-              <a:rPr lang="sr-Latn-RS" sz="2000" dirty="0"/>
-              <a:t>Lokalno poboljšavanje</a:t>
-            </a:r>
-            <a:br>
-              <a:rPr lang="en-US" sz="2000" dirty="0"/>
-            </a:br>
-            <a:endParaRPr lang="sr-Latn-RS" sz="2000" dirty="0"/>
-          </a:p>
-          <a:p>
-            <a:pPr marL="742950" lvl="1" indent="-285750">
-              <a:buFont typeface="Wingdings" panose="05000000000000000000" pitchFamily="2" charset="2"/>
-              <a:buChar char="§"/>
-            </a:pPr>
-            <a:r>
-              <a:rPr lang="sr-Latn-RS" sz="2000" dirty="0"/>
-              <a:t>Mutacija samo ako dete nije nadmašilo makar jednog roditelja</a:t>
-            </a:r>
-            <a:br>
-              <a:rPr lang="en-US" sz="2000" dirty="0"/>
-            </a:br>
-            <a:endParaRPr lang="sr-Latn-RS" sz="2000" dirty="0"/>
-          </a:p>
-          <a:p>
-            <a:pPr>
-              <a:buFont typeface="Arial" panose="020B0604020202020204" pitchFamily="34" charset="0"/>
-              <a:buChar char="•"/>
-            </a:pPr>
-            <a:r>
-              <a:rPr lang="sr-Latn-RS" sz="2000" dirty="0"/>
-              <a:t>Skup podataka su DIMACS problemske instance </a:t>
-            </a:r>
-          </a:p>
-          <a:p>
-            <a:endParaRPr lang="sr-Latn-RS" dirty="0"/>
-          </a:p>
-        </p:txBody>
-      </p:sp>
-    </p:spTree>
-    <p:extLst>
-      <p:ext uri="{BB962C8B-B14F-4D97-AF65-F5344CB8AC3E}">
-        <p14:creationId xmlns:p14="http://schemas.microsoft.com/office/powerpoint/2010/main" val="1330248620"/>
-      </p:ext>
-    </p:extLst>
-  </p:cSld>
-  <p:clrMapOvr>
-    <a:masterClrMapping/>
-  </p:clrMapOvr>
-</p:sld>
-</file>
-
-<file path=ppt/slides/slide6.xml><?xml version="1.0" encoding="utf-8"?>
-<p:sld xmlns:a="http://schemas.openxmlformats.org/drawingml/2006/main" xmlns:r="http://schemas.openxmlformats.org/officeDocument/2006/relationships" xmlns:p="http://schemas.openxmlformats.org/presentationml/2006/main">
-  <p:cSld>
-    <p:spTree>
-      <p:nvGrpSpPr>
-        <p:cNvPr id="1" name=""/>
-        <p:cNvGrpSpPr/>
-        <p:nvPr/>
-      </p:nvGrpSpPr>
-      <p:grpSpPr>
-        <a:xfrm>
-          <a:off x="0" y="0"/>
-          <a:ext cx="0" cy="0"/>
-          <a:chOff x="0" y="0"/>
-          <a:chExt cx="0" cy="0"/>
-        </a:xfrm>
-      </p:grpSpPr>
-      <p:sp>
-        <p:nvSpPr>
-          <p:cNvPr id="2" name="Title 1">
-            <a:extLst>
-              <a:ext uri="{FF2B5EF4-FFF2-40B4-BE49-F238E27FC236}">
-                <a16:creationId xmlns:a16="http://schemas.microsoft.com/office/drawing/2014/main" id="{3AE0496F-0BF1-49E8-BE8A-52959825330C}"/>
-              </a:ext>
-            </a:extLst>
-          </p:cNvPr>
-          <p:cNvSpPr>
-            <a:spLocks noGrp="1"/>
-          </p:cNvSpPr>
-          <p:nvPr>
-            <p:ph type="title"/>
-          </p:nvPr>
-        </p:nvSpPr>
-        <p:spPr>
-          <a:xfrm>
-            <a:off x="581192" y="702157"/>
-            <a:ext cx="11029616" cy="602942"/>
-          </a:xfrm>
-        </p:spPr>
-        <p:txBody>
-          <a:bodyPr/>
-          <a:lstStyle/>
-          <a:p>
-            <a:r>
-              <a:rPr lang="en-US" dirty="0" err="1"/>
-              <a:t>Primeri</a:t>
-            </a:r>
-            <a:r>
-              <a:rPr lang="en-US" dirty="0"/>
-              <a:t> </a:t>
-            </a:r>
-            <a:r>
-              <a:rPr lang="en-US" dirty="0" err="1"/>
-              <a:t>rezultata</a:t>
-            </a:r>
-            <a:endParaRPr lang="sr-Latn-RS" dirty="0"/>
-          </a:p>
-        </p:txBody>
-      </p:sp>
-      <p:sp>
-        <p:nvSpPr>
-          <p:cNvPr id="5" name="Content Placeholder 2">
-            <a:extLst>
-              <a:ext uri="{FF2B5EF4-FFF2-40B4-BE49-F238E27FC236}">
-                <a16:creationId xmlns:a16="http://schemas.microsoft.com/office/drawing/2014/main" id="{C0D6F730-ED56-4099-B712-A016E3CDACC3}"/>
-              </a:ext>
-            </a:extLst>
-          </p:cNvPr>
-          <p:cNvSpPr>
-            <a:spLocks noGrp="1"/>
-          </p:cNvSpPr>
-          <p:nvPr>
-            <p:ph idx="1"/>
-          </p:nvPr>
-        </p:nvSpPr>
-        <p:spPr>
-          <a:xfrm>
-            <a:off x="581192" y="1263534"/>
-            <a:ext cx="11029615" cy="4892309"/>
-          </a:xfrm>
-        </p:spPr>
-        <p:txBody>
-          <a:bodyPr>
-            <a:normAutofit/>
-          </a:bodyPr>
-          <a:lstStyle/>
-          <a:p>
-            <a:pPr marL="133200" indent="0">
-              <a:buNone/>
-            </a:pPr>
-            <a:r>
-              <a:rPr lang="en-US" sz="2000"/>
-              <a:t>U nastavku </a:t>
-            </a:r>
-            <a:r>
-              <a:rPr lang="sr-Latn-RS" sz="2000"/>
-              <a:t>će biti izloženi</a:t>
-            </a:r>
-            <a:r>
-              <a:rPr lang="en-US" sz="2000"/>
-              <a:t> rezultati dobijeni za razli</a:t>
-            </a:r>
-            <a:r>
-              <a:rPr lang="sr-Latn-RS" sz="2000"/>
-              <a:t>čite familije instanci i generatore</a:t>
-            </a:r>
-          </a:p>
-          <a:p>
-            <a:pPr marL="742950" lvl="1" indent="-285750">
-              <a:buFont typeface="Wingdings" panose="05000000000000000000" pitchFamily="2" charset="2"/>
-              <a:buChar char="§"/>
-            </a:pPr>
-            <a:r>
-              <a:rPr lang="sr-Latn-RS" sz="2000"/>
-              <a:t>C familija – random grafovi generisani pomoću programa</a:t>
-            </a:r>
-            <a:r>
-              <a:rPr lang="sr-Latn-RS" sz="2000" b="0" i="0" u="none" strike="noStrike">
-                <a:effectLst/>
-              </a:rPr>
-              <a:t> ggen, generisao Michael Trick</a:t>
-            </a:r>
-          </a:p>
-          <a:p>
-            <a:pPr marL="742950" lvl="1" indent="-285750">
-              <a:buFont typeface="Wingdings" panose="05000000000000000000" pitchFamily="2" charset="2"/>
-              <a:buChar char="§"/>
-            </a:pPr>
-            <a:r>
-              <a:rPr lang="sr-Latn-RS" sz="2000"/>
-              <a:t>DSJC familija – random grafovi, generisao David Johnson</a:t>
-            </a:r>
-          </a:p>
-          <a:p>
-            <a:pPr marL="742950" lvl="1" indent="-285750">
-              <a:buFont typeface="Wingdings" panose="05000000000000000000" pitchFamily="2" charset="2"/>
-              <a:buChar char="§"/>
-            </a:pPr>
-            <a:r>
-              <a:rPr lang="sr-Latn-RS" sz="2000"/>
-              <a:t>GEN familija – veštački generisani grafovi sa velikom poznatom klikom, generisala Laura Sanchis</a:t>
-            </a:r>
-          </a:p>
-          <a:p>
-            <a:pPr marL="742950" lvl="1" indent="-285750">
-              <a:buFont typeface="Wingdings" panose="05000000000000000000" pitchFamily="2" charset="2"/>
-              <a:buChar char="§"/>
-            </a:pPr>
-            <a:r>
-              <a:rPr lang="sr-Latn-RS" sz="2000"/>
-              <a:t>BROCK familija – random grafovi sa klikama među čvorovima sa relativno malim stepenom</a:t>
-            </a:r>
-          </a:p>
-          <a:p>
-            <a:pPr marL="742950" lvl="1" indent="-285750">
-              <a:buFont typeface="Wingdings" panose="05000000000000000000" pitchFamily="2" charset="2"/>
-              <a:buChar char="§"/>
-            </a:pPr>
-            <a:r>
-              <a:rPr lang="sr-Latn-RS" sz="2000"/>
-              <a:t>P</a:t>
-            </a:r>
-            <a:r>
-              <a:rPr lang="en-US" sz="2000"/>
-              <a:t>_HAT</a:t>
-            </a:r>
-            <a:r>
-              <a:rPr lang="sr-Latn-RS" sz="2000"/>
-              <a:t> familija – random grafovi generisani sa p-hat generatorom koji je generalizacija klasičnog uniformnog radnom graf generatora, grafovi imaju širi raspon stepena čvora i veće klike od uniformnih grafova</a:t>
-            </a:r>
-            <a:endParaRPr lang="sr-Latn-RS" sz="2000" dirty="0"/>
-          </a:p>
-        </p:txBody>
-      </p:sp>
-    </p:spTree>
-    <p:extLst>
-      <p:ext uri="{BB962C8B-B14F-4D97-AF65-F5344CB8AC3E}">
-        <p14:creationId xmlns:p14="http://schemas.microsoft.com/office/powerpoint/2010/main" val="3736175160"/>
-      </p:ext>
-    </p:extLst>
-  </p:cSld>
-  <p:clrMapOvr>
-    <a:masterClrMapping/>
-  </p:clrMapOvr>
-</p:sld>
-</file>
-
-<file path=ppt/slides/slide7.xml><?xml version="1.0" encoding="utf-8"?>
-<p:sld xmlns:a="http://schemas.openxmlformats.org/drawingml/2006/main" xmlns:r="http://schemas.openxmlformats.org/officeDocument/2006/relationships" xmlns:p="http://schemas.openxmlformats.org/presentationml/2006/main">
-  <p:cSld>
-    <p:spTree>
-      <p:nvGrpSpPr>
-        <p:cNvPr id="1" name=""/>
-        <p:cNvGrpSpPr/>
-        <p:nvPr/>
-      </p:nvGrpSpPr>
-      <p:grpSpPr>
-        <a:xfrm>
-          <a:off x="0" y="0"/>
-          <a:ext cx="0" cy="0"/>
-          <a:chOff x="0" y="0"/>
-          <a:chExt cx="0" cy="0"/>
-        </a:xfrm>
-      </p:grpSpPr>
-      <p:sp>
-        <p:nvSpPr>
-          <p:cNvPr id="2" name="Title 1">
-            <a:extLst>
-              <a:ext uri="{FF2B5EF4-FFF2-40B4-BE49-F238E27FC236}">
                 <a16:creationId xmlns:a16="http://schemas.microsoft.com/office/drawing/2014/main" id="{7B250935-C36D-4290-B26C-97771161481A}"/>
               </a:ext>
             </a:extLst>
@@ -7012,14 +5103,14 @@
             <p:ph idx="1"/>
             <p:extLst>
               <p:ext uri="{D42A27DB-BD31-4B8C-83A1-F6EECF244321}">
-                <p14:modId xmlns:p14="http://schemas.microsoft.com/office/powerpoint/2010/main" val="205797507"/>
+                <p14:modId xmlns:p14="http://schemas.microsoft.com/office/powerpoint/2010/main" val="3414778183"/>
               </p:ext>
             </p:extLst>
           </p:nvPr>
         </p:nvGraphicFramePr>
         <p:xfrm>
-          <a:off x="1094840" y="1659188"/>
-          <a:ext cx="10001986" cy="4287174"/>
+          <a:off x="581024" y="1429150"/>
+          <a:ext cx="10681920" cy="4967811"/>
         </p:xfrm>
         <a:graphic>
           <a:graphicData uri="http://schemas.openxmlformats.org/drawingml/2006/table">
@@ -7028,78 +5119,71 @@
                 <a:tableStyleId>{5C22544A-7EE6-4342-B048-85BDC9FD1C3A}</a:tableStyleId>
               </a:tblPr>
               <a:tblGrid>
-                <a:gridCol w="1954426">
+                <a:gridCol w="1986330">
                   <a:extLst>
                     <a:ext uri="{9D8B030D-6E8A-4147-A177-3AD203B41FA5}">
                       <a16:colId xmlns:a16="http://schemas.microsoft.com/office/drawing/2014/main" val="1103098868"/>
                     </a:ext>
                   </a:extLst>
                 </a:gridCol>
-                <a:gridCol w="1160081">
+                <a:gridCol w="1013970">
                   <a:extLst>
                     <a:ext uri="{9D8B030D-6E8A-4147-A177-3AD203B41FA5}">
                       <a16:colId xmlns:a16="http://schemas.microsoft.com/office/drawing/2014/main" val="2274748186"/>
                     </a:ext>
                   </a:extLst>
                 </a:gridCol>
-                <a:gridCol w="1054619">
+                <a:gridCol w="1080012">
                   <a:extLst>
                     <a:ext uri="{9D8B030D-6E8A-4147-A177-3AD203B41FA5}">
                       <a16:colId xmlns:a16="http://schemas.microsoft.com/office/drawing/2014/main" val="3564559143"/>
                     </a:ext>
                   </a:extLst>
                 </a:gridCol>
-                <a:gridCol w="1192532">
+                <a:gridCol w="1194703">
                   <a:extLst>
                     <a:ext uri="{9D8B030D-6E8A-4147-A177-3AD203B41FA5}">
                       <a16:colId xmlns:a16="http://schemas.microsoft.com/office/drawing/2014/main" val="3653694080"/>
                     </a:ext>
                   </a:extLst>
                 </a:gridCol>
-                <a:gridCol w="773388">
+                <a:gridCol w="1081381">
                   <a:extLst>
                     <a:ext uri="{9D8B030D-6E8A-4147-A177-3AD203B41FA5}">
                       <a16:colId xmlns:a16="http://schemas.microsoft.com/office/drawing/2014/main" val="3276962968"/>
                     </a:ext>
                   </a:extLst>
                 </a:gridCol>
-                <a:gridCol w="773388">
+                <a:gridCol w="1081381">
                   <a:extLst>
                     <a:ext uri="{9D8B030D-6E8A-4147-A177-3AD203B41FA5}">
                       <a16:colId xmlns:a16="http://schemas.microsoft.com/office/drawing/2014/main" val="3511980048"/>
                     </a:ext>
                   </a:extLst>
                 </a:gridCol>
-                <a:gridCol w="773388">
+                <a:gridCol w="1081381">
                   <a:extLst>
                     <a:ext uri="{9D8B030D-6E8A-4147-A177-3AD203B41FA5}">
                       <a16:colId xmlns:a16="http://schemas.microsoft.com/office/drawing/2014/main" val="272198918"/>
                     </a:ext>
                   </a:extLst>
                 </a:gridCol>
-                <a:gridCol w="773388">
+                <a:gridCol w="1081381">
                   <a:extLst>
                     <a:ext uri="{9D8B030D-6E8A-4147-A177-3AD203B41FA5}">
                       <a16:colId xmlns:a16="http://schemas.microsoft.com/office/drawing/2014/main" val="1663337357"/>
                     </a:ext>
                   </a:extLst>
                 </a:gridCol>
-                <a:gridCol w="773388">
+                <a:gridCol w="1081381">
                   <a:extLst>
                     <a:ext uri="{9D8B030D-6E8A-4147-A177-3AD203B41FA5}">
                       <a16:colId xmlns:a16="http://schemas.microsoft.com/office/drawing/2014/main" val="1370916162"/>
                     </a:ext>
                   </a:extLst>
                 </a:gridCol>
-                <a:gridCol w="773388">
-                  <a:extLst>
-                    <a:ext uri="{9D8B030D-6E8A-4147-A177-3AD203B41FA5}">
-                      <a16:colId xmlns:a16="http://schemas.microsoft.com/office/drawing/2014/main" val="716641096"/>
-                    </a:ext>
-                  </a:extLst>
-                </a:gridCol>
               </a:tblGrid>
-              <a:tr h="676002">
+              <a:tr h="708982">
                 <a:tc rowSpan="3">
                   <a:txBody>
                     <a:bodyPr/>
@@ -7194,7 +5278,7 @@
                     </a:solidFill>
                   </a:tcPr>
                 </a:tc>
-                <a:tc gridSpan="6">
+                <a:tc gridSpan="5">
                   <a:txBody>
                     <a:bodyPr/>
                     <a:lstStyle/>
@@ -7202,7 +5286,63 @@
                       <a:pPr algn="ctr"/>
                       <a:r>
                         <a:rPr lang="sr-Latn-RS" sz="1400" dirty="0"/>
-                        <a:t>Veličina maks. klike dobijena primenom implementiranog algoritma sa brojem iteracija</a:t>
+                        <a:t>Veličina maks. </a:t>
+                      </a:r>
+                      <a:r>
+                        <a:rPr lang="en-US" sz="1400" dirty="0"/>
+                        <a:t>k</a:t>
+                      </a:r>
+                      <a:r>
+                        <a:rPr lang="sr-Latn-RS" sz="1400" dirty="0"/>
+                        <a:t>like</a:t>
+                      </a:r>
+                      <a:r>
+                        <a:rPr lang="en-US" sz="1400" dirty="0"/>
+                        <a:t> </a:t>
+                      </a:r>
+                      <a:r>
+                        <a:rPr lang="en-US" sz="1400" dirty="0" err="1"/>
+                        <a:t>i</a:t>
+                      </a:r>
+                      <a:r>
+                        <a:rPr lang="en-US" sz="1400" dirty="0"/>
+                        <a:t> </a:t>
+                      </a:r>
+                      <a:r>
+                        <a:rPr lang="en-US" sz="1400" dirty="0" err="1"/>
+                        <a:t>potrebno</a:t>
+                      </a:r>
+                      <a:r>
+                        <a:rPr lang="en-US" sz="1400" dirty="0"/>
+                        <a:t> </a:t>
+                      </a:r>
+                      <a:r>
+                        <a:rPr lang="en-US" sz="1400" dirty="0" err="1"/>
+                        <a:t>vreme</a:t>
+                      </a:r>
+                      <a:r>
+                        <a:rPr lang="en-US" sz="1400" dirty="0"/>
+                        <a:t> u </a:t>
+                      </a:r>
+                      <a:r>
+                        <a:rPr lang="en-US" sz="1400" dirty="0" err="1"/>
+                        <a:t>sekundama</a:t>
+                      </a:r>
+                      <a:endParaRPr lang="en-US" sz="1400" dirty="0"/>
+                    </a:p>
+                    <a:p>
+                      <a:pPr algn="ctr"/>
+                      <a:r>
+                        <a:rPr lang="sr-Latn-RS" sz="1400" dirty="0"/>
+                        <a:t> dobijen</a:t>
+                      </a:r>
+                      <a:r>
+                        <a:rPr lang="en-US" sz="1400" dirty="0"/>
+                        <a:t>o</a:t>
+                      </a:r>
+                      <a:r>
+                        <a:rPr lang="sr-Latn-RS" sz="1400" dirty="0"/>
+                        <a:t> primenom implementiranog algoritma sa brojem iteracija</a:t>
                       </a:r>
                       <a:r>
                         <a:rPr lang="en-US" sz="1400" dirty="0"/>
@@ -7297,40 +5437,13 @@
                   </a:txBody>
                   <a:tcPr/>
                 </a:tc>
-                <a:tc hMerge="1">
-                  <a:txBody>
-                    <a:bodyPr/>
-                    <a:lstStyle/>
-                    <a:p>
-                      <a:pPr algn="ctr"/>
-                      <a:endParaRPr lang="sr-Latn-RS" sz="1400" dirty="0"/>
-                    </a:p>
-                  </a:txBody>
-                  <a:tcPr anchor="ctr">
-                    <a:lnL w="12700" cap="flat" cmpd="sng" algn="ctr">
-                      <a:solidFill>
-                        <a:schemeClr val="bg1"/>
-                      </a:solidFill>
-                      <a:prstDash val="solid"/>
-                      <a:round/>
-                      <a:headEnd type="none" w="med" len="med"/>
-                      <a:tailEnd type="none" w="med" len="med"/>
-                    </a:lnL>
-                    <a:solidFill>
-                      <a:schemeClr val="tx1">
-                        <a:lumMod val="75000"/>
-                        <a:lumOff val="25000"/>
-                      </a:schemeClr>
-                    </a:solidFill>
-                  </a:tcPr>
-                </a:tc>
                 <a:extLst>
                   <a:ext uri="{0D108BD9-81ED-4DB2-BD59-A6C34878D82A}">
                     <a16:rowId xmlns:a16="http://schemas.microsoft.com/office/drawing/2014/main" val="1433913432"/>
                   </a:ext>
                 </a:extLst>
               </a:tr>
-              <a:tr h="346642">
+              <a:tr h="363553">
                 <a:tc vMerge="1">
                   <a:txBody>
                     <a:bodyPr/>
@@ -7440,7 +5553,17 @@
                       <a:endParaRPr lang="sr-Latn-RS"/>
                     </a:p>
                   </a:txBody>
-                  <a:tcPr/>
+                  <a:tcPr>
+                    <a:lnL w="12700" cap="flat" cmpd="sng" algn="ctr">
+                      <a:solidFill>
+                        <a:schemeClr val="bg1"/>
+                      </a:solidFill>
+                      <a:prstDash val="solid"/>
+                      <a:round/>
+                      <a:headEnd type="none" w="med" len="med"/>
+                      <a:tailEnd type="none" w="med" len="med"/>
+                    </a:lnL>
+                  </a:tcPr>
                 </a:tc>
                 <a:tc gridSpan="2">
                   <a:txBody>
@@ -7477,15 +5600,6 @@
                       <a:headEnd type="none" w="med" len="med"/>
                       <a:tailEnd type="none" w="med" len="med"/>
                     </a:lnR>
-                    <a:lnT w="38100" cap="flat" cmpd="sng" algn="ctr">
-                      <a:solidFill>
-                        <a:schemeClr val="bg1"/>
-                      </a:solidFill>
-                      <a:prstDash val="solid"/>
-                      <a:round/>
-                      <a:headEnd type="none" w="med" len="med"/>
-                      <a:tailEnd type="none" w="med" len="med"/>
-                    </a:lnT>
                     <a:lnB w="12700" cap="flat" cmpd="sng" algn="ctr">
                       <a:solidFill>
                         <a:schemeClr val="bg1"/>
@@ -7511,7 +5625,17 @@
                       <a:endParaRPr lang="sr-Latn-RS"/>
                     </a:p>
                   </a:txBody>
-                  <a:tcPr/>
+                  <a:tcPr>
+                    <a:lnL w="12700" cap="flat" cmpd="sng" algn="ctr">
+                      <a:solidFill>
+                        <a:schemeClr val="bg1"/>
+                      </a:solidFill>
+                      <a:prstDash val="solid"/>
+                      <a:round/>
+                      <a:headEnd type="none" w="med" len="med"/>
+                      <a:tailEnd type="none" w="med" len="med"/>
+                    </a:lnL>
+                  </a:tcPr>
                 </a:tc>
                 <a:tc>
                   <a:txBody>
@@ -7565,70 +5689,13 @@
                     </a:solidFill>
                   </a:tcPr>
                 </a:tc>
-                <a:tc>
-                  <a:txBody>
-                    <a:bodyPr/>
-                    <a:lstStyle/>
-                    <a:p>
-                      <a:pPr algn="ctr"/>
-                      <a:r>
-                        <a:rPr lang="en-US" sz="1400" b="1" dirty="0">
-                          <a:solidFill>
-                            <a:schemeClr val="bg1"/>
-                          </a:solidFill>
-                        </a:rPr>
-                        <a:t>10.000</a:t>
-                      </a:r>
-                      <a:endParaRPr lang="sr-Latn-RS" sz="1400" b="1" dirty="0">
-                        <a:solidFill>
-                          <a:schemeClr val="bg1"/>
-                        </a:solidFill>
-                      </a:endParaRPr>
-                    </a:p>
-                  </a:txBody>
-                  <a:tcPr anchor="ctr">
-                    <a:lnL w="12700" cap="flat" cmpd="sng" algn="ctr">
-                      <a:solidFill>
-                        <a:schemeClr val="bg1"/>
-                      </a:solidFill>
-                      <a:prstDash val="solid"/>
-                      <a:round/>
-                      <a:headEnd type="none" w="med" len="med"/>
-                      <a:tailEnd type="none" w="med" len="med"/>
-                    </a:lnL>
-                    <a:lnR w="12700" cap="flat" cmpd="sng" algn="ctr">
-                      <a:solidFill>
-                        <a:schemeClr val="bg1"/>
-                      </a:solidFill>
-                      <a:prstDash val="solid"/>
-                      <a:round/>
-                      <a:headEnd type="none" w="med" len="med"/>
-                      <a:tailEnd type="none" w="med" len="med"/>
-                    </a:lnR>
-                    <a:lnB w="12700" cap="flat" cmpd="sng" algn="ctr">
-                      <a:solidFill>
-                        <a:schemeClr val="bg1"/>
-                      </a:solidFill>
-                      <a:prstDash val="solid"/>
-                      <a:round/>
-                      <a:headEnd type="none" w="med" len="med"/>
-                      <a:tailEnd type="none" w="med" len="med"/>
-                    </a:lnB>
-                    <a:solidFill>
-                      <a:schemeClr val="tx1">
-                        <a:lumMod val="75000"/>
-                        <a:lumOff val="25000"/>
-                      </a:schemeClr>
-                    </a:solidFill>
-                  </a:tcPr>
-                </a:tc>
                 <a:extLst>
                   <a:ext uri="{0D108BD9-81ED-4DB2-BD59-A6C34878D82A}">
                     <a16:rowId xmlns:a16="http://schemas.microsoft.com/office/drawing/2014/main" val="2295222003"/>
                   </a:ext>
                 </a:extLst>
               </a:tr>
-              <a:tr h="346642">
+              <a:tr h="363553">
                 <a:tc vMerge="1">
                   <a:txBody>
                     <a:bodyPr/>
@@ -7770,15 +5837,6 @@
                       <a:headEnd type="none" w="med" len="med"/>
                       <a:tailEnd type="none" w="med" len="med"/>
                     </a:lnR>
-                    <a:lnT w="12700" cap="flat" cmpd="sng" algn="ctr">
-                      <a:solidFill>
-                        <a:schemeClr val="bg1"/>
-                      </a:solidFill>
-                      <a:prstDash val="solid"/>
-                      <a:round/>
-                      <a:headEnd type="none" w="med" len="med"/>
-                      <a:tailEnd type="none" w="med" len="med"/>
-                    </a:lnT>
                     <a:lnB w="38100" cap="flat" cmpd="sng" algn="ctr">
                       <a:solidFill>
                         <a:schemeClr val="bg1"/>
@@ -7904,15 +5962,6 @@
                       <a:headEnd type="none" w="med" len="med"/>
                       <a:tailEnd type="none" w="med" len="med"/>
                     </a:lnR>
-                    <a:lnT w="12700" cap="flat" cmpd="sng" algn="ctr">
-                      <a:solidFill>
-                        <a:schemeClr val="bg1"/>
-                      </a:solidFill>
-                      <a:prstDash val="solid"/>
-                      <a:round/>
-                      <a:headEnd type="none" w="med" len="med"/>
-                      <a:tailEnd type="none" w="med" len="med"/>
-                    </a:lnT>
                     <a:lnB w="38100" cap="flat" cmpd="sng" algn="ctr">
                       <a:solidFill>
                         <a:schemeClr val="bg1"/>
@@ -7998,79 +6047,13 @@
                     </a:solidFill>
                   </a:tcPr>
                 </a:tc>
-                <a:tc>
-                  <a:txBody>
-                    <a:bodyPr/>
-                    <a:lstStyle/>
-                    <a:p>
-                      <a:pPr algn="ctr"/>
-                      <a:r>
-                        <a:rPr lang="en-US" sz="1400" b="1" dirty="0">
-                          <a:solidFill>
-                            <a:schemeClr val="bg1"/>
-                          </a:solidFill>
-                        </a:rPr>
-                        <a:t>1</a:t>
-                      </a:r>
-                      <a:endParaRPr lang="sr-Latn-RS" sz="1400" b="1" dirty="0">
-                        <a:solidFill>
-                          <a:schemeClr val="bg1"/>
-                        </a:solidFill>
-                      </a:endParaRPr>
-                    </a:p>
-                  </a:txBody>
-                  <a:tcPr anchor="ctr">
-                    <a:lnL w="12700" cap="flat" cmpd="sng" algn="ctr">
-                      <a:solidFill>
-                        <a:schemeClr val="bg1"/>
-                      </a:solidFill>
-                      <a:prstDash val="solid"/>
-                      <a:round/>
-                      <a:headEnd type="none" w="med" len="med"/>
-                      <a:tailEnd type="none" w="med" len="med"/>
-                    </a:lnL>
-                    <a:lnR w="12700" cap="flat" cmpd="sng" algn="ctr">
-                      <a:solidFill>
-                        <a:schemeClr val="bg1"/>
-                      </a:solidFill>
-                      <a:prstDash val="solid"/>
-                      <a:round/>
-                      <a:headEnd type="none" w="med" len="med"/>
-                      <a:tailEnd type="none" w="med" len="med"/>
-                    </a:lnR>
-                    <a:lnT w="12700" cap="flat" cmpd="sng" algn="ctr">
-                      <a:solidFill>
-                        <a:schemeClr val="bg1"/>
-                      </a:solidFill>
-                      <a:prstDash val="solid"/>
-                      <a:round/>
-                      <a:headEnd type="none" w="med" len="med"/>
-                      <a:tailEnd type="none" w="med" len="med"/>
-                    </a:lnT>
-                    <a:lnB w="38100" cap="flat" cmpd="sng" algn="ctr">
-                      <a:solidFill>
-                        <a:schemeClr val="bg1"/>
-                      </a:solidFill>
-                      <a:prstDash val="solid"/>
-                      <a:round/>
-                      <a:headEnd type="none" w="med" len="med"/>
-                      <a:tailEnd type="none" w="med" len="med"/>
-                    </a:lnB>
-                    <a:solidFill>
-                      <a:schemeClr val="tx1">
-                        <a:lumMod val="75000"/>
-                        <a:lumOff val="25000"/>
-                      </a:schemeClr>
-                    </a:solidFill>
-                  </a:tcPr>
-                </a:tc>
                 <a:extLst>
                   <a:ext uri="{0D108BD9-81ED-4DB2-BD59-A6C34878D82A}">
                     <a16:rowId xmlns:a16="http://schemas.microsoft.com/office/drawing/2014/main" val="2709891890"/>
                   </a:ext>
                 </a:extLst>
               </a:tr>
-              <a:tr h="572474">
+              <a:tr h="701837">
                 <a:tc>
                   <a:txBody>
                     <a:bodyPr/>
@@ -8170,12 +6153,39 @@
                     <a:p>
                       <a:pPr algn="ctr"/>
                       <a:r>
-                        <a:rPr lang="sr-Latn-RS" sz="1400" dirty="0">
+                        <a:rPr lang="en-US" sz="1400" dirty="0">
                           <a:solidFill>
                             <a:srgbClr val="656565"/>
                           </a:solidFill>
                         </a:rPr>
-                        <a:t>29</a:t>
+                        <a:t>34</a:t>
+                      </a:r>
+                    </a:p>
+                    <a:p>
+                      <a:pPr marL="0" marR="0" lvl="0" indent="0" algn="ctr" defTabSz="457200" rtl="0" eaLnBrk="1" fontAlgn="auto" latinLnBrk="0" hangingPunct="1">
+                        <a:lnSpc>
+                          <a:spcPct val="100000"/>
+                        </a:lnSpc>
+                        <a:spcBef>
+                          <a:spcPts val="0"/>
+                        </a:spcBef>
+                        <a:spcAft>
+                          <a:spcPts val="0"/>
+                        </a:spcAft>
+                        <a:buClrTx/>
+                        <a:buSzTx/>
+                        <a:buFontTx/>
+                        <a:buNone/>
+                        <a:tabLst/>
+                        <a:defRPr/>
+                      </a:pPr>
+                      <a:r>
+                        <a:rPr lang="en-US" sz="1200" dirty="0">
+                          <a:solidFill>
+                            <a:srgbClr val="656565"/>
+                          </a:solidFill>
+                        </a:rPr>
+                        <a:t>9.89s</a:t>
                       </a:r>
                     </a:p>
                   </a:txBody>
@@ -8212,59 +6222,40 @@
                             <a:srgbClr val="656565"/>
                           </a:solidFill>
                         </a:rPr>
-                        <a:t>29</a:t>
+                        <a:t>34</a:t>
                       </a:r>
-                      <a:endParaRPr lang="sr-Latn-RS" sz="1400" dirty="0">
+                    </a:p>
+                    <a:p>
+                      <a:pPr marL="0" marR="0" lvl="0" indent="0" algn="ctr" defTabSz="457200" rtl="0" eaLnBrk="1" fontAlgn="auto" latinLnBrk="0" hangingPunct="1">
+                        <a:lnSpc>
+                          <a:spcPct val="100000"/>
+                        </a:lnSpc>
+                        <a:spcBef>
+                          <a:spcPts val="0"/>
+                        </a:spcBef>
+                        <a:spcAft>
+                          <a:spcPts val="0"/>
+                        </a:spcAft>
+                        <a:buClrTx/>
+                        <a:buSzTx/>
+                        <a:buFontTx/>
+                        <a:buNone/>
+                        <a:tabLst/>
+                        <a:defRPr/>
+                      </a:pPr>
+                      <a:r>
+                        <a:rPr lang="en-US" sz="1200" dirty="0">
+                          <a:solidFill>
+                            <a:srgbClr val="656565"/>
+                          </a:solidFill>
+                        </a:rPr>
+                        <a:t>8.77s</a:t>
+                      </a:r>
+                      <a:endParaRPr lang="sr-Latn-RS" sz="1200" dirty="0">
                         <a:solidFill>
                           <a:srgbClr val="656565"/>
                         </a:solidFill>
                       </a:endParaRPr>
-                    </a:p>
-                  </a:txBody>
-                  <a:tcPr anchor="ctr">
-                    <a:lnL w="12700" cap="flat" cmpd="sng" algn="ctr">
-                      <a:solidFill>
-                        <a:schemeClr val="bg1"/>
-                      </a:solidFill>
-                      <a:prstDash val="solid"/>
-                      <a:round/>
-                      <a:headEnd type="none" w="med" len="med"/>
-                      <a:tailEnd type="none" w="med" len="med"/>
-                    </a:lnL>
-                    <a:lnR w="12700" cap="flat" cmpd="sng" algn="ctr">
-                      <a:solidFill>
-                        <a:schemeClr val="bg1"/>
-                      </a:solidFill>
-                      <a:prstDash val="solid"/>
-                      <a:round/>
-                      <a:headEnd type="none" w="med" len="med"/>
-                      <a:tailEnd type="none" w="med" len="med"/>
-                    </a:lnR>
-                    <a:lnT w="38100" cap="flat" cmpd="sng" algn="ctr">
-                      <a:solidFill>
-                        <a:schemeClr val="bg1"/>
-                      </a:solidFill>
-                      <a:prstDash val="solid"/>
-                      <a:round/>
-                      <a:headEnd type="none" w="med" len="med"/>
-                      <a:tailEnd type="none" w="med" len="med"/>
-                    </a:lnT>
-                  </a:tcPr>
-                </a:tc>
-                <a:tc>
-                  <a:txBody>
-                    <a:bodyPr/>
-                    <a:lstStyle/>
-                    <a:p>
-                      <a:pPr algn="ctr"/>
-                      <a:r>
-                        <a:rPr lang="sr-Latn-RS" sz="1400" dirty="0">
-                          <a:solidFill>
-                            <a:srgbClr val="656565"/>
-                          </a:solidFill>
-                        </a:rPr>
-                        <a:t>29</a:t>
-                      </a:r>
                     </a:p>
                   </a:txBody>
                   <a:tcPr anchor="ctr">
@@ -8309,59 +6300,24 @@
                             <a:srgbClr val="656565"/>
                           </a:solidFill>
                         </a:rPr>
-                        <a:t>29</a:t>
+                        <a:t>34</a:t>
                       </a:r>
-                      <a:endParaRPr lang="sr-Latn-RS" sz="1400" dirty="0">
+                    </a:p>
+                    <a:p>
+                      <a:pPr algn="ctr"/>
+                      <a:r>
+                        <a:rPr lang="en-US" sz="1200" dirty="0">
+                          <a:solidFill>
+                            <a:srgbClr val="656565"/>
+                          </a:solidFill>
+                        </a:rPr>
+                        <a:t>17.91s</a:t>
+                      </a:r>
+                      <a:endParaRPr lang="sr-Latn-RS" sz="1200" dirty="0">
                         <a:solidFill>
                           <a:srgbClr val="656565"/>
                         </a:solidFill>
                       </a:endParaRPr>
-                    </a:p>
-                  </a:txBody>
-                  <a:tcPr anchor="ctr">
-                    <a:lnL w="12700" cap="flat" cmpd="sng" algn="ctr">
-                      <a:solidFill>
-                        <a:schemeClr val="bg1"/>
-                      </a:solidFill>
-                      <a:prstDash val="solid"/>
-                      <a:round/>
-                      <a:headEnd type="none" w="med" len="med"/>
-                      <a:tailEnd type="none" w="med" len="med"/>
-                    </a:lnL>
-                    <a:lnR w="12700" cap="flat" cmpd="sng" algn="ctr">
-                      <a:solidFill>
-                        <a:schemeClr val="bg1"/>
-                      </a:solidFill>
-                      <a:prstDash val="solid"/>
-                      <a:round/>
-                      <a:headEnd type="none" w="med" len="med"/>
-                      <a:tailEnd type="none" w="med" len="med"/>
-                    </a:lnR>
-                    <a:lnT w="38100" cap="flat" cmpd="sng" algn="ctr">
-                      <a:solidFill>
-                        <a:schemeClr val="bg1"/>
-                      </a:solidFill>
-                      <a:prstDash val="solid"/>
-                      <a:round/>
-                      <a:headEnd type="none" w="med" len="med"/>
-                      <a:tailEnd type="none" w="med" len="med"/>
-                    </a:lnT>
-                  </a:tcPr>
-                </a:tc>
-                <a:tc>
-                  <a:txBody>
-                    <a:bodyPr/>
-                    <a:lstStyle/>
-                    <a:p>
-                      <a:pPr algn="ctr"/>
-                      <a:r>
-                        <a:rPr lang="sr-Latn-RS" sz="1400" dirty="0">
-                          <a:solidFill>
-                            <a:srgbClr val="656565"/>
-                          </a:solidFill>
-                        </a:rPr>
-                        <a:t>29</a:t>
-                      </a:r>
                     </a:p>
                   </a:txBody>
                   <a:tcPr anchor="ctr">
@@ -8406,9 +6362,82 @@
                             <a:srgbClr val="656565"/>
                           </a:solidFill>
                         </a:rPr>
-                        <a:t>29</a:t>
+                        <a:t>34</a:t>
                       </a:r>
-                      <a:endParaRPr lang="sr-Latn-RS" sz="1400" dirty="0">
+                    </a:p>
+                    <a:p>
+                      <a:pPr algn="ctr"/>
+                      <a:r>
+                        <a:rPr lang="en-US" sz="1200" dirty="0">
+                          <a:solidFill>
+                            <a:srgbClr val="656565"/>
+                          </a:solidFill>
+                        </a:rPr>
+                        <a:t>18.19s</a:t>
+                      </a:r>
+                      <a:endParaRPr lang="sr-Latn-RS" sz="1200" dirty="0">
+                        <a:solidFill>
+                          <a:srgbClr val="656565"/>
+                        </a:solidFill>
+                      </a:endParaRPr>
+                    </a:p>
+                  </a:txBody>
+                  <a:tcPr anchor="ctr">
+                    <a:lnL w="12700" cap="flat" cmpd="sng" algn="ctr">
+                      <a:solidFill>
+                        <a:schemeClr val="bg1"/>
+                      </a:solidFill>
+                      <a:prstDash val="solid"/>
+                      <a:round/>
+                      <a:headEnd type="none" w="med" len="med"/>
+                      <a:tailEnd type="none" w="med" len="med"/>
+                    </a:lnL>
+                    <a:lnR w="12700" cap="flat" cmpd="sng" algn="ctr">
+                      <a:solidFill>
+                        <a:schemeClr val="bg1"/>
+                      </a:solidFill>
+                      <a:prstDash val="solid"/>
+                      <a:round/>
+                      <a:headEnd type="none" w="med" len="med"/>
+                      <a:tailEnd type="none" w="med" len="med"/>
+                    </a:lnR>
+                    <a:lnT w="38100" cap="flat" cmpd="sng" algn="ctr">
+                      <a:solidFill>
+                        <a:schemeClr val="bg1"/>
+                      </a:solidFill>
+                      <a:prstDash val="solid"/>
+                      <a:round/>
+                      <a:headEnd type="none" w="med" len="med"/>
+                      <a:tailEnd type="none" w="med" len="med"/>
+                    </a:lnT>
+                  </a:tcPr>
+                </a:tc>
+                <a:tc>
+                  <a:txBody>
+                    <a:bodyPr/>
+                    <a:lstStyle/>
+                    <a:p>
+                      <a:pPr algn="ctr"/>
+                      <a:r>
+                        <a:rPr lang="en-US" sz="1400" dirty="0">
+                          <a:solidFill>
+                            <a:srgbClr val="656565"/>
+                          </a:solidFill>
+                        </a:rPr>
+                        <a:t>34</a:t>
+                      </a:r>
+                    </a:p>
+                    <a:p>
+                      <a:pPr algn="ctr"/>
+                      <a:r>
+                        <a:rPr lang="en-US" sz="1200" dirty="0">
+                          <a:solidFill>
+                            <a:srgbClr val="656565"/>
+                          </a:solidFill>
+                        </a:rPr>
+                        <a:t>.19s</a:t>
+                      </a:r>
+                      <a:endParaRPr lang="sr-Latn-RS" sz="1200" dirty="0">
                         <a:solidFill>
                           <a:srgbClr val="656565"/>
                         </a:solidFill>
@@ -8451,7 +6480,7 @@
                   </a:ext>
                 </a:extLst>
               </a:tr>
-              <a:tr h="572474">
+              <a:tr h="701837">
                 <a:tc>
                   <a:txBody>
                     <a:bodyPr/>
@@ -8554,22 +6583,41 @@
                     <a:p>
                       <a:pPr algn="ctr"/>
                       <a:r>
-                        <a:rPr lang="sr-Latn-RS" sz="1400" dirty="0">
-                          <a:solidFill>
-                            <a:srgbClr val="656565"/>
-                          </a:solidFill>
-                        </a:rPr>
-                        <a:t>1</a:t>
-                      </a:r>
-                      <a:r>
                         <a:rPr lang="en-US" sz="1400" dirty="0">
                           <a:solidFill>
                             <a:srgbClr val="656565"/>
                           </a:solidFill>
                         </a:rPr>
-                        <a:t>5</a:t>
+                        <a:t>16</a:t>
                       </a:r>
-                      <a:endParaRPr lang="sr-Latn-RS" sz="1400" dirty="0">
+                    </a:p>
+                    <a:p>
+                      <a:pPr marL="0" marR="0" lvl="0" indent="0" algn="ctr" defTabSz="457200" rtl="0" eaLnBrk="1" fontAlgn="auto" latinLnBrk="0" hangingPunct="1">
+                        <a:lnSpc>
+                          <a:spcPct val="100000"/>
+                        </a:lnSpc>
+                        <a:spcBef>
+                          <a:spcPts val="0"/>
+                        </a:spcBef>
+                        <a:spcAft>
+                          <a:spcPts val="0"/>
+                        </a:spcAft>
+                        <a:buClrTx/>
+                        <a:buSzTx/>
+                        <a:buFontTx/>
+                        <a:buNone/>
+                        <a:tabLst/>
+                        <a:defRPr/>
+                      </a:pPr>
+                      <a:r>
+                        <a:rPr lang="en-US" sz="1200" dirty="0">
+                          <a:solidFill>
+                            <a:srgbClr val="656565"/>
+                          </a:solidFill>
+                        </a:rPr>
+                        <a:t>13.20s</a:t>
+                      </a:r>
+                      <a:endParaRPr lang="sr-Latn-RS" sz="1200" dirty="0">
                         <a:solidFill>
                           <a:srgbClr val="656565"/>
                         </a:solidFill>
@@ -8600,9 +6648,36 @@
                             <a:srgbClr val="656565"/>
                           </a:solidFill>
                         </a:rPr>
-                        <a:t>14</a:t>
+                        <a:t>15</a:t>
                       </a:r>
-                      <a:endParaRPr lang="sr-Latn-RS" sz="1400" dirty="0">
+                    </a:p>
+                    <a:p>
+                      <a:pPr marL="0" marR="0" lvl="0" indent="0" algn="ctr" defTabSz="457200" rtl="0" eaLnBrk="1" fontAlgn="auto" latinLnBrk="0" hangingPunct="1">
+                        <a:lnSpc>
+                          <a:spcPct val="100000"/>
+                        </a:lnSpc>
+                        <a:spcBef>
+                          <a:spcPts val="0"/>
+                        </a:spcBef>
+                        <a:spcAft>
+                          <a:spcPts val="0"/>
+                        </a:spcAft>
+                        <a:buClrTx/>
+                        <a:buSzTx/>
+                        <a:buFontTx/>
+                        <a:buNone/>
+                        <a:tabLst/>
+                        <a:defRPr/>
+                      </a:pPr>
+                      <a:r>
+                        <a:rPr lang="en-US" sz="1200" dirty="0">
+                          <a:solidFill>
+                            <a:srgbClr val="656565"/>
+                          </a:solidFill>
+                        </a:rPr>
+                        <a:t>13.73s</a:t>
+                      </a:r>
+                      <a:endParaRPr lang="sr-Latn-RS" sz="1200" dirty="0">
                         <a:solidFill>
                           <a:srgbClr val="656565"/>
                         </a:solidFill>
@@ -8644,44 +6719,23 @@
                         </a:rPr>
                         <a:t>15</a:t>
                       </a:r>
+                      <a:endParaRPr lang="en-US" sz="1400" dirty="0">
+                        <a:solidFill>
+                          <a:srgbClr val="656565"/>
+                        </a:solidFill>
+                      </a:endParaRPr>
                     </a:p>
-                  </a:txBody>
-                  <a:tcPr anchor="ctr">
-                    <a:lnL w="12700" cap="flat" cmpd="sng" algn="ctr">
-                      <a:solidFill>
-                        <a:schemeClr val="bg1"/>
-                      </a:solidFill>
-                      <a:prstDash val="solid"/>
-                      <a:round/>
-                      <a:headEnd type="none" w="med" len="med"/>
-                      <a:tailEnd type="none" w="med" len="med"/>
-                    </a:lnL>
-                    <a:lnR w="12700" cap="flat" cmpd="sng" algn="ctr">
-                      <a:solidFill>
-                        <a:schemeClr val="bg1"/>
-                      </a:solidFill>
-                      <a:prstDash val="solid"/>
-                      <a:round/>
-                      <a:headEnd type="none" w="med" len="med"/>
-                      <a:tailEnd type="none" w="med" len="med"/>
-                    </a:lnR>
-                  </a:tcPr>
-                </a:tc>
-                <a:tc>
-                  <a:txBody>
-                    <a:bodyPr/>
-                    <a:lstStyle/>
                     <a:p>
                       <a:pPr algn="ctr"/>
                       <a:r>
-                        <a:rPr lang="en-US" sz="1400" dirty="0">
+                        <a:rPr lang="en-US" sz="1200" dirty="0">
                           <a:solidFill>
                             <a:srgbClr val="656565"/>
                           </a:solidFill>
                         </a:rPr>
-                        <a:t>14</a:t>
+                        <a:t>32.53</a:t>
                       </a:r>
-                      <a:endParaRPr lang="sr-Latn-RS" sz="1400" dirty="0">
+                      <a:endParaRPr lang="sr-Latn-RS" sz="1200" dirty="0">
                         <a:solidFill>
                           <a:srgbClr val="656565"/>
                         </a:solidFill>
@@ -8721,8 +6775,32 @@
                             <a:srgbClr val="656565"/>
                           </a:solidFill>
                         </a:rPr>
-                        <a:t>15</a:t>
+                        <a:t>1</a:t>
                       </a:r>
+                      <a:r>
+                        <a:rPr lang="en-US" sz="1400" dirty="0">
+                          <a:solidFill>
+                            <a:srgbClr val="656565"/>
+                          </a:solidFill>
+                        </a:rPr>
+                        <a:t>6</a:t>
+                      </a:r>
+                    </a:p>
+                    <a:p>
+                      <a:pPr algn="ctr"/>
+                      <a:r>
+                        <a:rPr lang="en-US" sz="1200" dirty="0">
+                          <a:solidFill>
+                            <a:srgbClr val="656565"/>
+                          </a:solidFill>
+                        </a:rPr>
+                        <a:t>24.95</a:t>
+                      </a:r>
+                      <a:endParaRPr lang="sr-Latn-RS" sz="1200" dirty="0">
+                        <a:solidFill>
+                          <a:srgbClr val="656565"/>
+                        </a:solidFill>
+                      </a:endParaRPr>
                     </a:p>
                   </a:txBody>
                   <a:tcPr anchor="ctr">
@@ -8753,14 +6831,33 @@
                     <a:p>
                       <a:pPr algn="ctr"/>
                       <a:r>
+                        <a:rPr lang="sr-Latn-RS" sz="1400" dirty="0">
+                          <a:solidFill>
+                            <a:srgbClr val="656565"/>
+                          </a:solidFill>
+                        </a:rPr>
+                        <a:t>1</a:t>
+                      </a:r>
+                      <a:r>
                         <a:rPr lang="en-US" sz="1400" dirty="0">
                           <a:solidFill>
                             <a:srgbClr val="656565"/>
                           </a:solidFill>
                         </a:rPr>
-                        <a:t>16</a:t>
+                        <a:t>6</a:t>
                       </a:r>
-                      <a:endParaRPr lang="sr-Latn-RS" sz="1400" dirty="0">
+                    </a:p>
+                    <a:p>
+                      <a:pPr algn="ctr"/>
+                      <a:r>
+                        <a:rPr lang="en-US" sz="1200" dirty="0">
+                          <a:solidFill>
+                            <a:srgbClr val="656565"/>
+                          </a:solidFill>
+                        </a:rPr>
+                        <a:t>137.15</a:t>
+                      </a:r>
+                      <a:endParaRPr lang="sr-Latn-RS" sz="1200" dirty="0">
                         <a:solidFill>
                           <a:srgbClr val="656565"/>
                         </a:solidFill>
@@ -8794,7 +6891,7 @@
                   </a:ext>
                 </a:extLst>
               </a:tr>
-              <a:tr h="572474">
+              <a:tr h="701837">
                 <a:tc>
                   <a:txBody>
                     <a:bodyPr/>
@@ -8902,9 +6999,36 @@
                             <a:srgbClr val="656565"/>
                           </a:solidFill>
                         </a:rPr>
-                        <a:t>25</a:t>
+                        <a:t>35</a:t>
                       </a:r>
-                      <a:endParaRPr lang="sr-Latn-RS" sz="1400" dirty="0">
+                    </a:p>
+                    <a:p>
+                      <a:pPr marL="0" marR="0" lvl="0" indent="0" algn="ctr" defTabSz="457200" rtl="0" eaLnBrk="1" fontAlgn="auto" latinLnBrk="0" hangingPunct="1">
+                        <a:lnSpc>
+                          <a:spcPct val="100000"/>
+                        </a:lnSpc>
+                        <a:spcBef>
+                          <a:spcPts val="0"/>
+                        </a:spcBef>
+                        <a:spcAft>
+                          <a:spcPts val="0"/>
+                        </a:spcAft>
+                        <a:buClrTx/>
+                        <a:buSzTx/>
+                        <a:buFontTx/>
+                        <a:buNone/>
+                        <a:tabLst/>
+                        <a:defRPr/>
+                      </a:pPr>
+                      <a:r>
+                        <a:rPr lang="en-US" sz="1200" dirty="0">
+                          <a:solidFill>
+                            <a:srgbClr val="656565"/>
+                          </a:solidFill>
+                        </a:rPr>
+                        <a:t>23.99s</a:t>
+                      </a:r>
+                      <a:endParaRPr lang="sr-Latn-RS" sz="1200" dirty="0">
                         <a:solidFill>
                           <a:srgbClr val="656565"/>
                         </a:solidFill>
@@ -8935,9 +7059,20 @@
                             <a:srgbClr val="656565"/>
                           </a:solidFill>
                         </a:rPr>
-                        <a:t>25</a:t>
+                        <a:t>36</a:t>
                       </a:r>
-                      <a:endParaRPr lang="sr-Latn-RS" sz="1400" dirty="0">
+                    </a:p>
+                    <a:p>
+                      <a:pPr algn="ctr"/>
+                      <a:r>
+                        <a:rPr lang="en-US" sz="1200" dirty="0">
+                          <a:solidFill>
+                            <a:srgbClr val="656565"/>
+                          </a:solidFill>
+                        </a:rPr>
+                        <a:t>27.00s</a:t>
+                      </a:r>
+                      <a:endParaRPr lang="sr-Latn-RS" sz="1200" dirty="0">
                         <a:solidFill>
                           <a:srgbClr val="656565"/>
                         </a:solidFill>
@@ -8972,12 +7107,23 @@
                     <a:p>
                       <a:pPr algn="ctr"/>
                       <a:r>
-                        <a:rPr lang="sr-Latn-RS" sz="1400" dirty="0">
+                        <a:rPr lang="en-US" sz="1400" dirty="0">
                           <a:solidFill>
                             <a:srgbClr val="656565"/>
                           </a:solidFill>
                         </a:rPr>
-                        <a:t>31</a:t>
+                        <a:t>36</a:t>
+                      </a:r>
+                    </a:p>
+                    <a:p>
+                      <a:pPr algn="ctr"/>
+                      <a:r>
+                        <a:rPr lang="en-US" sz="1200" dirty="0">
+                          <a:solidFill>
+                            <a:srgbClr val="656565"/>
+                          </a:solidFill>
+                        </a:rPr>
+                        <a:t>49.42s</a:t>
                       </a:r>
                     </a:p>
                   </a:txBody>
@@ -9014,49 +7160,18 @@
                             <a:srgbClr val="656565"/>
                           </a:solidFill>
                         </a:rPr>
-                        <a:t>25</a:t>
+                        <a:t>36</a:t>
                       </a:r>
-                      <a:endParaRPr lang="sr-Latn-RS" sz="1400" dirty="0">
-                        <a:solidFill>
-                          <a:srgbClr val="656565"/>
-                        </a:solidFill>
-                      </a:endParaRPr>
                     </a:p>
-                  </a:txBody>
-                  <a:tcPr anchor="ctr">
-                    <a:lnL w="12700" cap="flat" cmpd="sng" algn="ctr">
-                      <a:solidFill>
-                        <a:schemeClr val="bg1"/>
-                      </a:solidFill>
-                      <a:prstDash val="solid"/>
-                      <a:round/>
-                      <a:headEnd type="none" w="med" len="med"/>
-                      <a:tailEnd type="none" w="med" len="med"/>
-                    </a:lnL>
-                    <a:lnR w="12700" cap="flat" cmpd="sng" algn="ctr">
-                      <a:solidFill>
-                        <a:schemeClr val="bg1"/>
-                      </a:solidFill>
-                      <a:prstDash val="solid"/>
-                      <a:round/>
-                      <a:headEnd type="none" w="med" len="med"/>
-                      <a:tailEnd type="none" w="med" len="med"/>
-                    </a:lnR>
-                  </a:tcPr>
-                </a:tc>
-                <a:tc>
-                  <a:txBody>
-                    <a:bodyPr/>
-                    <a:lstStyle/>
                     <a:p>
                       <a:pPr algn="ctr"/>
                       <a:r>
-                        <a:rPr lang="sr-Latn-RS" sz="1400" dirty="0">
+                        <a:rPr lang="en-US" sz="1200" dirty="0">
                           <a:solidFill>
                             <a:srgbClr val="656565"/>
                           </a:solidFill>
                         </a:rPr>
-                        <a:t>31</a:t>
+                        <a:t>50.60s</a:t>
                       </a:r>
                     </a:p>
                   </a:txBody>
@@ -9093,13 +7208,43 @@
                             <a:srgbClr val="656565"/>
                           </a:solidFill>
                         </a:rPr>
-                        <a:t>*</a:t>
+                        <a:t>36</a:t>
                       </a:r>
-                      <a:endParaRPr lang="sr-Latn-RS" sz="1400" dirty="0">
-                        <a:solidFill>
-                          <a:srgbClr val="656565"/>
-                        </a:solidFill>
-                      </a:endParaRPr>
+                    </a:p>
+                    <a:p>
+                      <a:pPr algn="ctr"/>
+                      <a:r>
+                        <a:rPr lang="sr-Latn-RS" sz="1200" dirty="0">
+                          <a:solidFill>
+                            <a:srgbClr val="656565"/>
+                          </a:solidFill>
+                        </a:rPr>
+                        <a:t>261</a:t>
+                      </a:r>
+                      <a:r>
+                        <a:rPr lang="en-US" sz="1200" dirty="0">
+                          <a:solidFill>
+                            <a:srgbClr val="656565"/>
+                          </a:solidFill>
+                        </a:rPr>
+                        <a:t>.</a:t>
+                      </a:r>
+                      <a:r>
+                        <a:rPr lang="sr-Latn-RS" sz="1200" dirty="0">
+                          <a:solidFill>
+                            <a:srgbClr val="656565"/>
+                          </a:solidFill>
+                        </a:rPr>
+                        <a:t>8</a:t>
+                      </a:r>
+                      <a:r>
+                        <a:rPr lang="en-US" sz="1200" dirty="0">
+                          <a:solidFill>
+                            <a:srgbClr val="656565"/>
+                          </a:solidFill>
+                        </a:rPr>
+                        <a:t>0s</a:t>
+                      </a:r>
                     </a:p>
                   </a:txBody>
                   <a:tcPr anchor="ctr">
@@ -9129,7 +7274,7 @@
                   </a:ext>
                 </a:extLst>
               </a:tr>
-              <a:tr h="572474">
+              <a:tr h="701837">
                 <a:tc>
                   <a:txBody>
                     <a:bodyPr/>
@@ -9232,13 +7377,45 @@
                     <a:p>
                       <a:pPr algn="ctr"/>
                       <a:r>
-                        <a:rPr lang="sr-Latn-RS" sz="1400" dirty="0">
+                        <a:rPr lang="en-US" sz="1400" dirty="0">
                           <a:solidFill>
                             <a:srgbClr val="656565"/>
                           </a:solidFill>
                         </a:rPr>
-                        <a:t>39</a:t>
+                        <a:t>51</a:t>
                       </a:r>
+                    </a:p>
+                    <a:p>
+                      <a:pPr marL="0" marR="0" lvl="0" indent="0" algn="ctr" defTabSz="457200" rtl="0" eaLnBrk="1" fontAlgn="auto" latinLnBrk="0" hangingPunct="1">
+                        <a:lnSpc>
+                          <a:spcPct val="100000"/>
+                        </a:lnSpc>
+                        <a:spcBef>
+                          <a:spcPts val="0"/>
+                        </a:spcBef>
+                        <a:spcAft>
+                          <a:spcPts val="0"/>
+                        </a:spcAft>
+                        <a:buClrTx/>
+                        <a:buSzTx/>
+                        <a:buFontTx/>
+                        <a:buNone/>
+                        <a:tabLst/>
+                        <a:defRPr/>
+                      </a:pPr>
+                      <a:r>
+                        <a:rPr lang="en-US" sz="1200" dirty="0">
+                          <a:solidFill>
+                            <a:srgbClr val="656565"/>
+                          </a:solidFill>
+                        </a:rPr>
+                        <a:t>61.47s</a:t>
+                      </a:r>
+                      <a:endParaRPr lang="en-US" sz="1400" dirty="0">
+                        <a:solidFill>
+                          <a:srgbClr val="656565"/>
+                        </a:solidFill>
+                      </a:endParaRPr>
                     </a:p>
                   </a:txBody>
                   <a:tcPr anchor="ctr">
@@ -9265,50 +7442,40 @@
                             <a:srgbClr val="656565"/>
                           </a:solidFill>
                         </a:rPr>
-                        <a:t>39</a:t>
+                        <a:t>51</a:t>
                       </a:r>
-                      <a:endParaRPr lang="sr-Latn-RS" sz="1400" dirty="0">
+                    </a:p>
+                    <a:p>
+                      <a:pPr marL="0" marR="0" lvl="0" indent="0" algn="ctr" defTabSz="457200" rtl="0" eaLnBrk="1" fontAlgn="auto" latinLnBrk="0" hangingPunct="1">
+                        <a:lnSpc>
+                          <a:spcPct val="100000"/>
+                        </a:lnSpc>
+                        <a:spcBef>
+                          <a:spcPts val="0"/>
+                        </a:spcBef>
+                        <a:spcAft>
+                          <a:spcPts val="0"/>
+                        </a:spcAft>
+                        <a:buClrTx/>
+                        <a:buSzTx/>
+                        <a:buFontTx/>
+                        <a:buNone/>
+                        <a:tabLst/>
+                        <a:defRPr/>
+                      </a:pPr>
+                      <a:r>
+                        <a:rPr lang="en-US" sz="1200" dirty="0">
+                          <a:solidFill>
+                            <a:srgbClr val="656565"/>
+                          </a:solidFill>
+                        </a:rPr>
+                        <a:t>65.74s</a:t>
+                      </a:r>
+                      <a:endParaRPr lang="sr-Latn-RS" sz="1200" dirty="0">
                         <a:solidFill>
                           <a:srgbClr val="656565"/>
                         </a:solidFill>
                       </a:endParaRPr>
-                    </a:p>
-                  </a:txBody>
-                  <a:tcPr anchor="ctr">
-                    <a:lnL w="12700" cap="flat" cmpd="sng" algn="ctr">
-                      <a:solidFill>
-                        <a:schemeClr val="bg1"/>
-                      </a:solidFill>
-                      <a:prstDash val="solid"/>
-                      <a:round/>
-                      <a:headEnd type="none" w="med" len="med"/>
-                      <a:tailEnd type="none" w="med" len="med"/>
-                    </a:lnL>
-                    <a:lnR w="12700" cap="flat" cmpd="sng" algn="ctr">
-                      <a:solidFill>
-                        <a:schemeClr val="bg1"/>
-                      </a:solidFill>
-                      <a:prstDash val="solid"/>
-                      <a:round/>
-                      <a:headEnd type="none" w="med" len="med"/>
-                      <a:tailEnd type="none" w="med" len="med"/>
-                    </a:lnR>
-                  </a:tcPr>
-                </a:tc>
-                <a:tc>
-                  <a:txBody>
-                    <a:bodyPr/>
-                    <a:lstStyle/>
-                    <a:p>
-                      <a:pPr algn="ctr"/>
-                      <a:r>
-                        <a:rPr lang="sr-Latn-RS" sz="1400" dirty="0">
-                          <a:solidFill>
-                            <a:srgbClr val="656565"/>
-                          </a:solidFill>
-                        </a:rPr>
-                        <a:t>39</a:t>
-                      </a:r>
                     </a:p>
                   </a:txBody>
                   <a:tcPr anchor="ctr">
@@ -9344,50 +7511,24 @@
                             <a:srgbClr val="656565"/>
                           </a:solidFill>
                         </a:rPr>
-                        <a:t>25</a:t>
+                        <a:t>51</a:t>
                       </a:r>
-                      <a:endParaRPr lang="sr-Latn-RS" sz="1400" dirty="0">
+                    </a:p>
+                    <a:p>
+                      <a:pPr algn="ctr"/>
+                      <a:r>
+                        <a:rPr lang="en-US" sz="1200" dirty="0">
+                          <a:solidFill>
+                            <a:srgbClr val="656565"/>
+                          </a:solidFill>
+                        </a:rPr>
+                        <a:t>129.30s</a:t>
+                      </a:r>
+                      <a:endParaRPr lang="sr-Latn-RS" sz="1200" dirty="0">
                         <a:solidFill>
                           <a:srgbClr val="656565"/>
                         </a:solidFill>
                       </a:endParaRPr>
-                    </a:p>
-                  </a:txBody>
-                  <a:tcPr anchor="ctr">
-                    <a:lnL w="12700" cap="flat" cmpd="sng" algn="ctr">
-                      <a:solidFill>
-                        <a:schemeClr val="bg1"/>
-                      </a:solidFill>
-                      <a:prstDash val="solid"/>
-                      <a:round/>
-                      <a:headEnd type="none" w="med" len="med"/>
-                      <a:tailEnd type="none" w="med" len="med"/>
-                    </a:lnL>
-                    <a:lnR w="12700" cap="flat" cmpd="sng" algn="ctr">
-                      <a:solidFill>
-                        <a:schemeClr val="bg1"/>
-                      </a:solidFill>
-                      <a:prstDash val="solid"/>
-                      <a:round/>
-                      <a:headEnd type="none" w="med" len="med"/>
-                      <a:tailEnd type="none" w="med" len="med"/>
-                    </a:lnR>
-                  </a:tcPr>
-                </a:tc>
-                <a:tc>
-                  <a:txBody>
-                    <a:bodyPr/>
-                    <a:lstStyle/>
-                    <a:p>
-                      <a:pPr algn="ctr"/>
-                      <a:r>
-                        <a:rPr lang="sr-Latn-RS" sz="1400" dirty="0">
-                          <a:solidFill>
-                            <a:srgbClr val="656565"/>
-                          </a:solidFill>
-                        </a:rPr>
-                        <a:t>39</a:t>
-                      </a:r>
                     </a:p>
                   </a:txBody>
                   <a:tcPr anchor="ctr">
@@ -9423,13 +7564,72 @@
                             <a:srgbClr val="656565"/>
                           </a:solidFill>
                         </a:rPr>
-                        <a:t>*</a:t>
+                        <a:t>51</a:t>
                       </a:r>
-                      <a:endParaRPr lang="sr-Latn-RS" sz="1400" dirty="0">
+                    </a:p>
+                    <a:p>
+                      <a:pPr algn="ctr"/>
+                      <a:r>
+                        <a:rPr lang="en-US" sz="1200" dirty="0">
+                          <a:solidFill>
+                            <a:srgbClr val="656565"/>
+                          </a:solidFill>
+                        </a:rPr>
+                        <a:t>127.11s</a:t>
+                      </a:r>
+                      <a:endParaRPr lang="sr-Latn-RS" sz="1200" dirty="0">
                         <a:solidFill>
                           <a:srgbClr val="656565"/>
                         </a:solidFill>
                       </a:endParaRPr>
+                    </a:p>
+                  </a:txBody>
+                  <a:tcPr anchor="ctr">
+                    <a:lnL w="12700" cap="flat" cmpd="sng" algn="ctr">
+                      <a:solidFill>
+                        <a:schemeClr val="bg1"/>
+                      </a:solidFill>
+                      <a:prstDash val="solid"/>
+                      <a:round/>
+                      <a:headEnd type="none" w="med" len="med"/>
+                      <a:tailEnd type="none" w="med" len="med"/>
+                    </a:lnL>
+                    <a:lnR w="12700" cap="flat" cmpd="sng" algn="ctr">
+                      <a:solidFill>
+                        <a:schemeClr val="bg1"/>
+                      </a:solidFill>
+                      <a:prstDash val="solid"/>
+                      <a:round/>
+                      <a:headEnd type="none" w="med" len="med"/>
+                      <a:tailEnd type="none" w="med" len="med"/>
+                    </a:lnR>
+                  </a:tcPr>
+                </a:tc>
+                <a:tc>
+                  <a:txBody>
+                    <a:bodyPr/>
+                    <a:lstStyle/>
+                    <a:p>
+                      <a:pPr algn="ctr"/>
+                      <a:r>
+                        <a:rPr lang="en-US" sz="1400" dirty="0">
+                          <a:solidFill>
+                            <a:srgbClr val="656565"/>
+                          </a:solidFill>
+                        </a:rPr>
+                        <a:t>51</a:t>
+                      </a:r>
+                    </a:p>
+                    <a:p>
+                      <a:pPr algn="ctr"/>
+                      <a:r>
+                        <a:rPr lang="sr-Latn-RS" sz="1200" dirty="0">
+                          <a:solidFill>
+                            <a:srgbClr val="656565"/>
+                          </a:solidFill>
+                        </a:rPr>
+                        <a:t>665.92s</a:t>
+                      </a:r>
                     </a:p>
                   </a:txBody>
                   <a:tcPr anchor="ctr">
@@ -9459,7 +7659,7 @@
                   </a:ext>
                 </a:extLst>
               </a:tr>
-              <a:tr h="572474">
+              <a:tr h="701837">
                 <a:tc>
                   <a:txBody>
                     <a:bodyPr/>
@@ -9562,26 +7762,40 @@
                     <a:p>
                       <a:pPr algn="ctr"/>
                       <a:r>
-                        <a:rPr lang="sr-Latn-RS" sz="1400" dirty="0">
-                          <a:solidFill>
-                            <a:srgbClr val="656565"/>
-                          </a:solidFill>
-                        </a:rPr>
-                        <a:t>1</a:t>
-                      </a:r>
-                      <a:r>
                         <a:rPr lang="en-US" sz="1400" dirty="0">
                           <a:solidFill>
                             <a:srgbClr val="656565"/>
                           </a:solidFill>
                         </a:rPr>
-                        <a:t>2</a:t>
+                        <a:t>14</a:t>
                       </a:r>
-                      <a:endParaRPr lang="sr-Latn-RS" sz="1400" dirty="0">
-                        <a:solidFill>
-                          <a:srgbClr val="656565"/>
-                        </a:solidFill>
-                      </a:endParaRPr>
+                    </a:p>
+                    <a:p>
+                      <a:pPr marL="0" marR="0" lvl="0" indent="0" algn="ctr" defTabSz="457200" rtl="0" eaLnBrk="1" fontAlgn="auto" latinLnBrk="0" hangingPunct="1">
+                        <a:lnSpc>
+                          <a:spcPct val="100000"/>
+                        </a:lnSpc>
+                        <a:spcBef>
+                          <a:spcPts val="0"/>
+                        </a:spcBef>
+                        <a:spcAft>
+                          <a:spcPts val="0"/>
+                        </a:spcAft>
+                        <a:buClrTx/>
+                        <a:buSzTx/>
+                        <a:buFontTx/>
+                        <a:buNone/>
+                        <a:tabLst/>
+                        <a:defRPr/>
+                      </a:pPr>
+                      <a:r>
+                        <a:rPr lang="en-US" sz="1200" dirty="0">
+                          <a:solidFill>
+                            <a:srgbClr val="656565"/>
+                          </a:solidFill>
+                        </a:rPr>
+                        <a:t>298.04s</a:t>
+                      </a:r>
                     </a:p>
                   </a:txBody>
                   <a:tcPr anchor="ctr">
@@ -9608,50 +7822,40 @@
                             <a:srgbClr val="656565"/>
                           </a:solidFill>
                         </a:rPr>
-                        <a:t>12</a:t>
+                        <a:t>15</a:t>
                       </a:r>
-                      <a:endParaRPr lang="sr-Latn-RS" sz="1400" dirty="0">
+                    </a:p>
+                    <a:p>
+                      <a:pPr marL="0" marR="0" lvl="0" indent="0" algn="ctr" defTabSz="457200" rtl="0" eaLnBrk="1" fontAlgn="auto" latinLnBrk="0" hangingPunct="1">
+                        <a:lnSpc>
+                          <a:spcPct val="100000"/>
+                        </a:lnSpc>
+                        <a:spcBef>
+                          <a:spcPts val="0"/>
+                        </a:spcBef>
+                        <a:spcAft>
+                          <a:spcPts val="0"/>
+                        </a:spcAft>
+                        <a:buClrTx/>
+                        <a:buSzTx/>
+                        <a:buFontTx/>
+                        <a:buNone/>
+                        <a:tabLst/>
+                        <a:defRPr/>
+                      </a:pPr>
+                      <a:r>
+                        <a:rPr lang="en-US" sz="1200" dirty="0">
+                          <a:solidFill>
+                            <a:srgbClr val="656565"/>
+                          </a:solidFill>
+                        </a:rPr>
+                        <a:t>259.08s</a:t>
+                      </a:r>
+                      <a:endParaRPr lang="sr-Latn-RS" sz="1200" dirty="0">
                         <a:solidFill>
                           <a:srgbClr val="656565"/>
                         </a:solidFill>
                       </a:endParaRPr>
-                    </a:p>
-                  </a:txBody>
-                  <a:tcPr anchor="ctr">
-                    <a:lnL w="12700" cap="flat" cmpd="sng" algn="ctr">
-                      <a:solidFill>
-                        <a:schemeClr val="bg1"/>
-                      </a:solidFill>
-                      <a:prstDash val="solid"/>
-                      <a:round/>
-                      <a:headEnd type="none" w="med" len="med"/>
-                      <a:tailEnd type="none" w="med" len="med"/>
-                    </a:lnL>
-                    <a:lnR w="12700" cap="flat" cmpd="sng" algn="ctr">
-                      <a:solidFill>
-                        <a:schemeClr val="bg1"/>
-                      </a:solidFill>
-                      <a:prstDash val="solid"/>
-                      <a:round/>
-                      <a:headEnd type="none" w="med" len="med"/>
-                      <a:tailEnd type="none" w="med" len="med"/>
-                    </a:lnR>
-                  </a:tcPr>
-                </a:tc>
-                <a:tc>
-                  <a:txBody>
-                    <a:bodyPr/>
-                    <a:lstStyle/>
-                    <a:p>
-                      <a:pPr algn="ctr"/>
-                      <a:r>
-                        <a:rPr lang="sr-Latn-RS" sz="1400" dirty="0">
-                          <a:solidFill>
-                            <a:srgbClr val="656565"/>
-                          </a:solidFill>
-                        </a:rPr>
-                        <a:t>12</a:t>
-                      </a:r>
                     </a:p>
                   </a:txBody>
                   <a:tcPr anchor="ctr">
@@ -9687,50 +7891,24 @@
                             <a:srgbClr val="656565"/>
                           </a:solidFill>
                         </a:rPr>
-                        <a:t>13</a:t>
+                        <a:t>14</a:t>
                       </a:r>
-                      <a:endParaRPr lang="sr-Latn-RS" sz="1400" dirty="0">
+                    </a:p>
+                    <a:p>
+                      <a:pPr algn="ctr"/>
+                      <a:r>
+                        <a:rPr lang="en-US" sz="1200" dirty="0">
+                          <a:solidFill>
+                            <a:srgbClr val="656565"/>
+                          </a:solidFill>
+                        </a:rPr>
+                        <a:t>544.89s</a:t>
+                      </a:r>
+                      <a:endParaRPr lang="sr-Latn-RS" sz="1200" dirty="0">
                         <a:solidFill>
                           <a:srgbClr val="656565"/>
                         </a:solidFill>
                       </a:endParaRPr>
-                    </a:p>
-                  </a:txBody>
-                  <a:tcPr anchor="ctr">
-                    <a:lnL w="12700" cap="flat" cmpd="sng" algn="ctr">
-                      <a:solidFill>
-                        <a:schemeClr val="bg1"/>
-                      </a:solidFill>
-                      <a:prstDash val="solid"/>
-                      <a:round/>
-                      <a:headEnd type="none" w="med" len="med"/>
-                      <a:tailEnd type="none" w="med" len="med"/>
-                    </a:lnL>
-                    <a:lnR w="12700" cap="flat" cmpd="sng" algn="ctr">
-                      <a:solidFill>
-                        <a:schemeClr val="bg1"/>
-                      </a:solidFill>
-                      <a:prstDash val="solid"/>
-                      <a:round/>
-                      <a:headEnd type="none" w="med" len="med"/>
-                      <a:tailEnd type="none" w="med" len="med"/>
-                    </a:lnR>
-                  </a:tcPr>
-                </a:tc>
-                <a:tc>
-                  <a:txBody>
-                    <a:bodyPr/>
-                    <a:lstStyle/>
-                    <a:p>
-                      <a:pPr algn="ctr"/>
-                      <a:r>
-                        <a:rPr lang="sr-Latn-RS" sz="1400" dirty="0">
-                          <a:solidFill>
-                            <a:srgbClr val="656565"/>
-                          </a:solidFill>
-                        </a:rPr>
-                        <a:t>13</a:t>
-                      </a:r>
                     </a:p>
                   </a:txBody>
                   <a:tcPr anchor="ctr">
@@ -9766,9 +7944,73 @@
                             <a:srgbClr val="656565"/>
                           </a:solidFill>
                         </a:rPr>
-                        <a:t>*</a:t>
+                        <a:t>14</a:t>
                       </a:r>
-                      <a:endParaRPr lang="sr-Latn-RS" sz="1400" dirty="0">
+                    </a:p>
+                    <a:p>
+                      <a:pPr algn="ctr"/>
+                      <a:r>
+                        <a:rPr lang="en-US" sz="1200" dirty="0">
+                          <a:solidFill>
+                            <a:srgbClr val="656565"/>
+                          </a:solidFill>
+                        </a:rPr>
+                        <a:t>522.98s</a:t>
+                      </a:r>
+                      <a:endParaRPr lang="sr-Latn-RS" sz="1200" dirty="0">
+                        <a:solidFill>
+                          <a:srgbClr val="656565"/>
+                        </a:solidFill>
+                      </a:endParaRPr>
+                    </a:p>
+                  </a:txBody>
+                  <a:tcPr anchor="ctr">
+                    <a:lnL w="12700" cap="flat" cmpd="sng" algn="ctr">
+                      <a:solidFill>
+                        <a:schemeClr val="bg1"/>
+                      </a:solidFill>
+                      <a:prstDash val="solid"/>
+                      <a:round/>
+                      <a:headEnd type="none" w="med" len="med"/>
+                      <a:tailEnd type="none" w="med" len="med"/>
+                    </a:lnL>
+                    <a:lnR w="12700" cap="flat" cmpd="sng" algn="ctr">
+                      <a:solidFill>
+                        <a:schemeClr val="bg1"/>
+                      </a:solidFill>
+                      <a:prstDash val="solid"/>
+                      <a:round/>
+                      <a:headEnd type="none" w="med" len="med"/>
+                      <a:tailEnd type="none" w="med" len="med"/>
+                    </a:lnR>
+                  </a:tcPr>
+                </a:tc>
+                <a:tc>
+                  <a:txBody>
+                    <a:bodyPr/>
+                    <a:lstStyle/>
+                    <a:p>
+                      <a:pPr algn="ctr"/>
+                      <a:r>
+                        <a:rPr lang="en-US" sz="1400" dirty="0">
+                          <a:solidFill>
+                            <a:srgbClr val="656565"/>
+                          </a:solidFill>
+                        </a:rPr>
+                        <a:t>14</a:t>
+                      </a:r>
+                    </a:p>
+                    <a:p>
+                      <a:pPr algn="ctr"/>
+                      <a:r>
+                        <a:rPr lang="en-US" sz="1200" dirty="0">
+                          <a:solidFill>
+                            <a:srgbClr val="656565"/>
+                          </a:solidFill>
+                        </a:rPr>
+                        <a:t>2584.26s</a:t>
+                      </a:r>
+                      <a:endParaRPr lang="sr-Latn-RS" sz="1200" dirty="0">
                         <a:solidFill>
                           <a:srgbClr val="656565"/>
                         </a:solidFill>
@@ -9806,35 +8048,6 @@
           </a:graphicData>
         </a:graphic>
       </p:graphicFrame>
-      <p:sp>
-        <p:nvSpPr>
-          <p:cNvPr id="5" name="Footer Placeholder 4">
-            <a:extLst>
-              <a:ext uri="{FF2B5EF4-FFF2-40B4-BE49-F238E27FC236}">
-                <a16:creationId xmlns:a16="http://schemas.microsoft.com/office/drawing/2014/main" id="{877FC872-457D-4CD3-B588-C2619D3ED1C9}"/>
-              </a:ext>
-            </a:extLst>
-          </p:cNvPr>
-          <p:cNvSpPr>
-            <a:spLocks noGrp="1"/>
-          </p:cNvSpPr>
-          <p:nvPr>
-            <p:ph type="ftr" sz="quarter" idx="11"/>
-          </p:nvPr>
-        </p:nvSpPr>
-        <p:spPr/>
-        <p:txBody>
-          <a:bodyPr/>
-          <a:lstStyle/>
-          <a:p>
-            <a:r>
-              <a:rPr lang="en-US"/>
-              <a:t>* nije testirano</a:t>
-            </a:r>
-            <a:endParaRPr lang="en-US" dirty="0"/>
-          </a:p>
-        </p:txBody>
-      </p:sp>
     </p:spTree>
     <p:extLst>
       <p:ext uri="{BB962C8B-B14F-4D97-AF65-F5344CB8AC3E}">
@@ -9848,9 +8061,17 @@
 </p:sld>
 </file>
 
-<file path=ppt/slides/slide8.xml><?xml version="1.0" encoding="utf-8"?>
+<file path=ppt/slides/slide11.xml><?xml version="1.0" encoding="utf-8"?>
 <p:sld xmlns:a="http://schemas.openxmlformats.org/drawingml/2006/main" xmlns:r="http://schemas.openxmlformats.org/officeDocument/2006/relationships" xmlns:p="http://schemas.openxmlformats.org/presentationml/2006/main">
   <p:cSld>
+    <p:bg>
+      <p:bgPr>
+        <a:solidFill>
+          <a:schemeClr val="bg1"/>
+        </a:solidFill>
+        <a:effectLst/>
+      </p:bgPr>
+    </p:bg>
     <p:spTree>
       <p:nvGrpSpPr>
         <p:cNvPr id="1" name=""/>
@@ -9865,6 +8086,63 @@
           <a:chExt cx="0" cy="0"/>
         </a:xfrm>
       </p:grpSpPr>
+      <p:sp>
+        <p:nvSpPr>
+          <p:cNvPr id="22" name="Rectangle 11">
+            <a:extLst>
+              <a:ext uri="{FF2B5EF4-FFF2-40B4-BE49-F238E27FC236}">
+                <a16:creationId xmlns:a16="http://schemas.microsoft.com/office/drawing/2014/main" id="{3CED7894-4F62-4A6C-8DB5-DB5BE08E9C03}"/>
+              </a:ext>
+              <a:ext uri="{C183D7F6-B498-43B3-948B-1728B52AA6E4}">
+                <adec:decorative xmlns:adec="http://schemas.microsoft.com/office/drawing/2017/decorative" val="1"/>
+              </a:ext>
+            </a:extLst>
+          </p:cNvPr>
+          <p:cNvSpPr>
+            <a:spLocks noGrp="1" noRot="1" noChangeAspect="1" noMove="1" noResize="1" noEditPoints="1" noAdjustHandles="1" noChangeArrowheads="1" noChangeShapeType="1" noTextEdit="1"/>
+          </p:cNvSpPr>
+          <p:nvPr>
+            <p:extLst>
+              <p:ext uri="{386F3935-93C4-4BCD-93E2-E3B085C9AB24}">
+                <p16:designElem xmlns:p16="http://schemas.microsoft.com/office/powerpoint/2015/main" val="1"/>
+              </p:ext>
+            </p:extLst>
+          </p:nvPr>
+        </p:nvSpPr>
+        <p:spPr>
+          <a:xfrm>
+            <a:off x="0" y="0"/>
+            <a:ext cx="12192000" cy="6858000"/>
+          </a:xfrm>
+          <a:prstGeom prst="rect">
+            <a:avLst/>
+          </a:prstGeom>
+          <a:solidFill>
+            <a:schemeClr val="bg1">
+              <a:lumMod val="75000"/>
+              <a:lumOff val="25000"/>
+            </a:schemeClr>
+          </a:solidFill>
+          <a:ln>
+            <a:noFill/>
+          </a:ln>
+          <a:effectLst/>
+        </p:spPr>
+        <p:style>
+          <a:lnRef idx="1">
+            <a:schemeClr val="accent1"/>
+          </a:lnRef>
+          <a:fillRef idx="3">
+            <a:schemeClr val="accent1"/>
+          </a:fillRef>
+          <a:effectRef idx="2">
+            <a:schemeClr val="accent1"/>
+          </a:effectRef>
+          <a:fontRef idx="minor">
+            <a:schemeClr val="lt1"/>
+          </a:fontRef>
+        </p:style>
+      </p:sp>
       <p:sp>
         <p:nvSpPr>
           <p:cNvPr id="2" name="Title 1">
@@ -9883,45 +8161,85 @@
         </p:nvSpPr>
         <p:spPr>
           <a:xfrm>
-            <a:off x="581192" y="702156"/>
-            <a:ext cx="11029616" cy="713406"/>
+            <a:off x="609906" y="702155"/>
+            <a:ext cx="3568661" cy="1269713"/>
           </a:xfrm>
         </p:spPr>
         <p:txBody>
-          <a:bodyPr/>
+          <a:bodyPr vert="horz" lIns="91440" tIns="45720" rIns="91440" bIns="45720" rtlCol="0" anchor="b">
+            <a:normAutofit/>
+          </a:bodyPr>
           <a:lstStyle/>
           <a:p>
-            <a:r>
-              <a:rPr lang="en-US" dirty="0"/>
-              <a:t>Primer </a:t>
-            </a:r>
-            <a:r>
-              <a:rPr lang="en-US" dirty="0" err="1"/>
-              <a:t>grafa</a:t>
-            </a:r>
-            <a:r>
-              <a:rPr lang="en-US" dirty="0"/>
-              <a:t> </a:t>
-            </a:r>
-            <a:r>
-              <a:rPr lang="en-US" dirty="0" err="1"/>
-              <a:t>dobijenog</a:t>
-            </a:r>
-            <a:r>
-              <a:rPr lang="en-US" dirty="0"/>
-              <a:t> </a:t>
-            </a:r>
-            <a:r>
-              <a:rPr lang="en-US" dirty="0" err="1"/>
-              <a:t>algoritmom</a:t>
-            </a:r>
-            <a:endParaRPr lang="sr-Latn-RS" dirty="0"/>
+            <a:pPr>
+              <a:lnSpc>
+                <a:spcPct val="90000"/>
+              </a:lnSpc>
+            </a:pPr>
+            <a:r>
+              <a:rPr lang="en-US"/>
+              <a:t>Primer REZULTATA POKRETANJA PROGRAMA</a:t>
+            </a:r>
           </a:p>
         </p:txBody>
+      </p:sp>
+      <p:sp>
+        <p:nvSpPr>
+          <p:cNvPr id="23" name="Rectangle 13">
+            <a:extLst>
+              <a:ext uri="{FF2B5EF4-FFF2-40B4-BE49-F238E27FC236}">
+                <a16:creationId xmlns:a16="http://schemas.microsoft.com/office/drawing/2014/main" id="{E536F3B4-50F6-4C52-8F76-4EB1214719DC}"/>
+              </a:ext>
+              <a:ext uri="{C183D7F6-B498-43B3-948B-1728B52AA6E4}">
+                <adec:decorative xmlns:adec="http://schemas.microsoft.com/office/drawing/2017/decorative" val="1"/>
+              </a:ext>
+            </a:extLst>
+          </p:cNvPr>
+          <p:cNvSpPr>
+            <a:spLocks noGrp="1" noRot="1" noChangeAspect="1" noMove="1" noResize="1" noEditPoints="1" noAdjustHandles="1" noChangeArrowheads="1" noChangeShapeType="1" noTextEdit="1"/>
+          </p:cNvSpPr>
+          <p:nvPr>
+            <p:extLst>
+              <p:ext uri="{386F3935-93C4-4BCD-93E2-E3B085C9AB24}">
+                <p16:designElem xmlns:p16="http://schemas.microsoft.com/office/powerpoint/2015/main" val="1"/>
+              </p:ext>
+            </p:extLst>
+          </p:nvPr>
+        </p:nvSpPr>
+        <p:spPr>
+          <a:xfrm>
+            <a:off x="638620" y="457200"/>
+            <a:ext cx="3511233" cy="91439"/>
+          </a:xfrm>
+          <a:prstGeom prst="rect">
+            <a:avLst/>
+          </a:prstGeom>
+          <a:solidFill>
+            <a:schemeClr val="accent1"/>
+          </a:solidFill>
+          <a:ln>
+            <a:noFill/>
+          </a:ln>
+          <a:effectLst/>
+        </p:spPr>
+        <p:style>
+          <a:lnRef idx="1">
+            <a:schemeClr val="accent1"/>
+          </a:lnRef>
+          <a:fillRef idx="3">
+            <a:schemeClr val="accent1"/>
+          </a:fillRef>
+          <a:effectRef idx="2">
+            <a:schemeClr val="accent1"/>
+          </a:effectRef>
+          <a:fontRef idx="minor">
+            <a:schemeClr val="lt1"/>
+          </a:fontRef>
+        </p:style>
       </p:sp>
       <p:pic>
         <p:nvPicPr>
-          <p:cNvPr id="5" name="Content Placeholder 4" descr="A picture containing text, device, vector graphics&#10;&#10;Description automatically generated">
+          <p:cNvPr id="5" name="Content Placeholder 4">
             <a:extLst>
               <a:ext uri="{FF2B5EF4-FFF2-40B4-BE49-F238E27FC236}">
                 <a16:creationId xmlns:a16="http://schemas.microsoft.com/office/drawing/2014/main" id="{B0A25B9B-26E6-4720-B4B0-76D9D14086C3}"/>
@@ -9937,17 +8255,249 @@
         </p:nvPicPr>
         <p:blipFill>
           <a:blip r:embed="rId2"/>
-          <a:stretch>
-            <a:fillRect/>
-          </a:stretch>
+          <a:srcRect/>
+          <a:stretch/>
         </p:blipFill>
         <p:spPr>
           <a:xfrm>
-            <a:off x="109909" y="1514964"/>
-            <a:ext cx="5986091" cy="4489569"/>
+            <a:off x="5563909" y="1093968"/>
+            <a:ext cx="5986091" cy="4489568"/>
           </a:xfrm>
+          <a:prstGeom prst="rect">
+            <a:avLst/>
+          </a:prstGeom>
         </p:spPr>
       </p:pic>
+      <p:sp>
+        <p:nvSpPr>
+          <p:cNvPr id="4" name="TextBox 3">
+            <a:extLst>
+              <a:ext uri="{FF2B5EF4-FFF2-40B4-BE49-F238E27FC236}">
+                <a16:creationId xmlns:a16="http://schemas.microsoft.com/office/drawing/2014/main" id="{3177D586-BB33-4C18-AD36-210CBD88FF0C}"/>
+              </a:ext>
+            </a:extLst>
+          </p:cNvPr>
+          <p:cNvSpPr txBox="1"/>
+          <p:nvPr/>
+        </p:nvSpPr>
+        <p:spPr>
+          <a:xfrm>
+            <a:off x="609906" y="2340864"/>
+            <a:ext cx="5236418" cy="3634486"/>
+          </a:xfrm>
+          <a:prstGeom prst="rect">
+            <a:avLst/>
+          </a:prstGeom>
+        </p:spPr>
+        <p:txBody>
+          <a:bodyPr vert="horz" lIns="91440" tIns="45720" rIns="91440" bIns="45720" rtlCol="0" anchor="ctr">
+            <a:normAutofit/>
+          </a:bodyPr>
+          <a:lstStyle/>
+          <a:p>
+            <a:pPr defTabSz="457200">
+              <a:lnSpc>
+                <a:spcPct val="90000"/>
+              </a:lnSpc>
+              <a:spcBef>
+                <a:spcPct val="20000"/>
+              </a:spcBef>
+              <a:spcAft>
+                <a:spcPts val="600"/>
+              </a:spcAft>
+              <a:buClr>
+                <a:schemeClr val="accent1"/>
+              </a:buClr>
+              <a:buSzPct val="92000"/>
+            </a:pPr>
+            <a:r>
+              <a:rPr lang="en-US" sz="1400" dirty="0">
+                <a:solidFill>
+                  <a:schemeClr val="tx1">
+                    <a:lumMod val="75000"/>
+                    <a:lumOff val="25000"/>
+                  </a:schemeClr>
+                </a:solidFill>
+                <a:latin typeface="Consolas" panose="020B0609020204030204" pitchFamily="49" charset="0"/>
+              </a:rPr>
+              <a:t>--------------------------</a:t>
+            </a:r>
+          </a:p>
+          <a:p>
+            <a:pPr defTabSz="457200">
+              <a:lnSpc>
+                <a:spcPct val="90000"/>
+              </a:lnSpc>
+              <a:spcBef>
+                <a:spcPct val="20000"/>
+              </a:spcBef>
+              <a:spcAft>
+                <a:spcPts val="600"/>
+              </a:spcAft>
+              <a:buClr>
+                <a:schemeClr val="accent1"/>
+              </a:buClr>
+              <a:buSzPct val="92000"/>
+            </a:pPr>
+            <a:r>
+              <a:rPr lang="en-US" sz="1400" dirty="0">
+                <a:solidFill>
+                  <a:schemeClr val="tx1">
+                    <a:lumMod val="75000"/>
+                    <a:lumOff val="25000"/>
+                  </a:schemeClr>
+                </a:solidFill>
+                <a:latin typeface="Consolas" panose="020B0609020204030204" pitchFamily="49" charset="0"/>
+              </a:rPr>
+              <a:t>Started working on: …\[gen400_p0-9_55] 400 71820.txt</a:t>
+            </a:r>
+          </a:p>
+          <a:p>
+            <a:pPr defTabSz="457200">
+              <a:lnSpc>
+                <a:spcPct val="90000"/>
+              </a:lnSpc>
+              <a:spcBef>
+                <a:spcPct val="20000"/>
+              </a:spcBef>
+              <a:spcAft>
+                <a:spcPts val="600"/>
+              </a:spcAft>
+              <a:buClr>
+                <a:schemeClr val="accent1"/>
+              </a:buClr>
+              <a:buSzPct val="92000"/>
+              <a:buFont typeface="Wingdings 2" panose="05020102010507070707" pitchFamily="18" charset="2"/>
+              <a:buChar char=""/>
+            </a:pPr>
+            <a:endParaRPr lang="en-US" sz="1400" dirty="0">
+              <a:solidFill>
+                <a:schemeClr val="tx1">
+                  <a:lumMod val="75000"/>
+                  <a:lumOff val="25000"/>
+                </a:schemeClr>
+              </a:solidFill>
+              <a:latin typeface="Consolas" panose="020B0609020204030204" pitchFamily="49" charset="0"/>
+            </a:endParaRPr>
+          </a:p>
+          <a:p>
+            <a:pPr defTabSz="457200">
+              <a:lnSpc>
+                <a:spcPct val="90000"/>
+              </a:lnSpc>
+              <a:spcBef>
+                <a:spcPct val="20000"/>
+              </a:spcBef>
+              <a:spcAft>
+                <a:spcPts val="600"/>
+              </a:spcAft>
+              <a:buClr>
+                <a:schemeClr val="accent1"/>
+              </a:buClr>
+              <a:buSzPct val="92000"/>
+            </a:pPr>
+            <a:r>
+              <a:rPr lang="en-US" sz="1400" dirty="0">
+                <a:solidFill>
+                  <a:schemeClr val="tx1">
+                    <a:lumMod val="75000"/>
+                    <a:lumOff val="25000"/>
+                  </a:schemeClr>
+                </a:solidFill>
+                <a:latin typeface="Consolas" panose="020B0609020204030204" pitchFamily="49" charset="0"/>
+              </a:rPr>
+              <a:t>Generating initial population...</a:t>
+            </a:r>
+          </a:p>
+          <a:p>
+            <a:pPr defTabSz="457200">
+              <a:lnSpc>
+                <a:spcPct val="90000"/>
+              </a:lnSpc>
+              <a:spcBef>
+                <a:spcPct val="20000"/>
+              </a:spcBef>
+              <a:spcAft>
+                <a:spcPts val="600"/>
+              </a:spcAft>
+              <a:buClr>
+                <a:schemeClr val="accent1"/>
+              </a:buClr>
+              <a:buSzPct val="92000"/>
+            </a:pPr>
+            <a:r>
+              <a:rPr lang="en-US" sz="1400" dirty="0">
+                <a:solidFill>
+                  <a:schemeClr val="tx1">
+                    <a:lumMod val="75000"/>
+                    <a:lumOff val="25000"/>
+                  </a:schemeClr>
+                </a:solidFill>
+                <a:latin typeface="Consolas" panose="020B0609020204030204" pitchFamily="49" charset="0"/>
+              </a:rPr>
+              <a:t>Found clique with 51 nodes in 61.47 sec:</a:t>
+            </a:r>
+          </a:p>
+          <a:p>
+            <a:pPr defTabSz="457200">
+              <a:lnSpc>
+                <a:spcPct val="90000"/>
+              </a:lnSpc>
+              <a:spcBef>
+                <a:spcPct val="20000"/>
+              </a:spcBef>
+              <a:spcAft>
+                <a:spcPts val="600"/>
+              </a:spcAft>
+              <a:buClr>
+                <a:schemeClr val="accent1"/>
+              </a:buClr>
+              <a:buSzPct val="92000"/>
+            </a:pPr>
+            <a:r>
+              <a:rPr lang="en-US" sz="1400" dirty="0">
+                <a:solidFill>
+                  <a:schemeClr val="tx1">
+                    <a:lumMod val="75000"/>
+                    <a:lumOff val="25000"/>
+                  </a:schemeClr>
+                </a:solidFill>
+                <a:latin typeface="Consolas" panose="020B0609020204030204" pitchFamily="49" charset="0"/>
+              </a:rPr>
+              <a:t>[19, 198, 295, 97, 366, 65, 239, 209, 236, 104, 28, 338, 18, 17, 49, 215, 268, 60, 95, 245, 259, 10, 146, 159, 270, 341, </a:t>
+            </a:r>
+          </a:p>
+          <a:p>
+            <a:pPr defTabSz="457200">
+              <a:lnSpc>
+                <a:spcPct val="90000"/>
+              </a:lnSpc>
+              <a:spcBef>
+                <a:spcPct val="20000"/>
+              </a:spcBef>
+              <a:spcAft>
+                <a:spcPts val="600"/>
+              </a:spcAft>
+              <a:buClr>
+                <a:schemeClr val="accent1"/>
+              </a:buClr>
+              <a:buSzPct val="92000"/>
+            </a:pPr>
+            <a:r>
+              <a:rPr lang="en-US" sz="1400" dirty="0">
+                <a:solidFill>
+                  <a:schemeClr val="tx1">
+                    <a:lumMod val="75000"/>
+                    <a:lumOff val="25000"/>
+                  </a:schemeClr>
+                </a:solidFill>
+                <a:latin typeface="Consolas" panose="020B0609020204030204" pitchFamily="49" charset="0"/>
+              </a:rPr>
+              <a:t>346, 84, 155, 187, 263, 36, 25, 193, 364, 383, 108, 176, 265, 312, 386, 178, 185, 257, 318, 322, 345, 362, 163, 351, 188]</a:t>
+            </a:r>
+          </a:p>
+        </p:txBody>
+      </p:sp>
       <p:sp>
         <p:nvSpPr>
           <p:cNvPr id="7" name="Content Placeholder 2">
@@ -10198,314 +8748,2607 @@
           </a:p>
         </p:txBody>
       </p:sp>
+    </p:spTree>
+    <p:extLst>
+      <p:ext uri="{BB962C8B-B14F-4D97-AF65-F5344CB8AC3E}">
+        <p14:creationId xmlns:p14="http://schemas.microsoft.com/office/powerpoint/2010/main" val="3285291401"/>
+      </p:ext>
+    </p:extLst>
+  </p:cSld>
+  <p:clrMapOvr>
+    <a:masterClrMapping/>
+  </p:clrMapOvr>
+</p:sld>
+</file>
+
+<file path=ppt/slides/slide12.xml><?xml version="1.0" encoding="utf-8"?>
+<p:sld xmlns:a="http://schemas.openxmlformats.org/drawingml/2006/main" xmlns:r="http://schemas.openxmlformats.org/officeDocument/2006/relationships" xmlns:p="http://schemas.openxmlformats.org/presentationml/2006/main">
+  <p:cSld>
+    <p:spTree>
+      <p:nvGrpSpPr>
+        <p:cNvPr id="1" name=""/>
+        <p:cNvGrpSpPr/>
+        <p:nvPr/>
+      </p:nvGrpSpPr>
+      <p:grpSpPr>
+        <a:xfrm>
+          <a:off x="0" y="0"/>
+          <a:ext cx="0" cy="0"/>
+          <a:chOff x="0" y="0"/>
+          <a:chExt cx="0" cy="0"/>
+        </a:xfrm>
+      </p:grpSpPr>
+      <p:sp>
+        <p:nvSpPr>
+          <p:cNvPr id="2" name="Title 1">
+            <a:extLst>
+              <a:ext uri="{FF2B5EF4-FFF2-40B4-BE49-F238E27FC236}">
+                <a16:creationId xmlns:a16="http://schemas.microsoft.com/office/drawing/2014/main" id="{B1FF1351-E477-4A1D-A7B0-8C91D3978052}"/>
+              </a:ext>
+            </a:extLst>
+          </p:cNvPr>
+          <p:cNvSpPr>
+            <a:spLocks noGrp="1"/>
+          </p:cNvSpPr>
+          <p:nvPr>
+            <p:ph type="title"/>
+          </p:nvPr>
+        </p:nvSpPr>
+        <p:spPr>
+          <a:xfrm>
+            <a:off x="581192" y="702156"/>
+            <a:ext cx="11029616" cy="503189"/>
+          </a:xfrm>
+        </p:spPr>
+        <p:txBody>
+          <a:bodyPr>
+            <a:normAutofit fontScale="90000"/>
+          </a:bodyPr>
+          <a:lstStyle/>
+          <a:p>
+            <a:r>
+              <a:rPr lang="sr-Latn-RS" dirty="0"/>
+              <a:t>Linkovi</a:t>
+            </a:r>
+          </a:p>
+        </p:txBody>
+      </p:sp>
+      <p:sp>
+        <p:nvSpPr>
+          <p:cNvPr id="4" name="TextBox 3">
+            <a:extLst>
+              <a:ext uri="{FF2B5EF4-FFF2-40B4-BE49-F238E27FC236}">
+                <a16:creationId xmlns:a16="http://schemas.microsoft.com/office/drawing/2014/main" id="{95DC9682-ABA3-401A-98ED-8EAAA33FFCF1}"/>
+              </a:ext>
+            </a:extLst>
+          </p:cNvPr>
+          <p:cNvSpPr txBox="1"/>
+          <p:nvPr/>
+        </p:nvSpPr>
+        <p:spPr>
+          <a:xfrm>
+            <a:off x="581192" y="2690336"/>
+            <a:ext cx="11029616" cy="1477328"/>
+          </a:xfrm>
+          <a:prstGeom prst="rect">
+            <a:avLst/>
+          </a:prstGeom>
+          <a:noFill/>
+        </p:spPr>
+        <p:txBody>
+          <a:bodyPr wrap="square" rtlCol="0">
+            <a:spAutoFit/>
+          </a:bodyPr>
+          <a:lstStyle/>
+          <a:p>
+            <a:pPr marL="285750" indent="-285750">
+              <a:buFont typeface="Arial" panose="020B0604020202020204" pitchFamily="34" charset="0"/>
+              <a:buChar char="•"/>
+            </a:pPr>
+            <a:r>
+              <a:rPr lang="sr-Latn-RS" dirty="0">
+                <a:hlinkClick r:id="rId2"/>
+              </a:rPr>
+              <a:t>DIMACS benschmark set</a:t>
+            </a:r>
+            <a:endParaRPr lang="sr-Latn-RS" dirty="0"/>
+          </a:p>
+          <a:p>
+            <a:pPr marL="285750" indent="-285750">
+              <a:buFont typeface="Arial" panose="020B0604020202020204" pitchFamily="34" charset="0"/>
+              <a:buChar char="•"/>
+            </a:pPr>
+            <a:endParaRPr lang="sr-Latn-RS" dirty="0"/>
+          </a:p>
+          <a:p>
+            <a:pPr marL="285750" indent="-285750">
+              <a:buFont typeface="Arial" panose="020B0604020202020204" pitchFamily="34" charset="0"/>
+              <a:buChar char="•"/>
+            </a:pPr>
+            <a:r>
+              <a:rPr lang="en-US" dirty="0" err="1"/>
+              <a:t>Vizualizacija</a:t>
+            </a:r>
+            <a:r>
+              <a:rPr lang="en-US" dirty="0"/>
+              <a:t> </a:t>
+            </a:r>
+            <a:r>
+              <a:rPr lang="en-US" dirty="0" err="1"/>
+              <a:t>grafova</a:t>
+            </a:r>
+            <a:r>
+              <a:rPr lang="en-US" dirty="0"/>
+              <a:t>: </a:t>
+            </a:r>
+            <a:r>
+              <a:rPr lang="en-US" dirty="0" err="1">
+                <a:hlinkClick r:id="rId3"/>
+              </a:rPr>
+              <a:t>NetworkX</a:t>
+            </a:r>
+            <a:endParaRPr lang="en-US" dirty="0"/>
+          </a:p>
+          <a:p>
+            <a:pPr marL="285750" indent="-285750">
+              <a:buFont typeface="Arial" panose="020B0604020202020204" pitchFamily="34" charset="0"/>
+              <a:buChar char="•"/>
+            </a:pPr>
+            <a:endParaRPr lang="en-US" dirty="0"/>
+          </a:p>
+          <a:p>
+            <a:pPr marL="285750" indent="-285750">
+              <a:buFont typeface="Arial" panose="020B0604020202020204" pitchFamily="34" charset="0"/>
+              <a:buChar char="•"/>
+            </a:pPr>
+            <a:endParaRPr lang="sr-Latn-RS" dirty="0"/>
+          </a:p>
+        </p:txBody>
+      </p:sp>
+    </p:spTree>
+    <p:extLst>
+      <p:ext uri="{BB962C8B-B14F-4D97-AF65-F5344CB8AC3E}">
+        <p14:creationId xmlns:p14="http://schemas.microsoft.com/office/powerpoint/2010/main" val="4188400318"/>
+      </p:ext>
+    </p:extLst>
+  </p:cSld>
+  <p:clrMapOvr>
+    <a:masterClrMapping/>
+  </p:clrMapOvr>
+</p:sld>
+</file>
+
+<file path=ppt/slides/slide2.xml><?xml version="1.0" encoding="utf-8"?>
+<p:sld xmlns:a="http://schemas.openxmlformats.org/drawingml/2006/main" xmlns:r="http://schemas.openxmlformats.org/officeDocument/2006/relationships" xmlns:p="http://schemas.openxmlformats.org/presentationml/2006/main">
+  <p:cSld>
+    <p:spTree>
+      <p:nvGrpSpPr>
+        <p:cNvPr id="1" name=""/>
+        <p:cNvGrpSpPr/>
+        <p:nvPr/>
+      </p:nvGrpSpPr>
+      <p:grpSpPr>
+        <a:xfrm>
+          <a:off x="0" y="0"/>
+          <a:ext cx="0" cy="0"/>
+          <a:chOff x="0" y="0"/>
+          <a:chExt cx="0" cy="0"/>
+        </a:xfrm>
+      </p:grpSpPr>
+      <p:sp>
+        <p:nvSpPr>
+          <p:cNvPr id="2" name="Title 1">
+            <a:extLst>
+              <a:ext uri="{FF2B5EF4-FFF2-40B4-BE49-F238E27FC236}">
+                <a16:creationId xmlns:a16="http://schemas.microsoft.com/office/drawing/2014/main" id="{5E562972-3449-42D1-8185-B4BEFD52AB44}"/>
+              </a:ext>
+            </a:extLst>
+          </p:cNvPr>
+          <p:cNvSpPr>
+            <a:spLocks noGrp="1"/>
+          </p:cNvSpPr>
+          <p:nvPr>
+            <p:ph type="title"/>
+          </p:nvPr>
+        </p:nvSpPr>
+        <p:spPr>
+          <a:xfrm>
+            <a:off x="581192" y="702156"/>
+            <a:ext cx="11029616" cy="519815"/>
+          </a:xfrm>
+        </p:spPr>
+        <p:txBody>
+          <a:bodyPr>
+            <a:normAutofit/>
+          </a:bodyPr>
+          <a:lstStyle/>
+          <a:p>
+            <a:r>
+              <a:rPr lang="sr-Latn-RS" dirty="0"/>
+              <a:t>Pojmovi</a:t>
+            </a:r>
+            <a:r>
+              <a:rPr lang="en-US" dirty="0"/>
+              <a:t> </a:t>
+            </a:r>
+            <a:r>
+              <a:rPr lang="en-US" dirty="0" err="1"/>
+              <a:t>i</a:t>
+            </a:r>
+            <a:r>
+              <a:rPr lang="sr-Latn-RS" dirty="0"/>
+              <a:t> problem</a:t>
+            </a:r>
+            <a:endParaRPr lang="en-US" dirty="0"/>
+          </a:p>
+        </p:txBody>
+      </p:sp>
       <p:sp>
         <p:nvSpPr>
           <p:cNvPr id="8" name="Content Placeholder 2">
             <a:extLst>
               <a:ext uri="{FF2B5EF4-FFF2-40B4-BE49-F238E27FC236}">
-                <a16:creationId xmlns:a16="http://schemas.microsoft.com/office/drawing/2014/main" id="{094F0D25-0646-4DA0-9C4A-676AB43C4E8F}"/>
+                <a16:creationId xmlns:a16="http://schemas.microsoft.com/office/drawing/2014/main" id="{619BA27D-D50E-4EB3-B0F2-2DE619963027}"/>
               </a:ext>
             </a:extLst>
           </p:cNvPr>
-          <p:cNvSpPr txBox="1">
-            <a:spLocks/>
+          <p:cNvSpPr>
+            <a:spLocks noGrp="1"/>
           </p:cNvSpPr>
-          <p:nvPr/>
+          <p:nvPr>
+            <p:ph idx="1"/>
+          </p:nvPr>
         </p:nvSpPr>
         <p:spPr>
           <a:xfrm>
-            <a:off x="5624716" y="1666273"/>
-            <a:ext cx="5986091" cy="4489570"/>
+            <a:off x="581193" y="1315616"/>
+            <a:ext cx="8096276" cy="5010539"/>
           </a:xfrm>
-          <a:prstGeom prst="rect">
-            <a:avLst/>
-          </a:prstGeom>
         </p:spPr>
         <p:txBody>
-          <a:bodyPr vert="horz" lIns="91440" tIns="45720" rIns="91440" bIns="45720" rtlCol="0" anchor="ctr">
+          <a:bodyPr>
             <a:normAutofit/>
           </a:bodyPr>
-          <a:lstStyle>
-            <a:lvl1pPr marL="306000" indent="-306000" algn="l" defTabSz="457200" rtl="0" eaLnBrk="1" latinLnBrk="0" hangingPunct="1">
-              <a:lnSpc>
-                <a:spcPct val="110000"/>
-              </a:lnSpc>
-              <a:spcBef>
-                <a:spcPct val="20000"/>
-              </a:spcBef>
-              <a:spcAft>
-                <a:spcPts val="600"/>
-              </a:spcAft>
-              <a:buClr>
-                <a:schemeClr val="accent1"/>
-              </a:buClr>
-              <a:buSzPct val="92000"/>
-              <a:buFont typeface="Wingdings 2" panose="05020102010507070707" pitchFamily="18" charset="2"/>
-              <a:buChar char=""/>
-              <a:defRPr sz="1700" kern="1200">
-                <a:solidFill>
-                  <a:schemeClr val="tx1">
-                    <a:lumMod val="75000"/>
-                    <a:lumOff val="25000"/>
-                  </a:schemeClr>
-                </a:solidFill>
-                <a:latin typeface="+mn-lt"/>
-                <a:ea typeface="+mn-ea"/>
-                <a:cs typeface="+mn-cs"/>
-              </a:defRPr>
-            </a:lvl1pPr>
-            <a:lvl2pPr marL="630000" indent="-306000" algn="l" defTabSz="457200" rtl="0" eaLnBrk="1" latinLnBrk="0" hangingPunct="1">
-              <a:spcBef>
-                <a:spcPct val="20000"/>
-              </a:spcBef>
-              <a:spcAft>
-                <a:spcPts val="600"/>
-              </a:spcAft>
-              <a:buClr>
-                <a:schemeClr val="accent1"/>
-              </a:buClr>
-              <a:buSzPct val="92000"/>
-              <a:buFont typeface="Wingdings 2" panose="05020102010507070707" pitchFamily="18" charset="2"/>
-              <a:buChar char=""/>
-              <a:defRPr sz="1400" kern="1200">
-                <a:solidFill>
-                  <a:schemeClr val="tx1">
-                    <a:lumMod val="75000"/>
-                    <a:lumOff val="25000"/>
-                  </a:schemeClr>
-                </a:solidFill>
-                <a:latin typeface="+mn-lt"/>
-                <a:ea typeface="+mn-ea"/>
-                <a:cs typeface="+mn-cs"/>
-              </a:defRPr>
-            </a:lvl2pPr>
-            <a:lvl3pPr marL="900000" indent="-270000" algn="l" defTabSz="457200" rtl="0" eaLnBrk="1" latinLnBrk="0" hangingPunct="1">
-              <a:spcBef>
-                <a:spcPct val="20000"/>
-              </a:spcBef>
-              <a:spcAft>
-                <a:spcPts val="600"/>
-              </a:spcAft>
-              <a:buClr>
-                <a:schemeClr val="accent1"/>
-              </a:buClr>
-              <a:buSzPct val="92000"/>
-              <a:buFont typeface="Wingdings 2" panose="05020102010507070707" pitchFamily="18" charset="2"/>
-              <a:buChar char=""/>
-              <a:defRPr sz="1300" kern="1200">
-                <a:solidFill>
-                  <a:schemeClr val="tx1">
-                    <a:lumMod val="75000"/>
-                    <a:lumOff val="25000"/>
-                  </a:schemeClr>
-                </a:solidFill>
-                <a:latin typeface="+mn-lt"/>
-                <a:ea typeface="+mn-ea"/>
-                <a:cs typeface="+mn-cs"/>
-              </a:defRPr>
-            </a:lvl3pPr>
-            <a:lvl4pPr marL="1242000" indent="-234000" algn="l" defTabSz="457200" rtl="0" eaLnBrk="1" latinLnBrk="0" hangingPunct="1">
-              <a:spcBef>
-                <a:spcPct val="20000"/>
-              </a:spcBef>
-              <a:spcAft>
-                <a:spcPts val="600"/>
-              </a:spcAft>
-              <a:buClr>
-                <a:schemeClr val="accent1"/>
-              </a:buClr>
-              <a:buSzPct val="92000"/>
-              <a:buFont typeface="Wingdings 2" panose="05020102010507070707" pitchFamily="18" charset="2"/>
-              <a:buChar char=""/>
-              <a:defRPr sz="1100" kern="1200">
-                <a:solidFill>
-                  <a:schemeClr val="tx1">
-                    <a:lumMod val="75000"/>
-                    <a:lumOff val="25000"/>
-                  </a:schemeClr>
-                </a:solidFill>
-                <a:latin typeface="+mn-lt"/>
-                <a:ea typeface="+mn-ea"/>
-                <a:cs typeface="+mn-cs"/>
-              </a:defRPr>
-            </a:lvl4pPr>
-            <a:lvl5pPr marL="1602000" indent="-234000" algn="l" defTabSz="457200" rtl="0" eaLnBrk="1" latinLnBrk="0" hangingPunct="1">
-              <a:spcBef>
-                <a:spcPct val="20000"/>
-              </a:spcBef>
-              <a:spcAft>
-                <a:spcPts val="600"/>
-              </a:spcAft>
-              <a:buClr>
-                <a:schemeClr val="accent1"/>
-              </a:buClr>
-              <a:buSzPct val="92000"/>
-              <a:buFont typeface="Wingdings 2" panose="05020102010507070707" pitchFamily="18" charset="2"/>
-              <a:buChar char=""/>
-              <a:defRPr sz="1100" kern="1200">
-                <a:solidFill>
-                  <a:schemeClr val="tx1">
-                    <a:lumMod val="75000"/>
-                    <a:lumOff val="25000"/>
-                  </a:schemeClr>
-                </a:solidFill>
-                <a:latin typeface="+mn-lt"/>
-                <a:ea typeface="+mn-ea"/>
-                <a:cs typeface="+mn-cs"/>
-              </a:defRPr>
-            </a:lvl5pPr>
-            <a:lvl6pPr marL="1900000" indent="-228600" algn="l" defTabSz="457200" rtl="0" eaLnBrk="1" latinLnBrk="0" hangingPunct="1">
-              <a:spcBef>
-                <a:spcPct val="20000"/>
-              </a:spcBef>
-              <a:spcAft>
-                <a:spcPts val="600"/>
-              </a:spcAft>
-              <a:buClr>
-                <a:schemeClr val="accent2"/>
-              </a:buClr>
-              <a:buSzPct val="92000"/>
-              <a:buFont typeface="Wingdings 2" panose="05020102010507070707" pitchFamily="18" charset="2"/>
-              <a:buChar char=""/>
-              <a:defRPr sz="1200" kern="1200">
-                <a:solidFill>
-                  <a:schemeClr val="tx2"/>
-                </a:solidFill>
-                <a:latin typeface="+mn-lt"/>
-                <a:ea typeface="+mn-ea"/>
-                <a:cs typeface="+mn-cs"/>
-              </a:defRPr>
-            </a:lvl6pPr>
-            <a:lvl7pPr marL="2200000" indent="-228600" algn="l" defTabSz="457200" rtl="0" eaLnBrk="1" latinLnBrk="0" hangingPunct="1">
-              <a:spcBef>
-                <a:spcPct val="20000"/>
-              </a:spcBef>
-              <a:spcAft>
-                <a:spcPts val="600"/>
-              </a:spcAft>
-              <a:buClr>
-                <a:schemeClr val="accent2"/>
-              </a:buClr>
-              <a:buSzPct val="92000"/>
-              <a:buFont typeface="Wingdings 2" panose="05020102010507070707" pitchFamily="18" charset="2"/>
-              <a:buChar char=""/>
-              <a:defRPr sz="1200" kern="1200">
-                <a:solidFill>
-                  <a:schemeClr val="tx2"/>
-                </a:solidFill>
-                <a:latin typeface="+mn-lt"/>
-                <a:ea typeface="+mn-ea"/>
-                <a:cs typeface="+mn-cs"/>
-              </a:defRPr>
-            </a:lvl7pPr>
-            <a:lvl8pPr marL="2500000" indent="-228600" algn="l" defTabSz="457200" rtl="0" eaLnBrk="1" latinLnBrk="0" hangingPunct="1">
-              <a:spcBef>
-                <a:spcPct val="20000"/>
-              </a:spcBef>
-              <a:spcAft>
-                <a:spcPts val="600"/>
-              </a:spcAft>
-              <a:buClr>
-                <a:schemeClr val="accent2"/>
-              </a:buClr>
-              <a:buSzPct val="92000"/>
-              <a:buFont typeface="Wingdings 2" panose="05020102010507070707" pitchFamily="18" charset="2"/>
-              <a:buChar char=""/>
-              <a:defRPr sz="1200" kern="1200">
-                <a:solidFill>
-                  <a:schemeClr val="tx2"/>
-                </a:solidFill>
-                <a:latin typeface="+mn-lt"/>
-                <a:ea typeface="+mn-ea"/>
-                <a:cs typeface="+mn-cs"/>
-              </a:defRPr>
-            </a:lvl8pPr>
-            <a:lvl9pPr marL="2800000" indent="-228600" algn="l" defTabSz="457200" rtl="0" eaLnBrk="1" latinLnBrk="0" hangingPunct="1">
-              <a:spcBef>
-                <a:spcPct val="20000"/>
-              </a:spcBef>
-              <a:spcAft>
-                <a:spcPts val="600"/>
-              </a:spcAft>
-              <a:buClr>
-                <a:schemeClr val="accent2"/>
-              </a:buClr>
-              <a:buSzPct val="92000"/>
-              <a:buFont typeface="Wingdings 2" panose="05020102010507070707" pitchFamily="18" charset="2"/>
-              <a:buChar char=""/>
-              <a:defRPr sz="1200" kern="1200">
-                <a:solidFill>
-                  <a:schemeClr val="tx2"/>
-                </a:solidFill>
-                <a:latin typeface="+mn-lt"/>
-                <a:ea typeface="+mn-ea"/>
-                <a:cs typeface="+mn-cs"/>
-              </a:defRPr>
-            </a:lvl9pPr>
-          </a:lstStyle>
-          <a:p>
-            <a:pPr>
+          <a:lstStyle/>
+          <a:p>
+            <a:pPr marL="285750" indent="-285750">
               <a:buFont typeface="Arial" panose="020B0604020202020204" pitchFamily="34" charset="0"/>
               <a:buChar char="•"/>
             </a:pPr>
             <a:r>
-              <a:rPr lang="en-US" sz="2000" dirty="0" err="1"/>
-              <a:t>Plavom</a:t>
-            </a:r>
-            <a:r>
-              <a:rPr lang="en-US" sz="2000" dirty="0"/>
-              <a:t> </a:t>
-            </a:r>
-            <a:r>
-              <a:rPr lang="en-US" sz="2000" dirty="0" err="1"/>
-              <a:t>bojom</a:t>
-            </a:r>
-            <a:r>
-              <a:rPr lang="en-US" sz="2000" dirty="0"/>
-              <a:t> </a:t>
-            </a:r>
-            <a:r>
-              <a:rPr lang="en-US" sz="2000" dirty="0" err="1"/>
-              <a:t>su</a:t>
-            </a:r>
-            <a:r>
-              <a:rPr lang="en-US" sz="2000" dirty="0"/>
-              <a:t> </a:t>
-            </a:r>
-            <a:r>
-              <a:rPr lang="en-US" sz="2000" dirty="0" err="1"/>
-              <a:t>obele</a:t>
-            </a:r>
-            <a:r>
-              <a:rPr lang="sr-Latn-RS" sz="2000" dirty="0"/>
-              <a:t>žene grane koje pripadaju pronađenoj maksimalnoj kliki.</a:t>
-            </a:r>
-          </a:p>
-          <a:p>
-            <a:pPr>
+              <a:rPr lang="sr-Latn-RS" dirty="0"/>
+              <a:t>Klika </a:t>
+            </a:r>
+            <a:br>
+              <a:rPr lang="sr-Latn-RS" dirty="0"/>
+            </a:br>
+            <a:r>
+              <a:rPr lang="sr-Latn-RS" dirty="0"/>
+              <a:t>skup čvorova u grafu takav da su svi čvorovi iz skupa uzajamno susedni, kompletan podgraf/graf</a:t>
+            </a:r>
+          </a:p>
+          <a:p>
+            <a:pPr marL="285750" indent="-285750">
               <a:buFont typeface="Arial" panose="020B0604020202020204" pitchFamily="34" charset="0"/>
               <a:buChar char="•"/>
             </a:pPr>
             <a:r>
-              <a:rPr lang="sr-Latn-RS" sz="2000" dirty="0"/>
-              <a:t>Crnom bojom su ostale grane</a:t>
-            </a:r>
-            <a:r>
-              <a:rPr lang="en-US" sz="2000" dirty="0"/>
-              <a:t>, </a:t>
-            </a:r>
-            <a:r>
-              <a:rPr lang="sr-Latn-RS" sz="2000" dirty="0"/>
-              <a:t>imati na umu da je ukupan broj grana velik a graf cikličan</a:t>
-            </a:r>
-            <a:endParaRPr lang="en-US" sz="2000" dirty="0"/>
+              <a:rPr lang="sr-Latn-RS" dirty="0"/>
+              <a:t>Stepen čvora grafa</a:t>
+            </a:r>
+            <a:br>
+              <a:rPr lang="sr-Latn-RS" dirty="0"/>
+            </a:br>
+            <a:r>
+              <a:rPr lang="sr-Latn-RS" dirty="0"/>
+              <a:t>broj grana koje su mu susedne</a:t>
+            </a:r>
+          </a:p>
+          <a:p>
+            <a:pPr marL="285750" indent="-285750">
+              <a:buFont typeface="Arial" panose="020B0604020202020204" pitchFamily="34" charset="0"/>
+              <a:buChar char="•"/>
+            </a:pPr>
+            <a:r>
+              <a:rPr lang="sr-Latn-RS" dirty="0"/>
+              <a:t>Problem klike</a:t>
+            </a:r>
+            <a:br>
+              <a:rPr lang="sr-Latn-RS" dirty="0"/>
+            </a:br>
+            <a:r>
+              <a:rPr lang="sr-Latn-RS" dirty="0"/>
+              <a:t>određivanje da li graf sadrži kliku ne manju od date veličine </a:t>
+            </a:r>
+            <a:r>
+              <a:rPr lang="sr-Latn-RS" i="1" dirty="0"/>
+              <a:t>k</a:t>
+            </a:r>
+            <a:r>
+              <a:rPr lang="sr-Latn-RS" dirty="0"/>
+              <a:t> </a:t>
+            </a:r>
+          </a:p>
+          <a:p>
+            <a:pPr marL="285750" indent="-285750">
+              <a:buFont typeface="Arial" panose="020B0604020202020204" pitchFamily="34" charset="0"/>
+              <a:buChar char="•"/>
+            </a:pPr>
+            <a:r>
+              <a:rPr lang="sr-Latn-RS" dirty="0"/>
+              <a:t>Problem maksimalne klike</a:t>
+            </a:r>
+            <a:br>
+              <a:rPr lang="sr-Latn-RS" dirty="0"/>
+            </a:br>
+            <a:r>
+              <a:rPr lang="sr-Latn-RS" dirty="0"/>
+              <a:t>optimizacioni problem, pronalaženje najveće klike u grafu</a:t>
+            </a:r>
+          </a:p>
+          <a:p>
+            <a:pPr marL="285750" indent="-285750">
+              <a:buFont typeface="Arial" panose="020B0604020202020204" pitchFamily="34" charset="0"/>
+              <a:buChar char="•"/>
+            </a:pPr>
+            <a:r>
+              <a:rPr lang="sr-Latn-RS" dirty="0"/>
+              <a:t>NP-težak problem</a:t>
+            </a:r>
+            <a:endParaRPr lang="en-US" dirty="0"/>
+          </a:p>
+          <a:p>
+            <a:pPr marL="285750" indent="-285750">
+              <a:buFont typeface="Arial" panose="020B0604020202020204" pitchFamily="34" charset="0"/>
+              <a:buChar char="•"/>
+            </a:pPr>
+            <a:r>
+              <a:rPr lang="sr-Latn-RS" dirty="0"/>
+              <a:t>Isti problem </a:t>
+            </a:r>
+            <a:br>
+              <a:rPr lang="sr-Latn-RS" dirty="0"/>
+            </a:br>
+            <a:r>
+              <a:rPr lang="sr-Latn-RS" dirty="0"/>
+              <a:t>Maksimalni nezavisni skup na komplementarnom grafu</a:t>
+            </a:r>
+            <a:endParaRPr lang="en-US" dirty="0"/>
+          </a:p>
+          <a:p>
+            <a:endParaRPr lang="sr-Latn-RS" dirty="0"/>
           </a:p>
         </p:txBody>
       </p:sp>
     </p:spTree>
     <p:extLst>
       <p:ext uri="{BB962C8B-B14F-4D97-AF65-F5344CB8AC3E}">
-        <p14:creationId xmlns:p14="http://schemas.microsoft.com/office/powerpoint/2010/main" val="3285291401"/>
+        <p14:creationId xmlns:p14="http://schemas.microsoft.com/office/powerpoint/2010/main" val="263784652"/>
+      </p:ext>
+    </p:extLst>
+  </p:cSld>
+  <p:clrMapOvr>
+    <a:masterClrMapping/>
+  </p:clrMapOvr>
+</p:sld>
+</file>
+
+<file path=ppt/slides/slide3.xml><?xml version="1.0" encoding="utf-8"?>
+<p:sld xmlns:a="http://schemas.openxmlformats.org/drawingml/2006/main" xmlns:r="http://schemas.openxmlformats.org/officeDocument/2006/relationships" xmlns:p="http://schemas.openxmlformats.org/presentationml/2006/main">
+  <p:cSld>
+    <p:spTree>
+      <p:nvGrpSpPr>
+        <p:cNvPr id="1" name=""/>
+        <p:cNvGrpSpPr/>
+        <p:nvPr/>
+      </p:nvGrpSpPr>
+      <p:grpSpPr>
+        <a:xfrm>
+          <a:off x="0" y="0"/>
+          <a:ext cx="0" cy="0"/>
+          <a:chOff x="0" y="0"/>
+          <a:chExt cx="0" cy="0"/>
+        </a:xfrm>
+      </p:grpSpPr>
+      <p:sp>
+        <p:nvSpPr>
+          <p:cNvPr id="2" name="Title 1">
+            <a:extLst>
+              <a:ext uri="{FF2B5EF4-FFF2-40B4-BE49-F238E27FC236}">
+                <a16:creationId xmlns:a16="http://schemas.microsoft.com/office/drawing/2014/main" id="{F7BA4CF3-8A96-4143-A88F-806EFAD28D44}"/>
+              </a:ext>
+            </a:extLst>
+          </p:cNvPr>
+          <p:cNvSpPr>
+            <a:spLocks noGrp="1"/>
+          </p:cNvSpPr>
+          <p:nvPr>
+            <p:ph type="title"/>
+          </p:nvPr>
+        </p:nvSpPr>
+        <p:spPr>
+          <a:xfrm>
+            <a:off x="581192" y="702156"/>
+            <a:ext cx="11029616" cy="599106"/>
+          </a:xfrm>
+        </p:spPr>
+        <p:txBody>
+          <a:bodyPr/>
+          <a:lstStyle/>
+          <a:p>
+            <a:r>
+              <a:rPr lang="sr-Latn-RS" dirty="0"/>
+              <a:t>Brute force algoritam sa odsecanjem</a:t>
+            </a:r>
+          </a:p>
+        </p:txBody>
+      </p:sp>
+      <p:sp>
+        <p:nvSpPr>
+          <p:cNvPr id="5" name="TextBox 4">
+            <a:extLst>
+              <a:ext uri="{FF2B5EF4-FFF2-40B4-BE49-F238E27FC236}">
+                <a16:creationId xmlns:a16="http://schemas.microsoft.com/office/drawing/2014/main" id="{4E31F959-DF0C-4F41-BF42-6BBAB0DDBE58}"/>
+              </a:ext>
+            </a:extLst>
+          </p:cNvPr>
+          <p:cNvSpPr txBox="1"/>
+          <p:nvPr/>
+        </p:nvSpPr>
+        <p:spPr>
+          <a:xfrm>
+            <a:off x="703385" y="1301261"/>
+            <a:ext cx="9249507" cy="5355312"/>
+          </a:xfrm>
+          <a:prstGeom prst="rect">
+            <a:avLst/>
+          </a:prstGeom>
+          <a:noFill/>
+        </p:spPr>
+        <p:txBody>
+          <a:bodyPr wrap="square" rtlCol="0">
+            <a:spAutoFit/>
+          </a:bodyPr>
+          <a:lstStyle/>
+          <a:p>
+            <a:endParaRPr lang="en-GB" b="0" dirty="0">
+              <a:solidFill>
+                <a:srgbClr val="D4D4D4"/>
+              </a:solidFill>
+              <a:effectLst/>
+              <a:latin typeface="Consolas" panose="020B0609020204030204" pitchFamily="49" charset="0"/>
+            </a:endParaRPr>
+          </a:p>
+          <a:p>
+            <a:r>
+              <a:rPr lang="en-GB" b="0" dirty="0">
+                <a:solidFill>
+                  <a:srgbClr val="569CD6"/>
+                </a:solidFill>
+                <a:effectLst/>
+                <a:latin typeface="Consolas" panose="020B0609020204030204" pitchFamily="49" charset="0"/>
+              </a:rPr>
+              <a:t>def</a:t>
+            </a:r>
+            <a:r>
+              <a:rPr lang="en-GB" b="0" dirty="0">
+                <a:solidFill>
+                  <a:srgbClr val="D4D4D4"/>
+                </a:solidFill>
+                <a:effectLst/>
+                <a:latin typeface="Consolas" panose="020B0609020204030204" pitchFamily="49" charset="0"/>
+              </a:rPr>
+              <a:t> </a:t>
+            </a:r>
+            <a:r>
+              <a:rPr lang="en-GB" b="0" dirty="0" err="1">
+                <a:solidFill>
+                  <a:srgbClr val="656565"/>
+                </a:solidFill>
+                <a:effectLst/>
+                <a:latin typeface="Consolas" panose="020B0609020204030204" pitchFamily="49" charset="0"/>
+              </a:rPr>
+              <a:t>brute_force_clique</a:t>
+            </a:r>
+            <a:r>
+              <a:rPr lang="en-GB" b="0" dirty="0">
+                <a:solidFill>
+                  <a:srgbClr val="656565"/>
+                </a:solidFill>
+                <a:effectLst/>
+                <a:latin typeface="Consolas" panose="020B0609020204030204" pitchFamily="49" charset="0"/>
+              </a:rPr>
+              <a:t>_(</a:t>
+            </a:r>
+            <a:r>
+              <a:rPr lang="en-GB" b="0" dirty="0" err="1">
+                <a:solidFill>
+                  <a:srgbClr val="656565"/>
+                </a:solidFill>
+                <a:effectLst/>
+                <a:latin typeface="Consolas" panose="020B0609020204030204" pitchFamily="49" charset="0"/>
+              </a:rPr>
+              <a:t>G:dict</a:t>
+            </a:r>
+            <a:r>
+              <a:rPr lang="en-GB" b="0" dirty="0">
+                <a:solidFill>
+                  <a:srgbClr val="656565"/>
+                </a:solidFill>
+                <a:effectLst/>
+                <a:latin typeface="Consolas" panose="020B0609020204030204" pitchFamily="49" charset="0"/>
+              </a:rPr>
+              <a:t>, U:list, size, </a:t>
+            </a:r>
+            <a:r>
+              <a:rPr lang="en-GB" b="0" dirty="0" err="1">
+                <a:solidFill>
+                  <a:srgbClr val="656565"/>
+                </a:solidFill>
+                <a:effectLst/>
+                <a:latin typeface="Consolas" panose="020B0609020204030204" pitchFamily="49" charset="0"/>
+              </a:rPr>
+              <a:t>nodes:list</a:t>
+            </a:r>
+            <a:r>
+              <a:rPr lang="en-GB" b="0" dirty="0">
+                <a:solidFill>
+                  <a:srgbClr val="656565"/>
+                </a:solidFill>
+                <a:effectLst/>
+                <a:latin typeface="Consolas" panose="020B0609020204030204" pitchFamily="49" charset="0"/>
+              </a:rPr>
+              <a:t>):</a:t>
+            </a:r>
+          </a:p>
+          <a:p>
+            <a:r>
+              <a:rPr lang="en-GB" b="0" dirty="0">
+                <a:solidFill>
+                  <a:srgbClr val="D4D4D4"/>
+                </a:solidFill>
+                <a:effectLst/>
+                <a:latin typeface="Consolas" panose="020B0609020204030204" pitchFamily="49" charset="0"/>
+              </a:rPr>
+              <a:t>    </a:t>
+            </a:r>
+            <a:r>
+              <a:rPr lang="en-GB" b="0" dirty="0">
+                <a:solidFill>
+                  <a:srgbClr val="569CD6"/>
+                </a:solidFill>
+                <a:effectLst/>
+                <a:latin typeface="Consolas" panose="020B0609020204030204" pitchFamily="49" charset="0"/>
+              </a:rPr>
+              <a:t>global</a:t>
+            </a:r>
+            <a:r>
+              <a:rPr lang="en-GB" b="0" dirty="0">
+                <a:solidFill>
+                  <a:srgbClr val="D4D4D4"/>
+                </a:solidFill>
+                <a:effectLst/>
+                <a:latin typeface="Consolas" panose="020B0609020204030204" pitchFamily="49" charset="0"/>
+              </a:rPr>
+              <a:t> </a:t>
+            </a:r>
+            <a:r>
+              <a:rPr lang="en-GB" b="0" dirty="0">
+                <a:solidFill>
+                  <a:srgbClr val="656565"/>
+                </a:solidFill>
+                <a:effectLst/>
+                <a:latin typeface="Consolas" panose="020B0609020204030204" pitchFamily="49" charset="0"/>
+              </a:rPr>
+              <a:t>max, </a:t>
+            </a:r>
+            <a:r>
+              <a:rPr lang="en-GB" b="0" dirty="0" err="1">
+                <a:solidFill>
+                  <a:srgbClr val="656565"/>
+                </a:solidFill>
+                <a:effectLst/>
+                <a:latin typeface="Consolas" panose="020B0609020204030204" pitchFamily="49" charset="0"/>
+              </a:rPr>
+              <a:t>clique_nodes</a:t>
+            </a:r>
+            <a:endParaRPr lang="en-GB" b="0" dirty="0">
+              <a:solidFill>
+                <a:srgbClr val="656565"/>
+              </a:solidFill>
+              <a:effectLst/>
+              <a:latin typeface="Consolas" panose="020B0609020204030204" pitchFamily="49" charset="0"/>
+            </a:endParaRPr>
+          </a:p>
+          <a:p>
+            <a:r>
+              <a:rPr lang="en-GB" b="0" dirty="0">
+                <a:solidFill>
+                  <a:srgbClr val="D4D4D4"/>
+                </a:solidFill>
+                <a:effectLst/>
+                <a:latin typeface="Consolas" panose="020B0609020204030204" pitchFamily="49" charset="0"/>
+              </a:rPr>
+              <a:t>    </a:t>
+            </a:r>
+            <a:r>
+              <a:rPr lang="en-GB" b="0" dirty="0">
+                <a:solidFill>
+                  <a:srgbClr val="569CD6"/>
+                </a:solidFill>
+                <a:effectLst/>
+                <a:latin typeface="Consolas" panose="020B0609020204030204" pitchFamily="49" charset="0"/>
+              </a:rPr>
+              <a:t>if</a:t>
+            </a:r>
+            <a:r>
+              <a:rPr lang="en-GB" b="0" dirty="0">
+                <a:solidFill>
+                  <a:srgbClr val="D4D4D4"/>
+                </a:solidFill>
+                <a:effectLst/>
+                <a:latin typeface="Consolas" panose="020B0609020204030204" pitchFamily="49" charset="0"/>
+              </a:rPr>
+              <a:t> </a:t>
+            </a:r>
+            <a:r>
+              <a:rPr lang="en-GB" b="0" dirty="0" err="1">
+                <a:solidFill>
+                  <a:srgbClr val="656565"/>
+                </a:solidFill>
+                <a:effectLst/>
+                <a:latin typeface="Consolas" panose="020B0609020204030204" pitchFamily="49" charset="0"/>
+              </a:rPr>
+              <a:t>len</a:t>
+            </a:r>
+            <a:r>
+              <a:rPr lang="en-GB" b="0" dirty="0">
+                <a:solidFill>
+                  <a:srgbClr val="656565"/>
+                </a:solidFill>
+                <a:effectLst/>
+                <a:latin typeface="Consolas" panose="020B0609020204030204" pitchFamily="49" charset="0"/>
+              </a:rPr>
+              <a:t>(U) == 0:</a:t>
+            </a:r>
+          </a:p>
+          <a:p>
+            <a:r>
+              <a:rPr lang="en-GB" b="0" dirty="0">
+                <a:solidFill>
+                  <a:srgbClr val="656565"/>
+                </a:solidFill>
+                <a:effectLst/>
+                <a:latin typeface="Consolas" panose="020B0609020204030204" pitchFamily="49" charset="0"/>
+              </a:rPr>
+              <a:t>        max = size</a:t>
+            </a:r>
+          </a:p>
+          <a:p>
+            <a:r>
+              <a:rPr lang="en-GB" b="0" dirty="0">
+                <a:solidFill>
+                  <a:srgbClr val="656565"/>
+                </a:solidFill>
+                <a:effectLst/>
+                <a:latin typeface="Consolas" panose="020B0609020204030204" pitchFamily="49" charset="0"/>
+              </a:rPr>
+              <a:t>        </a:t>
+            </a:r>
+            <a:r>
+              <a:rPr lang="en-GB" b="0" dirty="0" err="1">
+                <a:solidFill>
+                  <a:srgbClr val="656565"/>
+                </a:solidFill>
+                <a:effectLst/>
+                <a:latin typeface="Consolas" panose="020B0609020204030204" pitchFamily="49" charset="0"/>
+              </a:rPr>
+              <a:t>clique_nodes</a:t>
+            </a:r>
+            <a:r>
+              <a:rPr lang="en-GB" b="0" dirty="0">
+                <a:solidFill>
+                  <a:srgbClr val="656565"/>
+                </a:solidFill>
+                <a:effectLst/>
+                <a:latin typeface="Consolas" panose="020B0609020204030204" pitchFamily="49" charset="0"/>
+              </a:rPr>
+              <a:t> = nodes</a:t>
+            </a:r>
+          </a:p>
+          <a:p>
+            <a:r>
+              <a:rPr lang="en-GB" b="0" dirty="0">
+                <a:solidFill>
+                  <a:srgbClr val="D4D4D4"/>
+                </a:solidFill>
+                <a:effectLst/>
+                <a:latin typeface="Consolas" panose="020B0609020204030204" pitchFamily="49" charset="0"/>
+              </a:rPr>
+              <a:t>        </a:t>
+            </a:r>
+            <a:r>
+              <a:rPr lang="en-GB" b="0" dirty="0">
+                <a:solidFill>
+                  <a:srgbClr val="569CD6"/>
+                </a:solidFill>
+                <a:effectLst/>
+                <a:latin typeface="Consolas" panose="020B0609020204030204" pitchFamily="49" charset="0"/>
+              </a:rPr>
+              <a:t>return</a:t>
+            </a:r>
+            <a:r>
+              <a:rPr lang="en-GB" b="0" dirty="0">
+                <a:solidFill>
+                  <a:srgbClr val="D4D4D4"/>
+                </a:solidFill>
+                <a:effectLst/>
+                <a:latin typeface="Consolas" panose="020B0609020204030204" pitchFamily="49" charset="0"/>
+              </a:rPr>
+              <a:t> </a:t>
+            </a:r>
+          </a:p>
+          <a:p>
+            <a:r>
+              <a:rPr lang="en-GB" b="0" dirty="0">
+                <a:solidFill>
+                  <a:srgbClr val="D4D4D4"/>
+                </a:solidFill>
+                <a:effectLst/>
+                <a:latin typeface="Consolas" panose="020B0609020204030204" pitchFamily="49" charset="0"/>
+              </a:rPr>
+              <a:t>        </a:t>
+            </a:r>
+          </a:p>
+          <a:p>
+            <a:r>
+              <a:rPr lang="en-GB" b="0" dirty="0">
+                <a:solidFill>
+                  <a:srgbClr val="D4D4D4"/>
+                </a:solidFill>
+                <a:effectLst/>
+                <a:latin typeface="Consolas" panose="020B0609020204030204" pitchFamily="49" charset="0"/>
+              </a:rPr>
+              <a:t>    </a:t>
+            </a:r>
+            <a:r>
+              <a:rPr lang="en-GB" b="0" dirty="0">
+                <a:solidFill>
+                  <a:srgbClr val="569CD6"/>
+                </a:solidFill>
+                <a:effectLst/>
+                <a:latin typeface="Consolas" panose="020B0609020204030204" pitchFamily="49" charset="0"/>
+              </a:rPr>
+              <a:t>while</a:t>
+            </a:r>
+            <a:r>
+              <a:rPr lang="en-GB" b="0" dirty="0">
+                <a:solidFill>
+                  <a:srgbClr val="D4D4D4"/>
+                </a:solidFill>
+                <a:effectLst/>
+                <a:latin typeface="Consolas" panose="020B0609020204030204" pitchFamily="49" charset="0"/>
+              </a:rPr>
+              <a:t> </a:t>
+            </a:r>
+            <a:r>
+              <a:rPr lang="en-GB" b="0" dirty="0" err="1">
+                <a:solidFill>
+                  <a:srgbClr val="656565"/>
+                </a:solidFill>
+                <a:effectLst/>
+                <a:latin typeface="Consolas" panose="020B0609020204030204" pitchFamily="49" charset="0"/>
+              </a:rPr>
+              <a:t>len</a:t>
+            </a:r>
+            <a:r>
+              <a:rPr lang="en-GB" b="0" dirty="0">
+                <a:solidFill>
+                  <a:srgbClr val="656565"/>
+                </a:solidFill>
+                <a:effectLst/>
+                <a:latin typeface="Consolas" panose="020B0609020204030204" pitchFamily="49" charset="0"/>
+              </a:rPr>
+              <a:t>(U) != 0:</a:t>
+            </a:r>
+          </a:p>
+          <a:p>
+            <a:r>
+              <a:rPr lang="en-GB" b="0" dirty="0">
+                <a:solidFill>
+                  <a:srgbClr val="D4D4D4"/>
+                </a:solidFill>
+                <a:effectLst/>
+                <a:latin typeface="Consolas" panose="020B0609020204030204" pitchFamily="49" charset="0"/>
+              </a:rPr>
+              <a:t>        </a:t>
+            </a:r>
+            <a:r>
+              <a:rPr lang="en-GB" b="0" dirty="0">
+                <a:solidFill>
+                  <a:srgbClr val="569CD6"/>
+                </a:solidFill>
+                <a:effectLst/>
+                <a:latin typeface="Consolas" panose="020B0609020204030204" pitchFamily="49" charset="0"/>
+              </a:rPr>
+              <a:t>if</a:t>
+            </a:r>
+            <a:r>
+              <a:rPr lang="en-GB" b="0" dirty="0">
+                <a:solidFill>
+                  <a:srgbClr val="D4D4D4"/>
+                </a:solidFill>
+                <a:effectLst/>
+                <a:latin typeface="Consolas" panose="020B0609020204030204" pitchFamily="49" charset="0"/>
+              </a:rPr>
+              <a:t> </a:t>
+            </a:r>
+            <a:r>
+              <a:rPr lang="en-GB" b="0" dirty="0">
+                <a:solidFill>
+                  <a:srgbClr val="656565"/>
+                </a:solidFill>
+                <a:effectLst/>
+                <a:latin typeface="Consolas" panose="020B0609020204030204" pitchFamily="49" charset="0"/>
+              </a:rPr>
+              <a:t>size + </a:t>
+            </a:r>
+            <a:r>
+              <a:rPr lang="en-GB" b="0" dirty="0" err="1">
+                <a:solidFill>
+                  <a:srgbClr val="656565"/>
+                </a:solidFill>
+                <a:effectLst/>
+                <a:latin typeface="Consolas" panose="020B0609020204030204" pitchFamily="49" charset="0"/>
+              </a:rPr>
+              <a:t>len</a:t>
+            </a:r>
+            <a:r>
+              <a:rPr lang="en-GB" b="0" dirty="0">
+                <a:solidFill>
+                  <a:srgbClr val="656565"/>
+                </a:solidFill>
+                <a:effectLst/>
+                <a:latin typeface="Consolas" panose="020B0609020204030204" pitchFamily="49" charset="0"/>
+              </a:rPr>
+              <a:t>(U) &lt;= max:</a:t>
+            </a:r>
+          </a:p>
+          <a:p>
+            <a:r>
+              <a:rPr lang="en-GB" b="0" dirty="0">
+                <a:solidFill>
+                  <a:srgbClr val="D4D4D4"/>
+                </a:solidFill>
+                <a:effectLst/>
+                <a:latin typeface="Consolas" panose="020B0609020204030204" pitchFamily="49" charset="0"/>
+              </a:rPr>
+              <a:t>            </a:t>
+            </a:r>
+            <a:r>
+              <a:rPr lang="en-GB" b="0" dirty="0">
+                <a:solidFill>
+                  <a:srgbClr val="569CD6"/>
+                </a:solidFill>
+                <a:effectLst/>
+                <a:latin typeface="Consolas" panose="020B0609020204030204" pitchFamily="49" charset="0"/>
+              </a:rPr>
+              <a:t>return</a:t>
+            </a:r>
+            <a:r>
+              <a:rPr lang="en-GB" b="0" dirty="0">
+                <a:solidFill>
+                  <a:srgbClr val="D4D4D4"/>
+                </a:solidFill>
+                <a:effectLst/>
+                <a:latin typeface="Consolas" panose="020B0609020204030204" pitchFamily="49" charset="0"/>
+              </a:rPr>
+              <a:t> </a:t>
+            </a:r>
+          </a:p>
+          <a:p>
+            <a:r>
+              <a:rPr lang="en-GB" b="0" dirty="0">
+                <a:solidFill>
+                  <a:srgbClr val="D4D4D4"/>
+                </a:solidFill>
+                <a:effectLst/>
+                <a:latin typeface="Consolas" panose="020B0609020204030204" pitchFamily="49" charset="0"/>
+              </a:rPr>
+              <a:t>        </a:t>
+            </a:r>
+            <a:r>
+              <a:rPr lang="en-GB" b="0" dirty="0" err="1">
+                <a:solidFill>
+                  <a:srgbClr val="656565"/>
+                </a:solidFill>
+                <a:effectLst/>
+                <a:latin typeface="Consolas" panose="020B0609020204030204" pitchFamily="49" charset="0"/>
+              </a:rPr>
+              <a:t>i</a:t>
+            </a:r>
+            <a:r>
+              <a:rPr lang="en-GB" b="0" dirty="0">
+                <a:solidFill>
+                  <a:srgbClr val="656565"/>
+                </a:solidFill>
+                <a:effectLst/>
+                <a:latin typeface="Consolas" panose="020B0609020204030204" pitchFamily="49" charset="0"/>
+              </a:rPr>
+              <a:t> = U[0]</a:t>
+            </a:r>
+          </a:p>
+          <a:p>
+            <a:r>
+              <a:rPr lang="en-GB" b="0" dirty="0">
+                <a:solidFill>
+                  <a:srgbClr val="656565"/>
+                </a:solidFill>
+                <a:effectLst/>
+                <a:latin typeface="Consolas" panose="020B0609020204030204" pitchFamily="49" charset="0"/>
+              </a:rPr>
+              <a:t>        </a:t>
+            </a:r>
+            <a:r>
+              <a:rPr lang="en-GB" b="0" dirty="0" err="1">
+                <a:solidFill>
+                  <a:srgbClr val="656565"/>
+                </a:solidFill>
+                <a:effectLst/>
+                <a:latin typeface="Consolas" panose="020B0609020204030204" pitchFamily="49" charset="0"/>
+              </a:rPr>
+              <a:t>nodes.append</a:t>
+            </a:r>
+            <a:r>
+              <a:rPr lang="en-GB" b="0" dirty="0">
+                <a:solidFill>
+                  <a:srgbClr val="656565"/>
+                </a:solidFill>
+                <a:effectLst/>
+                <a:latin typeface="Consolas" panose="020B0609020204030204" pitchFamily="49" charset="0"/>
+              </a:rPr>
+              <a:t>(</a:t>
+            </a:r>
+            <a:r>
+              <a:rPr lang="en-GB" b="0" dirty="0" err="1">
+                <a:solidFill>
+                  <a:srgbClr val="656565"/>
+                </a:solidFill>
+                <a:effectLst/>
+                <a:latin typeface="Consolas" panose="020B0609020204030204" pitchFamily="49" charset="0"/>
+              </a:rPr>
+              <a:t>i</a:t>
+            </a:r>
+            <a:r>
+              <a:rPr lang="en-GB" b="0" dirty="0">
+                <a:solidFill>
+                  <a:srgbClr val="656565"/>
+                </a:solidFill>
+                <a:effectLst/>
+                <a:latin typeface="Consolas" panose="020B0609020204030204" pitchFamily="49" charset="0"/>
+              </a:rPr>
+              <a:t>)</a:t>
+            </a:r>
+          </a:p>
+          <a:p>
+            <a:r>
+              <a:rPr lang="en-GB" b="0" dirty="0">
+                <a:solidFill>
+                  <a:srgbClr val="656565"/>
+                </a:solidFill>
+                <a:effectLst/>
+                <a:latin typeface="Consolas" panose="020B0609020204030204" pitchFamily="49" charset="0"/>
+              </a:rPr>
+              <a:t>        </a:t>
+            </a:r>
+            <a:r>
+              <a:rPr lang="en-GB" b="0" dirty="0" err="1">
+                <a:solidFill>
+                  <a:srgbClr val="656565"/>
+                </a:solidFill>
+                <a:effectLst/>
+                <a:latin typeface="Consolas" panose="020B0609020204030204" pitchFamily="49" charset="0"/>
+              </a:rPr>
+              <a:t>U.remove</a:t>
+            </a:r>
+            <a:r>
+              <a:rPr lang="en-GB" b="0" dirty="0">
+                <a:solidFill>
+                  <a:srgbClr val="656565"/>
+                </a:solidFill>
+                <a:effectLst/>
+                <a:latin typeface="Consolas" panose="020B0609020204030204" pitchFamily="49" charset="0"/>
+              </a:rPr>
+              <a:t>(</a:t>
+            </a:r>
+            <a:r>
+              <a:rPr lang="en-GB" b="0" dirty="0" err="1">
+                <a:solidFill>
+                  <a:srgbClr val="656565"/>
+                </a:solidFill>
+                <a:effectLst/>
+                <a:latin typeface="Consolas" panose="020B0609020204030204" pitchFamily="49" charset="0"/>
+              </a:rPr>
+              <a:t>i</a:t>
+            </a:r>
+            <a:r>
+              <a:rPr lang="en-GB" b="0" dirty="0">
+                <a:solidFill>
+                  <a:srgbClr val="656565"/>
+                </a:solidFill>
+                <a:effectLst/>
+                <a:latin typeface="Consolas" panose="020B0609020204030204" pitchFamily="49" charset="0"/>
+              </a:rPr>
+              <a:t>)</a:t>
+            </a:r>
+          </a:p>
+          <a:p>
+            <a:r>
+              <a:rPr lang="en-GB" b="0" dirty="0">
+                <a:solidFill>
+                  <a:srgbClr val="656565"/>
+                </a:solidFill>
+                <a:effectLst/>
+                <a:latin typeface="Consolas" panose="020B0609020204030204" pitchFamily="49" charset="0"/>
+              </a:rPr>
+              <a:t>        </a:t>
+            </a:r>
+            <a:r>
+              <a:rPr lang="en-GB" b="0" dirty="0" err="1">
+                <a:solidFill>
+                  <a:srgbClr val="656565"/>
+                </a:solidFill>
+                <a:effectLst/>
+                <a:latin typeface="Consolas" panose="020B0609020204030204" pitchFamily="49" charset="0"/>
+              </a:rPr>
+              <a:t>brute_force_clique</a:t>
+            </a:r>
+            <a:r>
+              <a:rPr lang="en-GB" b="0" dirty="0">
+                <a:solidFill>
+                  <a:srgbClr val="656565"/>
+                </a:solidFill>
+                <a:effectLst/>
+                <a:latin typeface="Consolas" panose="020B0609020204030204" pitchFamily="49" charset="0"/>
+              </a:rPr>
+              <a:t>_(G, intersection(U,G[</a:t>
+            </a:r>
+            <a:r>
+              <a:rPr lang="en-GB" b="0" dirty="0" err="1">
+                <a:solidFill>
+                  <a:srgbClr val="656565"/>
+                </a:solidFill>
+                <a:effectLst/>
+                <a:latin typeface="Consolas" panose="020B0609020204030204" pitchFamily="49" charset="0"/>
+              </a:rPr>
+              <a:t>i</a:t>
+            </a:r>
+            <a:r>
+              <a:rPr lang="en-GB" b="0" dirty="0">
+                <a:solidFill>
+                  <a:srgbClr val="656565"/>
+                </a:solidFill>
+                <a:effectLst/>
+                <a:latin typeface="Consolas" panose="020B0609020204030204" pitchFamily="49" charset="0"/>
+              </a:rPr>
+              <a:t>]), size+1,nodes[:]) </a:t>
+            </a:r>
+          </a:p>
+          <a:p>
+            <a:br>
+              <a:rPr lang="en-GB" b="0" dirty="0">
+                <a:solidFill>
+                  <a:srgbClr val="D4D4D4"/>
+                </a:solidFill>
+                <a:effectLst/>
+                <a:latin typeface="Consolas" panose="020B0609020204030204" pitchFamily="49" charset="0"/>
+              </a:rPr>
+            </a:br>
+            <a:r>
+              <a:rPr lang="en-GB" b="0" dirty="0">
+                <a:solidFill>
+                  <a:srgbClr val="569CD6"/>
+                </a:solidFill>
+                <a:effectLst/>
+                <a:latin typeface="Consolas" panose="020B0609020204030204" pitchFamily="49" charset="0"/>
+              </a:rPr>
+              <a:t>def</a:t>
+            </a:r>
+            <a:r>
+              <a:rPr lang="en-GB" b="0" dirty="0">
+                <a:solidFill>
+                  <a:srgbClr val="D4D4D4"/>
+                </a:solidFill>
+                <a:effectLst/>
+                <a:latin typeface="Consolas" panose="020B0609020204030204" pitchFamily="49" charset="0"/>
+              </a:rPr>
+              <a:t> </a:t>
+            </a:r>
+            <a:r>
+              <a:rPr lang="en-GB" b="0" dirty="0" err="1">
+                <a:solidFill>
+                  <a:srgbClr val="656565"/>
+                </a:solidFill>
+                <a:effectLst/>
+                <a:latin typeface="Consolas" panose="020B0609020204030204" pitchFamily="49" charset="0"/>
+              </a:rPr>
+              <a:t>brute_force_clique</a:t>
+            </a:r>
+            <a:r>
+              <a:rPr lang="en-GB" b="0" dirty="0">
+                <a:solidFill>
+                  <a:srgbClr val="656565"/>
+                </a:solidFill>
+                <a:effectLst/>
+                <a:latin typeface="Consolas" panose="020B0609020204030204" pitchFamily="49" charset="0"/>
+              </a:rPr>
+              <a:t>(</a:t>
+            </a:r>
+            <a:r>
+              <a:rPr lang="en-GB" b="0" dirty="0" err="1">
+                <a:solidFill>
+                  <a:srgbClr val="656565"/>
+                </a:solidFill>
+                <a:effectLst/>
+                <a:latin typeface="Consolas" panose="020B0609020204030204" pitchFamily="49" charset="0"/>
+              </a:rPr>
+              <a:t>G:dict</a:t>
+            </a:r>
+            <a:r>
+              <a:rPr lang="en-GB" b="0" dirty="0">
+                <a:solidFill>
+                  <a:srgbClr val="656565"/>
+                </a:solidFill>
+                <a:effectLst/>
+                <a:latin typeface="Consolas" panose="020B0609020204030204" pitchFamily="49" charset="0"/>
+              </a:rPr>
+              <a:t>):</a:t>
+            </a:r>
+          </a:p>
+          <a:p>
+            <a:r>
+              <a:rPr lang="en-GB" b="0" dirty="0">
+                <a:solidFill>
+                  <a:srgbClr val="656565"/>
+                </a:solidFill>
+                <a:effectLst/>
+                <a:latin typeface="Consolas" panose="020B0609020204030204" pitchFamily="49" charset="0"/>
+              </a:rPr>
+              <a:t>    </a:t>
+            </a:r>
+            <a:r>
+              <a:rPr lang="en-GB" b="0" dirty="0" err="1">
+                <a:solidFill>
+                  <a:srgbClr val="656565"/>
+                </a:solidFill>
+                <a:effectLst/>
+                <a:latin typeface="Consolas" panose="020B0609020204030204" pitchFamily="49" charset="0"/>
+              </a:rPr>
+              <a:t>brute_force_clique</a:t>
+            </a:r>
+            <a:r>
+              <a:rPr lang="en-GB" b="0" dirty="0">
+                <a:solidFill>
+                  <a:srgbClr val="656565"/>
+                </a:solidFill>
+                <a:effectLst/>
+                <a:latin typeface="Consolas" panose="020B0609020204030204" pitchFamily="49" charset="0"/>
+              </a:rPr>
+              <a:t>_(G, list(</a:t>
+            </a:r>
+            <a:r>
+              <a:rPr lang="en-GB" b="0" dirty="0" err="1">
+                <a:solidFill>
+                  <a:srgbClr val="656565"/>
+                </a:solidFill>
+                <a:effectLst/>
+                <a:latin typeface="Consolas" panose="020B0609020204030204" pitchFamily="49" charset="0"/>
+              </a:rPr>
+              <a:t>G.keys</a:t>
+            </a:r>
+            <a:r>
+              <a:rPr lang="en-GB" b="0" dirty="0">
+                <a:solidFill>
+                  <a:srgbClr val="656565"/>
+                </a:solidFill>
+                <a:effectLst/>
+                <a:latin typeface="Consolas" panose="020B0609020204030204" pitchFamily="49" charset="0"/>
+              </a:rPr>
+              <a:t>()), 0, [])</a:t>
+            </a:r>
+          </a:p>
+          <a:p>
+            <a:pPr marL="0" indent="0">
+              <a:buNone/>
+            </a:pPr>
+            <a:endParaRPr lang="sr-Latn-RS" dirty="0">
+              <a:latin typeface="Rod" panose="020B0604020202020204" pitchFamily="49" charset="-79"/>
+              <a:cs typeface="Rod" panose="020B0604020202020204" pitchFamily="49" charset="-79"/>
+            </a:endParaRPr>
+          </a:p>
+        </p:txBody>
+      </p:sp>
+      <p:sp>
+        <p:nvSpPr>
+          <p:cNvPr id="8" name="TextBox 7">
+            <a:extLst>
+              <a:ext uri="{FF2B5EF4-FFF2-40B4-BE49-F238E27FC236}">
+                <a16:creationId xmlns:a16="http://schemas.microsoft.com/office/drawing/2014/main" id="{D7E9EAB1-3D4E-41D5-92ED-5F69DF178FDC}"/>
+              </a:ext>
+            </a:extLst>
+          </p:cNvPr>
+          <p:cNvSpPr txBox="1"/>
+          <p:nvPr/>
+        </p:nvSpPr>
+        <p:spPr>
+          <a:xfrm>
+            <a:off x="5587512" y="2077312"/>
+            <a:ext cx="6290896" cy="923330"/>
+          </a:xfrm>
+          <a:prstGeom prst="rect">
+            <a:avLst/>
+          </a:prstGeom>
+          <a:noFill/>
+          <a:ln>
+            <a:solidFill>
+              <a:schemeClr val="accent1"/>
+            </a:solidFill>
+          </a:ln>
+        </p:spPr>
+        <p:txBody>
+          <a:bodyPr wrap="square" rtlCol="0">
+            <a:spAutoFit/>
+          </a:bodyPr>
+          <a:lstStyle/>
+          <a:p>
+            <a:r>
+              <a:rPr lang="en-GB" b="0" dirty="0">
+                <a:solidFill>
+                  <a:srgbClr val="569CD6"/>
+                </a:solidFill>
+                <a:effectLst/>
+                <a:latin typeface="Consolas" panose="020B0609020204030204" pitchFamily="49" charset="0"/>
+              </a:rPr>
+              <a:t>def</a:t>
+            </a:r>
+            <a:r>
+              <a:rPr lang="en-GB" b="0" dirty="0">
+                <a:solidFill>
+                  <a:srgbClr val="D4D4D4"/>
+                </a:solidFill>
+                <a:effectLst/>
+                <a:latin typeface="Consolas" panose="020B0609020204030204" pitchFamily="49" charset="0"/>
+              </a:rPr>
+              <a:t> </a:t>
+            </a:r>
+            <a:r>
+              <a:rPr lang="en-GB" b="0" dirty="0">
+                <a:solidFill>
+                  <a:srgbClr val="656565"/>
+                </a:solidFill>
+                <a:effectLst/>
+                <a:latin typeface="Consolas" panose="020B0609020204030204" pitchFamily="49" charset="0"/>
+              </a:rPr>
+              <a:t>intersection(a: list, b: list):</a:t>
+            </a:r>
+          </a:p>
+          <a:p>
+            <a:r>
+              <a:rPr lang="en-GB" b="0" dirty="0">
+                <a:solidFill>
+                  <a:srgbClr val="D4D4D4"/>
+                </a:solidFill>
+                <a:effectLst/>
+                <a:latin typeface="Consolas" panose="020B0609020204030204" pitchFamily="49" charset="0"/>
+              </a:rPr>
+              <a:t>    </a:t>
+            </a:r>
+            <a:r>
+              <a:rPr lang="en-GB" b="0" dirty="0">
+                <a:solidFill>
+                  <a:srgbClr val="569CD6"/>
+                </a:solidFill>
+                <a:effectLst/>
+                <a:latin typeface="Consolas" panose="020B0609020204030204" pitchFamily="49" charset="0"/>
+              </a:rPr>
+              <a:t>return</a:t>
+            </a:r>
+            <a:r>
+              <a:rPr lang="en-GB" b="0" dirty="0">
+                <a:solidFill>
+                  <a:srgbClr val="D4D4D4"/>
+                </a:solidFill>
+                <a:effectLst/>
+                <a:latin typeface="Consolas" panose="020B0609020204030204" pitchFamily="49" charset="0"/>
+              </a:rPr>
+              <a:t> </a:t>
+            </a:r>
+            <a:r>
+              <a:rPr lang="en-GB" b="0" dirty="0">
+                <a:solidFill>
+                  <a:srgbClr val="656565"/>
+                </a:solidFill>
+                <a:effectLst/>
+                <a:latin typeface="Consolas" panose="020B0609020204030204" pitchFamily="49" charset="0"/>
+              </a:rPr>
+              <a:t>[value </a:t>
+            </a:r>
+            <a:r>
+              <a:rPr lang="en-GB" b="0" dirty="0">
+                <a:solidFill>
+                  <a:srgbClr val="569CD6"/>
+                </a:solidFill>
+                <a:effectLst/>
+                <a:latin typeface="Consolas" panose="020B0609020204030204" pitchFamily="49" charset="0"/>
+              </a:rPr>
+              <a:t>for</a:t>
+            </a:r>
+            <a:r>
+              <a:rPr lang="en-GB" b="0" dirty="0">
+                <a:solidFill>
+                  <a:srgbClr val="D4D4D4"/>
+                </a:solidFill>
+                <a:effectLst/>
+                <a:latin typeface="Consolas" panose="020B0609020204030204" pitchFamily="49" charset="0"/>
+              </a:rPr>
+              <a:t> </a:t>
+            </a:r>
+            <a:r>
+              <a:rPr lang="en-GB" b="0" dirty="0">
+                <a:solidFill>
+                  <a:srgbClr val="656565"/>
+                </a:solidFill>
+                <a:effectLst/>
+                <a:latin typeface="Consolas" panose="020B0609020204030204" pitchFamily="49" charset="0"/>
+              </a:rPr>
+              <a:t>value</a:t>
+            </a:r>
+            <a:r>
+              <a:rPr lang="en-GB" b="0" dirty="0">
+                <a:solidFill>
+                  <a:srgbClr val="D4D4D4"/>
+                </a:solidFill>
+                <a:effectLst/>
+                <a:latin typeface="Consolas" panose="020B0609020204030204" pitchFamily="49" charset="0"/>
+              </a:rPr>
+              <a:t> </a:t>
+            </a:r>
+            <a:r>
+              <a:rPr lang="en-GB" b="0" dirty="0">
+                <a:solidFill>
+                  <a:srgbClr val="569CD6"/>
+                </a:solidFill>
+                <a:effectLst/>
+                <a:latin typeface="Consolas" panose="020B0609020204030204" pitchFamily="49" charset="0"/>
+              </a:rPr>
+              <a:t>in</a:t>
+            </a:r>
+            <a:r>
+              <a:rPr lang="en-GB" b="0" dirty="0">
+                <a:solidFill>
+                  <a:srgbClr val="D4D4D4"/>
+                </a:solidFill>
+                <a:effectLst/>
+                <a:latin typeface="Consolas" panose="020B0609020204030204" pitchFamily="49" charset="0"/>
+              </a:rPr>
+              <a:t> </a:t>
+            </a:r>
+            <a:r>
+              <a:rPr lang="en-GB" b="0" dirty="0">
+                <a:solidFill>
+                  <a:srgbClr val="656565"/>
+                </a:solidFill>
+                <a:effectLst/>
+                <a:latin typeface="Consolas" panose="020B0609020204030204" pitchFamily="49" charset="0"/>
+              </a:rPr>
+              <a:t>a</a:t>
+            </a:r>
+            <a:r>
+              <a:rPr lang="en-GB" b="0" dirty="0">
+                <a:solidFill>
+                  <a:srgbClr val="D4D4D4"/>
+                </a:solidFill>
+                <a:effectLst/>
+                <a:latin typeface="Consolas" panose="020B0609020204030204" pitchFamily="49" charset="0"/>
+              </a:rPr>
+              <a:t> </a:t>
+            </a:r>
+            <a:r>
+              <a:rPr lang="en-GB" b="0" dirty="0">
+                <a:solidFill>
+                  <a:srgbClr val="569CD6"/>
+                </a:solidFill>
+                <a:effectLst/>
+                <a:latin typeface="Consolas" panose="020B0609020204030204" pitchFamily="49" charset="0"/>
+              </a:rPr>
+              <a:t>if</a:t>
+            </a:r>
+            <a:r>
+              <a:rPr lang="en-GB" b="0" dirty="0">
+                <a:solidFill>
+                  <a:srgbClr val="D4D4D4"/>
+                </a:solidFill>
+                <a:effectLst/>
+                <a:latin typeface="Consolas" panose="020B0609020204030204" pitchFamily="49" charset="0"/>
+              </a:rPr>
+              <a:t> </a:t>
+            </a:r>
+            <a:r>
+              <a:rPr lang="en-GB" b="0" dirty="0">
+                <a:solidFill>
+                  <a:srgbClr val="656565"/>
+                </a:solidFill>
+                <a:effectLst/>
+                <a:latin typeface="Consolas" panose="020B0609020204030204" pitchFamily="49" charset="0"/>
+              </a:rPr>
+              <a:t>value </a:t>
+            </a:r>
+            <a:r>
+              <a:rPr lang="en-GB" b="0" dirty="0">
+                <a:solidFill>
+                  <a:srgbClr val="569CD6"/>
+                </a:solidFill>
+                <a:effectLst/>
+                <a:latin typeface="Consolas" panose="020B0609020204030204" pitchFamily="49" charset="0"/>
+              </a:rPr>
+              <a:t>in</a:t>
+            </a:r>
+            <a:r>
+              <a:rPr lang="en-GB" b="0" dirty="0">
+                <a:solidFill>
+                  <a:srgbClr val="D4D4D4"/>
+                </a:solidFill>
+                <a:effectLst/>
+                <a:latin typeface="Consolas" panose="020B0609020204030204" pitchFamily="49" charset="0"/>
+              </a:rPr>
+              <a:t> </a:t>
+            </a:r>
+            <a:r>
+              <a:rPr lang="en-GB" b="0" dirty="0">
+                <a:solidFill>
+                  <a:srgbClr val="656565"/>
+                </a:solidFill>
+                <a:effectLst/>
+                <a:latin typeface="Consolas" panose="020B0609020204030204" pitchFamily="49" charset="0"/>
+              </a:rPr>
+              <a:t>b]</a:t>
+            </a:r>
+            <a:endParaRPr lang="sr-Latn-RS" b="0" dirty="0">
+              <a:solidFill>
+                <a:srgbClr val="656565"/>
+              </a:solidFill>
+              <a:effectLst/>
+              <a:latin typeface="Consolas" panose="020B0609020204030204" pitchFamily="49" charset="0"/>
+            </a:endParaRPr>
+          </a:p>
+          <a:p>
+            <a:endParaRPr lang="sr-Latn-RS" dirty="0"/>
+          </a:p>
+        </p:txBody>
+      </p:sp>
+    </p:spTree>
+    <p:extLst>
+      <p:ext uri="{BB962C8B-B14F-4D97-AF65-F5344CB8AC3E}">
+        <p14:creationId xmlns:p14="http://schemas.microsoft.com/office/powerpoint/2010/main" val="4117549991"/>
+      </p:ext>
+    </p:extLst>
+  </p:cSld>
+  <p:clrMapOvr>
+    <a:masterClrMapping/>
+  </p:clrMapOvr>
+</p:sld>
+</file>
+
+<file path=ppt/slides/slide4.xml><?xml version="1.0" encoding="utf-8"?>
+<p:sld xmlns:a="http://schemas.openxmlformats.org/drawingml/2006/main" xmlns:r="http://schemas.openxmlformats.org/officeDocument/2006/relationships" xmlns:p="http://schemas.openxmlformats.org/presentationml/2006/main">
+  <p:cSld>
+    <p:spTree>
+      <p:nvGrpSpPr>
+        <p:cNvPr id="1" name=""/>
+        <p:cNvGrpSpPr/>
+        <p:nvPr/>
+      </p:nvGrpSpPr>
+      <p:grpSpPr>
+        <a:xfrm>
+          <a:off x="0" y="0"/>
+          <a:ext cx="0" cy="0"/>
+          <a:chOff x="0" y="0"/>
+          <a:chExt cx="0" cy="0"/>
+        </a:xfrm>
+      </p:grpSpPr>
+      <p:sp>
+        <p:nvSpPr>
+          <p:cNvPr id="2" name="Title 1">
+            <a:extLst>
+              <a:ext uri="{FF2B5EF4-FFF2-40B4-BE49-F238E27FC236}">
+                <a16:creationId xmlns:a16="http://schemas.microsoft.com/office/drawing/2014/main" id="{DD1078DF-1171-4B8E-A433-1DDFE2A23C3A}"/>
+              </a:ext>
+            </a:extLst>
+          </p:cNvPr>
+          <p:cNvSpPr>
+            <a:spLocks noGrp="1"/>
+          </p:cNvSpPr>
+          <p:nvPr>
+            <p:ph type="title"/>
+          </p:nvPr>
+        </p:nvSpPr>
+        <p:spPr>
+          <a:xfrm>
+            <a:off x="581192" y="702156"/>
+            <a:ext cx="11029616" cy="659284"/>
+          </a:xfrm>
+        </p:spPr>
+        <p:txBody>
+          <a:bodyPr/>
+          <a:lstStyle/>
+          <a:p>
+            <a:r>
+              <a:rPr lang="en-US" dirty="0" err="1"/>
+              <a:t>Ideja</a:t>
+            </a:r>
+            <a:r>
+              <a:rPr lang="en-US" dirty="0"/>
+              <a:t> </a:t>
+            </a:r>
+            <a:r>
+              <a:rPr lang="en-US" dirty="0" err="1"/>
+              <a:t>iza</a:t>
+            </a:r>
+            <a:r>
+              <a:rPr lang="en-US" dirty="0"/>
+              <a:t> </a:t>
+            </a:r>
+            <a:r>
+              <a:rPr lang="sr-Latn-RS" dirty="0"/>
+              <a:t>Brute force algoritm</a:t>
+            </a:r>
+            <a:r>
+              <a:rPr lang="en-US" dirty="0"/>
+              <a:t>a</a:t>
+            </a:r>
+            <a:r>
+              <a:rPr lang="sr-Latn-RS" dirty="0"/>
+              <a:t> sa odsecanjem</a:t>
+            </a:r>
+          </a:p>
+        </p:txBody>
+      </p:sp>
+      <p:sp>
+        <p:nvSpPr>
+          <p:cNvPr id="3" name="Content Placeholder 2">
+            <a:extLst>
+              <a:ext uri="{FF2B5EF4-FFF2-40B4-BE49-F238E27FC236}">
+                <a16:creationId xmlns:a16="http://schemas.microsoft.com/office/drawing/2014/main" id="{DACE5022-A98C-46AA-BDDA-0152E890BA2F}"/>
+              </a:ext>
+            </a:extLst>
+          </p:cNvPr>
+          <p:cNvSpPr>
+            <a:spLocks noGrp="1"/>
+          </p:cNvSpPr>
+          <p:nvPr>
+            <p:ph idx="1"/>
+          </p:nvPr>
+        </p:nvSpPr>
+        <p:spPr>
+          <a:xfrm>
+            <a:off x="581192" y="1554480"/>
+            <a:ext cx="11029615" cy="4420870"/>
+          </a:xfrm>
+        </p:spPr>
+        <p:txBody>
+          <a:bodyPr/>
+          <a:lstStyle/>
+          <a:p>
+            <a:endParaRPr lang="sr-Latn-RS" dirty="0"/>
+          </a:p>
+        </p:txBody>
+      </p:sp>
+    </p:spTree>
+    <p:extLst>
+      <p:ext uri="{BB962C8B-B14F-4D97-AF65-F5344CB8AC3E}">
+        <p14:creationId xmlns:p14="http://schemas.microsoft.com/office/powerpoint/2010/main" val="1815641983"/>
+      </p:ext>
+    </p:extLst>
+  </p:cSld>
+  <p:clrMapOvr>
+    <a:masterClrMapping/>
+  </p:clrMapOvr>
+</p:sld>
+</file>
+
+<file path=ppt/slides/slide5.xml><?xml version="1.0" encoding="utf-8"?>
+<p:sld xmlns:a="http://schemas.openxmlformats.org/drawingml/2006/main" xmlns:r="http://schemas.openxmlformats.org/officeDocument/2006/relationships" xmlns:p="http://schemas.openxmlformats.org/presentationml/2006/main">
+  <p:cSld>
+    <p:spTree>
+      <p:nvGrpSpPr>
+        <p:cNvPr id="1" name=""/>
+        <p:cNvGrpSpPr/>
+        <p:nvPr/>
+      </p:nvGrpSpPr>
+      <p:grpSpPr>
+        <a:xfrm>
+          <a:off x="0" y="0"/>
+          <a:ext cx="0" cy="0"/>
+          <a:chOff x="0" y="0"/>
+          <a:chExt cx="0" cy="0"/>
+        </a:xfrm>
+      </p:grpSpPr>
+      <p:sp>
+        <p:nvSpPr>
+          <p:cNvPr id="2" name="Title 1">
+            <a:extLst>
+              <a:ext uri="{FF2B5EF4-FFF2-40B4-BE49-F238E27FC236}">
+                <a16:creationId xmlns:a16="http://schemas.microsoft.com/office/drawing/2014/main" id="{4EE5920F-2A1C-4078-A924-BB85ABB7C939}"/>
+              </a:ext>
+            </a:extLst>
+          </p:cNvPr>
+          <p:cNvSpPr>
+            <a:spLocks noGrp="1"/>
+          </p:cNvSpPr>
+          <p:nvPr>
+            <p:ph type="title"/>
+          </p:nvPr>
+        </p:nvSpPr>
+        <p:spPr>
+          <a:xfrm>
+            <a:off x="581192" y="702156"/>
+            <a:ext cx="11029616" cy="546352"/>
+          </a:xfrm>
+        </p:spPr>
+        <p:txBody>
+          <a:bodyPr/>
+          <a:lstStyle/>
+          <a:p>
+            <a:r>
+              <a:rPr lang="sr-Latn-RS" dirty="0"/>
+              <a:t>Optimizacija genetskim algoritmom</a:t>
+            </a:r>
+          </a:p>
+        </p:txBody>
+      </p:sp>
+      <p:sp>
+        <p:nvSpPr>
+          <p:cNvPr id="3" name="Content Placeholder 2">
+            <a:extLst>
+              <a:ext uri="{FF2B5EF4-FFF2-40B4-BE49-F238E27FC236}">
+                <a16:creationId xmlns:a16="http://schemas.microsoft.com/office/drawing/2014/main" id="{12155267-2A50-45E9-96E1-92765E191893}"/>
+              </a:ext>
+            </a:extLst>
+          </p:cNvPr>
+          <p:cNvSpPr>
+            <a:spLocks noGrp="1"/>
+          </p:cNvSpPr>
+          <p:nvPr>
+            <p:ph idx="1"/>
+          </p:nvPr>
+        </p:nvSpPr>
+        <p:spPr>
+          <a:xfrm>
+            <a:off x="581192" y="1248508"/>
+            <a:ext cx="11029615" cy="5152292"/>
+          </a:xfrm>
+        </p:spPr>
+        <p:txBody>
+          <a:bodyPr/>
+          <a:lstStyle/>
+          <a:p>
+            <a:r>
+              <a:rPr lang="sr-Latn-RS" dirty="0"/>
+              <a:t>Klasa </a:t>
+            </a:r>
+            <a:r>
+              <a:rPr lang="sr-Latn-RS" dirty="0">
+                <a:latin typeface="Consolas" panose="020B0609020204030204" pitchFamily="49" charset="0"/>
+              </a:rPr>
+              <a:t>Node</a:t>
+            </a:r>
+            <a:r>
+              <a:rPr lang="sr-Latn-RS" dirty="0"/>
+              <a:t> (vrednost, stepen, skup suseda)</a:t>
+            </a:r>
+          </a:p>
+          <a:p>
+            <a:r>
+              <a:rPr lang="sr-Latn-RS" dirty="0"/>
+              <a:t>Klasa </a:t>
+            </a:r>
+            <a:r>
+              <a:rPr lang="sr-Latn-RS" dirty="0">
+                <a:latin typeface="Consolas" panose="020B0609020204030204" pitchFamily="49" charset="0"/>
+              </a:rPr>
+              <a:t>Graph</a:t>
+            </a:r>
+            <a:r>
+              <a:rPr lang="sr-Latn-RS" dirty="0"/>
+              <a:t> (mapa čvor: susedi, matrica susedstva, sortirani čvorovi)</a:t>
+            </a:r>
+            <a:endParaRPr lang="en-US" dirty="0"/>
+          </a:p>
+          <a:p>
+            <a:pPr lvl="1"/>
+            <a:r>
+              <a:rPr lang="en-US" dirty="0" err="1">
+                <a:latin typeface="Consolas" panose="020B0609020204030204" pitchFamily="49" charset="0"/>
+              </a:rPr>
+              <a:t>add_edge</a:t>
+            </a:r>
+            <a:r>
+              <a:rPr lang="en-US" dirty="0">
+                <a:latin typeface="Consolas" panose="020B0609020204030204" pitchFamily="49" charset="0"/>
+              </a:rPr>
+              <a:t> : </a:t>
+            </a:r>
+            <a:r>
+              <a:rPr lang="en-US" dirty="0" err="1"/>
+              <a:t>dodaje</a:t>
+            </a:r>
+            <a:r>
+              <a:rPr lang="en-US" dirty="0"/>
+              <a:t> se u </a:t>
+            </a:r>
+            <a:r>
+              <a:rPr lang="en-US" dirty="0" err="1"/>
+              <a:t>matricu</a:t>
+            </a:r>
+            <a:r>
+              <a:rPr lang="en-US" dirty="0"/>
+              <a:t> </a:t>
+            </a:r>
+            <a:r>
+              <a:rPr lang="en-US" dirty="0" err="1"/>
+              <a:t>susedstva</a:t>
+            </a:r>
+            <a:r>
+              <a:rPr lang="en-US" dirty="0"/>
+              <a:t>, za </a:t>
+            </a:r>
+            <a:r>
+              <a:rPr lang="en-US" dirty="0" err="1"/>
+              <a:t>svaki</a:t>
+            </a:r>
+            <a:r>
+              <a:rPr lang="en-US" dirty="0"/>
+              <a:t> </a:t>
+            </a:r>
+            <a:r>
+              <a:rPr lang="sr-Latn-RS" dirty="0"/>
+              <a:t>čvor se računa stepen i dodaje mu se sused u listu, svi čvorovi koji nisu već obrađeni smeštaju se u listu sortiranih čvorova</a:t>
+            </a:r>
+          </a:p>
+          <a:p>
+            <a:pPr lvl="1"/>
+            <a:r>
+              <a:rPr lang="sr-Latn-RS" dirty="0">
+                <a:latin typeface="Consolas" panose="020B0609020204030204" pitchFamily="49" charset="0"/>
+              </a:rPr>
+              <a:t>sortList : </a:t>
+            </a:r>
+            <a:r>
+              <a:rPr lang="sr-Latn-RS" dirty="0"/>
+              <a:t>skup sortiranih čvorova se ažurira tako da bude opadajući prema stepenu čvora</a:t>
+            </a:r>
+          </a:p>
+          <a:p>
+            <a:pPr lvl="1"/>
+            <a:r>
+              <a:rPr lang="sr-Latn-RS" dirty="0">
+                <a:latin typeface="Consolas" panose="020B0609020204030204" pitchFamily="49" charset="0"/>
+              </a:rPr>
+              <a:t>visualize : </a:t>
+            </a:r>
+            <a:r>
+              <a:rPr lang="sr-Latn-RS" dirty="0"/>
+              <a:t>korišćenjem </a:t>
+            </a:r>
+            <a:r>
+              <a:rPr lang="sr-Latn-RS" dirty="0">
+                <a:latin typeface="Consolas" panose="020B0609020204030204" pitchFamily="49" charset="0"/>
+              </a:rPr>
+              <a:t>networkx</a:t>
+            </a:r>
+            <a:r>
+              <a:rPr lang="sr-Latn-RS" dirty="0"/>
+              <a:t> i </a:t>
+            </a:r>
+            <a:r>
+              <a:rPr lang="sr-Latn-RS" dirty="0">
+                <a:latin typeface="Consolas" panose="020B0609020204030204" pitchFamily="49" charset="0"/>
+              </a:rPr>
+              <a:t>matplotlib</a:t>
+            </a:r>
+            <a:r>
+              <a:rPr lang="sr-Latn-RS" dirty="0"/>
+              <a:t> biblioteka </a:t>
+            </a:r>
+            <a:endParaRPr lang="en-US" dirty="0">
+              <a:latin typeface="Consolas" panose="020B0609020204030204" pitchFamily="49" charset="0"/>
+            </a:endParaRPr>
+          </a:p>
+          <a:p>
+            <a:r>
+              <a:rPr lang="sr-Latn-RS" dirty="0"/>
+              <a:t>Klasa </a:t>
+            </a:r>
+            <a:r>
+              <a:rPr lang="sr-Latn-RS" dirty="0">
+                <a:latin typeface="Consolas" panose="020B0609020204030204" pitchFamily="49" charset="0"/>
+              </a:rPr>
+              <a:t>Clique </a:t>
+            </a:r>
+            <a:r>
+              <a:rPr lang="sr-Latn-RS" dirty="0"/>
+              <a:t>(skup čvorova koji čine kliku, skup kandidata za kliku)</a:t>
+            </a:r>
+          </a:p>
+          <a:p>
+            <a:pPr lvl="1"/>
+            <a:r>
+              <a:rPr lang="sr-Latn-RS" dirty="0">
+                <a:latin typeface="Consolas" panose="020B0609020204030204" pitchFamily="49" charset="0"/>
+              </a:rPr>
+              <a:t>init : </a:t>
+            </a:r>
+            <a:r>
+              <a:rPr lang="sr-Latn-RS" dirty="0"/>
+              <a:t>za početni čvor se konstruiše klika, za svaki od čvorova grafa ako u matrici susedstva grafa postoji grana dodaje se u listu kandidata za kliku</a:t>
+            </a:r>
+            <a:endParaRPr lang="en-US" dirty="0"/>
+          </a:p>
+          <a:p>
+            <a:pPr lvl="1"/>
+            <a:r>
+              <a:rPr lang="en-US" dirty="0" err="1">
+                <a:latin typeface="Consolas" panose="020B0609020204030204" pitchFamily="49" charset="0"/>
+              </a:rPr>
+              <a:t>add_vertex</a:t>
+            </a:r>
+            <a:r>
+              <a:rPr lang="en-US" dirty="0">
+                <a:latin typeface="Consolas" panose="020B0609020204030204" pitchFamily="49" charset="0"/>
+              </a:rPr>
+              <a:t> : </a:t>
+            </a:r>
+            <a:r>
+              <a:rPr lang="sr-Latn-RS" dirty="0"/>
+              <a:t>ako već nije u listi klike briše se iz liste kandidata i prebacuje u kliku, onda se ostali kandidati uklanjaju ako ne postoji veza(grana) sa novoubačenim čvorom</a:t>
+            </a:r>
+          </a:p>
+          <a:p>
+            <a:pPr lvl="1"/>
+            <a:r>
+              <a:rPr lang="sr-Latn-RS" dirty="0">
+                <a:latin typeface="Consolas" panose="020B0609020204030204" pitchFamily="49" charset="0"/>
+              </a:rPr>
+              <a:t>remove</a:t>
+            </a:r>
+            <a:r>
+              <a:rPr lang="en-US" dirty="0">
+                <a:latin typeface="Consolas" panose="020B0609020204030204" pitchFamily="49" charset="0"/>
+              </a:rPr>
+              <a:t>_vertex : </a:t>
+            </a:r>
+            <a:r>
+              <a:rPr lang="en-US" dirty="0" err="1"/>
+              <a:t>ako</a:t>
+            </a:r>
+            <a:r>
+              <a:rPr lang="en-US" dirty="0"/>
+              <a:t> </a:t>
+            </a:r>
+            <a:r>
+              <a:rPr lang="en-US" dirty="0" err="1"/>
+              <a:t>postoji</a:t>
+            </a:r>
+            <a:r>
+              <a:rPr lang="en-US" dirty="0"/>
+              <a:t> u </a:t>
+            </a:r>
+            <a:r>
+              <a:rPr lang="en-US" dirty="0" err="1"/>
+              <a:t>kliki</a:t>
+            </a:r>
+            <a:r>
+              <a:rPr lang="en-US" dirty="0"/>
+              <a:t> brise se </a:t>
+            </a:r>
+            <a:r>
+              <a:rPr lang="en-US" dirty="0" err="1"/>
+              <a:t>iz</a:t>
+            </a:r>
+            <a:r>
+              <a:rPr lang="en-US" dirty="0"/>
+              <a:t> </a:t>
+            </a:r>
+            <a:r>
+              <a:rPr lang="en-US" dirty="0" err="1"/>
+              <a:t>skupa</a:t>
+            </a:r>
+            <a:r>
+              <a:rPr lang="en-US" dirty="0"/>
+              <a:t> </a:t>
+            </a:r>
+            <a:r>
+              <a:rPr lang="en-US" dirty="0" err="1"/>
+              <a:t>kandidata</a:t>
+            </a:r>
+            <a:r>
+              <a:rPr lang="en-US" dirty="0"/>
+              <a:t>, za </a:t>
+            </a:r>
+            <a:r>
+              <a:rPr lang="en-US" dirty="0" err="1"/>
+              <a:t>svaki</a:t>
+            </a:r>
+            <a:r>
+              <a:rPr lang="en-US" dirty="0"/>
+              <a:t> </a:t>
+            </a:r>
+            <a:r>
+              <a:rPr lang="sr-Latn-RS" dirty="0"/>
+              <a:t>čvor grafa koji nije već u kliki ako postoji veza sa svim čvorovima unutar klike dodaje se u skup kandidata</a:t>
+            </a:r>
+          </a:p>
+          <a:p>
+            <a:pPr lvl="1"/>
+            <a:r>
+              <a:rPr lang="en-US" dirty="0">
+                <a:latin typeface="Consolas" panose="020B0609020204030204" pitchFamily="49" charset="0"/>
+              </a:rPr>
+              <a:t>c</a:t>
+            </a:r>
+            <a:r>
+              <a:rPr lang="sr-Latn-RS" dirty="0">
+                <a:latin typeface="Consolas" panose="020B0609020204030204" pitchFamily="49" charset="0"/>
+              </a:rPr>
+              <a:t>ompute</a:t>
+            </a:r>
+            <a:r>
+              <a:rPr lang="en-US" dirty="0">
+                <a:latin typeface="Consolas" panose="020B0609020204030204" pitchFamily="49" charset="0"/>
+              </a:rPr>
+              <a:t>_</a:t>
+            </a:r>
+            <a:r>
+              <a:rPr lang="en-US" dirty="0" err="1">
+                <a:latin typeface="Consolas" panose="020B0609020204030204" pitchFamily="49" charset="0"/>
+              </a:rPr>
+              <a:t>sorted_list</a:t>
+            </a:r>
+            <a:r>
+              <a:rPr lang="en-US" dirty="0">
+                <a:latin typeface="Consolas" panose="020B0609020204030204" pitchFamily="49" charset="0"/>
+              </a:rPr>
+              <a:t> : </a:t>
+            </a:r>
+            <a:r>
+              <a:rPr lang="en-US" dirty="0" err="1"/>
+              <a:t>svakom</a:t>
+            </a:r>
+            <a:r>
+              <a:rPr lang="en-US" dirty="0"/>
+              <a:t> od </a:t>
+            </a:r>
+            <a:r>
+              <a:rPr lang="en-US" dirty="0" err="1"/>
+              <a:t>kandidata</a:t>
+            </a:r>
+            <a:r>
+              <a:rPr lang="en-US" dirty="0"/>
+              <a:t> se a</a:t>
+            </a:r>
+            <a:r>
+              <a:rPr lang="sr-Latn-RS" dirty="0"/>
+              <a:t>žurira reach ka ostalim kandidatima, takvi Node-ovi se dodaju u listu koja se sortira opadajuće prema reach-u</a:t>
+            </a:r>
+          </a:p>
+        </p:txBody>
+      </p:sp>
+    </p:spTree>
+    <p:extLst>
+      <p:ext uri="{BB962C8B-B14F-4D97-AF65-F5344CB8AC3E}">
+        <p14:creationId xmlns:p14="http://schemas.microsoft.com/office/powerpoint/2010/main" val="2205411366"/>
+      </p:ext>
+    </p:extLst>
+  </p:cSld>
+  <p:clrMapOvr>
+    <a:masterClrMapping/>
+  </p:clrMapOvr>
+</p:sld>
+</file>
+
+<file path=ppt/slides/slide6.xml><?xml version="1.0" encoding="utf-8"?>
+<p:sld xmlns:a="http://schemas.openxmlformats.org/drawingml/2006/main" xmlns:r="http://schemas.openxmlformats.org/officeDocument/2006/relationships" xmlns:p="http://schemas.openxmlformats.org/presentationml/2006/main">
+  <p:cSld>
+    <p:spTree>
+      <p:nvGrpSpPr>
+        <p:cNvPr id="1" name=""/>
+        <p:cNvGrpSpPr/>
+        <p:nvPr/>
+      </p:nvGrpSpPr>
+      <p:grpSpPr>
+        <a:xfrm>
+          <a:off x="0" y="0"/>
+          <a:ext cx="0" cy="0"/>
+          <a:chOff x="0" y="0"/>
+          <a:chExt cx="0" cy="0"/>
+        </a:xfrm>
+      </p:grpSpPr>
+      <p:sp>
+        <p:nvSpPr>
+          <p:cNvPr id="2" name="Title 1">
+            <a:extLst>
+              <a:ext uri="{FF2B5EF4-FFF2-40B4-BE49-F238E27FC236}">
+                <a16:creationId xmlns:a16="http://schemas.microsoft.com/office/drawing/2014/main" id="{81F33AC2-55F7-4A39-83E4-045E60E6E5D0}"/>
+              </a:ext>
+            </a:extLst>
+          </p:cNvPr>
+          <p:cNvSpPr>
+            <a:spLocks noGrp="1"/>
+          </p:cNvSpPr>
+          <p:nvPr>
+            <p:ph type="title"/>
+          </p:nvPr>
+        </p:nvSpPr>
+        <p:spPr>
+          <a:xfrm>
+            <a:off x="581192" y="702156"/>
+            <a:ext cx="11029616" cy="561379"/>
+          </a:xfrm>
+        </p:spPr>
+        <p:txBody>
+          <a:bodyPr>
+            <a:normAutofit/>
+          </a:bodyPr>
+          <a:lstStyle/>
+          <a:p>
+            <a:r>
+              <a:rPr lang="sr-Latn-RS" dirty="0"/>
+              <a:t>Optimizacija genetskim algoritmom</a:t>
+            </a:r>
+          </a:p>
+        </p:txBody>
+      </p:sp>
+      <p:sp>
+        <p:nvSpPr>
+          <p:cNvPr id="3" name="Content Placeholder 2">
+            <a:extLst>
+              <a:ext uri="{FF2B5EF4-FFF2-40B4-BE49-F238E27FC236}">
+                <a16:creationId xmlns:a16="http://schemas.microsoft.com/office/drawing/2014/main" id="{120B0C78-5550-42A7-9465-EAECB049C924}"/>
+              </a:ext>
+            </a:extLst>
+          </p:cNvPr>
+          <p:cNvSpPr>
+            <a:spLocks noGrp="1"/>
+          </p:cNvSpPr>
+          <p:nvPr>
+            <p:ph idx="1"/>
+          </p:nvPr>
+        </p:nvSpPr>
+        <p:spPr>
+          <a:xfrm>
+            <a:off x="581192" y="1263534"/>
+            <a:ext cx="11029615" cy="4892309"/>
+          </a:xfrm>
+        </p:spPr>
+        <p:txBody>
+          <a:bodyPr>
+            <a:normAutofit lnSpcReduction="10000"/>
+          </a:bodyPr>
+          <a:lstStyle/>
+          <a:p>
+            <a:pPr>
+              <a:buFont typeface="Wingdings" panose="05000000000000000000" pitchFamily="2" charset="2"/>
+              <a:buChar char="§"/>
+            </a:pPr>
+            <a:r>
+              <a:rPr lang="en-US" sz="1800" dirty="0" err="1"/>
+              <a:t>Populacija</a:t>
+            </a:r>
+            <a:endParaRPr lang="en-US" sz="1800" dirty="0"/>
+          </a:p>
+          <a:p>
+            <a:pPr marL="0" indent="0">
+              <a:buNone/>
+            </a:pPr>
+            <a:r>
+              <a:rPr lang="en-US" dirty="0" err="1"/>
+              <a:t>Skup</a:t>
+            </a:r>
+            <a:r>
+              <a:rPr lang="en-US" dirty="0"/>
+              <a:t> </a:t>
+            </a:r>
+            <a:r>
+              <a:rPr lang="en-US" dirty="0" err="1"/>
+              <a:t>klika</a:t>
+            </a:r>
+            <a:r>
+              <a:rPr lang="en-US" dirty="0"/>
+              <a:t> </a:t>
+            </a:r>
+            <a:r>
+              <a:rPr lang="en-US" dirty="0" err="1"/>
+              <a:t>dobijenih</a:t>
+            </a:r>
+            <a:r>
+              <a:rPr lang="en-US" dirty="0"/>
+              <a:t> </a:t>
+            </a:r>
+            <a:r>
+              <a:rPr lang="en-US" dirty="0" err="1"/>
+              <a:t>tako</a:t>
+            </a:r>
+            <a:r>
+              <a:rPr lang="en-US" dirty="0"/>
+              <a:t> </a:t>
+            </a:r>
+            <a:r>
+              <a:rPr lang="sr-Latn-RS" dirty="0"/>
+              <a:t>š</a:t>
+            </a:r>
+            <a:r>
+              <a:rPr lang="en-US" dirty="0"/>
+              <a:t>to je </a:t>
+            </a:r>
+            <a:r>
+              <a:rPr lang="sr-Latn-RS" dirty="0"/>
+              <a:t>početni čvor odabran random i za njega pronađena najbolja klika. Ukupan broj klika u populaciji je 10.</a:t>
+            </a:r>
+          </a:p>
+          <a:p>
+            <a:pPr>
+              <a:buFont typeface="Wingdings" panose="05000000000000000000" pitchFamily="2" charset="2"/>
+              <a:buChar char="§"/>
+            </a:pPr>
+            <a:r>
+              <a:rPr lang="sr-Latn-RS" sz="1800" dirty="0"/>
+              <a:t>Selekcija</a:t>
+            </a:r>
+            <a:r>
+              <a:rPr lang="sr-Latn-RS" dirty="0"/>
+              <a:t>: random selekcija dve klike iz populacije</a:t>
+            </a:r>
+            <a:endParaRPr lang="en-US" dirty="0"/>
+          </a:p>
+          <a:p>
+            <a:pPr>
+              <a:buFont typeface="Wingdings" panose="05000000000000000000" pitchFamily="2" charset="2"/>
+              <a:buChar char="§"/>
+            </a:pPr>
+            <a:r>
+              <a:rPr lang="sr-Latn-RS" sz="1800" dirty="0"/>
+              <a:t>Ukrštanje</a:t>
+            </a:r>
+            <a:endParaRPr lang="sr-Latn-RS" dirty="0"/>
+          </a:p>
+          <a:p>
+            <a:pPr marL="0" indent="0">
+              <a:buNone/>
+            </a:pPr>
+            <a:r>
+              <a:rPr lang="sr-Latn-RS" dirty="0"/>
+              <a:t>Početni čvor klike je prvi iz preseka skupa čvorova dve klike, bez sortiranja. Ako nema preseka vraća se klika dobijena pohlepnim ukrštanjem. </a:t>
+            </a:r>
+            <a:br>
+              <a:rPr lang="sr-Latn-RS" dirty="0"/>
+            </a:br>
+            <a:r>
+              <a:rPr lang="sr-Latn-RS" dirty="0"/>
+              <a:t>Obrađuju se svi mogući čvorovi za taj početni čvor.</a:t>
+            </a:r>
+            <a:br>
+              <a:rPr lang="sr-Latn-RS" dirty="0"/>
+            </a:br>
+            <a:r>
+              <a:rPr lang="sr-Latn-RS" dirty="0"/>
+              <a:t>Pohlepno ukrštanje: čvorovi dve klike se dodaju u listu i koje se prave sortirani čvorovi po reach-u opadajuće. Tako su najbolji uvek na pocetku liste. Nova klika se pravi počev od prvog u tako konstruisanoj listi.</a:t>
+            </a:r>
+          </a:p>
+          <a:p>
+            <a:pPr>
+              <a:buFont typeface="Wingdings" panose="05000000000000000000" pitchFamily="2" charset="2"/>
+              <a:buChar char="§"/>
+            </a:pPr>
+            <a:r>
+              <a:rPr lang="sr-Latn-RS" sz="1800" dirty="0"/>
+              <a:t>Mutacija</a:t>
+            </a:r>
+            <a:endParaRPr lang="sr-Latn-RS" dirty="0"/>
+          </a:p>
+          <a:p>
+            <a:pPr marL="0" indent="0">
+              <a:buNone/>
+            </a:pPr>
+            <a:r>
+              <a:rPr lang="sr-Latn-RS" dirty="0"/>
+              <a:t>Bira se predefinisan broj čvorova (1) koji mutiraju i uklanjaju se iz skupa čvorova klike. Dalje se ili formira ponovo opadajuće sortirana lista čvorova za ovako izmenjenu kliku i na osnovu najboljeg čvora dopunjuje klika ili će se iz skupa mogućih čvorova dodavati u kliku dok je to moguće.</a:t>
+            </a:r>
+          </a:p>
+          <a:p>
+            <a:pPr>
+              <a:buFont typeface="Wingdings" panose="05000000000000000000" pitchFamily="2" charset="2"/>
+              <a:buChar char="§"/>
+            </a:pPr>
+            <a:endParaRPr lang="sr-Latn-RS" dirty="0"/>
+          </a:p>
+        </p:txBody>
+      </p:sp>
+    </p:spTree>
+    <p:extLst>
+      <p:ext uri="{BB962C8B-B14F-4D97-AF65-F5344CB8AC3E}">
+        <p14:creationId xmlns:p14="http://schemas.microsoft.com/office/powerpoint/2010/main" val="1330248620"/>
+      </p:ext>
+    </p:extLst>
+  </p:cSld>
+  <p:clrMapOvr>
+    <a:masterClrMapping/>
+  </p:clrMapOvr>
+</p:sld>
+</file>
+
+<file path=ppt/slides/slide7.xml><?xml version="1.0" encoding="utf-8"?>
+<p:sld xmlns:a="http://schemas.openxmlformats.org/drawingml/2006/main" xmlns:r="http://schemas.openxmlformats.org/officeDocument/2006/relationships" xmlns:p="http://schemas.openxmlformats.org/presentationml/2006/main">
+  <p:cSld>
+    <p:spTree>
+      <p:nvGrpSpPr>
+        <p:cNvPr id="1" name=""/>
+        <p:cNvGrpSpPr/>
+        <p:nvPr/>
+      </p:nvGrpSpPr>
+      <p:grpSpPr>
+        <a:xfrm>
+          <a:off x="0" y="0"/>
+          <a:ext cx="0" cy="0"/>
+          <a:chOff x="0" y="0"/>
+          <a:chExt cx="0" cy="0"/>
+        </a:xfrm>
+      </p:grpSpPr>
+      <p:sp>
+        <p:nvSpPr>
+          <p:cNvPr id="2" name="Title 1">
+            <a:extLst>
+              <a:ext uri="{FF2B5EF4-FFF2-40B4-BE49-F238E27FC236}">
+                <a16:creationId xmlns:a16="http://schemas.microsoft.com/office/drawing/2014/main" id="{3CC568A1-99A2-416F-A3AA-0A4A385C16DA}"/>
+              </a:ext>
+            </a:extLst>
+          </p:cNvPr>
+          <p:cNvSpPr>
+            <a:spLocks noGrp="1"/>
+          </p:cNvSpPr>
+          <p:nvPr>
+            <p:ph type="title"/>
+          </p:nvPr>
+        </p:nvSpPr>
+        <p:spPr>
+          <a:xfrm>
+            <a:off x="581192" y="702156"/>
+            <a:ext cx="11029616" cy="689764"/>
+          </a:xfrm>
+        </p:spPr>
+        <p:txBody>
+          <a:bodyPr>
+            <a:normAutofit/>
+          </a:bodyPr>
+          <a:lstStyle/>
+          <a:p>
+            <a:r>
+              <a:rPr lang="en-US" dirty="0" err="1"/>
+              <a:t>Koraci</a:t>
+            </a:r>
+            <a:r>
+              <a:rPr lang="en-US" dirty="0"/>
+              <a:t> </a:t>
+            </a:r>
+            <a:r>
+              <a:rPr lang="en-US" dirty="0" err="1"/>
+              <a:t>Genetskog</a:t>
+            </a:r>
+            <a:r>
+              <a:rPr lang="en-US" dirty="0"/>
+              <a:t> </a:t>
+            </a:r>
+            <a:r>
+              <a:rPr lang="en-US" dirty="0" err="1"/>
+              <a:t>Algoritma</a:t>
+            </a:r>
+            <a:endParaRPr lang="sr-Latn-RS" dirty="0"/>
+          </a:p>
+        </p:txBody>
+      </p:sp>
+      <p:sp>
+        <p:nvSpPr>
+          <p:cNvPr id="3" name="Content Placeholder 2">
+            <a:extLst>
+              <a:ext uri="{FF2B5EF4-FFF2-40B4-BE49-F238E27FC236}">
+                <a16:creationId xmlns:a16="http://schemas.microsoft.com/office/drawing/2014/main" id="{6F3224F9-7CCE-43AE-BEAF-4E03692D068C}"/>
+              </a:ext>
+            </a:extLst>
+          </p:cNvPr>
+          <p:cNvSpPr>
+            <a:spLocks noGrp="1"/>
+          </p:cNvSpPr>
+          <p:nvPr>
+            <p:ph idx="1"/>
+          </p:nvPr>
+        </p:nvSpPr>
+        <p:spPr>
+          <a:xfrm>
+            <a:off x="581192" y="1605280"/>
+            <a:ext cx="11029615" cy="4744720"/>
+          </a:xfrm>
+        </p:spPr>
+        <p:txBody>
+          <a:bodyPr>
+            <a:normAutofit fontScale="92500"/>
+          </a:bodyPr>
+          <a:lstStyle/>
+          <a:p>
+            <a:r>
+              <a:rPr lang="sr-Latn-RS" sz="1800" dirty="0"/>
+              <a:t>Učitavanje grafa u globalnu promenljivu iz nekog od test fajlova</a:t>
+            </a:r>
+          </a:p>
+          <a:p>
+            <a:r>
+              <a:rPr lang="sr-Latn-RS" sz="1800" dirty="0"/>
+              <a:t>Generisanje random populacije, njeno sortiranje po veličini klike opadajuće tako da je najbolja klika prva u listi</a:t>
+            </a:r>
+          </a:p>
+          <a:p>
+            <a:r>
+              <a:rPr lang="sr-Latn-RS" sz="1800" dirty="0"/>
+              <a:t>Pamćenje globalne najbolje klike i njene veličine</a:t>
+            </a:r>
+          </a:p>
+          <a:p>
+            <a:r>
+              <a:rPr lang="sr-Latn-RS" sz="1800" dirty="0"/>
+              <a:t>Kroz iteracije(generacije)</a:t>
+            </a:r>
+          </a:p>
+          <a:p>
+            <a:pPr lvl="1"/>
+            <a:r>
+              <a:rPr lang="sr-Latn-RS" sz="1600" dirty="0"/>
+              <a:t>Ako je veličina prethodne globalne ista kao trenutna najbolja generiše se nova random populacija i resetuje seed za RNG, moguće je ponoviti ovaj postupak dok se ne dostigne </a:t>
+            </a:r>
+            <a:r>
+              <a:rPr lang="sr-Latn-RS" sz="1600" dirty="0">
+                <a:latin typeface="Consolas" panose="020B0609020204030204" pitchFamily="49" charset="0"/>
+              </a:rPr>
+              <a:t>SHUFFLE_TOLERANCE(10)</a:t>
+            </a:r>
+            <a:r>
+              <a:rPr lang="sr-Latn-RS" sz="1600" dirty="0"/>
+              <a:t>,</a:t>
+            </a:r>
+            <a:r>
+              <a:rPr lang="sr-Latn-RS" sz="1600" dirty="0">
+                <a:latin typeface="Consolas" panose="020B0609020204030204" pitchFamily="49" charset="0"/>
+              </a:rPr>
+              <a:t> </a:t>
+            </a:r>
+            <a:r>
+              <a:rPr lang="sr-Latn-RS" sz="1600" dirty="0"/>
+              <a:t>inače se ažurira veličina prethodno najbolje klike</a:t>
+            </a:r>
+          </a:p>
+          <a:p>
+            <a:pPr lvl="1"/>
+            <a:r>
+              <a:rPr lang="sr-Latn-RS" sz="1600" dirty="0"/>
+              <a:t>Trenutna populacija se sortira opadajuće i njena prva klika se bira za najbolju lokalnu, ako je ona bolja od globalne, globalna se ažurira</a:t>
+            </a:r>
+          </a:p>
+          <a:p>
+            <a:pPr lvl="1"/>
+            <a:r>
+              <a:rPr lang="sr-Latn-RS" sz="1600" dirty="0"/>
+              <a:t>Radi se lokalno pobiljšanje globalne najbolje i tako ažurirana se dodaje u novu populaciju. Ovo je korak u kome se jasno vidi elitizam, propagira se u naredne generacije</a:t>
+            </a:r>
+          </a:p>
+          <a:p>
+            <a:pPr lvl="1"/>
+            <a:r>
+              <a:rPr lang="sr-Latn-RS" sz="1600" dirty="0"/>
+              <a:t>Popunjavamo ostatak mesta u novoj populaciji dok možemo tako što koristimo pomenute metode za selekciju i ukrštanje, radimo lokano poboljšanje za kliku dobijenu ukrštanjem, i ako kao takva nije bolja od makar jedne početne klike mutira se</a:t>
+            </a:r>
+          </a:p>
+          <a:p>
+            <a:pPr lvl="1"/>
+            <a:r>
+              <a:rPr lang="sr-Latn-RS" sz="1600" dirty="0"/>
+              <a:t>Zamenjujemo populaciju sa novom</a:t>
+            </a:r>
+          </a:p>
+          <a:p>
+            <a:endParaRPr lang="sr-Latn-RS" dirty="0"/>
+          </a:p>
+        </p:txBody>
+      </p:sp>
+    </p:spTree>
+    <p:extLst>
+      <p:ext uri="{BB962C8B-B14F-4D97-AF65-F5344CB8AC3E}">
+        <p14:creationId xmlns:p14="http://schemas.microsoft.com/office/powerpoint/2010/main" val="2476769733"/>
+      </p:ext>
+    </p:extLst>
+  </p:cSld>
+  <p:clrMapOvr>
+    <a:masterClrMapping/>
+  </p:clrMapOvr>
+</p:sld>
+</file>
+
+<file path=ppt/slides/slide8.xml><?xml version="1.0" encoding="utf-8"?>
+<p:sld xmlns:a="http://schemas.openxmlformats.org/drawingml/2006/main" xmlns:r="http://schemas.openxmlformats.org/officeDocument/2006/relationships" xmlns:p="http://schemas.openxmlformats.org/presentationml/2006/main">
+  <p:cSld>
+    <p:spTree>
+      <p:nvGrpSpPr>
+        <p:cNvPr id="1" name=""/>
+        <p:cNvGrpSpPr/>
+        <p:nvPr/>
+      </p:nvGrpSpPr>
+      <p:grpSpPr>
+        <a:xfrm>
+          <a:off x="0" y="0"/>
+          <a:ext cx="0" cy="0"/>
+          <a:chOff x="0" y="0"/>
+          <a:chExt cx="0" cy="0"/>
+        </a:xfrm>
+      </p:grpSpPr>
+      <p:sp>
+        <p:nvSpPr>
+          <p:cNvPr id="2" name="Title 1">
+            <a:extLst>
+              <a:ext uri="{FF2B5EF4-FFF2-40B4-BE49-F238E27FC236}">
+                <a16:creationId xmlns:a16="http://schemas.microsoft.com/office/drawing/2014/main" id="{347C7A58-33BE-40BB-9EDA-38F7C6B927D9}"/>
+              </a:ext>
+            </a:extLst>
+          </p:cNvPr>
+          <p:cNvSpPr>
+            <a:spLocks noGrp="1"/>
+          </p:cNvSpPr>
+          <p:nvPr>
+            <p:ph type="title"/>
+          </p:nvPr>
+        </p:nvSpPr>
+        <p:spPr>
+          <a:xfrm>
+            <a:off x="581192" y="702156"/>
+            <a:ext cx="11029616" cy="669444"/>
+          </a:xfrm>
+        </p:spPr>
+        <p:txBody>
+          <a:bodyPr/>
+          <a:lstStyle/>
+          <a:p>
+            <a:r>
+              <a:rPr lang="sr-Latn-RS" dirty="0"/>
+              <a:t>Lokalno poboljsanje </a:t>
+            </a:r>
+            <a:r>
+              <a:rPr lang="en-US" sz="2000" cap="none" dirty="0">
+                <a:latin typeface="+mn-lt"/>
+              </a:rPr>
+              <a:t>(</a:t>
+            </a:r>
+            <a:r>
+              <a:rPr lang="sr-Latn-RS" sz="2000" cap="none" dirty="0">
+                <a:latin typeface="+mn-lt"/>
+              </a:rPr>
+              <a:t>local</a:t>
+            </a:r>
+            <a:r>
+              <a:rPr lang="en-US" sz="2000" cap="none" dirty="0">
+                <a:latin typeface="+mn-lt"/>
+              </a:rPr>
+              <a:t>_improvement)</a:t>
+            </a:r>
+            <a:endParaRPr lang="sr-Latn-RS" sz="2000" dirty="0"/>
+          </a:p>
+        </p:txBody>
+      </p:sp>
+      <p:sp>
+        <p:nvSpPr>
+          <p:cNvPr id="3" name="Content Placeholder 2">
+            <a:extLst>
+              <a:ext uri="{FF2B5EF4-FFF2-40B4-BE49-F238E27FC236}">
+                <a16:creationId xmlns:a16="http://schemas.microsoft.com/office/drawing/2014/main" id="{B2DB3C20-8660-4E56-BC57-2F9F9D6A2D2B}"/>
+              </a:ext>
+            </a:extLst>
+          </p:cNvPr>
+          <p:cNvSpPr>
+            <a:spLocks noGrp="1"/>
+          </p:cNvSpPr>
+          <p:nvPr>
+            <p:ph idx="1"/>
+          </p:nvPr>
+        </p:nvSpPr>
+        <p:spPr>
+          <a:xfrm>
+            <a:off x="581192" y="1564640"/>
+            <a:ext cx="11029615" cy="4410710"/>
+          </a:xfrm>
+        </p:spPr>
+        <p:txBody>
+          <a:bodyPr/>
+          <a:lstStyle/>
+          <a:p>
+            <a:r>
+              <a:rPr lang="sr-Latn-RS" dirty="0"/>
+              <a:t>Čuva se početna klika</a:t>
+            </a:r>
+          </a:p>
+          <a:p>
+            <a:r>
+              <a:rPr lang="sr-Latn-RS" dirty="0"/>
+              <a:t>Dok se ne dostigne broj lokalnih poboljšanja (</a:t>
+            </a:r>
+            <a:r>
+              <a:rPr lang="sr-Latn-RS" dirty="0">
+                <a:latin typeface="Consolas" panose="020B0609020204030204" pitchFamily="49" charset="0"/>
+              </a:rPr>
+              <a:t>LOCAL</a:t>
+            </a:r>
+            <a:r>
+              <a:rPr lang="en-US" dirty="0">
+                <a:latin typeface="Consolas" panose="020B0609020204030204" pitchFamily="49" charset="0"/>
+              </a:rPr>
+              <a:t>_IMPROVEMENT(10)</a:t>
+            </a:r>
+            <a:r>
+              <a:rPr lang="sr-Latn-RS" dirty="0"/>
+              <a:t>)</a:t>
+            </a:r>
+            <a:r>
+              <a:rPr lang="en-US" dirty="0"/>
+              <a:t> </a:t>
+            </a:r>
+            <a:r>
+              <a:rPr lang="en-US" dirty="0" err="1"/>
+              <a:t>biraju</a:t>
+            </a:r>
+            <a:r>
+              <a:rPr lang="en-US" dirty="0"/>
+              <a:t> se </a:t>
+            </a:r>
+            <a:r>
+              <a:rPr lang="en-US" dirty="0" err="1"/>
+              <a:t>dva</a:t>
+            </a:r>
+            <a:r>
+              <a:rPr lang="en-US" dirty="0"/>
+              <a:t> random </a:t>
+            </a:r>
+            <a:r>
+              <a:rPr lang="sr-Latn-RS" dirty="0"/>
+              <a:t>čvora koja se uklanjaju iz klike</a:t>
+            </a:r>
+          </a:p>
+          <a:p>
+            <a:r>
+              <a:rPr lang="sr-Latn-RS" dirty="0"/>
+              <a:t>Tako modifikovanoj kliki se generiše njena sortirana lista</a:t>
+            </a:r>
+          </a:p>
+          <a:p>
+            <a:r>
+              <a:rPr lang="sr-Latn-RS" dirty="0"/>
+              <a:t>Dok ima kandidata za kliku, počev od prvog (najboljeg) čvora u sortiranoj listi proverava se da li je on u listi kandidata, ako jeste dodaje se u kliku, tom akcijom se ažuriraju i ostali kandidati, pa se skup kandidata smanjuje.</a:t>
+            </a:r>
+          </a:p>
+          <a:p>
+            <a:r>
+              <a:rPr lang="sr-Latn-RS" dirty="0"/>
+              <a:t>Ako je ovako modifikovana klika bolja od početne, vraća se ona, inače ostaje početna.</a:t>
+            </a:r>
+          </a:p>
+        </p:txBody>
+      </p:sp>
+    </p:spTree>
+    <p:extLst>
+      <p:ext uri="{BB962C8B-B14F-4D97-AF65-F5344CB8AC3E}">
+        <p14:creationId xmlns:p14="http://schemas.microsoft.com/office/powerpoint/2010/main" val="3532476818"/>
       </p:ext>
     </p:extLst>
   </p:cSld>
@@ -10537,7 +11380,7 @@
           <p:cNvPr id="2" name="Title 1">
             <a:extLst>
               <a:ext uri="{FF2B5EF4-FFF2-40B4-BE49-F238E27FC236}">
-                <a16:creationId xmlns:a16="http://schemas.microsoft.com/office/drawing/2014/main" id="{6E84FCBD-839C-4F36-A9FB-F18CA15704E2}"/>
+                <a16:creationId xmlns:a16="http://schemas.microsoft.com/office/drawing/2014/main" id="{3AE0496F-0BF1-49E8-BE8A-52959825330C}"/>
               </a:ext>
             </a:extLst>
           </p:cNvPr>
@@ -10550,8 +11393,8 @@
         </p:nvSpPr>
         <p:spPr>
           <a:xfrm>
-            <a:off x="581192" y="702156"/>
-            <a:ext cx="11029616" cy="581521"/>
+            <a:off x="581192" y="702157"/>
+            <a:ext cx="11029616" cy="602942"/>
           </a:xfrm>
         </p:spPr>
         <p:txBody>
@@ -10559,18 +11402,23 @@
           <a:lstStyle/>
           <a:p>
             <a:r>
-              <a:rPr lang="sr-Latn-RS" dirty="0"/>
-              <a:t>Zaključak i moguće dorade</a:t>
-            </a:r>
+              <a:rPr lang="en-US" dirty="0"/>
+              <a:t>Test </a:t>
+            </a:r>
+            <a:r>
+              <a:rPr lang="en-US" dirty="0" err="1"/>
+              <a:t>skupovi</a:t>
+            </a:r>
+            <a:endParaRPr lang="sr-Latn-RS" dirty="0"/>
           </a:p>
         </p:txBody>
       </p:sp>
       <p:sp>
         <p:nvSpPr>
-          <p:cNvPr id="3" name="Content Placeholder 2">
+          <p:cNvPr id="5" name="Content Placeholder 2">
             <a:extLst>
               <a:ext uri="{FF2B5EF4-FFF2-40B4-BE49-F238E27FC236}">
-                <a16:creationId xmlns:a16="http://schemas.microsoft.com/office/drawing/2014/main" id="{72D5A438-FA00-446D-9475-3350704C8A9C}"/>
+                <a16:creationId xmlns:a16="http://schemas.microsoft.com/office/drawing/2014/main" id="{C0D6F730-ED56-4099-B712-A016E3CDACC3}"/>
               </a:ext>
             </a:extLst>
           </p:cNvPr>
@@ -10581,23 +11429,148 @@
             <p:ph idx="1"/>
           </p:nvPr>
         </p:nvSpPr>
-        <p:spPr/>
+        <p:spPr>
+          <a:xfrm>
+            <a:off x="581192" y="1263534"/>
+            <a:ext cx="11029615" cy="4892309"/>
+          </a:xfrm>
+        </p:spPr>
         <p:txBody>
-          <a:bodyPr/>
+          <a:bodyPr>
+            <a:normAutofit/>
+          </a:bodyPr>
           <a:lstStyle/>
           <a:p>
-            <a:r>
-              <a:rPr lang="en-US"/>
-              <a:t>Dodati</a:t>
-            </a:r>
-            <a:endParaRPr lang="sr-Latn-RS" dirty="0"/>
+            <a:pPr marL="476100" indent="-342900"/>
+            <a:r>
+              <a:rPr lang="sr-Latn-RS" sz="2000" dirty="0"/>
+              <a:t>Skup podataka su DIMACS problemske instance </a:t>
+            </a:r>
+            <a:endParaRPr lang="en-US" sz="2000" dirty="0"/>
+          </a:p>
+          <a:p>
+            <a:pPr marL="476100" indent="-342900"/>
+            <a:endParaRPr lang="en-US" sz="2000" dirty="0"/>
+          </a:p>
+          <a:p>
+            <a:pPr marL="133200" indent="0">
+              <a:buNone/>
+            </a:pPr>
+            <a:r>
+              <a:rPr lang="en-US" sz="2000" dirty="0"/>
+              <a:t>U </a:t>
+            </a:r>
+            <a:r>
+              <a:rPr lang="en-US" sz="2000" dirty="0" err="1"/>
+              <a:t>nastavku</a:t>
+            </a:r>
+            <a:r>
+              <a:rPr lang="en-US" sz="2000" dirty="0"/>
+              <a:t> </a:t>
+            </a:r>
+            <a:r>
+              <a:rPr lang="sr-Latn-RS" sz="2000" dirty="0"/>
+              <a:t>će biti izloženi</a:t>
+            </a:r>
+            <a:r>
+              <a:rPr lang="en-US" sz="2000" dirty="0"/>
+              <a:t> </a:t>
+            </a:r>
+            <a:r>
+              <a:rPr lang="en-US" sz="2000" dirty="0" err="1"/>
+              <a:t>rezultati</a:t>
+            </a:r>
+            <a:r>
+              <a:rPr lang="en-US" sz="2000" dirty="0"/>
+              <a:t> </a:t>
+            </a:r>
+            <a:r>
+              <a:rPr lang="en-US" sz="2000" dirty="0" err="1"/>
+              <a:t>dobijeni</a:t>
+            </a:r>
+            <a:r>
+              <a:rPr lang="en-US" sz="2000" dirty="0"/>
+              <a:t> za </a:t>
+            </a:r>
+            <a:r>
+              <a:rPr lang="en-US" sz="2000" dirty="0" err="1"/>
+              <a:t>razli</a:t>
+            </a:r>
+            <a:r>
+              <a:rPr lang="sr-Latn-RS" sz="2000" dirty="0"/>
+              <a:t>čite familije instanci i generatore</a:t>
+            </a:r>
+          </a:p>
+          <a:p>
+            <a:pPr marL="742950" lvl="1" indent="-285750">
+              <a:buFont typeface="Wingdings" panose="05000000000000000000" pitchFamily="2" charset="2"/>
+              <a:buChar char="§"/>
+            </a:pPr>
+            <a:r>
+              <a:rPr lang="sr-Latn-RS" sz="2000" dirty="0"/>
+              <a:t>C familija – random grafovi generisani pomoću programa</a:t>
+            </a:r>
+            <a:r>
+              <a:rPr lang="sr-Latn-RS" sz="2000" b="0" i="0" u="none" strike="noStrike" dirty="0">
+                <a:effectLst/>
+              </a:rPr>
+              <a:t> ggen, generisao Michael Trick</a:t>
+            </a:r>
+          </a:p>
+          <a:p>
+            <a:pPr marL="742950" lvl="1" indent="-285750">
+              <a:buFont typeface="Wingdings" panose="05000000000000000000" pitchFamily="2" charset="2"/>
+              <a:buChar char="§"/>
+            </a:pPr>
+            <a:r>
+              <a:rPr lang="sr-Latn-RS" sz="2000" dirty="0"/>
+              <a:t>DSJC familija – random grafovi, generisao David Johnson</a:t>
+            </a:r>
+          </a:p>
+          <a:p>
+            <a:pPr marL="742950" lvl="1" indent="-285750">
+              <a:buFont typeface="Wingdings" panose="05000000000000000000" pitchFamily="2" charset="2"/>
+              <a:buChar char="§"/>
+            </a:pPr>
+            <a:r>
+              <a:rPr lang="sr-Latn-RS" sz="2000" dirty="0"/>
+              <a:t>GEN familija – veštački generisani grafovi sa velikom poznatom klikom, generisala Laura Sanchis</a:t>
+            </a:r>
+          </a:p>
+          <a:p>
+            <a:pPr marL="742950" lvl="1" indent="-285750">
+              <a:buFont typeface="Wingdings" panose="05000000000000000000" pitchFamily="2" charset="2"/>
+              <a:buChar char="§"/>
+            </a:pPr>
+            <a:r>
+              <a:rPr lang="sr-Latn-RS" sz="2000" dirty="0"/>
+              <a:t>BROCK familija – random grafovi sa klikama među čvorovima sa relativno malim stepenom</a:t>
+            </a:r>
+          </a:p>
+          <a:p>
+            <a:pPr marL="742950" lvl="1" indent="-285750">
+              <a:buFont typeface="Wingdings" panose="05000000000000000000" pitchFamily="2" charset="2"/>
+              <a:buChar char="§"/>
+            </a:pPr>
+            <a:r>
+              <a:rPr lang="sr-Latn-RS" sz="2000" dirty="0"/>
+              <a:t>P</a:t>
+            </a:r>
+            <a:r>
+              <a:rPr lang="en-US" sz="2000" dirty="0"/>
+              <a:t>_HAT</a:t>
+            </a:r>
+            <a:r>
+              <a:rPr lang="sr-Latn-RS" sz="2000" dirty="0"/>
+              <a:t> familija – random grafovi generisani sa p-hat generatorom koji je generalizacija klasičnog uniformnog radnom graf generatora, grafovi imaju širi raspon stepena čvora i veće klike od uniformnih grafova</a:t>
+            </a:r>
           </a:p>
         </p:txBody>
       </p:sp>
     </p:spTree>
     <p:extLst>
       <p:ext uri="{BB962C8B-B14F-4D97-AF65-F5344CB8AC3E}">
-        <p14:creationId xmlns:p14="http://schemas.microsoft.com/office/powerpoint/2010/main" val="1167007583"/>
+        <p14:creationId xmlns:p14="http://schemas.microsoft.com/office/powerpoint/2010/main" val="3736175160"/>
       </p:ext>
     </p:extLst>
   </p:cSld>
@@ -11172,6 +12145,24 @@
 </file>
 
 <file path=customXml/item1.xml><?xml version="1.0" encoding="utf-8"?>
+<p:properties xmlns:p="http://schemas.microsoft.com/office/2006/metadata/properties" xmlns:xsi="http://www.w3.org/2001/XMLSchema-instance" xmlns:pc="http://schemas.microsoft.com/office/infopath/2007/PartnerControls">
+  <documentManagement>
+    <Status xmlns="71af3243-3dd4-4a8d-8c0d-dd76da1f02a5">Not started</Status>
+    <MediaServiceKeyPoints xmlns="71af3243-3dd4-4a8d-8c0d-dd76da1f02a5" xsi:nil="true"/>
+  </documentManagement>
+</p:properties>
+</file>
+
+<file path=customXml/item2.xml><?xml version="1.0" encoding="utf-8"?>
+<?mso-contentType ?>
+<FormTemplates xmlns="http://schemas.microsoft.com/sharepoint/v3/contenttype/forms">
+  <Display>DocumentLibraryForm</Display>
+  <Edit>DocumentLibraryForm</Edit>
+  <New>DocumentLibraryForm</New>
+</FormTemplates>
+</file>
+
+<file path=customXml/item3.xml><?xml version="1.0" encoding="utf-8"?>
 <ct:contentTypeSchema xmlns:ct="http://schemas.microsoft.com/office/2006/metadata/contentType" xmlns:ma="http://schemas.microsoft.com/office/2006/metadata/properties/metaAttributes" ct:_="" ma:_="" ma:contentTypeName="Document" ma:contentTypeID="0x01010079F111ED35F8CC479449609E8A0923A6" ma:contentTypeVersion="12" ma:contentTypeDescription="Create a new document." ma:contentTypeScope="" ma:versionID="a410dd7f93c95333ffa1b60ed6adedd1">
   <xsd:schema xmlns:xsd="http://www.w3.org/2001/XMLSchema" xmlns:xs="http://www.w3.org/2001/XMLSchema" xmlns:p="http://schemas.microsoft.com/office/2006/metadata/properties" xmlns:ns2="71af3243-3dd4-4a8d-8c0d-dd76da1f02a5" xmlns:ns3="16c05727-aa75-4e4a-9b5f-8a80a1165891" targetNamespace="http://schemas.microsoft.com/office/2006/metadata/properties" ma:root="true" ma:fieldsID="a936d9baba76aa3866493feff160faab" ns2:_="" ns3:_="">
     <xsd:import namespace="71af3243-3dd4-4a8d-8c0d-dd76da1f02a5"/>
@@ -11392,25 +12383,25 @@
 </ct:contentTypeSchema>
 </file>
 
-<file path=customXml/item2.xml><?xml version="1.0" encoding="utf-8"?>
-<?mso-contentType ?>
-<FormTemplates xmlns="http://schemas.microsoft.com/sharepoint/v3/contenttype/forms">
-  <Display>DocumentLibraryForm</Display>
-  <Edit>DocumentLibraryForm</Edit>
-  <New>DocumentLibraryForm</New>
-</FormTemplates>
+<file path=customXml/itemProps1.xml><?xml version="1.0" encoding="utf-8"?>
+<ds:datastoreItem xmlns:ds="http://schemas.openxmlformats.org/officeDocument/2006/customXml" ds:itemID="{8D289AE2-D2AE-49D1-AFAC-3A79F6794255}">
+  <ds:schemaRefs>
+    <ds:schemaRef ds:uri="http://schemas.microsoft.com/office/2006/metadata/properties"/>
+    <ds:schemaRef ds:uri="http://schemas.microsoft.com/office/infopath/2007/PartnerControls"/>
+    <ds:schemaRef ds:uri="71af3243-3dd4-4a8d-8c0d-dd76da1f02a5"/>
+  </ds:schemaRefs>
+</ds:datastoreItem>
 </file>
 
-<file path=customXml/item3.xml><?xml version="1.0" encoding="utf-8"?>
-<p:properties xmlns:p="http://schemas.microsoft.com/office/2006/metadata/properties" xmlns:xsi="http://www.w3.org/2001/XMLSchema-instance" xmlns:pc="http://schemas.microsoft.com/office/infopath/2007/PartnerControls">
-  <documentManagement>
-    <Status xmlns="71af3243-3dd4-4a8d-8c0d-dd76da1f02a5">Not started</Status>
-    <MediaServiceKeyPoints xmlns="71af3243-3dd4-4a8d-8c0d-dd76da1f02a5" xsi:nil="true"/>
-  </documentManagement>
-</p:properties>
+<file path=customXml/itemProps2.xml><?xml version="1.0" encoding="utf-8"?>
+<ds:datastoreItem xmlns:ds="http://schemas.openxmlformats.org/officeDocument/2006/customXml" ds:itemID="{927BD4C1-B6B1-4715-ABF9-E660A51A4EA0}">
+  <ds:schemaRefs>
+    <ds:schemaRef ds:uri="http://schemas.microsoft.com/sharepoint/v3/contenttype/forms"/>
+  </ds:schemaRefs>
+</ds:datastoreItem>
 </file>
 
-<file path=customXml/itemProps1.xml><?xml version="1.0" encoding="utf-8"?>
+<file path=customXml/itemProps3.xml><?xml version="1.0" encoding="utf-8"?>
 <ds:datastoreItem xmlns:ds="http://schemas.openxmlformats.org/officeDocument/2006/customXml" ds:itemID="{41E7CA09-9778-4414-AE97-8064B12DA30E}">
   <ds:schemaRefs>
     <ds:schemaRef ds:uri="http://schemas.microsoft.com/office/2006/metadata/contentType"/>
@@ -11427,22 +12418,4 @@
     <ds:schemaRef ds:uri="http://schemas.microsoft.com/internal/obd"/>
   </ds:schemaRefs>
 </ds:datastoreItem>
-</file>
-
-<file path=customXml/itemProps2.xml><?xml version="1.0" encoding="utf-8"?>
-<ds:datastoreItem xmlns:ds="http://schemas.openxmlformats.org/officeDocument/2006/customXml" ds:itemID="{927BD4C1-B6B1-4715-ABF9-E660A51A4EA0}">
-  <ds:schemaRefs>
-    <ds:schemaRef ds:uri="http://schemas.microsoft.com/sharepoint/v3/contenttype/forms"/>
-  </ds:schemaRefs>
-</ds:datastoreItem>
-</file>
-
-<file path=customXml/itemProps3.xml><?xml version="1.0" encoding="utf-8"?>
-<ds:datastoreItem xmlns:ds="http://schemas.openxmlformats.org/officeDocument/2006/customXml" ds:itemID="{8D289AE2-D2AE-49D1-AFAC-3A79F6794255}">
-  <ds:schemaRefs>
-    <ds:schemaRef ds:uri="http://schemas.microsoft.com/office/2006/metadata/properties"/>
-    <ds:schemaRef ds:uri="http://schemas.microsoft.com/office/infopath/2007/PartnerControls"/>
-    <ds:schemaRef ds:uri="71af3243-3dd4-4a8d-8c0d-dd76da1f02a5"/>
-  </ds:schemaRefs>
-</ds:datastoreItem>
 </file>
--- a/[RI] Maximum clique - 107_2015 197_2016.pptx
+++ b/[RI] Maximum clique - 107_2015 197_2016.pptx
@@ -5,21 +5,20 @@
     <p:sldMasterId id="2147483712" r:id="rId4"/>
   </p:sldMasterIdLst>
   <p:notesMasterIdLst>
-    <p:notesMasterId r:id="rId17"/>
+    <p:notesMasterId r:id="rId16"/>
   </p:notesMasterIdLst>
   <p:sldIdLst>
     <p:sldId id="257" r:id="rId5"/>
     <p:sldId id="258" r:id="rId6"/>
     <p:sldId id="263" r:id="rId7"/>
-    <p:sldId id="268" r:id="rId8"/>
-    <p:sldId id="267" r:id="rId9"/>
-    <p:sldId id="261" r:id="rId10"/>
-    <p:sldId id="269" r:id="rId11"/>
-    <p:sldId id="270" r:id="rId12"/>
-    <p:sldId id="260" r:id="rId13"/>
-    <p:sldId id="262" r:id="rId14"/>
-    <p:sldId id="264" r:id="rId15"/>
-    <p:sldId id="259" r:id="rId16"/>
+    <p:sldId id="267" r:id="rId8"/>
+    <p:sldId id="261" r:id="rId9"/>
+    <p:sldId id="269" r:id="rId10"/>
+    <p:sldId id="270" r:id="rId11"/>
+    <p:sldId id="260" r:id="rId12"/>
+    <p:sldId id="262" r:id="rId13"/>
+    <p:sldId id="264" r:id="rId14"/>
+    <p:sldId id="259" r:id="rId15"/>
   </p:sldIdLst>
   <p:sldSz cx="12192000" cy="6858000"/>
   <p:notesSz cx="6858000" cy="9144000"/>
@@ -126,7 +125,6 @@
             <p14:sldId id="257"/>
             <p14:sldId id="258"/>
             <p14:sldId id="263"/>
-            <p14:sldId id="268"/>
             <p14:sldId id="267"/>
             <p14:sldId id="261"/>
             <p14:sldId id="269"/>
@@ -4994,7 +4992,7 @@
               </a:lnSpc>
             </a:pPr>
             <a:r>
-              <a:rPr lang="sr-Latn-RS"/>
+              <a:rPr lang="sr-Latn-RS" dirty="0"/>
               <a:t>Luka jovanović, 197/2016 </a:t>
             </a:r>
           </a:p>
@@ -5005,7 +5003,7 @@
               </a:lnSpc>
             </a:pPr>
             <a:r>
-              <a:rPr lang="sr-Latn-RS"/>
+              <a:rPr lang="sr-Latn-RS" dirty="0"/>
               <a:t>Nevena mesar, 107/2015</a:t>
             </a:r>
           </a:p>
@@ -5025,6 +5023,3408 @@
 </file>
 
 <file path=ppt/slides/slide10.xml><?xml version="1.0" encoding="utf-8"?>
+<p:sld xmlns:a="http://schemas.openxmlformats.org/drawingml/2006/main" xmlns:r="http://schemas.openxmlformats.org/officeDocument/2006/relationships" xmlns:p="http://schemas.openxmlformats.org/presentationml/2006/main">
+  <p:cSld>
+    <p:bg>
+      <p:bgPr>
+        <a:solidFill>
+          <a:schemeClr val="bg1"/>
+        </a:solidFill>
+        <a:effectLst/>
+      </p:bgPr>
+    </p:bg>
+    <p:spTree>
+      <p:nvGrpSpPr>
+        <p:cNvPr id="1" name=""/>
+        <p:cNvGrpSpPr/>
+        <p:nvPr/>
+      </p:nvGrpSpPr>
+      <p:grpSpPr>
+        <a:xfrm>
+          <a:off x="0" y="0"/>
+          <a:ext cx="0" cy="0"/>
+          <a:chOff x="0" y="0"/>
+          <a:chExt cx="0" cy="0"/>
+        </a:xfrm>
+      </p:grpSpPr>
+      <p:sp>
+        <p:nvSpPr>
+          <p:cNvPr id="22" name="Rectangle 11">
+            <a:extLst>
+              <a:ext uri="{FF2B5EF4-FFF2-40B4-BE49-F238E27FC236}">
+                <a16:creationId xmlns:a16="http://schemas.microsoft.com/office/drawing/2014/main" id="{3CED7894-4F62-4A6C-8DB5-DB5BE08E9C03}"/>
+              </a:ext>
+              <a:ext uri="{C183D7F6-B498-43B3-948B-1728B52AA6E4}">
+                <adec:decorative xmlns:adec="http://schemas.microsoft.com/office/drawing/2017/decorative" val="1"/>
+              </a:ext>
+            </a:extLst>
+          </p:cNvPr>
+          <p:cNvSpPr>
+            <a:spLocks noGrp="1" noRot="1" noChangeAspect="1" noMove="1" noResize="1" noEditPoints="1" noAdjustHandles="1" noChangeArrowheads="1" noChangeShapeType="1" noTextEdit="1"/>
+          </p:cNvSpPr>
+          <p:nvPr>
+            <p:extLst>
+              <p:ext uri="{386F3935-93C4-4BCD-93E2-E3B085C9AB24}">
+                <p16:designElem xmlns:p16="http://schemas.microsoft.com/office/powerpoint/2015/main" val="1"/>
+              </p:ext>
+            </p:extLst>
+          </p:nvPr>
+        </p:nvSpPr>
+        <p:spPr>
+          <a:xfrm>
+            <a:off x="0" y="0"/>
+            <a:ext cx="12192000" cy="6858000"/>
+          </a:xfrm>
+          <a:prstGeom prst="rect">
+            <a:avLst/>
+          </a:prstGeom>
+          <a:solidFill>
+            <a:schemeClr val="bg1">
+              <a:lumMod val="75000"/>
+              <a:lumOff val="25000"/>
+            </a:schemeClr>
+          </a:solidFill>
+          <a:ln>
+            <a:noFill/>
+          </a:ln>
+          <a:effectLst/>
+        </p:spPr>
+        <p:style>
+          <a:lnRef idx="1">
+            <a:schemeClr val="accent1"/>
+          </a:lnRef>
+          <a:fillRef idx="3">
+            <a:schemeClr val="accent1"/>
+          </a:fillRef>
+          <a:effectRef idx="2">
+            <a:schemeClr val="accent1"/>
+          </a:effectRef>
+          <a:fontRef idx="minor">
+            <a:schemeClr val="lt1"/>
+          </a:fontRef>
+        </p:style>
+      </p:sp>
+      <p:sp>
+        <p:nvSpPr>
+          <p:cNvPr id="2" name="Title 1">
+            <a:extLst>
+              <a:ext uri="{FF2B5EF4-FFF2-40B4-BE49-F238E27FC236}">
+                <a16:creationId xmlns:a16="http://schemas.microsoft.com/office/drawing/2014/main" id="{BC57EFE0-5889-438E-99A3-EEF44C903DF1}"/>
+              </a:ext>
+            </a:extLst>
+          </p:cNvPr>
+          <p:cNvSpPr>
+            <a:spLocks noGrp="1"/>
+          </p:cNvSpPr>
+          <p:nvPr>
+            <p:ph type="title"/>
+          </p:nvPr>
+        </p:nvSpPr>
+        <p:spPr>
+          <a:xfrm>
+            <a:off x="609906" y="702155"/>
+            <a:ext cx="3568661" cy="1269713"/>
+          </a:xfrm>
+        </p:spPr>
+        <p:txBody>
+          <a:bodyPr vert="horz" lIns="91440" tIns="45720" rIns="91440" bIns="45720" rtlCol="0" anchor="b">
+            <a:normAutofit/>
+          </a:bodyPr>
+          <a:lstStyle/>
+          <a:p>
+            <a:pPr>
+              <a:lnSpc>
+                <a:spcPct val="90000"/>
+              </a:lnSpc>
+            </a:pPr>
+            <a:r>
+              <a:rPr lang="en-US"/>
+              <a:t>Primer REZULTATA POKRETANJA PROGRAMA</a:t>
+            </a:r>
+          </a:p>
+        </p:txBody>
+      </p:sp>
+      <p:sp>
+        <p:nvSpPr>
+          <p:cNvPr id="23" name="Rectangle 13">
+            <a:extLst>
+              <a:ext uri="{FF2B5EF4-FFF2-40B4-BE49-F238E27FC236}">
+                <a16:creationId xmlns:a16="http://schemas.microsoft.com/office/drawing/2014/main" id="{E536F3B4-50F6-4C52-8F76-4EB1214719DC}"/>
+              </a:ext>
+              <a:ext uri="{C183D7F6-B498-43B3-948B-1728B52AA6E4}">
+                <adec:decorative xmlns:adec="http://schemas.microsoft.com/office/drawing/2017/decorative" val="1"/>
+              </a:ext>
+            </a:extLst>
+          </p:cNvPr>
+          <p:cNvSpPr>
+            <a:spLocks noGrp="1" noRot="1" noChangeAspect="1" noMove="1" noResize="1" noEditPoints="1" noAdjustHandles="1" noChangeArrowheads="1" noChangeShapeType="1" noTextEdit="1"/>
+          </p:cNvSpPr>
+          <p:nvPr>
+            <p:extLst>
+              <p:ext uri="{386F3935-93C4-4BCD-93E2-E3B085C9AB24}">
+                <p16:designElem xmlns:p16="http://schemas.microsoft.com/office/powerpoint/2015/main" val="1"/>
+              </p:ext>
+            </p:extLst>
+          </p:nvPr>
+        </p:nvSpPr>
+        <p:spPr>
+          <a:xfrm>
+            <a:off x="638620" y="457200"/>
+            <a:ext cx="3511233" cy="91439"/>
+          </a:xfrm>
+          <a:prstGeom prst="rect">
+            <a:avLst/>
+          </a:prstGeom>
+          <a:solidFill>
+            <a:schemeClr val="accent1"/>
+          </a:solidFill>
+          <a:ln>
+            <a:noFill/>
+          </a:ln>
+          <a:effectLst/>
+        </p:spPr>
+        <p:style>
+          <a:lnRef idx="1">
+            <a:schemeClr val="accent1"/>
+          </a:lnRef>
+          <a:fillRef idx="3">
+            <a:schemeClr val="accent1"/>
+          </a:fillRef>
+          <a:effectRef idx="2">
+            <a:schemeClr val="accent1"/>
+          </a:effectRef>
+          <a:fontRef idx="minor">
+            <a:schemeClr val="lt1"/>
+          </a:fontRef>
+        </p:style>
+      </p:sp>
+      <p:pic>
+        <p:nvPicPr>
+          <p:cNvPr id="5" name="Content Placeholder 4">
+            <a:extLst>
+              <a:ext uri="{FF2B5EF4-FFF2-40B4-BE49-F238E27FC236}">
+                <a16:creationId xmlns:a16="http://schemas.microsoft.com/office/drawing/2014/main" id="{B0A25B9B-26E6-4720-B4B0-76D9D14086C3}"/>
+              </a:ext>
+            </a:extLst>
+          </p:cNvPr>
+          <p:cNvPicPr>
+            <a:picLocks noGrp="1" noChangeAspect="1"/>
+          </p:cNvPicPr>
+          <p:nvPr>
+            <p:ph idx="1"/>
+          </p:nvPr>
+        </p:nvPicPr>
+        <p:blipFill>
+          <a:blip r:embed="rId2"/>
+          <a:srcRect/>
+          <a:stretch/>
+        </p:blipFill>
+        <p:spPr>
+          <a:xfrm>
+            <a:off x="5563909" y="1093968"/>
+            <a:ext cx="5986091" cy="4489568"/>
+          </a:xfrm>
+          <a:prstGeom prst="rect">
+            <a:avLst/>
+          </a:prstGeom>
+        </p:spPr>
+      </p:pic>
+      <p:sp>
+        <p:nvSpPr>
+          <p:cNvPr id="4" name="TextBox 3">
+            <a:extLst>
+              <a:ext uri="{FF2B5EF4-FFF2-40B4-BE49-F238E27FC236}">
+                <a16:creationId xmlns:a16="http://schemas.microsoft.com/office/drawing/2014/main" id="{3177D586-BB33-4C18-AD36-210CBD88FF0C}"/>
+              </a:ext>
+            </a:extLst>
+          </p:cNvPr>
+          <p:cNvSpPr txBox="1"/>
+          <p:nvPr/>
+        </p:nvSpPr>
+        <p:spPr>
+          <a:xfrm>
+            <a:off x="609906" y="2340864"/>
+            <a:ext cx="5236418" cy="3634486"/>
+          </a:xfrm>
+          <a:prstGeom prst="rect">
+            <a:avLst/>
+          </a:prstGeom>
+        </p:spPr>
+        <p:txBody>
+          <a:bodyPr vert="horz" lIns="91440" tIns="45720" rIns="91440" bIns="45720" rtlCol="0" anchor="ctr">
+            <a:normAutofit/>
+          </a:bodyPr>
+          <a:lstStyle/>
+          <a:p>
+            <a:pPr defTabSz="457200">
+              <a:lnSpc>
+                <a:spcPct val="90000"/>
+              </a:lnSpc>
+              <a:spcBef>
+                <a:spcPct val="20000"/>
+              </a:spcBef>
+              <a:spcAft>
+                <a:spcPts val="600"/>
+              </a:spcAft>
+              <a:buClr>
+                <a:schemeClr val="accent1"/>
+              </a:buClr>
+              <a:buSzPct val="92000"/>
+            </a:pPr>
+            <a:r>
+              <a:rPr lang="en-US" sz="1400" dirty="0">
+                <a:solidFill>
+                  <a:schemeClr val="tx1">
+                    <a:lumMod val="75000"/>
+                    <a:lumOff val="25000"/>
+                  </a:schemeClr>
+                </a:solidFill>
+                <a:latin typeface="Consolas" panose="020B0609020204030204" pitchFamily="49" charset="0"/>
+              </a:rPr>
+              <a:t>--------------------------</a:t>
+            </a:r>
+          </a:p>
+          <a:p>
+            <a:pPr defTabSz="457200">
+              <a:lnSpc>
+                <a:spcPct val="90000"/>
+              </a:lnSpc>
+              <a:spcBef>
+                <a:spcPct val="20000"/>
+              </a:spcBef>
+              <a:spcAft>
+                <a:spcPts val="600"/>
+              </a:spcAft>
+              <a:buClr>
+                <a:schemeClr val="accent1"/>
+              </a:buClr>
+              <a:buSzPct val="92000"/>
+            </a:pPr>
+            <a:r>
+              <a:rPr lang="en-US" sz="1400" dirty="0">
+                <a:solidFill>
+                  <a:schemeClr val="tx1">
+                    <a:lumMod val="75000"/>
+                    <a:lumOff val="25000"/>
+                  </a:schemeClr>
+                </a:solidFill>
+                <a:latin typeface="Consolas" panose="020B0609020204030204" pitchFamily="49" charset="0"/>
+              </a:rPr>
+              <a:t>Started working on: …\[gen400_p0-9_55] 400 71820.txt</a:t>
+            </a:r>
+          </a:p>
+          <a:p>
+            <a:pPr defTabSz="457200">
+              <a:lnSpc>
+                <a:spcPct val="90000"/>
+              </a:lnSpc>
+              <a:spcBef>
+                <a:spcPct val="20000"/>
+              </a:spcBef>
+              <a:spcAft>
+                <a:spcPts val="600"/>
+              </a:spcAft>
+              <a:buClr>
+                <a:schemeClr val="accent1"/>
+              </a:buClr>
+              <a:buSzPct val="92000"/>
+              <a:buFont typeface="Wingdings 2" panose="05020102010507070707" pitchFamily="18" charset="2"/>
+              <a:buChar char=""/>
+            </a:pPr>
+            <a:endParaRPr lang="en-US" sz="1400" dirty="0">
+              <a:solidFill>
+                <a:schemeClr val="tx1">
+                  <a:lumMod val="75000"/>
+                  <a:lumOff val="25000"/>
+                </a:schemeClr>
+              </a:solidFill>
+              <a:latin typeface="Consolas" panose="020B0609020204030204" pitchFamily="49" charset="0"/>
+            </a:endParaRPr>
+          </a:p>
+          <a:p>
+            <a:pPr defTabSz="457200">
+              <a:lnSpc>
+                <a:spcPct val="90000"/>
+              </a:lnSpc>
+              <a:spcBef>
+                <a:spcPct val="20000"/>
+              </a:spcBef>
+              <a:spcAft>
+                <a:spcPts val="600"/>
+              </a:spcAft>
+              <a:buClr>
+                <a:schemeClr val="accent1"/>
+              </a:buClr>
+              <a:buSzPct val="92000"/>
+            </a:pPr>
+            <a:r>
+              <a:rPr lang="en-US" sz="1400" dirty="0">
+                <a:solidFill>
+                  <a:schemeClr val="tx1">
+                    <a:lumMod val="75000"/>
+                    <a:lumOff val="25000"/>
+                  </a:schemeClr>
+                </a:solidFill>
+                <a:latin typeface="Consolas" panose="020B0609020204030204" pitchFamily="49" charset="0"/>
+              </a:rPr>
+              <a:t>Generating initial population...</a:t>
+            </a:r>
+          </a:p>
+          <a:p>
+            <a:pPr defTabSz="457200">
+              <a:lnSpc>
+                <a:spcPct val="90000"/>
+              </a:lnSpc>
+              <a:spcBef>
+                <a:spcPct val="20000"/>
+              </a:spcBef>
+              <a:spcAft>
+                <a:spcPts val="600"/>
+              </a:spcAft>
+              <a:buClr>
+                <a:schemeClr val="accent1"/>
+              </a:buClr>
+              <a:buSzPct val="92000"/>
+            </a:pPr>
+            <a:r>
+              <a:rPr lang="en-US" sz="1400" dirty="0">
+                <a:solidFill>
+                  <a:schemeClr val="tx1">
+                    <a:lumMod val="75000"/>
+                    <a:lumOff val="25000"/>
+                  </a:schemeClr>
+                </a:solidFill>
+                <a:latin typeface="Consolas" panose="020B0609020204030204" pitchFamily="49" charset="0"/>
+              </a:rPr>
+              <a:t>Found clique with 51 nodes in 61.47 sec:</a:t>
+            </a:r>
+          </a:p>
+          <a:p>
+            <a:pPr defTabSz="457200">
+              <a:lnSpc>
+                <a:spcPct val="90000"/>
+              </a:lnSpc>
+              <a:spcBef>
+                <a:spcPct val="20000"/>
+              </a:spcBef>
+              <a:spcAft>
+                <a:spcPts val="600"/>
+              </a:spcAft>
+              <a:buClr>
+                <a:schemeClr val="accent1"/>
+              </a:buClr>
+              <a:buSzPct val="92000"/>
+            </a:pPr>
+            <a:r>
+              <a:rPr lang="en-US" sz="1400" dirty="0">
+                <a:solidFill>
+                  <a:schemeClr val="tx1">
+                    <a:lumMod val="75000"/>
+                    <a:lumOff val="25000"/>
+                  </a:schemeClr>
+                </a:solidFill>
+                <a:latin typeface="Consolas" panose="020B0609020204030204" pitchFamily="49" charset="0"/>
+              </a:rPr>
+              <a:t>[19, 198, 295, 97, 366, 65, 239, 209, 236, 104, 28, 338, 18, 17, 49, 215, 268, 60, 95, 245, 259, 10, 146, 159, 270, 341, </a:t>
+            </a:r>
+          </a:p>
+          <a:p>
+            <a:pPr defTabSz="457200">
+              <a:lnSpc>
+                <a:spcPct val="90000"/>
+              </a:lnSpc>
+              <a:spcBef>
+                <a:spcPct val="20000"/>
+              </a:spcBef>
+              <a:spcAft>
+                <a:spcPts val="600"/>
+              </a:spcAft>
+              <a:buClr>
+                <a:schemeClr val="accent1"/>
+              </a:buClr>
+              <a:buSzPct val="92000"/>
+            </a:pPr>
+            <a:r>
+              <a:rPr lang="en-US" sz="1400" dirty="0">
+                <a:solidFill>
+                  <a:schemeClr val="tx1">
+                    <a:lumMod val="75000"/>
+                    <a:lumOff val="25000"/>
+                  </a:schemeClr>
+                </a:solidFill>
+                <a:latin typeface="Consolas" panose="020B0609020204030204" pitchFamily="49" charset="0"/>
+              </a:rPr>
+              <a:t>346, 84, 155, 187, 263, 36, 25, 193, 364, 383, 108, 176, 265, 312, 386, 178, 185, 257, 318, 322, 345, 362, 163, 351, 188]</a:t>
+            </a:r>
+          </a:p>
+        </p:txBody>
+      </p:sp>
+      <p:sp>
+        <p:nvSpPr>
+          <p:cNvPr id="7" name="Content Placeholder 2">
+            <a:extLst>
+              <a:ext uri="{FF2B5EF4-FFF2-40B4-BE49-F238E27FC236}">
+                <a16:creationId xmlns:a16="http://schemas.microsoft.com/office/drawing/2014/main" id="{991B262F-DC42-4B2B-A2FE-29FF1AA693C4}"/>
+              </a:ext>
+            </a:extLst>
+          </p:cNvPr>
+          <p:cNvSpPr txBox="1">
+            <a:spLocks/>
+          </p:cNvSpPr>
+          <p:nvPr/>
+        </p:nvSpPr>
+        <p:spPr>
+          <a:xfrm>
+            <a:off x="5706208" y="2057401"/>
+            <a:ext cx="5904599" cy="3499338"/>
+          </a:xfrm>
+          <a:prstGeom prst="rect">
+            <a:avLst/>
+          </a:prstGeom>
+        </p:spPr>
+        <p:txBody>
+          <a:bodyPr vert="horz" lIns="91440" tIns="45720" rIns="91440" bIns="45720" rtlCol="0" anchor="ctr">
+            <a:normAutofit/>
+          </a:bodyPr>
+          <a:lstStyle>
+            <a:lvl1pPr marL="306000" indent="-306000" algn="l" defTabSz="457200" rtl="0" eaLnBrk="1" latinLnBrk="0" hangingPunct="1">
+              <a:lnSpc>
+                <a:spcPct val="110000"/>
+              </a:lnSpc>
+              <a:spcBef>
+                <a:spcPct val="20000"/>
+              </a:spcBef>
+              <a:spcAft>
+                <a:spcPts val="600"/>
+              </a:spcAft>
+              <a:buClr>
+                <a:schemeClr val="accent1"/>
+              </a:buClr>
+              <a:buSzPct val="92000"/>
+              <a:buFont typeface="Wingdings 2" panose="05020102010507070707" pitchFamily="18" charset="2"/>
+              <a:buChar char=""/>
+              <a:defRPr sz="1700" kern="1200">
+                <a:solidFill>
+                  <a:schemeClr val="tx1">
+                    <a:lumMod val="75000"/>
+                    <a:lumOff val="25000"/>
+                  </a:schemeClr>
+                </a:solidFill>
+                <a:latin typeface="+mn-lt"/>
+                <a:ea typeface="+mn-ea"/>
+                <a:cs typeface="+mn-cs"/>
+              </a:defRPr>
+            </a:lvl1pPr>
+            <a:lvl2pPr marL="630000" indent="-306000" algn="l" defTabSz="457200" rtl="0" eaLnBrk="1" latinLnBrk="0" hangingPunct="1">
+              <a:spcBef>
+                <a:spcPct val="20000"/>
+              </a:spcBef>
+              <a:spcAft>
+                <a:spcPts val="600"/>
+              </a:spcAft>
+              <a:buClr>
+                <a:schemeClr val="accent1"/>
+              </a:buClr>
+              <a:buSzPct val="92000"/>
+              <a:buFont typeface="Wingdings 2" panose="05020102010507070707" pitchFamily="18" charset="2"/>
+              <a:buChar char=""/>
+              <a:defRPr sz="1400" kern="1200">
+                <a:solidFill>
+                  <a:schemeClr val="tx1">
+                    <a:lumMod val="75000"/>
+                    <a:lumOff val="25000"/>
+                  </a:schemeClr>
+                </a:solidFill>
+                <a:latin typeface="+mn-lt"/>
+                <a:ea typeface="+mn-ea"/>
+                <a:cs typeface="+mn-cs"/>
+              </a:defRPr>
+            </a:lvl2pPr>
+            <a:lvl3pPr marL="900000" indent="-270000" algn="l" defTabSz="457200" rtl="0" eaLnBrk="1" latinLnBrk="0" hangingPunct="1">
+              <a:spcBef>
+                <a:spcPct val="20000"/>
+              </a:spcBef>
+              <a:spcAft>
+                <a:spcPts val="600"/>
+              </a:spcAft>
+              <a:buClr>
+                <a:schemeClr val="accent1"/>
+              </a:buClr>
+              <a:buSzPct val="92000"/>
+              <a:buFont typeface="Wingdings 2" panose="05020102010507070707" pitchFamily="18" charset="2"/>
+              <a:buChar char=""/>
+              <a:defRPr sz="1300" kern="1200">
+                <a:solidFill>
+                  <a:schemeClr val="tx1">
+                    <a:lumMod val="75000"/>
+                    <a:lumOff val="25000"/>
+                  </a:schemeClr>
+                </a:solidFill>
+                <a:latin typeface="+mn-lt"/>
+                <a:ea typeface="+mn-ea"/>
+                <a:cs typeface="+mn-cs"/>
+              </a:defRPr>
+            </a:lvl3pPr>
+            <a:lvl4pPr marL="1242000" indent="-234000" algn="l" defTabSz="457200" rtl="0" eaLnBrk="1" latinLnBrk="0" hangingPunct="1">
+              <a:spcBef>
+                <a:spcPct val="20000"/>
+              </a:spcBef>
+              <a:spcAft>
+                <a:spcPts val="600"/>
+              </a:spcAft>
+              <a:buClr>
+                <a:schemeClr val="accent1"/>
+              </a:buClr>
+              <a:buSzPct val="92000"/>
+              <a:buFont typeface="Wingdings 2" panose="05020102010507070707" pitchFamily="18" charset="2"/>
+              <a:buChar char=""/>
+              <a:defRPr sz="1100" kern="1200">
+                <a:solidFill>
+                  <a:schemeClr val="tx1">
+                    <a:lumMod val="75000"/>
+                    <a:lumOff val="25000"/>
+                  </a:schemeClr>
+                </a:solidFill>
+                <a:latin typeface="+mn-lt"/>
+                <a:ea typeface="+mn-ea"/>
+                <a:cs typeface="+mn-cs"/>
+              </a:defRPr>
+            </a:lvl4pPr>
+            <a:lvl5pPr marL="1602000" indent="-234000" algn="l" defTabSz="457200" rtl="0" eaLnBrk="1" latinLnBrk="0" hangingPunct="1">
+              <a:spcBef>
+                <a:spcPct val="20000"/>
+              </a:spcBef>
+              <a:spcAft>
+                <a:spcPts val="600"/>
+              </a:spcAft>
+              <a:buClr>
+                <a:schemeClr val="accent1"/>
+              </a:buClr>
+              <a:buSzPct val="92000"/>
+              <a:buFont typeface="Wingdings 2" panose="05020102010507070707" pitchFamily="18" charset="2"/>
+              <a:buChar char=""/>
+              <a:defRPr sz="1100" kern="1200">
+                <a:solidFill>
+                  <a:schemeClr val="tx1">
+                    <a:lumMod val="75000"/>
+                    <a:lumOff val="25000"/>
+                  </a:schemeClr>
+                </a:solidFill>
+                <a:latin typeface="+mn-lt"/>
+                <a:ea typeface="+mn-ea"/>
+                <a:cs typeface="+mn-cs"/>
+              </a:defRPr>
+            </a:lvl5pPr>
+            <a:lvl6pPr marL="1900000" indent="-228600" algn="l" defTabSz="457200" rtl="0" eaLnBrk="1" latinLnBrk="0" hangingPunct="1">
+              <a:spcBef>
+                <a:spcPct val="20000"/>
+              </a:spcBef>
+              <a:spcAft>
+                <a:spcPts val="600"/>
+              </a:spcAft>
+              <a:buClr>
+                <a:schemeClr val="accent2"/>
+              </a:buClr>
+              <a:buSzPct val="92000"/>
+              <a:buFont typeface="Wingdings 2" panose="05020102010507070707" pitchFamily="18" charset="2"/>
+              <a:buChar char=""/>
+              <a:defRPr sz="1200" kern="1200">
+                <a:solidFill>
+                  <a:schemeClr val="tx2"/>
+                </a:solidFill>
+                <a:latin typeface="+mn-lt"/>
+                <a:ea typeface="+mn-ea"/>
+                <a:cs typeface="+mn-cs"/>
+              </a:defRPr>
+            </a:lvl6pPr>
+            <a:lvl7pPr marL="2200000" indent="-228600" algn="l" defTabSz="457200" rtl="0" eaLnBrk="1" latinLnBrk="0" hangingPunct="1">
+              <a:spcBef>
+                <a:spcPct val="20000"/>
+              </a:spcBef>
+              <a:spcAft>
+                <a:spcPts val="600"/>
+              </a:spcAft>
+              <a:buClr>
+                <a:schemeClr val="accent2"/>
+              </a:buClr>
+              <a:buSzPct val="92000"/>
+              <a:buFont typeface="Wingdings 2" panose="05020102010507070707" pitchFamily="18" charset="2"/>
+              <a:buChar char=""/>
+              <a:defRPr sz="1200" kern="1200">
+                <a:solidFill>
+                  <a:schemeClr val="tx2"/>
+                </a:solidFill>
+                <a:latin typeface="+mn-lt"/>
+                <a:ea typeface="+mn-ea"/>
+                <a:cs typeface="+mn-cs"/>
+              </a:defRPr>
+            </a:lvl7pPr>
+            <a:lvl8pPr marL="2500000" indent="-228600" algn="l" defTabSz="457200" rtl="0" eaLnBrk="1" latinLnBrk="0" hangingPunct="1">
+              <a:spcBef>
+                <a:spcPct val="20000"/>
+              </a:spcBef>
+              <a:spcAft>
+                <a:spcPts val="600"/>
+              </a:spcAft>
+              <a:buClr>
+                <a:schemeClr val="accent2"/>
+              </a:buClr>
+              <a:buSzPct val="92000"/>
+              <a:buFont typeface="Wingdings 2" panose="05020102010507070707" pitchFamily="18" charset="2"/>
+              <a:buChar char=""/>
+              <a:defRPr sz="1200" kern="1200">
+                <a:solidFill>
+                  <a:schemeClr val="tx2"/>
+                </a:solidFill>
+                <a:latin typeface="+mn-lt"/>
+                <a:ea typeface="+mn-ea"/>
+                <a:cs typeface="+mn-cs"/>
+              </a:defRPr>
+            </a:lvl8pPr>
+            <a:lvl9pPr marL="2800000" indent="-228600" algn="l" defTabSz="457200" rtl="0" eaLnBrk="1" latinLnBrk="0" hangingPunct="1">
+              <a:spcBef>
+                <a:spcPct val="20000"/>
+              </a:spcBef>
+              <a:spcAft>
+                <a:spcPts val="600"/>
+              </a:spcAft>
+              <a:buClr>
+                <a:schemeClr val="accent2"/>
+              </a:buClr>
+              <a:buSzPct val="92000"/>
+              <a:buFont typeface="Wingdings 2" panose="05020102010507070707" pitchFamily="18" charset="2"/>
+              <a:buChar char=""/>
+              <a:defRPr sz="1200" kern="1200">
+                <a:solidFill>
+                  <a:schemeClr val="tx2"/>
+                </a:solidFill>
+                <a:latin typeface="+mn-lt"/>
+                <a:ea typeface="+mn-ea"/>
+                <a:cs typeface="+mn-cs"/>
+              </a:defRPr>
+            </a:lvl9pPr>
+          </a:lstStyle>
+          <a:p>
+            <a:endParaRPr lang="sr-Latn-RS" dirty="0"/>
+          </a:p>
+        </p:txBody>
+      </p:sp>
+    </p:spTree>
+    <p:extLst>
+      <p:ext uri="{BB962C8B-B14F-4D97-AF65-F5344CB8AC3E}">
+        <p14:creationId xmlns:p14="http://schemas.microsoft.com/office/powerpoint/2010/main" val="3285291401"/>
+      </p:ext>
+    </p:extLst>
+  </p:cSld>
+  <p:clrMapOvr>
+    <a:masterClrMapping/>
+  </p:clrMapOvr>
+</p:sld>
+</file>
+
+<file path=ppt/slides/slide11.xml><?xml version="1.0" encoding="utf-8"?>
+<p:sld xmlns:a="http://schemas.openxmlformats.org/drawingml/2006/main" xmlns:r="http://schemas.openxmlformats.org/officeDocument/2006/relationships" xmlns:p="http://schemas.openxmlformats.org/presentationml/2006/main">
+  <p:cSld>
+    <p:spTree>
+      <p:nvGrpSpPr>
+        <p:cNvPr id="1" name=""/>
+        <p:cNvGrpSpPr/>
+        <p:nvPr/>
+      </p:nvGrpSpPr>
+      <p:grpSpPr>
+        <a:xfrm>
+          <a:off x="0" y="0"/>
+          <a:ext cx="0" cy="0"/>
+          <a:chOff x="0" y="0"/>
+          <a:chExt cx="0" cy="0"/>
+        </a:xfrm>
+      </p:grpSpPr>
+      <p:sp>
+        <p:nvSpPr>
+          <p:cNvPr id="2" name="Title 1">
+            <a:extLst>
+              <a:ext uri="{FF2B5EF4-FFF2-40B4-BE49-F238E27FC236}">
+                <a16:creationId xmlns:a16="http://schemas.microsoft.com/office/drawing/2014/main" id="{B1FF1351-E477-4A1D-A7B0-8C91D3978052}"/>
+              </a:ext>
+            </a:extLst>
+          </p:cNvPr>
+          <p:cNvSpPr>
+            <a:spLocks noGrp="1"/>
+          </p:cNvSpPr>
+          <p:nvPr>
+            <p:ph type="title"/>
+          </p:nvPr>
+        </p:nvSpPr>
+        <p:spPr>
+          <a:xfrm>
+            <a:off x="581192" y="702156"/>
+            <a:ext cx="11029616" cy="503189"/>
+          </a:xfrm>
+        </p:spPr>
+        <p:txBody>
+          <a:bodyPr>
+            <a:normAutofit fontScale="90000"/>
+          </a:bodyPr>
+          <a:lstStyle/>
+          <a:p>
+            <a:r>
+              <a:rPr lang="sr-Latn-RS" dirty="0"/>
+              <a:t>Linkovi</a:t>
+            </a:r>
+          </a:p>
+        </p:txBody>
+      </p:sp>
+      <p:sp>
+        <p:nvSpPr>
+          <p:cNvPr id="4" name="TextBox 3">
+            <a:extLst>
+              <a:ext uri="{FF2B5EF4-FFF2-40B4-BE49-F238E27FC236}">
+                <a16:creationId xmlns:a16="http://schemas.microsoft.com/office/drawing/2014/main" id="{95DC9682-ABA3-401A-98ED-8EAAA33FFCF1}"/>
+              </a:ext>
+            </a:extLst>
+          </p:cNvPr>
+          <p:cNvSpPr txBox="1"/>
+          <p:nvPr/>
+        </p:nvSpPr>
+        <p:spPr>
+          <a:xfrm>
+            <a:off x="581192" y="2690336"/>
+            <a:ext cx="11029616" cy="1477328"/>
+          </a:xfrm>
+          <a:prstGeom prst="rect">
+            <a:avLst/>
+          </a:prstGeom>
+          <a:noFill/>
+        </p:spPr>
+        <p:txBody>
+          <a:bodyPr wrap="square" rtlCol="0">
+            <a:spAutoFit/>
+          </a:bodyPr>
+          <a:lstStyle/>
+          <a:p>
+            <a:pPr marL="285750" indent="-285750">
+              <a:buFont typeface="Arial" panose="020B0604020202020204" pitchFamily="34" charset="0"/>
+              <a:buChar char="•"/>
+            </a:pPr>
+            <a:r>
+              <a:rPr lang="sr-Latn-RS" dirty="0">
+                <a:hlinkClick r:id="rId2"/>
+              </a:rPr>
+              <a:t>DIMACS benschmark set</a:t>
+            </a:r>
+            <a:endParaRPr lang="sr-Latn-RS" dirty="0"/>
+          </a:p>
+          <a:p>
+            <a:pPr marL="285750" indent="-285750">
+              <a:buFont typeface="Arial" panose="020B0604020202020204" pitchFamily="34" charset="0"/>
+              <a:buChar char="•"/>
+            </a:pPr>
+            <a:endParaRPr lang="sr-Latn-RS" dirty="0"/>
+          </a:p>
+          <a:p>
+            <a:pPr marL="285750" indent="-285750">
+              <a:buFont typeface="Arial" panose="020B0604020202020204" pitchFamily="34" charset="0"/>
+              <a:buChar char="•"/>
+            </a:pPr>
+            <a:r>
+              <a:rPr lang="en-US" dirty="0" err="1"/>
+              <a:t>Vizualizacija</a:t>
+            </a:r>
+            <a:r>
+              <a:rPr lang="en-US" dirty="0"/>
+              <a:t> </a:t>
+            </a:r>
+            <a:r>
+              <a:rPr lang="en-US" dirty="0" err="1"/>
+              <a:t>grafova</a:t>
+            </a:r>
+            <a:r>
+              <a:rPr lang="en-US" dirty="0"/>
+              <a:t>: </a:t>
+            </a:r>
+            <a:r>
+              <a:rPr lang="en-US" dirty="0" err="1">
+                <a:hlinkClick r:id="rId3"/>
+              </a:rPr>
+              <a:t>NetworkX</a:t>
+            </a:r>
+            <a:endParaRPr lang="en-US" dirty="0"/>
+          </a:p>
+          <a:p>
+            <a:pPr marL="285750" indent="-285750">
+              <a:buFont typeface="Arial" panose="020B0604020202020204" pitchFamily="34" charset="0"/>
+              <a:buChar char="•"/>
+            </a:pPr>
+            <a:endParaRPr lang="en-US" dirty="0"/>
+          </a:p>
+          <a:p>
+            <a:pPr marL="285750" indent="-285750">
+              <a:buFont typeface="Arial" panose="020B0604020202020204" pitchFamily="34" charset="0"/>
+              <a:buChar char="•"/>
+            </a:pPr>
+            <a:endParaRPr lang="sr-Latn-RS" dirty="0"/>
+          </a:p>
+        </p:txBody>
+      </p:sp>
+    </p:spTree>
+    <p:extLst>
+      <p:ext uri="{BB962C8B-B14F-4D97-AF65-F5344CB8AC3E}">
+        <p14:creationId xmlns:p14="http://schemas.microsoft.com/office/powerpoint/2010/main" val="4188400318"/>
+      </p:ext>
+    </p:extLst>
+  </p:cSld>
+  <p:clrMapOvr>
+    <a:masterClrMapping/>
+  </p:clrMapOvr>
+</p:sld>
+</file>
+
+<file path=ppt/slides/slide2.xml><?xml version="1.0" encoding="utf-8"?>
+<p:sld xmlns:a="http://schemas.openxmlformats.org/drawingml/2006/main" xmlns:r="http://schemas.openxmlformats.org/officeDocument/2006/relationships" xmlns:p="http://schemas.openxmlformats.org/presentationml/2006/main">
+  <p:cSld>
+    <p:spTree>
+      <p:nvGrpSpPr>
+        <p:cNvPr id="1" name=""/>
+        <p:cNvGrpSpPr/>
+        <p:nvPr/>
+      </p:nvGrpSpPr>
+      <p:grpSpPr>
+        <a:xfrm>
+          <a:off x="0" y="0"/>
+          <a:ext cx="0" cy="0"/>
+          <a:chOff x="0" y="0"/>
+          <a:chExt cx="0" cy="0"/>
+        </a:xfrm>
+      </p:grpSpPr>
+      <p:sp>
+        <p:nvSpPr>
+          <p:cNvPr id="2" name="Title 1">
+            <a:extLst>
+              <a:ext uri="{FF2B5EF4-FFF2-40B4-BE49-F238E27FC236}">
+                <a16:creationId xmlns:a16="http://schemas.microsoft.com/office/drawing/2014/main" id="{5E562972-3449-42D1-8185-B4BEFD52AB44}"/>
+              </a:ext>
+            </a:extLst>
+          </p:cNvPr>
+          <p:cNvSpPr>
+            <a:spLocks noGrp="1"/>
+          </p:cNvSpPr>
+          <p:nvPr>
+            <p:ph type="title"/>
+          </p:nvPr>
+        </p:nvSpPr>
+        <p:spPr>
+          <a:xfrm>
+            <a:off x="581192" y="702156"/>
+            <a:ext cx="11029616" cy="519815"/>
+          </a:xfrm>
+        </p:spPr>
+        <p:txBody>
+          <a:bodyPr>
+            <a:normAutofit/>
+          </a:bodyPr>
+          <a:lstStyle/>
+          <a:p>
+            <a:r>
+              <a:rPr lang="sr-Latn-RS" dirty="0"/>
+              <a:t>Pojmovi</a:t>
+            </a:r>
+            <a:r>
+              <a:rPr lang="en-US" dirty="0"/>
+              <a:t> </a:t>
+            </a:r>
+            <a:r>
+              <a:rPr lang="en-US" dirty="0" err="1"/>
+              <a:t>i</a:t>
+            </a:r>
+            <a:r>
+              <a:rPr lang="sr-Latn-RS" dirty="0"/>
+              <a:t> problem</a:t>
+            </a:r>
+            <a:endParaRPr lang="en-US" dirty="0"/>
+          </a:p>
+        </p:txBody>
+      </p:sp>
+      <p:sp>
+        <p:nvSpPr>
+          <p:cNvPr id="8" name="Content Placeholder 2">
+            <a:extLst>
+              <a:ext uri="{FF2B5EF4-FFF2-40B4-BE49-F238E27FC236}">
+                <a16:creationId xmlns:a16="http://schemas.microsoft.com/office/drawing/2014/main" id="{619BA27D-D50E-4EB3-B0F2-2DE619963027}"/>
+              </a:ext>
+            </a:extLst>
+          </p:cNvPr>
+          <p:cNvSpPr>
+            <a:spLocks noGrp="1"/>
+          </p:cNvSpPr>
+          <p:nvPr>
+            <p:ph idx="1"/>
+          </p:nvPr>
+        </p:nvSpPr>
+        <p:spPr>
+          <a:xfrm>
+            <a:off x="581193" y="1315616"/>
+            <a:ext cx="8096276" cy="5010539"/>
+          </a:xfrm>
+        </p:spPr>
+        <p:txBody>
+          <a:bodyPr>
+            <a:normAutofit/>
+          </a:bodyPr>
+          <a:lstStyle/>
+          <a:p>
+            <a:pPr marL="285750" indent="-285750">
+              <a:buFont typeface="Arial" panose="020B0604020202020204" pitchFamily="34" charset="0"/>
+              <a:buChar char="•"/>
+            </a:pPr>
+            <a:r>
+              <a:rPr lang="sr-Latn-RS" dirty="0"/>
+              <a:t>Klika </a:t>
+            </a:r>
+            <a:br>
+              <a:rPr lang="sr-Latn-RS" dirty="0"/>
+            </a:br>
+            <a:r>
+              <a:rPr lang="sr-Latn-RS" dirty="0"/>
+              <a:t>skup čvorova u grafu takav da su svi čvorovi iz skupa uzajamno susedni, kompletan podgraf/graf</a:t>
+            </a:r>
+          </a:p>
+          <a:p>
+            <a:pPr marL="285750" indent="-285750">
+              <a:buFont typeface="Arial" panose="020B0604020202020204" pitchFamily="34" charset="0"/>
+              <a:buChar char="•"/>
+            </a:pPr>
+            <a:r>
+              <a:rPr lang="sr-Latn-RS" dirty="0"/>
+              <a:t>Stepen čvora grafa</a:t>
+            </a:r>
+            <a:br>
+              <a:rPr lang="sr-Latn-RS" dirty="0"/>
+            </a:br>
+            <a:r>
+              <a:rPr lang="sr-Latn-RS" dirty="0"/>
+              <a:t>broj grana koje su mu susedne</a:t>
+            </a:r>
+          </a:p>
+          <a:p>
+            <a:pPr marL="285750" indent="-285750">
+              <a:buFont typeface="Arial" panose="020B0604020202020204" pitchFamily="34" charset="0"/>
+              <a:buChar char="•"/>
+            </a:pPr>
+            <a:r>
+              <a:rPr lang="sr-Latn-RS" dirty="0"/>
+              <a:t>Problem klike</a:t>
+            </a:r>
+            <a:br>
+              <a:rPr lang="sr-Latn-RS" dirty="0"/>
+            </a:br>
+            <a:r>
+              <a:rPr lang="sr-Latn-RS" dirty="0"/>
+              <a:t>određivanje da li graf sadrži kliku ne manju od date veličine </a:t>
+            </a:r>
+            <a:r>
+              <a:rPr lang="sr-Latn-RS" i="1" dirty="0"/>
+              <a:t>k</a:t>
+            </a:r>
+            <a:r>
+              <a:rPr lang="sr-Latn-RS" dirty="0"/>
+              <a:t> </a:t>
+            </a:r>
+          </a:p>
+          <a:p>
+            <a:pPr marL="285750" indent="-285750">
+              <a:buFont typeface="Arial" panose="020B0604020202020204" pitchFamily="34" charset="0"/>
+              <a:buChar char="•"/>
+            </a:pPr>
+            <a:r>
+              <a:rPr lang="sr-Latn-RS" dirty="0"/>
+              <a:t>Problem maksimalne klike</a:t>
+            </a:r>
+            <a:br>
+              <a:rPr lang="sr-Latn-RS" dirty="0"/>
+            </a:br>
+            <a:r>
+              <a:rPr lang="sr-Latn-RS" dirty="0"/>
+              <a:t>optimizacioni problem, pronalaženje najveće klike u grafu</a:t>
+            </a:r>
+          </a:p>
+          <a:p>
+            <a:pPr marL="285750" indent="-285750">
+              <a:buFont typeface="Arial" panose="020B0604020202020204" pitchFamily="34" charset="0"/>
+              <a:buChar char="•"/>
+            </a:pPr>
+            <a:r>
+              <a:rPr lang="sr-Latn-RS" dirty="0"/>
+              <a:t>NP-težak problem</a:t>
+            </a:r>
+            <a:endParaRPr lang="en-US" dirty="0"/>
+          </a:p>
+          <a:p>
+            <a:pPr marL="285750" indent="-285750">
+              <a:buFont typeface="Arial" panose="020B0604020202020204" pitchFamily="34" charset="0"/>
+              <a:buChar char="•"/>
+            </a:pPr>
+            <a:r>
+              <a:rPr lang="sr-Latn-RS" dirty="0"/>
+              <a:t>Isti problem </a:t>
+            </a:r>
+            <a:br>
+              <a:rPr lang="sr-Latn-RS" dirty="0"/>
+            </a:br>
+            <a:r>
+              <a:rPr lang="sr-Latn-RS" dirty="0"/>
+              <a:t>Maksimalni nezavisni skup na komplementarnom grafu</a:t>
+            </a:r>
+            <a:endParaRPr lang="en-US" dirty="0"/>
+          </a:p>
+          <a:p>
+            <a:endParaRPr lang="sr-Latn-RS" dirty="0"/>
+          </a:p>
+        </p:txBody>
+      </p:sp>
+    </p:spTree>
+    <p:extLst>
+      <p:ext uri="{BB962C8B-B14F-4D97-AF65-F5344CB8AC3E}">
+        <p14:creationId xmlns:p14="http://schemas.microsoft.com/office/powerpoint/2010/main" val="263784652"/>
+      </p:ext>
+    </p:extLst>
+  </p:cSld>
+  <p:clrMapOvr>
+    <a:masterClrMapping/>
+  </p:clrMapOvr>
+</p:sld>
+</file>
+
+<file path=ppt/slides/slide3.xml><?xml version="1.0" encoding="utf-8"?>
+<p:sld xmlns:a="http://schemas.openxmlformats.org/drawingml/2006/main" xmlns:r="http://schemas.openxmlformats.org/officeDocument/2006/relationships" xmlns:p="http://schemas.openxmlformats.org/presentationml/2006/main">
+  <p:cSld>
+    <p:spTree>
+      <p:nvGrpSpPr>
+        <p:cNvPr id="1" name=""/>
+        <p:cNvGrpSpPr/>
+        <p:nvPr/>
+      </p:nvGrpSpPr>
+      <p:grpSpPr>
+        <a:xfrm>
+          <a:off x="0" y="0"/>
+          <a:ext cx="0" cy="0"/>
+          <a:chOff x="0" y="0"/>
+          <a:chExt cx="0" cy="0"/>
+        </a:xfrm>
+      </p:grpSpPr>
+      <p:sp>
+        <p:nvSpPr>
+          <p:cNvPr id="2" name="Title 1">
+            <a:extLst>
+              <a:ext uri="{FF2B5EF4-FFF2-40B4-BE49-F238E27FC236}">
+                <a16:creationId xmlns:a16="http://schemas.microsoft.com/office/drawing/2014/main" id="{F7BA4CF3-8A96-4143-A88F-806EFAD28D44}"/>
+              </a:ext>
+            </a:extLst>
+          </p:cNvPr>
+          <p:cNvSpPr>
+            <a:spLocks noGrp="1"/>
+          </p:cNvSpPr>
+          <p:nvPr>
+            <p:ph type="title"/>
+          </p:nvPr>
+        </p:nvSpPr>
+        <p:spPr>
+          <a:xfrm>
+            <a:off x="581192" y="702156"/>
+            <a:ext cx="11029616" cy="599106"/>
+          </a:xfrm>
+        </p:spPr>
+        <p:txBody>
+          <a:bodyPr/>
+          <a:lstStyle/>
+          <a:p>
+            <a:r>
+              <a:rPr lang="sr-Latn-RS" dirty="0"/>
+              <a:t>Brute force algoritam sa odsecanjem</a:t>
+            </a:r>
+          </a:p>
+        </p:txBody>
+      </p:sp>
+      <p:sp>
+        <p:nvSpPr>
+          <p:cNvPr id="5" name="TextBox 4">
+            <a:extLst>
+              <a:ext uri="{FF2B5EF4-FFF2-40B4-BE49-F238E27FC236}">
+                <a16:creationId xmlns:a16="http://schemas.microsoft.com/office/drawing/2014/main" id="{4E31F959-DF0C-4F41-BF42-6BBAB0DDBE58}"/>
+              </a:ext>
+            </a:extLst>
+          </p:cNvPr>
+          <p:cNvSpPr txBox="1"/>
+          <p:nvPr/>
+        </p:nvSpPr>
+        <p:spPr>
+          <a:xfrm>
+            <a:off x="703385" y="1301261"/>
+            <a:ext cx="9249507" cy="5355312"/>
+          </a:xfrm>
+          <a:prstGeom prst="rect">
+            <a:avLst/>
+          </a:prstGeom>
+          <a:noFill/>
+        </p:spPr>
+        <p:txBody>
+          <a:bodyPr wrap="square" rtlCol="0">
+            <a:spAutoFit/>
+          </a:bodyPr>
+          <a:lstStyle/>
+          <a:p>
+            <a:endParaRPr lang="en-GB" b="0" dirty="0">
+              <a:solidFill>
+                <a:srgbClr val="D4D4D4"/>
+              </a:solidFill>
+              <a:effectLst/>
+              <a:latin typeface="Consolas" panose="020B0609020204030204" pitchFamily="49" charset="0"/>
+            </a:endParaRPr>
+          </a:p>
+          <a:p>
+            <a:r>
+              <a:rPr lang="en-GB" b="0" dirty="0">
+                <a:solidFill>
+                  <a:srgbClr val="569CD6"/>
+                </a:solidFill>
+                <a:effectLst/>
+                <a:latin typeface="Consolas" panose="020B0609020204030204" pitchFamily="49" charset="0"/>
+              </a:rPr>
+              <a:t>def</a:t>
+            </a:r>
+            <a:r>
+              <a:rPr lang="en-GB" b="0" dirty="0">
+                <a:solidFill>
+                  <a:srgbClr val="D4D4D4"/>
+                </a:solidFill>
+                <a:effectLst/>
+                <a:latin typeface="Consolas" panose="020B0609020204030204" pitchFamily="49" charset="0"/>
+              </a:rPr>
+              <a:t> </a:t>
+            </a:r>
+            <a:r>
+              <a:rPr lang="en-GB" b="0" dirty="0" err="1">
+                <a:solidFill>
+                  <a:srgbClr val="656565"/>
+                </a:solidFill>
+                <a:effectLst/>
+                <a:latin typeface="Consolas" panose="020B0609020204030204" pitchFamily="49" charset="0"/>
+              </a:rPr>
+              <a:t>brute_force_clique</a:t>
+            </a:r>
+            <a:r>
+              <a:rPr lang="en-GB" b="0" dirty="0">
+                <a:solidFill>
+                  <a:srgbClr val="656565"/>
+                </a:solidFill>
+                <a:effectLst/>
+                <a:latin typeface="Consolas" panose="020B0609020204030204" pitchFamily="49" charset="0"/>
+              </a:rPr>
+              <a:t>_(</a:t>
+            </a:r>
+            <a:r>
+              <a:rPr lang="en-GB" b="0" dirty="0" err="1">
+                <a:solidFill>
+                  <a:srgbClr val="656565"/>
+                </a:solidFill>
+                <a:effectLst/>
+                <a:latin typeface="Consolas" panose="020B0609020204030204" pitchFamily="49" charset="0"/>
+              </a:rPr>
+              <a:t>G:dict</a:t>
+            </a:r>
+            <a:r>
+              <a:rPr lang="en-GB" b="0" dirty="0">
+                <a:solidFill>
+                  <a:srgbClr val="656565"/>
+                </a:solidFill>
+                <a:effectLst/>
+                <a:latin typeface="Consolas" panose="020B0609020204030204" pitchFamily="49" charset="0"/>
+              </a:rPr>
+              <a:t>, U:list, size, </a:t>
+            </a:r>
+            <a:r>
+              <a:rPr lang="en-GB" b="0" dirty="0" err="1">
+                <a:solidFill>
+                  <a:srgbClr val="656565"/>
+                </a:solidFill>
+                <a:effectLst/>
+                <a:latin typeface="Consolas" panose="020B0609020204030204" pitchFamily="49" charset="0"/>
+              </a:rPr>
+              <a:t>nodes:list</a:t>
+            </a:r>
+            <a:r>
+              <a:rPr lang="en-GB" b="0" dirty="0">
+                <a:solidFill>
+                  <a:srgbClr val="656565"/>
+                </a:solidFill>
+                <a:effectLst/>
+                <a:latin typeface="Consolas" panose="020B0609020204030204" pitchFamily="49" charset="0"/>
+              </a:rPr>
+              <a:t>):</a:t>
+            </a:r>
+          </a:p>
+          <a:p>
+            <a:r>
+              <a:rPr lang="en-GB" b="0" dirty="0">
+                <a:solidFill>
+                  <a:srgbClr val="D4D4D4"/>
+                </a:solidFill>
+                <a:effectLst/>
+                <a:latin typeface="Consolas" panose="020B0609020204030204" pitchFamily="49" charset="0"/>
+              </a:rPr>
+              <a:t>    </a:t>
+            </a:r>
+            <a:r>
+              <a:rPr lang="en-GB" b="0" dirty="0">
+                <a:solidFill>
+                  <a:srgbClr val="569CD6"/>
+                </a:solidFill>
+                <a:effectLst/>
+                <a:latin typeface="Consolas" panose="020B0609020204030204" pitchFamily="49" charset="0"/>
+              </a:rPr>
+              <a:t>global</a:t>
+            </a:r>
+            <a:r>
+              <a:rPr lang="en-GB" b="0" dirty="0">
+                <a:solidFill>
+                  <a:srgbClr val="D4D4D4"/>
+                </a:solidFill>
+                <a:effectLst/>
+                <a:latin typeface="Consolas" panose="020B0609020204030204" pitchFamily="49" charset="0"/>
+              </a:rPr>
+              <a:t> </a:t>
+            </a:r>
+            <a:r>
+              <a:rPr lang="en-GB" b="0" dirty="0">
+                <a:solidFill>
+                  <a:srgbClr val="656565"/>
+                </a:solidFill>
+                <a:effectLst/>
+                <a:latin typeface="Consolas" panose="020B0609020204030204" pitchFamily="49" charset="0"/>
+              </a:rPr>
+              <a:t>max, </a:t>
+            </a:r>
+            <a:r>
+              <a:rPr lang="en-GB" b="0" dirty="0" err="1">
+                <a:solidFill>
+                  <a:srgbClr val="656565"/>
+                </a:solidFill>
+                <a:effectLst/>
+                <a:latin typeface="Consolas" panose="020B0609020204030204" pitchFamily="49" charset="0"/>
+              </a:rPr>
+              <a:t>clique_nodes</a:t>
+            </a:r>
+            <a:endParaRPr lang="en-GB" b="0" dirty="0">
+              <a:solidFill>
+                <a:srgbClr val="656565"/>
+              </a:solidFill>
+              <a:effectLst/>
+              <a:latin typeface="Consolas" panose="020B0609020204030204" pitchFamily="49" charset="0"/>
+            </a:endParaRPr>
+          </a:p>
+          <a:p>
+            <a:r>
+              <a:rPr lang="en-GB" b="0" dirty="0">
+                <a:solidFill>
+                  <a:srgbClr val="D4D4D4"/>
+                </a:solidFill>
+                <a:effectLst/>
+                <a:latin typeface="Consolas" panose="020B0609020204030204" pitchFamily="49" charset="0"/>
+              </a:rPr>
+              <a:t>    </a:t>
+            </a:r>
+            <a:r>
+              <a:rPr lang="en-GB" b="0" dirty="0">
+                <a:solidFill>
+                  <a:srgbClr val="569CD6"/>
+                </a:solidFill>
+                <a:effectLst/>
+                <a:latin typeface="Consolas" panose="020B0609020204030204" pitchFamily="49" charset="0"/>
+              </a:rPr>
+              <a:t>if</a:t>
+            </a:r>
+            <a:r>
+              <a:rPr lang="en-GB" b="0" dirty="0">
+                <a:solidFill>
+                  <a:srgbClr val="D4D4D4"/>
+                </a:solidFill>
+                <a:effectLst/>
+                <a:latin typeface="Consolas" panose="020B0609020204030204" pitchFamily="49" charset="0"/>
+              </a:rPr>
+              <a:t> </a:t>
+            </a:r>
+            <a:r>
+              <a:rPr lang="en-GB" b="0" dirty="0" err="1">
+                <a:solidFill>
+                  <a:srgbClr val="656565"/>
+                </a:solidFill>
+                <a:effectLst/>
+                <a:latin typeface="Consolas" panose="020B0609020204030204" pitchFamily="49" charset="0"/>
+              </a:rPr>
+              <a:t>len</a:t>
+            </a:r>
+            <a:r>
+              <a:rPr lang="en-GB" b="0" dirty="0">
+                <a:solidFill>
+                  <a:srgbClr val="656565"/>
+                </a:solidFill>
+                <a:effectLst/>
+                <a:latin typeface="Consolas" panose="020B0609020204030204" pitchFamily="49" charset="0"/>
+              </a:rPr>
+              <a:t>(U) == 0:</a:t>
+            </a:r>
+          </a:p>
+          <a:p>
+            <a:r>
+              <a:rPr lang="en-GB" b="0" dirty="0">
+                <a:solidFill>
+                  <a:srgbClr val="656565"/>
+                </a:solidFill>
+                <a:effectLst/>
+                <a:latin typeface="Consolas" panose="020B0609020204030204" pitchFamily="49" charset="0"/>
+              </a:rPr>
+              <a:t>        max = size</a:t>
+            </a:r>
+          </a:p>
+          <a:p>
+            <a:r>
+              <a:rPr lang="en-GB" b="0" dirty="0">
+                <a:solidFill>
+                  <a:srgbClr val="656565"/>
+                </a:solidFill>
+                <a:effectLst/>
+                <a:latin typeface="Consolas" panose="020B0609020204030204" pitchFamily="49" charset="0"/>
+              </a:rPr>
+              <a:t>        </a:t>
+            </a:r>
+            <a:r>
+              <a:rPr lang="en-GB" b="0" dirty="0" err="1">
+                <a:solidFill>
+                  <a:srgbClr val="656565"/>
+                </a:solidFill>
+                <a:effectLst/>
+                <a:latin typeface="Consolas" panose="020B0609020204030204" pitchFamily="49" charset="0"/>
+              </a:rPr>
+              <a:t>clique_nodes</a:t>
+            </a:r>
+            <a:r>
+              <a:rPr lang="en-GB" b="0" dirty="0">
+                <a:solidFill>
+                  <a:srgbClr val="656565"/>
+                </a:solidFill>
+                <a:effectLst/>
+                <a:latin typeface="Consolas" panose="020B0609020204030204" pitchFamily="49" charset="0"/>
+              </a:rPr>
+              <a:t> = nodes</a:t>
+            </a:r>
+          </a:p>
+          <a:p>
+            <a:r>
+              <a:rPr lang="en-GB" b="0" dirty="0">
+                <a:solidFill>
+                  <a:srgbClr val="D4D4D4"/>
+                </a:solidFill>
+                <a:effectLst/>
+                <a:latin typeface="Consolas" panose="020B0609020204030204" pitchFamily="49" charset="0"/>
+              </a:rPr>
+              <a:t>        </a:t>
+            </a:r>
+            <a:r>
+              <a:rPr lang="en-GB" b="0" dirty="0">
+                <a:solidFill>
+                  <a:srgbClr val="569CD6"/>
+                </a:solidFill>
+                <a:effectLst/>
+                <a:latin typeface="Consolas" panose="020B0609020204030204" pitchFamily="49" charset="0"/>
+              </a:rPr>
+              <a:t>return</a:t>
+            </a:r>
+            <a:r>
+              <a:rPr lang="en-GB" b="0" dirty="0">
+                <a:solidFill>
+                  <a:srgbClr val="D4D4D4"/>
+                </a:solidFill>
+                <a:effectLst/>
+                <a:latin typeface="Consolas" panose="020B0609020204030204" pitchFamily="49" charset="0"/>
+              </a:rPr>
+              <a:t> </a:t>
+            </a:r>
+          </a:p>
+          <a:p>
+            <a:r>
+              <a:rPr lang="en-GB" b="0" dirty="0">
+                <a:solidFill>
+                  <a:srgbClr val="D4D4D4"/>
+                </a:solidFill>
+                <a:effectLst/>
+                <a:latin typeface="Consolas" panose="020B0609020204030204" pitchFamily="49" charset="0"/>
+              </a:rPr>
+              <a:t>        </a:t>
+            </a:r>
+          </a:p>
+          <a:p>
+            <a:r>
+              <a:rPr lang="en-GB" b="0" dirty="0">
+                <a:solidFill>
+                  <a:srgbClr val="D4D4D4"/>
+                </a:solidFill>
+                <a:effectLst/>
+                <a:latin typeface="Consolas" panose="020B0609020204030204" pitchFamily="49" charset="0"/>
+              </a:rPr>
+              <a:t>    </a:t>
+            </a:r>
+            <a:r>
+              <a:rPr lang="en-GB" b="0" dirty="0">
+                <a:solidFill>
+                  <a:srgbClr val="569CD6"/>
+                </a:solidFill>
+                <a:effectLst/>
+                <a:latin typeface="Consolas" panose="020B0609020204030204" pitchFamily="49" charset="0"/>
+              </a:rPr>
+              <a:t>while</a:t>
+            </a:r>
+            <a:r>
+              <a:rPr lang="en-GB" b="0" dirty="0">
+                <a:solidFill>
+                  <a:srgbClr val="D4D4D4"/>
+                </a:solidFill>
+                <a:effectLst/>
+                <a:latin typeface="Consolas" panose="020B0609020204030204" pitchFamily="49" charset="0"/>
+              </a:rPr>
+              <a:t> </a:t>
+            </a:r>
+            <a:r>
+              <a:rPr lang="en-GB" b="0" dirty="0" err="1">
+                <a:solidFill>
+                  <a:srgbClr val="656565"/>
+                </a:solidFill>
+                <a:effectLst/>
+                <a:latin typeface="Consolas" panose="020B0609020204030204" pitchFamily="49" charset="0"/>
+              </a:rPr>
+              <a:t>len</a:t>
+            </a:r>
+            <a:r>
+              <a:rPr lang="en-GB" b="0" dirty="0">
+                <a:solidFill>
+                  <a:srgbClr val="656565"/>
+                </a:solidFill>
+                <a:effectLst/>
+                <a:latin typeface="Consolas" panose="020B0609020204030204" pitchFamily="49" charset="0"/>
+              </a:rPr>
+              <a:t>(U) != 0:</a:t>
+            </a:r>
+          </a:p>
+          <a:p>
+            <a:r>
+              <a:rPr lang="en-GB" b="0" dirty="0">
+                <a:solidFill>
+                  <a:srgbClr val="D4D4D4"/>
+                </a:solidFill>
+                <a:effectLst/>
+                <a:latin typeface="Consolas" panose="020B0609020204030204" pitchFamily="49" charset="0"/>
+              </a:rPr>
+              <a:t>        </a:t>
+            </a:r>
+            <a:r>
+              <a:rPr lang="en-GB" b="0" dirty="0">
+                <a:solidFill>
+                  <a:srgbClr val="569CD6"/>
+                </a:solidFill>
+                <a:effectLst/>
+                <a:latin typeface="Consolas" panose="020B0609020204030204" pitchFamily="49" charset="0"/>
+              </a:rPr>
+              <a:t>if</a:t>
+            </a:r>
+            <a:r>
+              <a:rPr lang="en-GB" b="0" dirty="0">
+                <a:solidFill>
+                  <a:srgbClr val="D4D4D4"/>
+                </a:solidFill>
+                <a:effectLst/>
+                <a:latin typeface="Consolas" panose="020B0609020204030204" pitchFamily="49" charset="0"/>
+              </a:rPr>
+              <a:t> </a:t>
+            </a:r>
+            <a:r>
+              <a:rPr lang="en-GB" b="0" dirty="0">
+                <a:solidFill>
+                  <a:srgbClr val="656565"/>
+                </a:solidFill>
+                <a:effectLst/>
+                <a:latin typeface="Consolas" panose="020B0609020204030204" pitchFamily="49" charset="0"/>
+              </a:rPr>
+              <a:t>size + </a:t>
+            </a:r>
+            <a:r>
+              <a:rPr lang="en-GB" b="0" dirty="0" err="1">
+                <a:solidFill>
+                  <a:srgbClr val="656565"/>
+                </a:solidFill>
+                <a:effectLst/>
+                <a:latin typeface="Consolas" panose="020B0609020204030204" pitchFamily="49" charset="0"/>
+              </a:rPr>
+              <a:t>len</a:t>
+            </a:r>
+            <a:r>
+              <a:rPr lang="en-GB" b="0" dirty="0">
+                <a:solidFill>
+                  <a:srgbClr val="656565"/>
+                </a:solidFill>
+                <a:effectLst/>
+                <a:latin typeface="Consolas" panose="020B0609020204030204" pitchFamily="49" charset="0"/>
+              </a:rPr>
+              <a:t>(U) &lt;= max:</a:t>
+            </a:r>
+          </a:p>
+          <a:p>
+            <a:r>
+              <a:rPr lang="en-GB" b="0" dirty="0">
+                <a:solidFill>
+                  <a:srgbClr val="D4D4D4"/>
+                </a:solidFill>
+                <a:effectLst/>
+                <a:latin typeface="Consolas" panose="020B0609020204030204" pitchFamily="49" charset="0"/>
+              </a:rPr>
+              <a:t>            </a:t>
+            </a:r>
+            <a:r>
+              <a:rPr lang="en-GB" b="0" dirty="0">
+                <a:solidFill>
+                  <a:srgbClr val="569CD6"/>
+                </a:solidFill>
+                <a:effectLst/>
+                <a:latin typeface="Consolas" panose="020B0609020204030204" pitchFamily="49" charset="0"/>
+              </a:rPr>
+              <a:t>return</a:t>
+            </a:r>
+            <a:r>
+              <a:rPr lang="en-GB" b="0" dirty="0">
+                <a:solidFill>
+                  <a:srgbClr val="D4D4D4"/>
+                </a:solidFill>
+                <a:effectLst/>
+                <a:latin typeface="Consolas" panose="020B0609020204030204" pitchFamily="49" charset="0"/>
+              </a:rPr>
+              <a:t> </a:t>
+            </a:r>
+          </a:p>
+          <a:p>
+            <a:r>
+              <a:rPr lang="en-GB" b="0" dirty="0">
+                <a:solidFill>
+                  <a:srgbClr val="D4D4D4"/>
+                </a:solidFill>
+                <a:effectLst/>
+                <a:latin typeface="Consolas" panose="020B0609020204030204" pitchFamily="49" charset="0"/>
+              </a:rPr>
+              <a:t>        </a:t>
+            </a:r>
+            <a:r>
+              <a:rPr lang="en-GB" b="0" dirty="0" err="1">
+                <a:solidFill>
+                  <a:srgbClr val="656565"/>
+                </a:solidFill>
+                <a:effectLst/>
+                <a:latin typeface="Consolas" panose="020B0609020204030204" pitchFamily="49" charset="0"/>
+              </a:rPr>
+              <a:t>i</a:t>
+            </a:r>
+            <a:r>
+              <a:rPr lang="en-GB" b="0" dirty="0">
+                <a:solidFill>
+                  <a:srgbClr val="656565"/>
+                </a:solidFill>
+                <a:effectLst/>
+                <a:latin typeface="Consolas" panose="020B0609020204030204" pitchFamily="49" charset="0"/>
+              </a:rPr>
+              <a:t> = U[0]</a:t>
+            </a:r>
+          </a:p>
+          <a:p>
+            <a:r>
+              <a:rPr lang="en-GB" b="0" dirty="0">
+                <a:solidFill>
+                  <a:srgbClr val="656565"/>
+                </a:solidFill>
+                <a:effectLst/>
+                <a:latin typeface="Consolas" panose="020B0609020204030204" pitchFamily="49" charset="0"/>
+              </a:rPr>
+              <a:t>        </a:t>
+            </a:r>
+            <a:r>
+              <a:rPr lang="en-GB" b="0" dirty="0" err="1">
+                <a:solidFill>
+                  <a:srgbClr val="656565"/>
+                </a:solidFill>
+                <a:effectLst/>
+                <a:latin typeface="Consolas" panose="020B0609020204030204" pitchFamily="49" charset="0"/>
+              </a:rPr>
+              <a:t>nodes.append</a:t>
+            </a:r>
+            <a:r>
+              <a:rPr lang="en-GB" b="0" dirty="0">
+                <a:solidFill>
+                  <a:srgbClr val="656565"/>
+                </a:solidFill>
+                <a:effectLst/>
+                <a:latin typeface="Consolas" panose="020B0609020204030204" pitchFamily="49" charset="0"/>
+              </a:rPr>
+              <a:t>(</a:t>
+            </a:r>
+            <a:r>
+              <a:rPr lang="en-GB" b="0" dirty="0" err="1">
+                <a:solidFill>
+                  <a:srgbClr val="656565"/>
+                </a:solidFill>
+                <a:effectLst/>
+                <a:latin typeface="Consolas" panose="020B0609020204030204" pitchFamily="49" charset="0"/>
+              </a:rPr>
+              <a:t>i</a:t>
+            </a:r>
+            <a:r>
+              <a:rPr lang="en-GB" b="0" dirty="0">
+                <a:solidFill>
+                  <a:srgbClr val="656565"/>
+                </a:solidFill>
+                <a:effectLst/>
+                <a:latin typeface="Consolas" panose="020B0609020204030204" pitchFamily="49" charset="0"/>
+              </a:rPr>
+              <a:t>)</a:t>
+            </a:r>
+          </a:p>
+          <a:p>
+            <a:r>
+              <a:rPr lang="en-GB" b="0" dirty="0">
+                <a:solidFill>
+                  <a:srgbClr val="656565"/>
+                </a:solidFill>
+                <a:effectLst/>
+                <a:latin typeface="Consolas" panose="020B0609020204030204" pitchFamily="49" charset="0"/>
+              </a:rPr>
+              <a:t>        </a:t>
+            </a:r>
+            <a:r>
+              <a:rPr lang="en-GB" b="0" dirty="0" err="1">
+                <a:solidFill>
+                  <a:srgbClr val="656565"/>
+                </a:solidFill>
+                <a:effectLst/>
+                <a:latin typeface="Consolas" panose="020B0609020204030204" pitchFamily="49" charset="0"/>
+              </a:rPr>
+              <a:t>U.remove</a:t>
+            </a:r>
+            <a:r>
+              <a:rPr lang="en-GB" b="0" dirty="0">
+                <a:solidFill>
+                  <a:srgbClr val="656565"/>
+                </a:solidFill>
+                <a:effectLst/>
+                <a:latin typeface="Consolas" panose="020B0609020204030204" pitchFamily="49" charset="0"/>
+              </a:rPr>
+              <a:t>(</a:t>
+            </a:r>
+            <a:r>
+              <a:rPr lang="en-GB" b="0" dirty="0" err="1">
+                <a:solidFill>
+                  <a:srgbClr val="656565"/>
+                </a:solidFill>
+                <a:effectLst/>
+                <a:latin typeface="Consolas" panose="020B0609020204030204" pitchFamily="49" charset="0"/>
+              </a:rPr>
+              <a:t>i</a:t>
+            </a:r>
+            <a:r>
+              <a:rPr lang="en-GB" b="0" dirty="0">
+                <a:solidFill>
+                  <a:srgbClr val="656565"/>
+                </a:solidFill>
+                <a:effectLst/>
+                <a:latin typeface="Consolas" panose="020B0609020204030204" pitchFamily="49" charset="0"/>
+              </a:rPr>
+              <a:t>)</a:t>
+            </a:r>
+          </a:p>
+          <a:p>
+            <a:r>
+              <a:rPr lang="en-GB" b="0" dirty="0">
+                <a:solidFill>
+                  <a:srgbClr val="656565"/>
+                </a:solidFill>
+                <a:effectLst/>
+                <a:latin typeface="Consolas" panose="020B0609020204030204" pitchFamily="49" charset="0"/>
+              </a:rPr>
+              <a:t>        </a:t>
+            </a:r>
+            <a:r>
+              <a:rPr lang="en-GB" b="0" dirty="0" err="1">
+                <a:solidFill>
+                  <a:srgbClr val="656565"/>
+                </a:solidFill>
+                <a:effectLst/>
+                <a:latin typeface="Consolas" panose="020B0609020204030204" pitchFamily="49" charset="0"/>
+              </a:rPr>
+              <a:t>brute_force_clique</a:t>
+            </a:r>
+            <a:r>
+              <a:rPr lang="en-GB" b="0" dirty="0">
+                <a:solidFill>
+                  <a:srgbClr val="656565"/>
+                </a:solidFill>
+                <a:effectLst/>
+                <a:latin typeface="Consolas" panose="020B0609020204030204" pitchFamily="49" charset="0"/>
+              </a:rPr>
+              <a:t>_(G, intersection(U,G[</a:t>
+            </a:r>
+            <a:r>
+              <a:rPr lang="en-GB" b="0" dirty="0" err="1">
+                <a:solidFill>
+                  <a:srgbClr val="656565"/>
+                </a:solidFill>
+                <a:effectLst/>
+                <a:latin typeface="Consolas" panose="020B0609020204030204" pitchFamily="49" charset="0"/>
+              </a:rPr>
+              <a:t>i</a:t>
+            </a:r>
+            <a:r>
+              <a:rPr lang="en-GB" b="0" dirty="0">
+                <a:solidFill>
+                  <a:srgbClr val="656565"/>
+                </a:solidFill>
+                <a:effectLst/>
+                <a:latin typeface="Consolas" panose="020B0609020204030204" pitchFamily="49" charset="0"/>
+              </a:rPr>
+              <a:t>]), size+1,nodes[:]) </a:t>
+            </a:r>
+          </a:p>
+          <a:p>
+            <a:br>
+              <a:rPr lang="en-GB" b="0" dirty="0">
+                <a:solidFill>
+                  <a:srgbClr val="D4D4D4"/>
+                </a:solidFill>
+                <a:effectLst/>
+                <a:latin typeface="Consolas" panose="020B0609020204030204" pitchFamily="49" charset="0"/>
+              </a:rPr>
+            </a:br>
+            <a:r>
+              <a:rPr lang="en-GB" b="0" dirty="0">
+                <a:solidFill>
+                  <a:srgbClr val="569CD6"/>
+                </a:solidFill>
+                <a:effectLst/>
+                <a:latin typeface="Consolas" panose="020B0609020204030204" pitchFamily="49" charset="0"/>
+              </a:rPr>
+              <a:t>def</a:t>
+            </a:r>
+            <a:r>
+              <a:rPr lang="en-GB" b="0" dirty="0">
+                <a:solidFill>
+                  <a:srgbClr val="D4D4D4"/>
+                </a:solidFill>
+                <a:effectLst/>
+                <a:latin typeface="Consolas" panose="020B0609020204030204" pitchFamily="49" charset="0"/>
+              </a:rPr>
+              <a:t> </a:t>
+            </a:r>
+            <a:r>
+              <a:rPr lang="en-GB" b="0" dirty="0" err="1">
+                <a:solidFill>
+                  <a:srgbClr val="656565"/>
+                </a:solidFill>
+                <a:effectLst/>
+                <a:latin typeface="Consolas" panose="020B0609020204030204" pitchFamily="49" charset="0"/>
+              </a:rPr>
+              <a:t>brute_force_clique</a:t>
+            </a:r>
+            <a:r>
+              <a:rPr lang="en-GB" b="0" dirty="0">
+                <a:solidFill>
+                  <a:srgbClr val="656565"/>
+                </a:solidFill>
+                <a:effectLst/>
+                <a:latin typeface="Consolas" panose="020B0609020204030204" pitchFamily="49" charset="0"/>
+              </a:rPr>
+              <a:t>(</a:t>
+            </a:r>
+            <a:r>
+              <a:rPr lang="en-GB" b="0" dirty="0" err="1">
+                <a:solidFill>
+                  <a:srgbClr val="656565"/>
+                </a:solidFill>
+                <a:effectLst/>
+                <a:latin typeface="Consolas" panose="020B0609020204030204" pitchFamily="49" charset="0"/>
+              </a:rPr>
+              <a:t>G:dict</a:t>
+            </a:r>
+            <a:r>
+              <a:rPr lang="en-GB" b="0" dirty="0">
+                <a:solidFill>
+                  <a:srgbClr val="656565"/>
+                </a:solidFill>
+                <a:effectLst/>
+                <a:latin typeface="Consolas" panose="020B0609020204030204" pitchFamily="49" charset="0"/>
+              </a:rPr>
+              <a:t>):</a:t>
+            </a:r>
+          </a:p>
+          <a:p>
+            <a:r>
+              <a:rPr lang="en-GB" b="0" dirty="0">
+                <a:solidFill>
+                  <a:srgbClr val="656565"/>
+                </a:solidFill>
+                <a:effectLst/>
+                <a:latin typeface="Consolas" panose="020B0609020204030204" pitchFamily="49" charset="0"/>
+              </a:rPr>
+              <a:t>    </a:t>
+            </a:r>
+            <a:r>
+              <a:rPr lang="en-GB" b="0" dirty="0" err="1">
+                <a:solidFill>
+                  <a:srgbClr val="656565"/>
+                </a:solidFill>
+                <a:effectLst/>
+                <a:latin typeface="Consolas" panose="020B0609020204030204" pitchFamily="49" charset="0"/>
+              </a:rPr>
+              <a:t>brute_force_clique</a:t>
+            </a:r>
+            <a:r>
+              <a:rPr lang="en-GB" b="0" dirty="0">
+                <a:solidFill>
+                  <a:srgbClr val="656565"/>
+                </a:solidFill>
+                <a:effectLst/>
+                <a:latin typeface="Consolas" panose="020B0609020204030204" pitchFamily="49" charset="0"/>
+              </a:rPr>
+              <a:t>_(G, list(</a:t>
+            </a:r>
+            <a:r>
+              <a:rPr lang="en-GB" b="0" dirty="0" err="1">
+                <a:solidFill>
+                  <a:srgbClr val="656565"/>
+                </a:solidFill>
+                <a:effectLst/>
+                <a:latin typeface="Consolas" panose="020B0609020204030204" pitchFamily="49" charset="0"/>
+              </a:rPr>
+              <a:t>G.keys</a:t>
+            </a:r>
+            <a:r>
+              <a:rPr lang="en-GB" b="0" dirty="0">
+                <a:solidFill>
+                  <a:srgbClr val="656565"/>
+                </a:solidFill>
+                <a:effectLst/>
+                <a:latin typeface="Consolas" panose="020B0609020204030204" pitchFamily="49" charset="0"/>
+              </a:rPr>
+              <a:t>()), 0, [])</a:t>
+            </a:r>
+          </a:p>
+          <a:p>
+            <a:pPr marL="0" indent="0">
+              <a:buNone/>
+            </a:pPr>
+            <a:endParaRPr lang="sr-Latn-RS" dirty="0">
+              <a:latin typeface="Rod" panose="020B0604020202020204" pitchFamily="49" charset="-79"/>
+              <a:cs typeface="Rod" panose="020B0604020202020204" pitchFamily="49" charset="-79"/>
+            </a:endParaRPr>
+          </a:p>
+        </p:txBody>
+      </p:sp>
+      <p:sp>
+        <p:nvSpPr>
+          <p:cNvPr id="8" name="TextBox 7">
+            <a:extLst>
+              <a:ext uri="{FF2B5EF4-FFF2-40B4-BE49-F238E27FC236}">
+                <a16:creationId xmlns:a16="http://schemas.microsoft.com/office/drawing/2014/main" id="{D7E9EAB1-3D4E-41D5-92ED-5F69DF178FDC}"/>
+              </a:ext>
+            </a:extLst>
+          </p:cNvPr>
+          <p:cNvSpPr txBox="1"/>
+          <p:nvPr/>
+        </p:nvSpPr>
+        <p:spPr>
+          <a:xfrm>
+            <a:off x="5587512" y="2077312"/>
+            <a:ext cx="6290896" cy="923330"/>
+          </a:xfrm>
+          <a:prstGeom prst="rect">
+            <a:avLst/>
+          </a:prstGeom>
+          <a:noFill/>
+          <a:ln>
+            <a:solidFill>
+              <a:schemeClr val="accent1"/>
+            </a:solidFill>
+          </a:ln>
+        </p:spPr>
+        <p:txBody>
+          <a:bodyPr wrap="square" rtlCol="0">
+            <a:spAutoFit/>
+          </a:bodyPr>
+          <a:lstStyle/>
+          <a:p>
+            <a:r>
+              <a:rPr lang="en-GB" b="0" dirty="0">
+                <a:solidFill>
+                  <a:srgbClr val="569CD6"/>
+                </a:solidFill>
+                <a:effectLst/>
+                <a:latin typeface="Consolas" panose="020B0609020204030204" pitchFamily="49" charset="0"/>
+              </a:rPr>
+              <a:t>def</a:t>
+            </a:r>
+            <a:r>
+              <a:rPr lang="en-GB" b="0" dirty="0">
+                <a:solidFill>
+                  <a:srgbClr val="D4D4D4"/>
+                </a:solidFill>
+                <a:effectLst/>
+                <a:latin typeface="Consolas" panose="020B0609020204030204" pitchFamily="49" charset="0"/>
+              </a:rPr>
+              <a:t> </a:t>
+            </a:r>
+            <a:r>
+              <a:rPr lang="en-GB" b="0" dirty="0">
+                <a:solidFill>
+                  <a:srgbClr val="656565"/>
+                </a:solidFill>
+                <a:effectLst/>
+                <a:latin typeface="Consolas" panose="020B0609020204030204" pitchFamily="49" charset="0"/>
+              </a:rPr>
+              <a:t>intersection(a: list, b: list):</a:t>
+            </a:r>
+          </a:p>
+          <a:p>
+            <a:r>
+              <a:rPr lang="en-GB" b="0" dirty="0">
+                <a:solidFill>
+                  <a:srgbClr val="D4D4D4"/>
+                </a:solidFill>
+                <a:effectLst/>
+                <a:latin typeface="Consolas" panose="020B0609020204030204" pitchFamily="49" charset="0"/>
+              </a:rPr>
+              <a:t>    </a:t>
+            </a:r>
+            <a:r>
+              <a:rPr lang="en-GB" b="0" dirty="0">
+                <a:solidFill>
+                  <a:srgbClr val="569CD6"/>
+                </a:solidFill>
+                <a:effectLst/>
+                <a:latin typeface="Consolas" panose="020B0609020204030204" pitchFamily="49" charset="0"/>
+              </a:rPr>
+              <a:t>return</a:t>
+            </a:r>
+            <a:r>
+              <a:rPr lang="en-GB" b="0" dirty="0">
+                <a:solidFill>
+                  <a:srgbClr val="D4D4D4"/>
+                </a:solidFill>
+                <a:effectLst/>
+                <a:latin typeface="Consolas" panose="020B0609020204030204" pitchFamily="49" charset="0"/>
+              </a:rPr>
+              <a:t> </a:t>
+            </a:r>
+            <a:r>
+              <a:rPr lang="en-GB" b="0" dirty="0">
+                <a:solidFill>
+                  <a:srgbClr val="656565"/>
+                </a:solidFill>
+                <a:effectLst/>
+                <a:latin typeface="Consolas" panose="020B0609020204030204" pitchFamily="49" charset="0"/>
+              </a:rPr>
+              <a:t>[value </a:t>
+            </a:r>
+            <a:r>
+              <a:rPr lang="en-GB" b="0" dirty="0">
+                <a:solidFill>
+                  <a:srgbClr val="569CD6"/>
+                </a:solidFill>
+                <a:effectLst/>
+                <a:latin typeface="Consolas" panose="020B0609020204030204" pitchFamily="49" charset="0"/>
+              </a:rPr>
+              <a:t>for</a:t>
+            </a:r>
+            <a:r>
+              <a:rPr lang="en-GB" b="0" dirty="0">
+                <a:solidFill>
+                  <a:srgbClr val="D4D4D4"/>
+                </a:solidFill>
+                <a:effectLst/>
+                <a:latin typeface="Consolas" panose="020B0609020204030204" pitchFamily="49" charset="0"/>
+              </a:rPr>
+              <a:t> </a:t>
+            </a:r>
+            <a:r>
+              <a:rPr lang="en-GB" b="0" dirty="0">
+                <a:solidFill>
+                  <a:srgbClr val="656565"/>
+                </a:solidFill>
+                <a:effectLst/>
+                <a:latin typeface="Consolas" panose="020B0609020204030204" pitchFamily="49" charset="0"/>
+              </a:rPr>
+              <a:t>value</a:t>
+            </a:r>
+            <a:r>
+              <a:rPr lang="en-GB" b="0" dirty="0">
+                <a:solidFill>
+                  <a:srgbClr val="D4D4D4"/>
+                </a:solidFill>
+                <a:effectLst/>
+                <a:latin typeface="Consolas" panose="020B0609020204030204" pitchFamily="49" charset="0"/>
+              </a:rPr>
+              <a:t> </a:t>
+            </a:r>
+            <a:r>
+              <a:rPr lang="en-GB" b="0" dirty="0">
+                <a:solidFill>
+                  <a:srgbClr val="569CD6"/>
+                </a:solidFill>
+                <a:effectLst/>
+                <a:latin typeface="Consolas" panose="020B0609020204030204" pitchFamily="49" charset="0"/>
+              </a:rPr>
+              <a:t>in</a:t>
+            </a:r>
+            <a:r>
+              <a:rPr lang="en-GB" b="0" dirty="0">
+                <a:solidFill>
+                  <a:srgbClr val="D4D4D4"/>
+                </a:solidFill>
+                <a:effectLst/>
+                <a:latin typeface="Consolas" panose="020B0609020204030204" pitchFamily="49" charset="0"/>
+              </a:rPr>
+              <a:t> </a:t>
+            </a:r>
+            <a:r>
+              <a:rPr lang="en-GB" b="0" dirty="0">
+                <a:solidFill>
+                  <a:srgbClr val="656565"/>
+                </a:solidFill>
+                <a:effectLst/>
+                <a:latin typeface="Consolas" panose="020B0609020204030204" pitchFamily="49" charset="0"/>
+              </a:rPr>
+              <a:t>a</a:t>
+            </a:r>
+            <a:r>
+              <a:rPr lang="en-GB" b="0" dirty="0">
+                <a:solidFill>
+                  <a:srgbClr val="D4D4D4"/>
+                </a:solidFill>
+                <a:effectLst/>
+                <a:latin typeface="Consolas" panose="020B0609020204030204" pitchFamily="49" charset="0"/>
+              </a:rPr>
+              <a:t> </a:t>
+            </a:r>
+            <a:r>
+              <a:rPr lang="en-GB" b="0" dirty="0">
+                <a:solidFill>
+                  <a:srgbClr val="569CD6"/>
+                </a:solidFill>
+                <a:effectLst/>
+                <a:latin typeface="Consolas" panose="020B0609020204030204" pitchFamily="49" charset="0"/>
+              </a:rPr>
+              <a:t>if</a:t>
+            </a:r>
+            <a:r>
+              <a:rPr lang="en-GB" b="0" dirty="0">
+                <a:solidFill>
+                  <a:srgbClr val="D4D4D4"/>
+                </a:solidFill>
+                <a:effectLst/>
+                <a:latin typeface="Consolas" panose="020B0609020204030204" pitchFamily="49" charset="0"/>
+              </a:rPr>
+              <a:t> </a:t>
+            </a:r>
+            <a:r>
+              <a:rPr lang="en-GB" b="0" dirty="0">
+                <a:solidFill>
+                  <a:srgbClr val="656565"/>
+                </a:solidFill>
+                <a:effectLst/>
+                <a:latin typeface="Consolas" panose="020B0609020204030204" pitchFamily="49" charset="0"/>
+              </a:rPr>
+              <a:t>value </a:t>
+            </a:r>
+            <a:r>
+              <a:rPr lang="en-GB" b="0" dirty="0">
+                <a:solidFill>
+                  <a:srgbClr val="569CD6"/>
+                </a:solidFill>
+                <a:effectLst/>
+                <a:latin typeface="Consolas" panose="020B0609020204030204" pitchFamily="49" charset="0"/>
+              </a:rPr>
+              <a:t>in</a:t>
+            </a:r>
+            <a:r>
+              <a:rPr lang="en-GB" b="0" dirty="0">
+                <a:solidFill>
+                  <a:srgbClr val="D4D4D4"/>
+                </a:solidFill>
+                <a:effectLst/>
+                <a:latin typeface="Consolas" panose="020B0609020204030204" pitchFamily="49" charset="0"/>
+              </a:rPr>
+              <a:t> </a:t>
+            </a:r>
+            <a:r>
+              <a:rPr lang="en-GB" b="0" dirty="0">
+                <a:solidFill>
+                  <a:srgbClr val="656565"/>
+                </a:solidFill>
+                <a:effectLst/>
+                <a:latin typeface="Consolas" panose="020B0609020204030204" pitchFamily="49" charset="0"/>
+              </a:rPr>
+              <a:t>b]</a:t>
+            </a:r>
+            <a:endParaRPr lang="sr-Latn-RS" b="0" dirty="0">
+              <a:solidFill>
+                <a:srgbClr val="656565"/>
+              </a:solidFill>
+              <a:effectLst/>
+              <a:latin typeface="Consolas" panose="020B0609020204030204" pitchFamily="49" charset="0"/>
+            </a:endParaRPr>
+          </a:p>
+          <a:p>
+            <a:endParaRPr lang="sr-Latn-RS" dirty="0"/>
+          </a:p>
+        </p:txBody>
+      </p:sp>
+    </p:spTree>
+    <p:extLst>
+      <p:ext uri="{BB962C8B-B14F-4D97-AF65-F5344CB8AC3E}">
+        <p14:creationId xmlns:p14="http://schemas.microsoft.com/office/powerpoint/2010/main" val="4117549991"/>
+      </p:ext>
+    </p:extLst>
+  </p:cSld>
+  <p:clrMapOvr>
+    <a:masterClrMapping/>
+  </p:clrMapOvr>
+</p:sld>
+</file>
+
+<file path=ppt/slides/slide4.xml><?xml version="1.0" encoding="utf-8"?>
+<p:sld xmlns:a="http://schemas.openxmlformats.org/drawingml/2006/main" xmlns:r="http://schemas.openxmlformats.org/officeDocument/2006/relationships" xmlns:p="http://schemas.openxmlformats.org/presentationml/2006/main">
+  <p:cSld>
+    <p:spTree>
+      <p:nvGrpSpPr>
+        <p:cNvPr id="1" name=""/>
+        <p:cNvGrpSpPr/>
+        <p:nvPr/>
+      </p:nvGrpSpPr>
+      <p:grpSpPr>
+        <a:xfrm>
+          <a:off x="0" y="0"/>
+          <a:ext cx="0" cy="0"/>
+          <a:chOff x="0" y="0"/>
+          <a:chExt cx="0" cy="0"/>
+        </a:xfrm>
+      </p:grpSpPr>
+      <p:sp>
+        <p:nvSpPr>
+          <p:cNvPr id="2" name="Title 1">
+            <a:extLst>
+              <a:ext uri="{FF2B5EF4-FFF2-40B4-BE49-F238E27FC236}">
+                <a16:creationId xmlns:a16="http://schemas.microsoft.com/office/drawing/2014/main" id="{4EE5920F-2A1C-4078-A924-BB85ABB7C939}"/>
+              </a:ext>
+            </a:extLst>
+          </p:cNvPr>
+          <p:cNvSpPr>
+            <a:spLocks noGrp="1"/>
+          </p:cNvSpPr>
+          <p:nvPr>
+            <p:ph type="title"/>
+          </p:nvPr>
+        </p:nvSpPr>
+        <p:spPr>
+          <a:xfrm>
+            <a:off x="581192" y="702156"/>
+            <a:ext cx="11029616" cy="546352"/>
+          </a:xfrm>
+        </p:spPr>
+        <p:txBody>
+          <a:bodyPr/>
+          <a:lstStyle/>
+          <a:p>
+            <a:r>
+              <a:rPr lang="sr-Latn-RS" dirty="0"/>
+              <a:t>Optimizacija genetskim algoritmom</a:t>
+            </a:r>
+          </a:p>
+        </p:txBody>
+      </p:sp>
+      <p:sp>
+        <p:nvSpPr>
+          <p:cNvPr id="3" name="Content Placeholder 2">
+            <a:extLst>
+              <a:ext uri="{FF2B5EF4-FFF2-40B4-BE49-F238E27FC236}">
+                <a16:creationId xmlns:a16="http://schemas.microsoft.com/office/drawing/2014/main" id="{12155267-2A50-45E9-96E1-92765E191893}"/>
+              </a:ext>
+            </a:extLst>
+          </p:cNvPr>
+          <p:cNvSpPr>
+            <a:spLocks noGrp="1"/>
+          </p:cNvSpPr>
+          <p:nvPr>
+            <p:ph idx="1"/>
+          </p:nvPr>
+        </p:nvSpPr>
+        <p:spPr>
+          <a:xfrm>
+            <a:off x="581192" y="1248508"/>
+            <a:ext cx="11029615" cy="5152292"/>
+          </a:xfrm>
+        </p:spPr>
+        <p:txBody>
+          <a:bodyPr/>
+          <a:lstStyle/>
+          <a:p>
+            <a:r>
+              <a:rPr lang="sr-Latn-RS" dirty="0"/>
+              <a:t>Klasa </a:t>
+            </a:r>
+            <a:r>
+              <a:rPr lang="sr-Latn-RS" dirty="0">
+                <a:latin typeface="Consolas" panose="020B0609020204030204" pitchFamily="49" charset="0"/>
+              </a:rPr>
+              <a:t>Node</a:t>
+            </a:r>
+            <a:r>
+              <a:rPr lang="sr-Latn-RS" dirty="0"/>
+              <a:t> (vrednost, stepen, skup suseda)</a:t>
+            </a:r>
+          </a:p>
+          <a:p>
+            <a:r>
+              <a:rPr lang="sr-Latn-RS" dirty="0"/>
+              <a:t>Klasa </a:t>
+            </a:r>
+            <a:r>
+              <a:rPr lang="sr-Latn-RS" dirty="0">
+                <a:latin typeface="Consolas" panose="020B0609020204030204" pitchFamily="49" charset="0"/>
+              </a:rPr>
+              <a:t>Graph</a:t>
+            </a:r>
+            <a:r>
+              <a:rPr lang="sr-Latn-RS" dirty="0"/>
+              <a:t> (mapa čvor: susedi, matrica susedstva, sortirani čvorovi)</a:t>
+            </a:r>
+            <a:endParaRPr lang="en-US" dirty="0"/>
+          </a:p>
+          <a:p>
+            <a:pPr lvl="1"/>
+            <a:r>
+              <a:rPr lang="en-US" dirty="0" err="1">
+                <a:latin typeface="Consolas" panose="020B0609020204030204" pitchFamily="49" charset="0"/>
+              </a:rPr>
+              <a:t>add_edge</a:t>
+            </a:r>
+            <a:r>
+              <a:rPr lang="en-US" dirty="0">
+                <a:latin typeface="Consolas" panose="020B0609020204030204" pitchFamily="49" charset="0"/>
+              </a:rPr>
+              <a:t> : </a:t>
+            </a:r>
+            <a:r>
+              <a:rPr lang="en-US" dirty="0" err="1"/>
+              <a:t>dodaje</a:t>
+            </a:r>
+            <a:r>
+              <a:rPr lang="en-US" dirty="0"/>
+              <a:t> se u </a:t>
+            </a:r>
+            <a:r>
+              <a:rPr lang="en-US" dirty="0" err="1"/>
+              <a:t>matricu</a:t>
+            </a:r>
+            <a:r>
+              <a:rPr lang="en-US" dirty="0"/>
+              <a:t> </a:t>
+            </a:r>
+            <a:r>
+              <a:rPr lang="en-US" dirty="0" err="1"/>
+              <a:t>susedstva</a:t>
+            </a:r>
+            <a:r>
+              <a:rPr lang="en-US" dirty="0"/>
+              <a:t>, za </a:t>
+            </a:r>
+            <a:r>
+              <a:rPr lang="en-US" dirty="0" err="1"/>
+              <a:t>svaki</a:t>
+            </a:r>
+            <a:r>
+              <a:rPr lang="en-US" dirty="0"/>
+              <a:t> </a:t>
+            </a:r>
+            <a:r>
+              <a:rPr lang="sr-Latn-RS" dirty="0"/>
+              <a:t>čvor se računa stepen i dodaje mu se sused u listu, svi čvorovi koji nisu već obrađeni smeštaju se u listu sortiranih čvorova</a:t>
+            </a:r>
+          </a:p>
+          <a:p>
+            <a:pPr lvl="1"/>
+            <a:r>
+              <a:rPr lang="sr-Latn-RS" dirty="0">
+                <a:latin typeface="Consolas" panose="020B0609020204030204" pitchFamily="49" charset="0"/>
+              </a:rPr>
+              <a:t>sortList : </a:t>
+            </a:r>
+            <a:r>
+              <a:rPr lang="sr-Latn-RS" dirty="0"/>
+              <a:t>skup sortiranih čvorova se ažurira tako da bude opadajući prema stepenu čvora</a:t>
+            </a:r>
+          </a:p>
+          <a:p>
+            <a:pPr lvl="1"/>
+            <a:r>
+              <a:rPr lang="sr-Latn-RS" dirty="0">
+                <a:latin typeface="Consolas" panose="020B0609020204030204" pitchFamily="49" charset="0"/>
+              </a:rPr>
+              <a:t>visualize : </a:t>
+            </a:r>
+            <a:r>
+              <a:rPr lang="sr-Latn-RS" dirty="0"/>
+              <a:t>korišćenjem </a:t>
+            </a:r>
+            <a:r>
+              <a:rPr lang="sr-Latn-RS" dirty="0">
+                <a:latin typeface="Consolas" panose="020B0609020204030204" pitchFamily="49" charset="0"/>
+              </a:rPr>
+              <a:t>networkx</a:t>
+            </a:r>
+            <a:r>
+              <a:rPr lang="sr-Latn-RS" dirty="0"/>
+              <a:t> i </a:t>
+            </a:r>
+            <a:r>
+              <a:rPr lang="sr-Latn-RS" dirty="0">
+                <a:latin typeface="Consolas" panose="020B0609020204030204" pitchFamily="49" charset="0"/>
+              </a:rPr>
+              <a:t>matplotlib</a:t>
+            </a:r>
+            <a:r>
+              <a:rPr lang="sr-Latn-RS" dirty="0"/>
+              <a:t> biblioteka </a:t>
+            </a:r>
+            <a:endParaRPr lang="en-US" dirty="0">
+              <a:latin typeface="Consolas" panose="020B0609020204030204" pitchFamily="49" charset="0"/>
+            </a:endParaRPr>
+          </a:p>
+          <a:p>
+            <a:r>
+              <a:rPr lang="sr-Latn-RS" dirty="0"/>
+              <a:t>Klasa </a:t>
+            </a:r>
+            <a:r>
+              <a:rPr lang="sr-Latn-RS" dirty="0">
+                <a:latin typeface="Consolas" panose="020B0609020204030204" pitchFamily="49" charset="0"/>
+              </a:rPr>
+              <a:t>Clique </a:t>
+            </a:r>
+            <a:r>
+              <a:rPr lang="sr-Latn-RS" dirty="0"/>
+              <a:t>(skup čvorova koji čine kliku, skup kandidata za kliku)</a:t>
+            </a:r>
+          </a:p>
+          <a:p>
+            <a:pPr lvl="1"/>
+            <a:r>
+              <a:rPr lang="sr-Latn-RS" dirty="0">
+                <a:latin typeface="Consolas" panose="020B0609020204030204" pitchFamily="49" charset="0"/>
+              </a:rPr>
+              <a:t>init : </a:t>
+            </a:r>
+            <a:r>
+              <a:rPr lang="sr-Latn-RS" dirty="0"/>
+              <a:t>za početni čvor se konstruiše klika, za svaki od čvorova grafa ako u matrici susedstva grafa postoji grana dodaje se u listu kandidata za kliku</a:t>
+            </a:r>
+            <a:endParaRPr lang="en-US" dirty="0"/>
+          </a:p>
+          <a:p>
+            <a:pPr lvl="1"/>
+            <a:r>
+              <a:rPr lang="en-US" dirty="0" err="1">
+                <a:latin typeface="Consolas" panose="020B0609020204030204" pitchFamily="49" charset="0"/>
+              </a:rPr>
+              <a:t>add_vertex</a:t>
+            </a:r>
+            <a:r>
+              <a:rPr lang="en-US" dirty="0">
+                <a:latin typeface="Consolas" panose="020B0609020204030204" pitchFamily="49" charset="0"/>
+              </a:rPr>
+              <a:t> : </a:t>
+            </a:r>
+            <a:r>
+              <a:rPr lang="sr-Latn-RS" dirty="0"/>
+              <a:t>ako već nije u listi klike briše se iz liste kandidata i prebacuje u kliku, onda se ostali kandidati uklanjaju ako ne postoji veza(grana) sa novoubačenim čvorom</a:t>
+            </a:r>
+          </a:p>
+          <a:p>
+            <a:pPr lvl="1"/>
+            <a:r>
+              <a:rPr lang="sr-Latn-RS" dirty="0">
+                <a:latin typeface="Consolas" panose="020B0609020204030204" pitchFamily="49" charset="0"/>
+              </a:rPr>
+              <a:t>remove</a:t>
+            </a:r>
+            <a:r>
+              <a:rPr lang="en-US" dirty="0">
+                <a:latin typeface="Consolas" panose="020B0609020204030204" pitchFamily="49" charset="0"/>
+              </a:rPr>
+              <a:t>_vertex : </a:t>
+            </a:r>
+            <a:r>
+              <a:rPr lang="en-US" dirty="0" err="1"/>
+              <a:t>ako</a:t>
+            </a:r>
+            <a:r>
+              <a:rPr lang="en-US" dirty="0"/>
+              <a:t> </a:t>
+            </a:r>
+            <a:r>
+              <a:rPr lang="en-US" dirty="0" err="1"/>
+              <a:t>postoji</a:t>
+            </a:r>
+            <a:r>
+              <a:rPr lang="en-US" dirty="0"/>
+              <a:t> u </a:t>
+            </a:r>
+            <a:r>
+              <a:rPr lang="en-US" dirty="0" err="1"/>
+              <a:t>kliki</a:t>
+            </a:r>
+            <a:r>
+              <a:rPr lang="en-US" dirty="0"/>
+              <a:t> brise se </a:t>
+            </a:r>
+            <a:r>
+              <a:rPr lang="en-US" dirty="0" err="1"/>
+              <a:t>iz</a:t>
+            </a:r>
+            <a:r>
+              <a:rPr lang="en-US" dirty="0"/>
+              <a:t> </a:t>
+            </a:r>
+            <a:r>
+              <a:rPr lang="en-US" dirty="0" err="1"/>
+              <a:t>skupa</a:t>
+            </a:r>
+            <a:r>
+              <a:rPr lang="en-US" dirty="0"/>
+              <a:t> </a:t>
+            </a:r>
+            <a:r>
+              <a:rPr lang="en-US" dirty="0" err="1"/>
+              <a:t>kandidata</a:t>
+            </a:r>
+            <a:r>
+              <a:rPr lang="en-US" dirty="0"/>
+              <a:t>, za </a:t>
+            </a:r>
+            <a:r>
+              <a:rPr lang="en-US" dirty="0" err="1"/>
+              <a:t>svaki</a:t>
+            </a:r>
+            <a:r>
+              <a:rPr lang="en-US" dirty="0"/>
+              <a:t> </a:t>
+            </a:r>
+            <a:r>
+              <a:rPr lang="sr-Latn-RS" dirty="0"/>
+              <a:t>čvor grafa koji nije već u kliki ako postoji veza sa svim čvorovima unutar klike dodaje se u skup kandidata</a:t>
+            </a:r>
+          </a:p>
+          <a:p>
+            <a:pPr lvl="1"/>
+            <a:r>
+              <a:rPr lang="en-US" dirty="0">
+                <a:latin typeface="Consolas" panose="020B0609020204030204" pitchFamily="49" charset="0"/>
+              </a:rPr>
+              <a:t>c</a:t>
+            </a:r>
+            <a:r>
+              <a:rPr lang="sr-Latn-RS" dirty="0">
+                <a:latin typeface="Consolas" panose="020B0609020204030204" pitchFamily="49" charset="0"/>
+              </a:rPr>
+              <a:t>ompute</a:t>
+            </a:r>
+            <a:r>
+              <a:rPr lang="en-US" dirty="0">
+                <a:latin typeface="Consolas" panose="020B0609020204030204" pitchFamily="49" charset="0"/>
+              </a:rPr>
+              <a:t>_</a:t>
+            </a:r>
+            <a:r>
+              <a:rPr lang="en-US" dirty="0" err="1">
+                <a:latin typeface="Consolas" panose="020B0609020204030204" pitchFamily="49" charset="0"/>
+              </a:rPr>
+              <a:t>sorted_list</a:t>
+            </a:r>
+            <a:r>
+              <a:rPr lang="en-US" dirty="0">
+                <a:latin typeface="Consolas" panose="020B0609020204030204" pitchFamily="49" charset="0"/>
+              </a:rPr>
+              <a:t> : </a:t>
+            </a:r>
+            <a:r>
+              <a:rPr lang="en-US" dirty="0" err="1"/>
+              <a:t>svakom</a:t>
+            </a:r>
+            <a:r>
+              <a:rPr lang="en-US" dirty="0"/>
+              <a:t> od </a:t>
+            </a:r>
+            <a:r>
+              <a:rPr lang="en-US" dirty="0" err="1"/>
+              <a:t>kandidata</a:t>
+            </a:r>
+            <a:r>
+              <a:rPr lang="en-US" dirty="0"/>
+              <a:t> se a</a:t>
+            </a:r>
+            <a:r>
+              <a:rPr lang="sr-Latn-RS" dirty="0"/>
+              <a:t>žurira reach ka ostalim kandidatima, takvi Node-ovi se dodaju u listu koja se sortira opadajuće prema reach-u</a:t>
+            </a:r>
+          </a:p>
+        </p:txBody>
+      </p:sp>
+    </p:spTree>
+    <p:extLst>
+      <p:ext uri="{BB962C8B-B14F-4D97-AF65-F5344CB8AC3E}">
+        <p14:creationId xmlns:p14="http://schemas.microsoft.com/office/powerpoint/2010/main" val="2205411366"/>
+      </p:ext>
+    </p:extLst>
+  </p:cSld>
+  <p:clrMapOvr>
+    <a:masterClrMapping/>
+  </p:clrMapOvr>
+</p:sld>
+</file>
+
+<file path=ppt/slides/slide5.xml><?xml version="1.0" encoding="utf-8"?>
+<p:sld xmlns:a="http://schemas.openxmlformats.org/drawingml/2006/main" xmlns:r="http://schemas.openxmlformats.org/officeDocument/2006/relationships" xmlns:p="http://schemas.openxmlformats.org/presentationml/2006/main">
+  <p:cSld>
+    <p:spTree>
+      <p:nvGrpSpPr>
+        <p:cNvPr id="1" name=""/>
+        <p:cNvGrpSpPr/>
+        <p:nvPr/>
+      </p:nvGrpSpPr>
+      <p:grpSpPr>
+        <a:xfrm>
+          <a:off x="0" y="0"/>
+          <a:ext cx="0" cy="0"/>
+          <a:chOff x="0" y="0"/>
+          <a:chExt cx="0" cy="0"/>
+        </a:xfrm>
+      </p:grpSpPr>
+      <p:sp>
+        <p:nvSpPr>
+          <p:cNvPr id="2" name="Title 1">
+            <a:extLst>
+              <a:ext uri="{FF2B5EF4-FFF2-40B4-BE49-F238E27FC236}">
+                <a16:creationId xmlns:a16="http://schemas.microsoft.com/office/drawing/2014/main" id="{81F33AC2-55F7-4A39-83E4-045E60E6E5D0}"/>
+              </a:ext>
+            </a:extLst>
+          </p:cNvPr>
+          <p:cNvSpPr>
+            <a:spLocks noGrp="1"/>
+          </p:cNvSpPr>
+          <p:nvPr>
+            <p:ph type="title"/>
+          </p:nvPr>
+        </p:nvSpPr>
+        <p:spPr>
+          <a:xfrm>
+            <a:off x="581192" y="702156"/>
+            <a:ext cx="11029616" cy="561379"/>
+          </a:xfrm>
+        </p:spPr>
+        <p:txBody>
+          <a:bodyPr>
+            <a:normAutofit/>
+          </a:bodyPr>
+          <a:lstStyle/>
+          <a:p>
+            <a:r>
+              <a:rPr lang="sr-Latn-RS" dirty="0"/>
+              <a:t>Optimizacija genetskim algoritmom</a:t>
+            </a:r>
+          </a:p>
+        </p:txBody>
+      </p:sp>
+      <p:sp>
+        <p:nvSpPr>
+          <p:cNvPr id="3" name="Content Placeholder 2">
+            <a:extLst>
+              <a:ext uri="{FF2B5EF4-FFF2-40B4-BE49-F238E27FC236}">
+                <a16:creationId xmlns:a16="http://schemas.microsoft.com/office/drawing/2014/main" id="{120B0C78-5550-42A7-9465-EAECB049C924}"/>
+              </a:ext>
+            </a:extLst>
+          </p:cNvPr>
+          <p:cNvSpPr>
+            <a:spLocks noGrp="1"/>
+          </p:cNvSpPr>
+          <p:nvPr>
+            <p:ph idx="1"/>
+          </p:nvPr>
+        </p:nvSpPr>
+        <p:spPr>
+          <a:xfrm>
+            <a:off x="581192" y="1263534"/>
+            <a:ext cx="11029615" cy="4892309"/>
+          </a:xfrm>
+        </p:spPr>
+        <p:txBody>
+          <a:bodyPr>
+            <a:normAutofit lnSpcReduction="10000"/>
+          </a:bodyPr>
+          <a:lstStyle/>
+          <a:p>
+            <a:pPr>
+              <a:buFont typeface="Wingdings" panose="05000000000000000000" pitchFamily="2" charset="2"/>
+              <a:buChar char="§"/>
+            </a:pPr>
+            <a:r>
+              <a:rPr lang="en-US" sz="1800" dirty="0" err="1"/>
+              <a:t>Populacija</a:t>
+            </a:r>
+            <a:endParaRPr lang="en-US" sz="1800" dirty="0"/>
+          </a:p>
+          <a:p>
+            <a:pPr marL="0" indent="0">
+              <a:buNone/>
+            </a:pPr>
+            <a:r>
+              <a:rPr lang="en-US" dirty="0" err="1"/>
+              <a:t>Skup</a:t>
+            </a:r>
+            <a:r>
+              <a:rPr lang="en-US" dirty="0"/>
+              <a:t> </a:t>
+            </a:r>
+            <a:r>
+              <a:rPr lang="en-US" dirty="0" err="1"/>
+              <a:t>klika</a:t>
+            </a:r>
+            <a:r>
+              <a:rPr lang="en-US" dirty="0"/>
+              <a:t> </a:t>
+            </a:r>
+            <a:r>
+              <a:rPr lang="en-US" dirty="0" err="1"/>
+              <a:t>dobijenih</a:t>
+            </a:r>
+            <a:r>
+              <a:rPr lang="en-US" dirty="0"/>
+              <a:t> </a:t>
+            </a:r>
+            <a:r>
+              <a:rPr lang="en-US" dirty="0" err="1"/>
+              <a:t>tako</a:t>
+            </a:r>
+            <a:r>
+              <a:rPr lang="en-US" dirty="0"/>
+              <a:t> </a:t>
+            </a:r>
+            <a:r>
+              <a:rPr lang="sr-Latn-RS" dirty="0"/>
+              <a:t>š</a:t>
+            </a:r>
+            <a:r>
+              <a:rPr lang="en-US" dirty="0"/>
+              <a:t>to je </a:t>
+            </a:r>
+            <a:r>
+              <a:rPr lang="sr-Latn-RS" dirty="0"/>
+              <a:t>početni čvor odabran random i za njega pronađena najbolja klika. Ukupan broj klika u populaciji je 10.</a:t>
+            </a:r>
+          </a:p>
+          <a:p>
+            <a:pPr>
+              <a:buFont typeface="Wingdings" panose="05000000000000000000" pitchFamily="2" charset="2"/>
+              <a:buChar char="§"/>
+            </a:pPr>
+            <a:r>
+              <a:rPr lang="sr-Latn-RS" sz="1800" dirty="0"/>
+              <a:t>Selekcija</a:t>
+            </a:r>
+            <a:r>
+              <a:rPr lang="sr-Latn-RS" dirty="0"/>
+              <a:t>: random selekcija dve klike iz populacije</a:t>
+            </a:r>
+            <a:endParaRPr lang="en-US" dirty="0"/>
+          </a:p>
+          <a:p>
+            <a:pPr>
+              <a:buFont typeface="Wingdings" panose="05000000000000000000" pitchFamily="2" charset="2"/>
+              <a:buChar char="§"/>
+            </a:pPr>
+            <a:r>
+              <a:rPr lang="sr-Latn-RS" sz="1800" dirty="0"/>
+              <a:t>Ukrštanje</a:t>
+            </a:r>
+            <a:endParaRPr lang="sr-Latn-RS" dirty="0"/>
+          </a:p>
+          <a:p>
+            <a:pPr marL="0" indent="0">
+              <a:buNone/>
+            </a:pPr>
+            <a:r>
+              <a:rPr lang="sr-Latn-RS" dirty="0"/>
+              <a:t>Početni čvor klike je prvi iz preseka skupa čvorova dve klike, bez sortiranja. Ako nema preseka vraća se klika dobijena pohlepnim ukrštanjem. </a:t>
+            </a:r>
+            <a:br>
+              <a:rPr lang="sr-Latn-RS" dirty="0"/>
+            </a:br>
+            <a:r>
+              <a:rPr lang="sr-Latn-RS" dirty="0"/>
+              <a:t>Za svaki od čvorova preseka se proverava da li pripadaju listi kandidata i ako je to slučaj dodaju se u kliku. Nakon toga se za čvorove sortirane liste tako dobijene klike proverava da li među kandidatima klike i dodaju ako jesu.</a:t>
+            </a:r>
+            <a:br>
+              <a:rPr lang="sr-Latn-RS" dirty="0"/>
+            </a:br>
+            <a:r>
+              <a:rPr lang="sr-Latn-RS" dirty="0"/>
+              <a:t>Pohlepno ukrštanje: čvorovi dve klike se dodaju u listu i koje se prave sortirani čvorovi po reach-u opadajuće. Tako su najbolji uvek na pocetku liste. Nova klika se pravi počev od prvog u tako konstruisanoj listi.</a:t>
+            </a:r>
+          </a:p>
+          <a:p>
+            <a:pPr>
+              <a:buFont typeface="Wingdings" panose="05000000000000000000" pitchFamily="2" charset="2"/>
+              <a:buChar char="§"/>
+            </a:pPr>
+            <a:r>
+              <a:rPr lang="sr-Latn-RS" sz="1800" dirty="0"/>
+              <a:t>Mutacija</a:t>
+            </a:r>
+            <a:endParaRPr lang="sr-Latn-RS" dirty="0"/>
+          </a:p>
+          <a:p>
+            <a:pPr marL="0" indent="0">
+              <a:buNone/>
+            </a:pPr>
+            <a:r>
+              <a:rPr lang="sr-Latn-RS" dirty="0"/>
+              <a:t>Bira se predefinisan broj čvorova (1) koji mutiraju i uklanjaju se iz skupa čvorova klike. Dalje se ili formira ponovo opadajuće sortirana lista čvorova za ovako izmenjenu kliku i na osnovu najboljeg čvora dopunjuje klika ili će se iz skupa mogućih čvorova dodavati u kliku dok je to moguće.</a:t>
+            </a:r>
+          </a:p>
+          <a:p>
+            <a:pPr>
+              <a:buFont typeface="Wingdings" panose="05000000000000000000" pitchFamily="2" charset="2"/>
+              <a:buChar char="§"/>
+            </a:pPr>
+            <a:endParaRPr lang="sr-Latn-RS" dirty="0"/>
+          </a:p>
+        </p:txBody>
+      </p:sp>
+    </p:spTree>
+    <p:extLst>
+      <p:ext uri="{BB962C8B-B14F-4D97-AF65-F5344CB8AC3E}">
+        <p14:creationId xmlns:p14="http://schemas.microsoft.com/office/powerpoint/2010/main" val="1330248620"/>
+      </p:ext>
+    </p:extLst>
+  </p:cSld>
+  <p:clrMapOvr>
+    <a:masterClrMapping/>
+  </p:clrMapOvr>
+</p:sld>
+</file>
+
+<file path=ppt/slides/slide6.xml><?xml version="1.0" encoding="utf-8"?>
+<p:sld xmlns:a="http://schemas.openxmlformats.org/drawingml/2006/main" xmlns:r="http://schemas.openxmlformats.org/officeDocument/2006/relationships" xmlns:p="http://schemas.openxmlformats.org/presentationml/2006/main">
+  <p:cSld>
+    <p:spTree>
+      <p:nvGrpSpPr>
+        <p:cNvPr id="1" name=""/>
+        <p:cNvGrpSpPr/>
+        <p:nvPr/>
+      </p:nvGrpSpPr>
+      <p:grpSpPr>
+        <a:xfrm>
+          <a:off x="0" y="0"/>
+          <a:ext cx="0" cy="0"/>
+          <a:chOff x="0" y="0"/>
+          <a:chExt cx="0" cy="0"/>
+        </a:xfrm>
+      </p:grpSpPr>
+      <p:sp>
+        <p:nvSpPr>
+          <p:cNvPr id="2" name="Title 1">
+            <a:extLst>
+              <a:ext uri="{FF2B5EF4-FFF2-40B4-BE49-F238E27FC236}">
+                <a16:creationId xmlns:a16="http://schemas.microsoft.com/office/drawing/2014/main" id="{3CC568A1-99A2-416F-A3AA-0A4A385C16DA}"/>
+              </a:ext>
+            </a:extLst>
+          </p:cNvPr>
+          <p:cNvSpPr>
+            <a:spLocks noGrp="1"/>
+          </p:cNvSpPr>
+          <p:nvPr>
+            <p:ph type="title"/>
+          </p:nvPr>
+        </p:nvSpPr>
+        <p:spPr>
+          <a:xfrm>
+            <a:off x="581192" y="702156"/>
+            <a:ext cx="11029616" cy="689764"/>
+          </a:xfrm>
+        </p:spPr>
+        <p:txBody>
+          <a:bodyPr>
+            <a:normAutofit/>
+          </a:bodyPr>
+          <a:lstStyle/>
+          <a:p>
+            <a:r>
+              <a:rPr lang="en-US" dirty="0" err="1"/>
+              <a:t>Koraci</a:t>
+            </a:r>
+            <a:r>
+              <a:rPr lang="en-US" dirty="0"/>
+              <a:t> </a:t>
+            </a:r>
+            <a:r>
+              <a:rPr lang="en-US" dirty="0" err="1"/>
+              <a:t>Genetskog</a:t>
+            </a:r>
+            <a:r>
+              <a:rPr lang="en-US" dirty="0"/>
+              <a:t> </a:t>
+            </a:r>
+            <a:r>
+              <a:rPr lang="en-US" dirty="0" err="1"/>
+              <a:t>Algoritma</a:t>
+            </a:r>
+            <a:endParaRPr lang="sr-Latn-RS" dirty="0"/>
+          </a:p>
+        </p:txBody>
+      </p:sp>
+      <p:sp>
+        <p:nvSpPr>
+          <p:cNvPr id="3" name="Content Placeholder 2">
+            <a:extLst>
+              <a:ext uri="{FF2B5EF4-FFF2-40B4-BE49-F238E27FC236}">
+                <a16:creationId xmlns:a16="http://schemas.microsoft.com/office/drawing/2014/main" id="{6F3224F9-7CCE-43AE-BEAF-4E03692D068C}"/>
+              </a:ext>
+            </a:extLst>
+          </p:cNvPr>
+          <p:cNvSpPr>
+            <a:spLocks noGrp="1"/>
+          </p:cNvSpPr>
+          <p:nvPr>
+            <p:ph idx="1"/>
+          </p:nvPr>
+        </p:nvSpPr>
+        <p:spPr>
+          <a:xfrm>
+            <a:off x="581192" y="1605280"/>
+            <a:ext cx="11029615" cy="4744720"/>
+          </a:xfrm>
+        </p:spPr>
+        <p:txBody>
+          <a:bodyPr>
+            <a:normAutofit fontScale="92500"/>
+          </a:bodyPr>
+          <a:lstStyle/>
+          <a:p>
+            <a:r>
+              <a:rPr lang="sr-Latn-RS" sz="1800" dirty="0"/>
+              <a:t>Učitavanje grafa u globalnu promenljivu iz nekog od test fajlova</a:t>
+            </a:r>
+          </a:p>
+          <a:p>
+            <a:r>
+              <a:rPr lang="sr-Latn-RS" sz="1800" dirty="0"/>
+              <a:t>Generisanje random populacije, njeno sortiranje po veličini klike opadajuće tako da je najbolja klika prva u listi</a:t>
+            </a:r>
+          </a:p>
+          <a:p>
+            <a:r>
+              <a:rPr lang="sr-Latn-RS" sz="1800" dirty="0"/>
+              <a:t>Pamćenje globalne najbolje klike i njene veličine</a:t>
+            </a:r>
+          </a:p>
+          <a:p>
+            <a:r>
+              <a:rPr lang="sr-Latn-RS" sz="1800" dirty="0"/>
+              <a:t>Kroz iteracije(generacije)</a:t>
+            </a:r>
+          </a:p>
+          <a:p>
+            <a:pPr lvl="1"/>
+            <a:r>
+              <a:rPr lang="sr-Latn-RS" sz="1600" dirty="0"/>
+              <a:t>Ako je veličina prethodne globalne ista kao trenutna najbolja generiše se nova random populacija i resetuje seed za RNG, moguće je ponoviti ovaj postupak dok se ne dostigne </a:t>
+            </a:r>
+            <a:r>
+              <a:rPr lang="sr-Latn-RS" sz="1600" dirty="0">
+                <a:latin typeface="Consolas" panose="020B0609020204030204" pitchFamily="49" charset="0"/>
+              </a:rPr>
+              <a:t>SHUFFLE_TOLERANCE(10)</a:t>
+            </a:r>
+            <a:r>
+              <a:rPr lang="sr-Latn-RS" sz="1600" dirty="0"/>
+              <a:t>,</a:t>
+            </a:r>
+            <a:r>
+              <a:rPr lang="sr-Latn-RS" sz="1600" dirty="0">
+                <a:latin typeface="Consolas" panose="020B0609020204030204" pitchFamily="49" charset="0"/>
+              </a:rPr>
+              <a:t> </a:t>
+            </a:r>
+            <a:r>
+              <a:rPr lang="sr-Latn-RS" sz="1600" dirty="0"/>
+              <a:t>inače se ažurira veličina prethodno najbolje klike</a:t>
+            </a:r>
+          </a:p>
+          <a:p>
+            <a:pPr lvl="1"/>
+            <a:r>
+              <a:rPr lang="sr-Latn-RS" sz="1600" dirty="0"/>
+              <a:t>Trenutna populacija se sortira opadajuće i njena prva klika se bira za najbolju lokalnu, ako je ona bolja od globalne, globalna se ažurira</a:t>
+            </a:r>
+          </a:p>
+          <a:p>
+            <a:pPr lvl="1"/>
+            <a:r>
+              <a:rPr lang="sr-Latn-RS" sz="1600" dirty="0"/>
+              <a:t>Radi se lokalno pobiljšanje globalne najbolje i tako ažurirana se dodaje u novu populaciju. Ovo je korak u kome se jasno vidi elitizam, propagira se u naredne generacije</a:t>
+            </a:r>
+          </a:p>
+          <a:p>
+            <a:pPr lvl="1"/>
+            <a:r>
+              <a:rPr lang="sr-Latn-RS" sz="1600" dirty="0"/>
+              <a:t>Popunjavamo ostatak mesta u novoj populaciji dok možemo tako što koristimo pomenute metode za selekciju i ukrštanje, radimo lokano poboljšanje za kliku dobijenu ukrštanjem, i ako kao takva nije bolja od makar jedne početne klike mutira se</a:t>
+            </a:r>
+          </a:p>
+          <a:p>
+            <a:pPr lvl="1"/>
+            <a:r>
+              <a:rPr lang="sr-Latn-RS" sz="1600" dirty="0"/>
+              <a:t>Zamenjujemo populaciju sa novom</a:t>
+            </a:r>
+          </a:p>
+          <a:p>
+            <a:endParaRPr lang="sr-Latn-RS" dirty="0"/>
+          </a:p>
+        </p:txBody>
+      </p:sp>
+    </p:spTree>
+    <p:extLst>
+      <p:ext uri="{BB962C8B-B14F-4D97-AF65-F5344CB8AC3E}">
+        <p14:creationId xmlns:p14="http://schemas.microsoft.com/office/powerpoint/2010/main" val="2476769733"/>
+      </p:ext>
+    </p:extLst>
+  </p:cSld>
+  <p:clrMapOvr>
+    <a:masterClrMapping/>
+  </p:clrMapOvr>
+</p:sld>
+</file>
+
+<file path=ppt/slides/slide7.xml><?xml version="1.0" encoding="utf-8"?>
+<p:sld xmlns:a="http://schemas.openxmlformats.org/drawingml/2006/main" xmlns:r="http://schemas.openxmlformats.org/officeDocument/2006/relationships" xmlns:p="http://schemas.openxmlformats.org/presentationml/2006/main">
+  <p:cSld>
+    <p:spTree>
+      <p:nvGrpSpPr>
+        <p:cNvPr id="1" name=""/>
+        <p:cNvGrpSpPr/>
+        <p:nvPr/>
+      </p:nvGrpSpPr>
+      <p:grpSpPr>
+        <a:xfrm>
+          <a:off x="0" y="0"/>
+          <a:ext cx="0" cy="0"/>
+          <a:chOff x="0" y="0"/>
+          <a:chExt cx="0" cy="0"/>
+        </a:xfrm>
+      </p:grpSpPr>
+      <p:sp>
+        <p:nvSpPr>
+          <p:cNvPr id="2" name="Title 1">
+            <a:extLst>
+              <a:ext uri="{FF2B5EF4-FFF2-40B4-BE49-F238E27FC236}">
+                <a16:creationId xmlns:a16="http://schemas.microsoft.com/office/drawing/2014/main" id="{347C7A58-33BE-40BB-9EDA-38F7C6B927D9}"/>
+              </a:ext>
+            </a:extLst>
+          </p:cNvPr>
+          <p:cNvSpPr>
+            <a:spLocks noGrp="1"/>
+          </p:cNvSpPr>
+          <p:nvPr>
+            <p:ph type="title"/>
+          </p:nvPr>
+        </p:nvSpPr>
+        <p:spPr>
+          <a:xfrm>
+            <a:off x="581192" y="702156"/>
+            <a:ext cx="11029616" cy="669444"/>
+          </a:xfrm>
+        </p:spPr>
+        <p:txBody>
+          <a:bodyPr/>
+          <a:lstStyle/>
+          <a:p>
+            <a:r>
+              <a:rPr lang="sr-Latn-RS" dirty="0"/>
+              <a:t>Lokalno poboljsanje </a:t>
+            </a:r>
+            <a:r>
+              <a:rPr lang="en-US" sz="2000" cap="none" dirty="0">
+                <a:latin typeface="+mn-lt"/>
+              </a:rPr>
+              <a:t>(</a:t>
+            </a:r>
+            <a:r>
+              <a:rPr lang="sr-Latn-RS" sz="2000" cap="none" dirty="0">
+                <a:latin typeface="+mn-lt"/>
+              </a:rPr>
+              <a:t>local</a:t>
+            </a:r>
+            <a:r>
+              <a:rPr lang="en-US" sz="2000" cap="none" dirty="0">
+                <a:latin typeface="+mn-lt"/>
+              </a:rPr>
+              <a:t>_improvement)</a:t>
+            </a:r>
+            <a:endParaRPr lang="sr-Latn-RS" sz="2000" dirty="0"/>
+          </a:p>
+        </p:txBody>
+      </p:sp>
+      <p:sp>
+        <p:nvSpPr>
+          <p:cNvPr id="3" name="Content Placeholder 2">
+            <a:extLst>
+              <a:ext uri="{FF2B5EF4-FFF2-40B4-BE49-F238E27FC236}">
+                <a16:creationId xmlns:a16="http://schemas.microsoft.com/office/drawing/2014/main" id="{B2DB3C20-8660-4E56-BC57-2F9F9D6A2D2B}"/>
+              </a:ext>
+            </a:extLst>
+          </p:cNvPr>
+          <p:cNvSpPr>
+            <a:spLocks noGrp="1"/>
+          </p:cNvSpPr>
+          <p:nvPr>
+            <p:ph idx="1"/>
+          </p:nvPr>
+        </p:nvSpPr>
+        <p:spPr>
+          <a:xfrm>
+            <a:off x="581192" y="1564640"/>
+            <a:ext cx="11029615" cy="4410710"/>
+          </a:xfrm>
+        </p:spPr>
+        <p:txBody>
+          <a:bodyPr/>
+          <a:lstStyle/>
+          <a:p>
+            <a:r>
+              <a:rPr lang="sr-Latn-RS" dirty="0"/>
+              <a:t>Čuva se početna klika</a:t>
+            </a:r>
+          </a:p>
+          <a:p>
+            <a:r>
+              <a:rPr lang="sr-Latn-RS" dirty="0"/>
+              <a:t>Dok se ne dostigne broj lokalnih poboljšanja (</a:t>
+            </a:r>
+            <a:r>
+              <a:rPr lang="sr-Latn-RS" dirty="0">
+                <a:latin typeface="Consolas" panose="020B0609020204030204" pitchFamily="49" charset="0"/>
+              </a:rPr>
+              <a:t>LOCAL</a:t>
+            </a:r>
+            <a:r>
+              <a:rPr lang="en-US" dirty="0">
+                <a:latin typeface="Consolas" panose="020B0609020204030204" pitchFamily="49" charset="0"/>
+              </a:rPr>
+              <a:t>_IMPROVEMENT(10)</a:t>
+            </a:r>
+            <a:r>
+              <a:rPr lang="sr-Latn-RS" dirty="0"/>
+              <a:t>)</a:t>
+            </a:r>
+            <a:r>
+              <a:rPr lang="en-US" dirty="0"/>
+              <a:t> </a:t>
+            </a:r>
+            <a:r>
+              <a:rPr lang="en-US" dirty="0" err="1"/>
+              <a:t>biraju</a:t>
+            </a:r>
+            <a:r>
+              <a:rPr lang="en-US" dirty="0"/>
+              <a:t> se </a:t>
+            </a:r>
+            <a:r>
+              <a:rPr lang="en-US" dirty="0" err="1"/>
+              <a:t>dva</a:t>
+            </a:r>
+            <a:r>
+              <a:rPr lang="en-US" dirty="0"/>
+              <a:t> random </a:t>
+            </a:r>
+            <a:r>
+              <a:rPr lang="sr-Latn-RS" dirty="0"/>
+              <a:t>čvora koja se uklanjaju iz klike</a:t>
+            </a:r>
+          </a:p>
+          <a:p>
+            <a:r>
+              <a:rPr lang="sr-Latn-RS" dirty="0"/>
+              <a:t>Tako modifikovanoj kliki se generiše njena sortirana lista</a:t>
+            </a:r>
+          </a:p>
+          <a:p>
+            <a:r>
+              <a:rPr lang="sr-Latn-RS" dirty="0"/>
+              <a:t>Dok ima kandidata za kliku, počev od prvog (najboljeg) čvora u sortiranoj listi proverava se da li je on u listi kandidata, ako jeste dodaje se u kliku, tom akcijom se ažuriraju i ostali kandidati, pa se skup kandidata smanjuje.</a:t>
+            </a:r>
+          </a:p>
+          <a:p>
+            <a:r>
+              <a:rPr lang="sr-Latn-RS" dirty="0"/>
+              <a:t>Ako je ovako modifikovana klika bolja od početne, vraća se ona, inače ostaje početna.</a:t>
+            </a:r>
+          </a:p>
+        </p:txBody>
+      </p:sp>
+    </p:spTree>
+    <p:extLst>
+      <p:ext uri="{BB962C8B-B14F-4D97-AF65-F5344CB8AC3E}">
+        <p14:creationId xmlns:p14="http://schemas.microsoft.com/office/powerpoint/2010/main" val="3532476818"/>
+      </p:ext>
+    </p:extLst>
+  </p:cSld>
+  <p:clrMapOvr>
+    <a:masterClrMapping/>
+  </p:clrMapOvr>
+</p:sld>
+</file>
+
+<file path=ppt/slides/slide8.xml><?xml version="1.0" encoding="utf-8"?>
+<p:sld xmlns:a="http://schemas.openxmlformats.org/drawingml/2006/main" xmlns:r="http://schemas.openxmlformats.org/officeDocument/2006/relationships" xmlns:p="http://schemas.openxmlformats.org/presentationml/2006/main">
+  <p:cSld>
+    <p:spTree>
+      <p:nvGrpSpPr>
+        <p:cNvPr id="1" name=""/>
+        <p:cNvGrpSpPr/>
+        <p:nvPr/>
+      </p:nvGrpSpPr>
+      <p:grpSpPr>
+        <a:xfrm>
+          <a:off x="0" y="0"/>
+          <a:ext cx="0" cy="0"/>
+          <a:chOff x="0" y="0"/>
+          <a:chExt cx="0" cy="0"/>
+        </a:xfrm>
+      </p:grpSpPr>
+      <p:sp>
+        <p:nvSpPr>
+          <p:cNvPr id="2" name="Title 1">
+            <a:extLst>
+              <a:ext uri="{FF2B5EF4-FFF2-40B4-BE49-F238E27FC236}">
+                <a16:creationId xmlns:a16="http://schemas.microsoft.com/office/drawing/2014/main" id="{3AE0496F-0BF1-49E8-BE8A-52959825330C}"/>
+              </a:ext>
+            </a:extLst>
+          </p:cNvPr>
+          <p:cNvSpPr>
+            <a:spLocks noGrp="1"/>
+          </p:cNvSpPr>
+          <p:nvPr>
+            <p:ph type="title"/>
+          </p:nvPr>
+        </p:nvSpPr>
+        <p:spPr>
+          <a:xfrm>
+            <a:off x="581192" y="702157"/>
+            <a:ext cx="11029616" cy="602942"/>
+          </a:xfrm>
+        </p:spPr>
+        <p:txBody>
+          <a:bodyPr/>
+          <a:lstStyle/>
+          <a:p>
+            <a:r>
+              <a:rPr lang="en-US" dirty="0"/>
+              <a:t>Test </a:t>
+            </a:r>
+            <a:r>
+              <a:rPr lang="en-US" dirty="0" err="1"/>
+              <a:t>skupovi</a:t>
+            </a:r>
+            <a:endParaRPr lang="sr-Latn-RS" dirty="0"/>
+          </a:p>
+        </p:txBody>
+      </p:sp>
+      <p:sp>
+        <p:nvSpPr>
+          <p:cNvPr id="5" name="Content Placeholder 2">
+            <a:extLst>
+              <a:ext uri="{FF2B5EF4-FFF2-40B4-BE49-F238E27FC236}">
+                <a16:creationId xmlns:a16="http://schemas.microsoft.com/office/drawing/2014/main" id="{C0D6F730-ED56-4099-B712-A016E3CDACC3}"/>
+              </a:ext>
+            </a:extLst>
+          </p:cNvPr>
+          <p:cNvSpPr>
+            <a:spLocks noGrp="1"/>
+          </p:cNvSpPr>
+          <p:nvPr>
+            <p:ph idx="1"/>
+          </p:nvPr>
+        </p:nvSpPr>
+        <p:spPr>
+          <a:xfrm>
+            <a:off x="581192" y="1263534"/>
+            <a:ext cx="11029615" cy="4892309"/>
+          </a:xfrm>
+        </p:spPr>
+        <p:txBody>
+          <a:bodyPr>
+            <a:normAutofit/>
+          </a:bodyPr>
+          <a:lstStyle/>
+          <a:p>
+            <a:pPr marL="476100" indent="-342900"/>
+            <a:r>
+              <a:rPr lang="sr-Latn-RS" sz="2000" dirty="0"/>
+              <a:t>Skup podataka su DIMACS problemske instance </a:t>
+            </a:r>
+            <a:endParaRPr lang="en-US" sz="2000" dirty="0"/>
+          </a:p>
+          <a:p>
+            <a:pPr marL="476100" indent="-342900"/>
+            <a:endParaRPr lang="en-US" sz="2000" dirty="0"/>
+          </a:p>
+          <a:p>
+            <a:pPr marL="133200" indent="0">
+              <a:buNone/>
+            </a:pPr>
+            <a:r>
+              <a:rPr lang="en-US" sz="2000" dirty="0"/>
+              <a:t>U </a:t>
+            </a:r>
+            <a:r>
+              <a:rPr lang="en-US" sz="2000" dirty="0" err="1"/>
+              <a:t>nastavku</a:t>
+            </a:r>
+            <a:r>
+              <a:rPr lang="en-US" sz="2000" dirty="0"/>
+              <a:t> </a:t>
+            </a:r>
+            <a:r>
+              <a:rPr lang="sr-Latn-RS" sz="2000" dirty="0"/>
+              <a:t>će biti izloženi</a:t>
+            </a:r>
+            <a:r>
+              <a:rPr lang="en-US" sz="2000" dirty="0"/>
+              <a:t> </a:t>
+            </a:r>
+            <a:r>
+              <a:rPr lang="en-US" sz="2000" dirty="0" err="1"/>
+              <a:t>rezultati</a:t>
+            </a:r>
+            <a:r>
+              <a:rPr lang="en-US" sz="2000" dirty="0"/>
+              <a:t> </a:t>
+            </a:r>
+            <a:r>
+              <a:rPr lang="en-US" sz="2000" dirty="0" err="1"/>
+              <a:t>dobijeni</a:t>
+            </a:r>
+            <a:r>
+              <a:rPr lang="en-US" sz="2000" dirty="0"/>
+              <a:t> za </a:t>
+            </a:r>
+            <a:r>
+              <a:rPr lang="en-US" sz="2000" dirty="0" err="1"/>
+              <a:t>razli</a:t>
+            </a:r>
+            <a:r>
+              <a:rPr lang="sr-Latn-RS" sz="2000" dirty="0"/>
+              <a:t>čite familije instanci i generatore</a:t>
+            </a:r>
+          </a:p>
+          <a:p>
+            <a:pPr marL="742950" lvl="1" indent="-285750">
+              <a:buFont typeface="Wingdings" panose="05000000000000000000" pitchFamily="2" charset="2"/>
+              <a:buChar char="§"/>
+            </a:pPr>
+            <a:r>
+              <a:rPr lang="sr-Latn-RS" sz="2000" dirty="0"/>
+              <a:t>C familija – random grafovi generisani pomoću programa</a:t>
+            </a:r>
+            <a:r>
+              <a:rPr lang="sr-Latn-RS" sz="2000" b="0" i="0" u="none" strike="noStrike" dirty="0">
+                <a:effectLst/>
+              </a:rPr>
+              <a:t> ggen, generisao Michael Trick</a:t>
+            </a:r>
+          </a:p>
+          <a:p>
+            <a:pPr marL="742950" lvl="1" indent="-285750">
+              <a:buFont typeface="Wingdings" panose="05000000000000000000" pitchFamily="2" charset="2"/>
+              <a:buChar char="§"/>
+            </a:pPr>
+            <a:r>
+              <a:rPr lang="sr-Latn-RS" sz="2000" dirty="0"/>
+              <a:t>DSJC familija – random grafovi, generisao David Johnson</a:t>
+            </a:r>
+          </a:p>
+          <a:p>
+            <a:pPr marL="742950" lvl="1" indent="-285750">
+              <a:buFont typeface="Wingdings" panose="05000000000000000000" pitchFamily="2" charset="2"/>
+              <a:buChar char="§"/>
+            </a:pPr>
+            <a:r>
+              <a:rPr lang="sr-Latn-RS" sz="2000" dirty="0"/>
+              <a:t>GEN familija – veštački generisani grafovi sa velikom poznatom klikom, generisala Laura Sanchis</a:t>
+            </a:r>
+          </a:p>
+          <a:p>
+            <a:pPr marL="742950" lvl="1" indent="-285750">
+              <a:buFont typeface="Wingdings" panose="05000000000000000000" pitchFamily="2" charset="2"/>
+              <a:buChar char="§"/>
+            </a:pPr>
+            <a:r>
+              <a:rPr lang="sr-Latn-RS" sz="2000" dirty="0"/>
+              <a:t>BROCK familija – random grafovi sa klikama među čvorovima sa relativno malim stepenom</a:t>
+            </a:r>
+          </a:p>
+          <a:p>
+            <a:pPr marL="742950" lvl="1" indent="-285750">
+              <a:buFont typeface="Wingdings" panose="05000000000000000000" pitchFamily="2" charset="2"/>
+              <a:buChar char="§"/>
+            </a:pPr>
+            <a:r>
+              <a:rPr lang="sr-Latn-RS" sz="2000" dirty="0"/>
+              <a:t>P</a:t>
+            </a:r>
+            <a:r>
+              <a:rPr lang="en-US" sz="2000" dirty="0"/>
+              <a:t>_HAT</a:t>
+            </a:r>
+            <a:r>
+              <a:rPr lang="sr-Latn-RS" sz="2000" dirty="0"/>
+              <a:t> familija – random grafovi generisani sa p-hat generatorom koji je generalizacija klasičnog uniformnog radnom graf generatora, grafovi imaju širi raspon stepena čvora i veće klike od uniformnih grafova</a:t>
+            </a:r>
+          </a:p>
+        </p:txBody>
+      </p:sp>
+    </p:spTree>
+    <p:extLst>
+      <p:ext uri="{BB962C8B-B14F-4D97-AF65-F5344CB8AC3E}">
+        <p14:creationId xmlns:p14="http://schemas.microsoft.com/office/powerpoint/2010/main" val="3736175160"/>
+      </p:ext>
+    </p:extLst>
+  </p:cSld>
+  <p:clrMapOvr>
+    <a:masterClrMapping/>
+  </p:clrMapOvr>
+</p:sld>
+</file>
+
+<file path=ppt/slides/slide9.xml><?xml version="1.0" encoding="utf-8"?>
 <p:sld xmlns:a="http://schemas.openxmlformats.org/drawingml/2006/main" xmlns:r="http://schemas.openxmlformats.org/officeDocument/2006/relationships" xmlns:p="http://schemas.openxmlformats.org/presentationml/2006/main">
   <p:cSld>
     <p:spTree>
@@ -8061,3525 +11461,6 @@
 </p:sld>
 </file>
 
-<file path=ppt/slides/slide11.xml><?xml version="1.0" encoding="utf-8"?>
-<p:sld xmlns:a="http://schemas.openxmlformats.org/drawingml/2006/main" xmlns:r="http://schemas.openxmlformats.org/officeDocument/2006/relationships" xmlns:p="http://schemas.openxmlformats.org/presentationml/2006/main">
-  <p:cSld>
-    <p:bg>
-      <p:bgPr>
-        <a:solidFill>
-          <a:schemeClr val="bg1"/>
-        </a:solidFill>
-        <a:effectLst/>
-      </p:bgPr>
-    </p:bg>
-    <p:spTree>
-      <p:nvGrpSpPr>
-        <p:cNvPr id="1" name=""/>
-        <p:cNvGrpSpPr/>
-        <p:nvPr/>
-      </p:nvGrpSpPr>
-      <p:grpSpPr>
-        <a:xfrm>
-          <a:off x="0" y="0"/>
-          <a:ext cx="0" cy="0"/>
-          <a:chOff x="0" y="0"/>
-          <a:chExt cx="0" cy="0"/>
-        </a:xfrm>
-      </p:grpSpPr>
-      <p:sp>
-        <p:nvSpPr>
-          <p:cNvPr id="22" name="Rectangle 11">
-            <a:extLst>
-              <a:ext uri="{FF2B5EF4-FFF2-40B4-BE49-F238E27FC236}">
-                <a16:creationId xmlns:a16="http://schemas.microsoft.com/office/drawing/2014/main" id="{3CED7894-4F62-4A6C-8DB5-DB5BE08E9C03}"/>
-              </a:ext>
-              <a:ext uri="{C183D7F6-B498-43B3-948B-1728B52AA6E4}">
-                <adec:decorative xmlns:adec="http://schemas.microsoft.com/office/drawing/2017/decorative" val="1"/>
-              </a:ext>
-            </a:extLst>
-          </p:cNvPr>
-          <p:cNvSpPr>
-            <a:spLocks noGrp="1" noRot="1" noChangeAspect="1" noMove="1" noResize="1" noEditPoints="1" noAdjustHandles="1" noChangeArrowheads="1" noChangeShapeType="1" noTextEdit="1"/>
-          </p:cNvSpPr>
-          <p:nvPr>
-            <p:extLst>
-              <p:ext uri="{386F3935-93C4-4BCD-93E2-E3B085C9AB24}">
-                <p16:designElem xmlns:p16="http://schemas.microsoft.com/office/powerpoint/2015/main" val="1"/>
-              </p:ext>
-            </p:extLst>
-          </p:nvPr>
-        </p:nvSpPr>
-        <p:spPr>
-          <a:xfrm>
-            <a:off x="0" y="0"/>
-            <a:ext cx="12192000" cy="6858000"/>
-          </a:xfrm>
-          <a:prstGeom prst="rect">
-            <a:avLst/>
-          </a:prstGeom>
-          <a:solidFill>
-            <a:schemeClr val="bg1">
-              <a:lumMod val="75000"/>
-              <a:lumOff val="25000"/>
-            </a:schemeClr>
-          </a:solidFill>
-          <a:ln>
-            <a:noFill/>
-          </a:ln>
-          <a:effectLst/>
-        </p:spPr>
-        <p:style>
-          <a:lnRef idx="1">
-            <a:schemeClr val="accent1"/>
-          </a:lnRef>
-          <a:fillRef idx="3">
-            <a:schemeClr val="accent1"/>
-          </a:fillRef>
-          <a:effectRef idx="2">
-            <a:schemeClr val="accent1"/>
-          </a:effectRef>
-          <a:fontRef idx="minor">
-            <a:schemeClr val="lt1"/>
-          </a:fontRef>
-        </p:style>
-      </p:sp>
-      <p:sp>
-        <p:nvSpPr>
-          <p:cNvPr id="2" name="Title 1">
-            <a:extLst>
-              <a:ext uri="{FF2B5EF4-FFF2-40B4-BE49-F238E27FC236}">
-                <a16:creationId xmlns:a16="http://schemas.microsoft.com/office/drawing/2014/main" id="{BC57EFE0-5889-438E-99A3-EEF44C903DF1}"/>
-              </a:ext>
-            </a:extLst>
-          </p:cNvPr>
-          <p:cNvSpPr>
-            <a:spLocks noGrp="1"/>
-          </p:cNvSpPr>
-          <p:nvPr>
-            <p:ph type="title"/>
-          </p:nvPr>
-        </p:nvSpPr>
-        <p:spPr>
-          <a:xfrm>
-            <a:off x="609906" y="702155"/>
-            <a:ext cx="3568661" cy="1269713"/>
-          </a:xfrm>
-        </p:spPr>
-        <p:txBody>
-          <a:bodyPr vert="horz" lIns="91440" tIns="45720" rIns="91440" bIns="45720" rtlCol="0" anchor="b">
-            <a:normAutofit/>
-          </a:bodyPr>
-          <a:lstStyle/>
-          <a:p>
-            <a:pPr>
-              <a:lnSpc>
-                <a:spcPct val="90000"/>
-              </a:lnSpc>
-            </a:pPr>
-            <a:r>
-              <a:rPr lang="en-US"/>
-              <a:t>Primer REZULTATA POKRETANJA PROGRAMA</a:t>
-            </a:r>
-          </a:p>
-        </p:txBody>
-      </p:sp>
-      <p:sp>
-        <p:nvSpPr>
-          <p:cNvPr id="23" name="Rectangle 13">
-            <a:extLst>
-              <a:ext uri="{FF2B5EF4-FFF2-40B4-BE49-F238E27FC236}">
-                <a16:creationId xmlns:a16="http://schemas.microsoft.com/office/drawing/2014/main" id="{E536F3B4-50F6-4C52-8F76-4EB1214719DC}"/>
-              </a:ext>
-              <a:ext uri="{C183D7F6-B498-43B3-948B-1728B52AA6E4}">
-                <adec:decorative xmlns:adec="http://schemas.microsoft.com/office/drawing/2017/decorative" val="1"/>
-              </a:ext>
-            </a:extLst>
-          </p:cNvPr>
-          <p:cNvSpPr>
-            <a:spLocks noGrp="1" noRot="1" noChangeAspect="1" noMove="1" noResize="1" noEditPoints="1" noAdjustHandles="1" noChangeArrowheads="1" noChangeShapeType="1" noTextEdit="1"/>
-          </p:cNvSpPr>
-          <p:nvPr>
-            <p:extLst>
-              <p:ext uri="{386F3935-93C4-4BCD-93E2-E3B085C9AB24}">
-                <p16:designElem xmlns:p16="http://schemas.microsoft.com/office/powerpoint/2015/main" val="1"/>
-              </p:ext>
-            </p:extLst>
-          </p:nvPr>
-        </p:nvSpPr>
-        <p:spPr>
-          <a:xfrm>
-            <a:off x="638620" y="457200"/>
-            <a:ext cx="3511233" cy="91439"/>
-          </a:xfrm>
-          <a:prstGeom prst="rect">
-            <a:avLst/>
-          </a:prstGeom>
-          <a:solidFill>
-            <a:schemeClr val="accent1"/>
-          </a:solidFill>
-          <a:ln>
-            <a:noFill/>
-          </a:ln>
-          <a:effectLst/>
-        </p:spPr>
-        <p:style>
-          <a:lnRef idx="1">
-            <a:schemeClr val="accent1"/>
-          </a:lnRef>
-          <a:fillRef idx="3">
-            <a:schemeClr val="accent1"/>
-          </a:fillRef>
-          <a:effectRef idx="2">
-            <a:schemeClr val="accent1"/>
-          </a:effectRef>
-          <a:fontRef idx="minor">
-            <a:schemeClr val="lt1"/>
-          </a:fontRef>
-        </p:style>
-      </p:sp>
-      <p:pic>
-        <p:nvPicPr>
-          <p:cNvPr id="5" name="Content Placeholder 4">
-            <a:extLst>
-              <a:ext uri="{FF2B5EF4-FFF2-40B4-BE49-F238E27FC236}">
-                <a16:creationId xmlns:a16="http://schemas.microsoft.com/office/drawing/2014/main" id="{B0A25B9B-26E6-4720-B4B0-76D9D14086C3}"/>
-              </a:ext>
-            </a:extLst>
-          </p:cNvPr>
-          <p:cNvPicPr>
-            <a:picLocks noGrp="1" noChangeAspect="1"/>
-          </p:cNvPicPr>
-          <p:nvPr>
-            <p:ph idx="1"/>
-          </p:nvPr>
-        </p:nvPicPr>
-        <p:blipFill>
-          <a:blip r:embed="rId2"/>
-          <a:srcRect/>
-          <a:stretch/>
-        </p:blipFill>
-        <p:spPr>
-          <a:xfrm>
-            <a:off x="5563909" y="1093968"/>
-            <a:ext cx="5986091" cy="4489568"/>
-          </a:xfrm>
-          <a:prstGeom prst="rect">
-            <a:avLst/>
-          </a:prstGeom>
-        </p:spPr>
-      </p:pic>
-      <p:sp>
-        <p:nvSpPr>
-          <p:cNvPr id="4" name="TextBox 3">
-            <a:extLst>
-              <a:ext uri="{FF2B5EF4-FFF2-40B4-BE49-F238E27FC236}">
-                <a16:creationId xmlns:a16="http://schemas.microsoft.com/office/drawing/2014/main" id="{3177D586-BB33-4C18-AD36-210CBD88FF0C}"/>
-              </a:ext>
-            </a:extLst>
-          </p:cNvPr>
-          <p:cNvSpPr txBox="1"/>
-          <p:nvPr/>
-        </p:nvSpPr>
-        <p:spPr>
-          <a:xfrm>
-            <a:off x="609906" y="2340864"/>
-            <a:ext cx="5236418" cy="3634486"/>
-          </a:xfrm>
-          <a:prstGeom prst="rect">
-            <a:avLst/>
-          </a:prstGeom>
-        </p:spPr>
-        <p:txBody>
-          <a:bodyPr vert="horz" lIns="91440" tIns="45720" rIns="91440" bIns="45720" rtlCol="0" anchor="ctr">
-            <a:normAutofit/>
-          </a:bodyPr>
-          <a:lstStyle/>
-          <a:p>
-            <a:pPr defTabSz="457200">
-              <a:lnSpc>
-                <a:spcPct val="90000"/>
-              </a:lnSpc>
-              <a:spcBef>
-                <a:spcPct val="20000"/>
-              </a:spcBef>
-              <a:spcAft>
-                <a:spcPts val="600"/>
-              </a:spcAft>
-              <a:buClr>
-                <a:schemeClr val="accent1"/>
-              </a:buClr>
-              <a:buSzPct val="92000"/>
-            </a:pPr>
-            <a:r>
-              <a:rPr lang="en-US" sz="1400" dirty="0">
-                <a:solidFill>
-                  <a:schemeClr val="tx1">
-                    <a:lumMod val="75000"/>
-                    <a:lumOff val="25000"/>
-                  </a:schemeClr>
-                </a:solidFill>
-                <a:latin typeface="Consolas" panose="020B0609020204030204" pitchFamily="49" charset="0"/>
-              </a:rPr>
-              <a:t>--------------------------</a:t>
-            </a:r>
-          </a:p>
-          <a:p>
-            <a:pPr defTabSz="457200">
-              <a:lnSpc>
-                <a:spcPct val="90000"/>
-              </a:lnSpc>
-              <a:spcBef>
-                <a:spcPct val="20000"/>
-              </a:spcBef>
-              <a:spcAft>
-                <a:spcPts val="600"/>
-              </a:spcAft>
-              <a:buClr>
-                <a:schemeClr val="accent1"/>
-              </a:buClr>
-              <a:buSzPct val="92000"/>
-            </a:pPr>
-            <a:r>
-              <a:rPr lang="en-US" sz="1400" dirty="0">
-                <a:solidFill>
-                  <a:schemeClr val="tx1">
-                    <a:lumMod val="75000"/>
-                    <a:lumOff val="25000"/>
-                  </a:schemeClr>
-                </a:solidFill>
-                <a:latin typeface="Consolas" panose="020B0609020204030204" pitchFamily="49" charset="0"/>
-              </a:rPr>
-              <a:t>Started working on: …\[gen400_p0-9_55] 400 71820.txt</a:t>
-            </a:r>
-          </a:p>
-          <a:p>
-            <a:pPr defTabSz="457200">
-              <a:lnSpc>
-                <a:spcPct val="90000"/>
-              </a:lnSpc>
-              <a:spcBef>
-                <a:spcPct val="20000"/>
-              </a:spcBef>
-              <a:spcAft>
-                <a:spcPts val="600"/>
-              </a:spcAft>
-              <a:buClr>
-                <a:schemeClr val="accent1"/>
-              </a:buClr>
-              <a:buSzPct val="92000"/>
-              <a:buFont typeface="Wingdings 2" panose="05020102010507070707" pitchFamily="18" charset="2"/>
-              <a:buChar char=""/>
-            </a:pPr>
-            <a:endParaRPr lang="en-US" sz="1400" dirty="0">
-              <a:solidFill>
-                <a:schemeClr val="tx1">
-                  <a:lumMod val="75000"/>
-                  <a:lumOff val="25000"/>
-                </a:schemeClr>
-              </a:solidFill>
-              <a:latin typeface="Consolas" panose="020B0609020204030204" pitchFamily="49" charset="0"/>
-            </a:endParaRPr>
-          </a:p>
-          <a:p>
-            <a:pPr defTabSz="457200">
-              <a:lnSpc>
-                <a:spcPct val="90000"/>
-              </a:lnSpc>
-              <a:spcBef>
-                <a:spcPct val="20000"/>
-              </a:spcBef>
-              <a:spcAft>
-                <a:spcPts val="600"/>
-              </a:spcAft>
-              <a:buClr>
-                <a:schemeClr val="accent1"/>
-              </a:buClr>
-              <a:buSzPct val="92000"/>
-            </a:pPr>
-            <a:r>
-              <a:rPr lang="en-US" sz="1400" dirty="0">
-                <a:solidFill>
-                  <a:schemeClr val="tx1">
-                    <a:lumMod val="75000"/>
-                    <a:lumOff val="25000"/>
-                  </a:schemeClr>
-                </a:solidFill>
-                <a:latin typeface="Consolas" panose="020B0609020204030204" pitchFamily="49" charset="0"/>
-              </a:rPr>
-              <a:t>Generating initial population...</a:t>
-            </a:r>
-          </a:p>
-          <a:p>
-            <a:pPr defTabSz="457200">
-              <a:lnSpc>
-                <a:spcPct val="90000"/>
-              </a:lnSpc>
-              <a:spcBef>
-                <a:spcPct val="20000"/>
-              </a:spcBef>
-              <a:spcAft>
-                <a:spcPts val="600"/>
-              </a:spcAft>
-              <a:buClr>
-                <a:schemeClr val="accent1"/>
-              </a:buClr>
-              <a:buSzPct val="92000"/>
-            </a:pPr>
-            <a:r>
-              <a:rPr lang="en-US" sz="1400" dirty="0">
-                <a:solidFill>
-                  <a:schemeClr val="tx1">
-                    <a:lumMod val="75000"/>
-                    <a:lumOff val="25000"/>
-                  </a:schemeClr>
-                </a:solidFill>
-                <a:latin typeface="Consolas" panose="020B0609020204030204" pitchFamily="49" charset="0"/>
-              </a:rPr>
-              <a:t>Found clique with 51 nodes in 61.47 sec:</a:t>
-            </a:r>
-          </a:p>
-          <a:p>
-            <a:pPr defTabSz="457200">
-              <a:lnSpc>
-                <a:spcPct val="90000"/>
-              </a:lnSpc>
-              <a:spcBef>
-                <a:spcPct val="20000"/>
-              </a:spcBef>
-              <a:spcAft>
-                <a:spcPts val="600"/>
-              </a:spcAft>
-              <a:buClr>
-                <a:schemeClr val="accent1"/>
-              </a:buClr>
-              <a:buSzPct val="92000"/>
-            </a:pPr>
-            <a:r>
-              <a:rPr lang="en-US" sz="1400" dirty="0">
-                <a:solidFill>
-                  <a:schemeClr val="tx1">
-                    <a:lumMod val="75000"/>
-                    <a:lumOff val="25000"/>
-                  </a:schemeClr>
-                </a:solidFill>
-                <a:latin typeface="Consolas" panose="020B0609020204030204" pitchFamily="49" charset="0"/>
-              </a:rPr>
-              <a:t>[19, 198, 295, 97, 366, 65, 239, 209, 236, 104, 28, 338, 18, 17, 49, 215, 268, 60, 95, 245, 259, 10, 146, 159, 270, 341, </a:t>
-            </a:r>
-          </a:p>
-          <a:p>
-            <a:pPr defTabSz="457200">
-              <a:lnSpc>
-                <a:spcPct val="90000"/>
-              </a:lnSpc>
-              <a:spcBef>
-                <a:spcPct val="20000"/>
-              </a:spcBef>
-              <a:spcAft>
-                <a:spcPts val="600"/>
-              </a:spcAft>
-              <a:buClr>
-                <a:schemeClr val="accent1"/>
-              </a:buClr>
-              <a:buSzPct val="92000"/>
-            </a:pPr>
-            <a:r>
-              <a:rPr lang="en-US" sz="1400" dirty="0">
-                <a:solidFill>
-                  <a:schemeClr val="tx1">
-                    <a:lumMod val="75000"/>
-                    <a:lumOff val="25000"/>
-                  </a:schemeClr>
-                </a:solidFill>
-                <a:latin typeface="Consolas" panose="020B0609020204030204" pitchFamily="49" charset="0"/>
-              </a:rPr>
-              <a:t>346, 84, 155, 187, 263, 36, 25, 193, 364, 383, 108, 176, 265, 312, 386, 178, 185, 257, 318, 322, 345, 362, 163, 351, 188]</a:t>
-            </a:r>
-          </a:p>
-        </p:txBody>
-      </p:sp>
-      <p:sp>
-        <p:nvSpPr>
-          <p:cNvPr id="7" name="Content Placeholder 2">
-            <a:extLst>
-              <a:ext uri="{FF2B5EF4-FFF2-40B4-BE49-F238E27FC236}">
-                <a16:creationId xmlns:a16="http://schemas.microsoft.com/office/drawing/2014/main" id="{991B262F-DC42-4B2B-A2FE-29FF1AA693C4}"/>
-              </a:ext>
-            </a:extLst>
-          </p:cNvPr>
-          <p:cNvSpPr txBox="1">
-            <a:spLocks/>
-          </p:cNvSpPr>
-          <p:nvPr/>
-        </p:nvSpPr>
-        <p:spPr>
-          <a:xfrm>
-            <a:off x="5706208" y="2057401"/>
-            <a:ext cx="5904599" cy="3499338"/>
-          </a:xfrm>
-          <a:prstGeom prst="rect">
-            <a:avLst/>
-          </a:prstGeom>
-        </p:spPr>
-        <p:txBody>
-          <a:bodyPr vert="horz" lIns="91440" tIns="45720" rIns="91440" bIns="45720" rtlCol="0" anchor="ctr">
-            <a:normAutofit/>
-          </a:bodyPr>
-          <a:lstStyle>
-            <a:lvl1pPr marL="306000" indent="-306000" algn="l" defTabSz="457200" rtl="0" eaLnBrk="1" latinLnBrk="0" hangingPunct="1">
-              <a:lnSpc>
-                <a:spcPct val="110000"/>
-              </a:lnSpc>
-              <a:spcBef>
-                <a:spcPct val="20000"/>
-              </a:spcBef>
-              <a:spcAft>
-                <a:spcPts val="600"/>
-              </a:spcAft>
-              <a:buClr>
-                <a:schemeClr val="accent1"/>
-              </a:buClr>
-              <a:buSzPct val="92000"/>
-              <a:buFont typeface="Wingdings 2" panose="05020102010507070707" pitchFamily="18" charset="2"/>
-              <a:buChar char=""/>
-              <a:defRPr sz="1700" kern="1200">
-                <a:solidFill>
-                  <a:schemeClr val="tx1">
-                    <a:lumMod val="75000"/>
-                    <a:lumOff val="25000"/>
-                  </a:schemeClr>
-                </a:solidFill>
-                <a:latin typeface="+mn-lt"/>
-                <a:ea typeface="+mn-ea"/>
-                <a:cs typeface="+mn-cs"/>
-              </a:defRPr>
-            </a:lvl1pPr>
-            <a:lvl2pPr marL="630000" indent="-306000" algn="l" defTabSz="457200" rtl="0" eaLnBrk="1" latinLnBrk="0" hangingPunct="1">
-              <a:spcBef>
-                <a:spcPct val="20000"/>
-              </a:spcBef>
-              <a:spcAft>
-                <a:spcPts val="600"/>
-              </a:spcAft>
-              <a:buClr>
-                <a:schemeClr val="accent1"/>
-              </a:buClr>
-              <a:buSzPct val="92000"/>
-              <a:buFont typeface="Wingdings 2" panose="05020102010507070707" pitchFamily="18" charset="2"/>
-              <a:buChar char=""/>
-              <a:defRPr sz="1400" kern="1200">
-                <a:solidFill>
-                  <a:schemeClr val="tx1">
-                    <a:lumMod val="75000"/>
-                    <a:lumOff val="25000"/>
-                  </a:schemeClr>
-                </a:solidFill>
-                <a:latin typeface="+mn-lt"/>
-                <a:ea typeface="+mn-ea"/>
-                <a:cs typeface="+mn-cs"/>
-              </a:defRPr>
-            </a:lvl2pPr>
-            <a:lvl3pPr marL="900000" indent="-270000" algn="l" defTabSz="457200" rtl="0" eaLnBrk="1" latinLnBrk="0" hangingPunct="1">
-              <a:spcBef>
-                <a:spcPct val="20000"/>
-              </a:spcBef>
-              <a:spcAft>
-                <a:spcPts val="600"/>
-              </a:spcAft>
-              <a:buClr>
-                <a:schemeClr val="accent1"/>
-              </a:buClr>
-              <a:buSzPct val="92000"/>
-              <a:buFont typeface="Wingdings 2" panose="05020102010507070707" pitchFamily="18" charset="2"/>
-              <a:buChar char=""/>
-              <a:defRPr sz="1300" kern="1200">
-                <a:solidFill>
-                  <a:schemeClr val="tx1">
-                    <a:lumMod val="75000"/>
-                    <a:lumOff val="25000"/>
-                  </a:schemeClr>
-                </a:solidFill>
-                <a:latin typeface="+mn-lt"/>
-                <a:ea typeface="+mn-ea"/>
-                <a:cs typeface="+mn-cs"/>
-              </a:defRPr>
-            </a:lvl3pPr>
-            <a:lvl4pPr marL="1242000" indent="-234000" algn="l" defTabSz="457200" rtl="0" eaLnBrk="1" latinLnBrk="0" hangingPunct="1">
-              <a:spcBef>
-                <a:spcPct val="20000"/>
-              </a:spcBef>
-              <a:spcAft>
-                <a:spcPts val="600"/>
-              </a:spcAft>
-              <a:buClr>
-                <a:schemeClr val="accent1"/>
-              </a:buClr>
-              <a:buSzPct val="92000"/>
-              <a:buFont typeface="Wingdings 2" panose="05020102010507070707" pitchFamily="18" charset="2"/>
-              <a:buChar char=""/>
-              <a:defRPr sz="1100" kern="1200">
-                <a:solidFill>
-                  <a:schemeClr val="tx1">
-                    <a:lumMod val="75000"/>
-                    <a:lumOff val="25000"/>
-                  </a:schemeClr>
-                </a:solidFill>
-                <a:latin typeface="+mn-lt"/>
-                <a:ea typeface="+mn-ea"/>
-                <a:cs typeface="+mn-cs"/>
-              </a:defRPr>
-            </a:lvl4pPr>
-            <a:lvl5pPr marL="1602000" indent="-234000" algn="l" defTabSz="457200" rtl="0" eaLnBrk="1" latinLnBrk="0" hangingPunct="1">
-              <a:spcBef>
-                <a:spcPct val="20000"/>
-              </a:spcBef>
-              <a:spcAft>
-                <a:spcPts val="600"/>
-              </a:spcAft>
-              <a:buClr>
-                <a:schemeClr val="accent1"/>
-              </a:buClr>
-              <a:buSzPct val="92000"/>
-              <a:buFont typeface="Wingdings 2" panose="05020102010507070707" pitchFamily="18" charset="2"/>
-              <a:buChar char=""/>
-              <a:defRPr sz="1100" kern="1200">
-                <a:solidFill>
-                  <a:schemeClr val="tx1">
-                    <a:lumMod val="75000"/>
-                    <a:lumOff val="25000"/>
-                  </a:schemeClr>
-                </a:solidFill>
-                <a:latin typeface="+mn-lt"/>
-                <a:ea typeface="+mn-ea"/>
-                <a:cs typeface="+mn-cs"/>
-              </a:defRPr>
-            </a:lvl5pPr>
-            <a:lvl6pPr marL="1900000" indent="-228600" algn="l" defTabSz="457200" rtl="0" eaLnBrk="1" latinLnBrk="0" hangingPunct="1">
-              <a:spcBef>
-                <a:spcPct val="20000"/>
-              </a:spcBef>
-              <a:spcAft>
-                <a:spcPts val="600"/>
-              </a:spcAft>
-              <a:buClr>
-                <a:schemeClr val="accent2"/>
-              </a:buClr>
-              <a:buSzPct val="92000"/>
-              <a:buFont typeface="Wingdings 2" panose="05020102010507070707" pitchFamily="18" charset="2"/>
-              <a:buChar char=""/>
-              <a:defRPr sz="1200" kern="1200">
-                <a:solidFill>
-                  <a:schemeClr val="tx2"/>
-                </a:solidFill>
-                <a:latin typeface="+mn-lt"/>
-                <a:ea typeface="+mn-ea"/>
-                <a:cs typeface="+mn-cs"/>
-              </a:defRPr>
-            </a:lvl6pPr>
-            <a:lvl7pPr marL="2200000" indent="-228600" algn="l" defTabSz="457200" rtl="0" eaLnBrk="1" latinLnBrk="0" hangingPunct="1">
-              <a:spcBef>
-                <a:spcPct val="20000"/>
-              </a:spcBef>
-              <a:spcAft>
-                <a:spcPts val="600"/>
-              </a:spcAft>
-              <a:buClr>
-                <a:schemeClr val="accent2"/>
-              </a:buClr>
-              <a:buSzPct val="92000"/>
-              <a:buFont typeface="Wingdings 2" panose="05020102010507070707" pitchFamily="18" charset="2"/>
-              <a:buChar char=""/>
-              <a:defRPr sz="1200" kern="1200">
-                <a:solidFill>
-                  <a:schemeClr val="tx2"/>
-                </a:solidFill>
-                <a:latin typeface="+mn-lt"/>
-                <a:ea typeface="+mn-ea"/>
-                <a:cs typeface="+mn-cs"/>
-              </a:defRPr>
-            </a:lvl7pPr>
-            <a:lvl8pPr marL="2500000" indent="-228600" algn="l" defTabSz="457200" rtl="0" eaLnBrk="1" latinLnBrk="0" hangingPunct="1">
-              <a:spcBef>
-                <a:spcPct val="20000"/>
-              </a:spcBef>
-              <a:spcAft>
-                <a:spcPts val="600"/>
-              </a:spcAft>
-              <a:buClr>
-                <a:schemeClr val="accent2"/>
-              </a:buClr>
-              <a:buSzPct val="92000"/>
-              <a:buFont typeface="Wingdings 2" panose="05020102010507070707" pitchFamily="18" charset="2"/>
-              <a:buChar char=""/>
-              <a:defRPr sz="1200" kern="1200">
-                <a:solidFill>
-                  <a:schemeClr val="tx2"/>
-                </a:solidFill>
-                <a:latin typeface="+mn-lt"/>
-                <a:ea typeface="+mn-ea"/>
-                <a:cs typeface="+mn-cs"/>
-              </a:defRPr>
-            </a:lvl8pPr>
-            <a:lvl9pPr marL="2800000" indent="-228600" algn="l" defTabSz="457200" rtl="0" eaLnBrk="1" latinLnBrk="0" hangingPunct="1">
-              <a:spcBef>
-                <a:spcPct val="20000"/>
-              </a:spcBef>
-              <a:spcAft>
-                <a:spcPts val="600"/>
-              </a:spcAft>
-              <a:buClr>
-                <a:schemeClr val="accent2"/>
-              </a:buClr>
-              <a:buSzPct val="92000"/>
-              <a:buFont typeface="Wingdings 2" panose="05020102010507070707" pitchFamily="18" charset="2"/>
-              <a:buChar char=""/>
-              <a:defRPr sz="1200" kern="1200">
-                <a:solidFill>
-                  <a:schemeClr val="tx2"/>
-                </a:solidFill>
-                <a:latin typeface="+mn-lt"/>
-                <a:ea typeface="+mn-ea"/>
-                <a:cs typeface="+mn-cs"/>
-              </a:defRPr>
-            </a:lvl9pPr>
-          </a:lstStyle>
-          <a:p>
-            <a:endParaRPr lang="sr-Latn-RS" dirty="0"/>
-          </a:p>
-        </p:txBody>
-      </p:sp>
-    </p:spTree>
-    <p:extLst>
-      <p:ext uri="{BB962C8B-B14F-4D97-AF65-F5344CB8AC3E}">
-        <p14:creationId xmlns:p14="http://schemas.microsoft.com/office/powerpoint/2010/main" val="3285291401"/>
-      </p:ext>
-    </p:extLst>
-  </p:cSld>
-  <p:clrMapOvr>
-    <a:masterClrMapping/>
-  </p:clrMapOvr>
-</p:sld>
-</file>
-
-<file path=ppt/slides/slide12.xml><?xml version="1.0" encoding="utf-8"?>
-<p:sld xmlns:a="http://schemas.openxmlformats.org/drawingml/2006/main" xmlns:r="http://schemas.openxmlformats.org/officeDocument/2006/relationships" xmlns:p="http://schemas.openxmlformats.org/presentationml/2006/main">
-  <p:cSld>
-    <p:spTree>
-      <p:nvGrpSpPr>
-        <p:cNvPr id="1" name=""/>
-        <p:cNvGrpSpPr/>
-        <p:nvPr/>
-      </p:nvGrpSpPr>
-      <p:grpSpPr>
-        <a:xfrm>
-          <a:off x="0" y="0"/>
-          <a:ext cx="0" cy="0"/>
-          <a:chOff x="0" y="0"/>
-          <a:chExt cx="0" cy="0"/>
-        </a:xfrm>
-      </p:grpSpPr>
-      <p:sp>
-        <p:nvSpPr>
-          <p:cNvPr id="2" name="Title 1">
-            <a:extLst>
-              <a:ext uri="{FF2B5EF4-FFF2-40B4-BE49-F238E27FC236}">
-                <a16:creationId xmlns:a16="http://schemas.microsoft.com/office/drawing/2014/main" id="{B1FF1351-E477-4A1D-A7B0-8C91D3978052}"/>
-              </a:ext>
-            </a:extLst>
-          </p:cNvPr>
-          <p:cNvSpPr>
-            <a:spLocks noGrp="1"/>
-          </p:cNvSpPr>
-          <p:nvPr>
-            <p:ph type="title"/>
-          </p:nvPr>
-        </p:nvSpPr>
-        <p:spPr>
-          <a:xfrm>
-            <a:off x="581192" y="702156"/>
-            <a:ext cx="11029616" cy="503189"/>
-          </a:xfrm>
-        </p:spPr>
-        <p:txBody>
-          <a:bodyPr>
-            <a:normAutofit fontScale="90000"/>
-          </a:bodyPr>
-          <a:lstStyle/>
-          <a:p>
-            <a:r>
-              <a:rPr lang="sr-Latn-RS" dirty="0"/>
-              <a:t>Linkovi</a:t>
-            </a:r>
-          </a:p>
-        </p:txBody>
-      </p:sp>
-      <p:sp>
-        <p:nvSpPr>
-          <p:cNvPr id="4" name="TextBox 3">
-            <a:extLst>
-              <a:ext uri="{FF2B5EF4-FFF2-40B4-BE49-F238E27FC236}">
-                <a16:creationId xmlns:a16="http://schemas.microsoft.com/office/drawing/2014/main" id="{95DC9682-ABA3-401A-98ED-8EAAA33FFCF1}"/>
-              </a:ext>
-            </a:extLst>
-          </p:cNvPr>
-          <p:cNvSpPr txBox="1"/>
-          <p:nvPr/>
-        </p:nvSpPr>
-        <p:spPr>
-          <a:xfrm>
-            <a:off x="581192" y="2690336"/>
-            <a:ext cx="11029616" cy="1477328"/>
-          </a:xfrm>
-          <a:prstGeom prst="rect">
-            <a:avLst/>
-          </a:prstGeom>
-          <a:noFill/>
-        </p:spPr>
-        <p:txBody>
-          <a:bodyPr wrap="square" rtlCol="0">
-            <a:spAutoFit/>
-          </a:bodyPr>
-          <a:lstStyle/>
-          <a:p>
-            <a:pPr marL="285750" indent="-285750">
-              <a:buFont typeface="Arial" panose="020B0604020202020204" pitchFamily="34" charset="0"/>
-              <a:buChar char="•"/>
-            </a:pPr>
-            <a:r>
-              <a:rPr lang="sr-Latn-RS" dirty="0">
-                <a:hlinkClick r:id="rId2"/>
-              </a:rPr>
-              <a:t>DIMACS benschmark set</a:t>
-            </a:r>
-            <a:endParaRPr lang="sr-Latn-RS" dirty="0"/>
-          </a:p>
-          <a:p>
-            <a:pPr marL="285750" indent="-285750">
-              <a:buFont typeface="Arial" panose="020B0604020202020204" pitchFamily="34" charset="0"/>
-              <a:buChar char="•"/>
-            </a:pPr>
-            <a:endParaRPr lang="sr-Latn-RS" dirty="0"/>
-          </a:p>
-          <a:p>
-            <a:pPr marL="285750" indent="-285750">
-              <a:buFont typeface="Arial" panose="020B0604020202020204" pitchFamily="34" charset="0"/>
-              <a:buChar char="•"/>
-            </a:pPr>
-            <a:r>
-              <a:rPr lang="en-US" dirty="0" err="1"/>
-              <a:t>Vizualizacija</a:t>
-            </a:r>
-            <a:r>
-              <a:rPr lang="en-US" dirty="0"/>
-              <a:t> </a:t>
-            </a:r>
-            <a:r>
-              <a:rPr lang="en-US" dirty="0" err="1"/>
-              <a:t>grafova</a:t>
-            </a:r>
-            <a:r>
-              <a:rPr lang="en-US" dirty="0"/>
-              <a:t>: </a:t>
-            </a:r>
-            <a:r>
-              <a:rPr lang="en-US" dirty="0" err="1">
-                <a:hlinkClick r:id="rId3"/>
-              </a:rPr>
-              <a:t>NetworkX</a:t>
-            </a:r>
-            <a:endParaRPr lang="en-US" dirty="0"/>
-          </a:p>
-          <a:p>
-            <a:pPr marL="285750" indent="-285750">
-              <a:buFont typeface="Arial" panose="020B0604020202020204" pitchFamily="34" charset="0"/>
-              <a:buChar char="•"/>
-            </a:pPr>
-            <a:endParaRPr lang="en-US" dirty="0"/>
-          </a:p>
-          <a:p>
-            <a:pPr marL="285750" indent="-285750">
-              <a:buFont typeface="Arial" panose="020B0604020202020204" pitchFamily="34" charset="0"/>
-              <a:buChar char="•"/>
-            </a:pPr>
-            <a:endParaRPr lang="sr-Latn-RS" dirty="0"/>
-          </a:p>
-        </p:txBody>
-      </p:sp>
-    </p:spTree>
-    <p:extLst>
-      <p:ext uri="{BB962C8B-B14F-4D97-AF65-F5344CB8AC3E}">
-        <p14:creationId xmlns:p14="http://schemas.microsoft.com/office/powerpoint/2010/main" val="4188400318"/>
-      </p:ext>
-    </p:extLst>
-  </p:cSld>
-  <p:clrMapOvr>
-    <a:masterClrMapping/>
-  </p:clrMapOvr>
-</p:sld>
-</file>
-
-<file path=ppt/slides/slide2.xml><?xml version="1.0" encoding="utf-8"?>
-<p:sld xmlns:a="http://schemas.openxmlformats.org/drawingml/2006/main" xmlns:r="http://schemas.openxmlformats.org/officeDocument/2006/relationships" xmlns:p="http://schemas.openxmlformats.org/presentationml/2006/main">
-  <p:cSld>
-    <p:spTree>
-      <p:nvGrpSpPr>
-        <p:cNvPr id="1" name=""/>
-        <p:cNvGrpSpPr/>
-        <p:nvPr/>
-      </p:nvGrpSpPr>
-      <p:grpSpPr>
-        <a:xfrm>
-          <a:off x="0" y="0"/>
-          <a:ext cx="0" cy="0"/>
-          <a:chOff x="0" y="0"/>
-          <a:chExt cx="0" cy="0"/>
-        </a:xfrm>
-      </p:grpSpPr>
-      <p:sp>
-        <p:nvSpPr>
-          <p:cNvPr id="2" name="Title 1">
-            <a:extLst>
-              <a:ext uri="{FF2B5EF4-FFF2-40B4-BE49-F238E27FC236}">
-                <a16:creationId xmlns:a16="http://schemas.microsoft.com/office/drawing/2014/main" id="{5E562972-3449-42D1-8185-B4BEFD52AB44}"/>
-              </a:ext>
-            </a:extLst>
-          </p:cNvPr>
-          <p:cNvSpPr>
-            <a:spLocks noGrp="1"/>
-          </p:cNvSpPr>
-          <p:nvPr>
-            <p:ph type="title"/>
-          </p:nvPr>
-        </p:nvSpPr>
-        <p:spPr>
-          <a:xfrm>
-            <a:off x="581192" y="702156"/>
-            <a:ext cx="11029616" cy="519815"/>
-          </a:xfrm>
-        </p:spPr>
-        <p:txBody>
-          <a:bodyPr>
-            <a:normAutofit/>
-          </a:bodyPr>
-          <a:lstStyle/>
-          <a:p>
-            <a:r>
-              <a:rPr lang="sr-Latn-RS" dirty="0"/>
-              <a:t>Pojmovi</a:t>
-            </a:r>
-            <a:r>
-              <a:rPr lang="en-US" dirty="0"/>
-              <a:t> </a:t>
-            </a:r>
-            <a:r>
-              <a:rPr lang="en-US" dirty="0" err="1"/>
-              <a:t>i</a:t>
-            </a:r>
-            <a:r>
-              <a:rPr lang="sr-Latn-RS" dirty="0"/>
-              <a:t> problem</a:t>
-            </a:r>
-            <a:endParaRPr lang="en-US" dirty="0"/>
-          </a:p>
-        </p:txBody>
-      </p:sp>
-      <p:sp>
-        <p:nvSpPr>
-          <p:cNvPr id="8" name="Content Placeholder 2">
-            <a:extLst>
-              <a:ext uri="{FF2B5EF4-FFF2-40B4-BE49-F238E27FC236}">
-                <a16:creationId xmlns:a16="http://schemas.microsoft.com/office/drawing/2014/main" id="{619BA27D-D50E-4EB3-B0F2-2DE619963027}"/>
-              </a:ext>
-            </a:extLst>
-          </p:cNvPr>
-          <p:cNvSpPr>
-            <a:spLocks noGrp="1"/>
-          </p:cNvSpPr>
-          <p:nvPr>
-            <p:ph idx="1"/>
-          </p:nvPr>
-        </p:nvSpPr>
-        <p:spPr>
-          <a:xfrm>
-            <a:off x="581193" y="1315616"/>
-            <a:ext cx="8096276" cy="5010539"/>
-          </a:xfrm>
-        </p:spPr>
-        <p:txBody>
-          <a:bodyPr>
-            <a:normAutofit/>
-          </a:bodyPr>
-          <a:lstStyle/>
-          <a:p>
-            <a:pPr marL="285750" indent="-285750">
-              <a:buFont typeface="Arial" panose="020B0604020202020204" pitchFamily="34" charset="0"/>
-              <a:buChar char="•"/>
-            </a:pPr>
-            <a:r>
-              <a:rPr lang="sr-Latn-RS" dirty="0"/>
-              <a:t>Klika </a:t>
-            </a:r>
-            <a:br>
-              <a:rPr lang="sr-Latn-RS" dirty="0"/>
-            </a:br>
-            <a:r>
-              <a:rPr lang="sr-Latn-RS" dirty="0"/>
-              <a:t>skup čvorova u grafu takav da su svi čvorovi iz skupa uzajamno susedni, kompletan podgraf/graf</a:t>
-            </a:r>
-          </a:p>
-          <a:p>
-            <a:pPr marL="285750" indent="-285750">
-              <a:buFont typeface="Arial" panose="020B0604020202020204" pitchFamily="34" charset="0"/>
-              <a:buChar char="•"/>
-            </a:pPr>
-            <a:r>
-              <a:rPr lang="sr-Latn-RS" dirty="0"/>
-              <a:t>Stepen čvora grafa</a:t>
-            </a:r>
-            <a:br>
-              <a:rPr lang="sr-Latn-RS" dirty="0"/>
-            </a:br>
-            <a:r>
-              <a:rPr lang="sr-Latn-RS" dirty="0"/>
-              <a:t>broj grana koje su mu susedne</a:t>
-            </a:r>
-          </a:p>
-          <a:p>
-            <a:pPr marL="285750" indent="-285750">
-              <a:buFont typeface="Arial" panose="020B0604020202020204" pitchFamily="34" charset="0"/>
-              <a:buChar char="•"/>
-            </a:pPr>
-            <a:r>
-              <a:rPr lang="sr-Latn-RS" dirty="0"/>
-              <a:t>Problem klike</a:t>
-            </a:r>
-            <a:br>
-              <a:rPr lang="sr-Latn-RS" dirty="0"/>
-            </a:br>
-            <a:r>
-              <a:rPr lang="sr-Latn-RS" dirty="0"/>
-              <a:t>određivanje da li graf sadrži kliku ne manju od date veličine </a:t>
-            </a:r>
-            <a:r>
-              <a:rPr lang="sr-Latn-RS" i="1" dirty="0"/>
-              <a:t>k</a:t>
-            </a:r>
-            <a:r>
-              <a:rPr lang="sr-Latn-RS" dirty="0"/>
-              <a:t> </a:t>
-            </a:r>
-          </a:p>
-          <a:p>
-            <a:pPr marL="285750" indent="-285750">
-              <a:buFont typeface="Arial" panose="020B0604020202020204" pitchFamily="34" charset="0"/>
-              <a:buChar char="•"/>
-            </a:pPr>
-            <a:r>
-              <a:rPr lang="sr-Latn-RS" dirty="0"/>
-              <a:t>Problem maksimalne klike</a:t>
-            </a:r>
-            <a:br>
-              <a:rPr lang="sr-Latn-RS" dirty="0"/>
-            </a:br>
-            <a:r>
-              <a:rPr lang="sr-Latn-RS" dirty="0"/>
-              <a:t>optimizacioni problem, pronalaženje najveće klike u grafu</a:t>
-            </a:r>
-          </a:p>
-          <a:p>
-            <a:pPr marL="285750" indent="-285750">
-              <a:buFont typeface="Arial" panose="020B0604020202020204" pitchFamily="34" charset="0"/>
-              <a:buChar char="•"/>
-            </a:pPr>
-            <a:r>
-              <a:rPr lang="sr-Latn-RS" dirty="0"/>
-              <a:t>NP-težak problem</a:t>
-            </a:r>
-            <a:endParaRPr lang="en-US" dirty="0"/>
-          </a:p>
-          <a:p>
-            <a:pPr marL="285750" indent="-285750">
-              <a:buFont typeface="Arial" panose="020B0604020202020204" pitchFamily="34" charset="0"/>
-              <a:buChar char="•"/>
-            </a:pPr>
-            <a:r>
-              <a:rPr lang="sr-Latn-RS" dirty="0"/>
-              <a:t>Isti problem </a:t>
-            </a:r>
-            <a:br>
-              <a:rPr lang="sr-Latn-RS" dirty="0"/>
-            </a:br>
-            <a:r>
-              <a:rPr lang="sr-Latn-RS" dirty="0"/>
-              <a:t>Maksimalni nezavisni skup na komplementarnom grafu</a:t>
-            </a:r>
-            <a:endParaRPr lang="en-US" dirty="0"/>
-          </a:p>
-          <a:p>
-            <a:endParaRPr lang="sr-Latn-RS" dirty="0"/>
-          </a:p>
-        </p:txBody>
-      </p:sp>
-    </p:spTree>
-    <p:extLst>
-      <p:ext uri="{BB962C8B-B14F-4D97-AF65-F5344CB8AC3E}">
-        <p14:creationId xmlns:p14="http://schemas.microsoft.com/office/powerpoint/2010/main" val="263784652"/>
-      </p:ext>
-    </p:extLst>
-  </p:cSld>
-  <p:clrMapOvr>
-    <a:masterClrMapping/>
-  </p:clrMapOvr>
-</p:sld>
-</file>
-
-<file path=ppt/slides/slide3.xml><?xml version="1.0" encoding="utf-8"?>
-<p:sld xmlns:a="http://schemas.openxmlformats.org/drawingml/2006/main" xmlns:r="http://schemas.openxmlformats.org/officeDocument/2006/relationships" xmlns:p="http://schemas.openxmlformats.org/presentationml/2006/main">
-  <p:cSld>
-    <p:spTree>
-      <p:nvGrpSpPr>
-        <p:cNvPr id="1" name=""/>
-        <p:cNvGrpSpPr/>
-        <p:nvPr/>
-      </p:nvGrpSpPr>
-      <p:grpSpPr>
-        <a:xfrm>
-          <a:off x="0" y="0"/>
-          <a:ext cx="0" cy="0"/>
-          <a:chOff x="0" y="0"/>
-          <a:chExt cx="0" cy="0"/>
-        </a:xfrm>
-      </p:grpSpPr>
-      <p:sp>
-        <p:nvSpPr>
-          <p:cNvPr id="2" name="Title 1">
-            <a:extLst>
-              <a:ext uri="{FF2B5EF4-FFF2-40B4-BE49-F238E27FC236}">
-                <a16:creationId xmlns:a16="http://schemas.microsoft.com/office/drawing/2014/main" id="{F7BA4CF3-8A96-4143-A88F-806EFAD28D44}"/>
-              </a:ext>
-            </a:extLst>
-          </p:cNvPr>
-          <p:cNvSpPr>
-            <a:spLocks noGrp="1"/>
-          </p:cNvSpPr>
-          <p:nvPr>
-            <p:ph type="title"/>
-          </p:nvPr>
-        </p:nvSpPr>
-        <p:spPr>
-          <a:xfrm>
-            <a:off x="581192" y="702156"/>
-            <a:ext cx="11029616" cy="599106"/>
-          </a:xfrm>
-        </p:spPr>
-        <p:txBody>
-          <a:bodyPr/>
-          <a:lstStyle/>
-          <a:p>
-            <a:r>
-              <a:rPr lang="sr-Latn-RS" dirty="0"/>
-              <a:t>Brute force algoritam sa odsecanjem</a:t>
-            </a:r>
-          </a:p>
-        </p:txBody>
-      </p:sp>
-      <p:sp>
-        <p:nvSpPr>
-          <p:cNvPr id="5" name="TextBox 4">
-            <a:extLst>
-              <a:ext uri="{FF2B5EF4-FFF2-40B4-BE49-F238E27FC236}">
-                <a16:creationId xmlns:a16="http://schemas.microsoft.com/office/drawing/2014/main" id="{4E31F959-DF0C-4F41-BF42-6BBAB0DDBE58}"/>
-              </a:ext>
-            </a:extLst>
-          </p:cNvPr>
-          <p:cNvSpPr txBox="1"/>
-          <p:nvPr/>
-        </p:nvSpPr>
-        <p:spPr>
-          <a:xfrm>
-            <a:off x="703385" y="1301261"/>
-            <a:ext cx="9249507" cy="5355312"/>
-          </a:xfrm>
-          <a:prstGeom prst="rect">
-            <a:avLst/>
-          </a:prstGeom>
-          <a:noFill/>
-        </p:spPr>
-        <p:txBody>
-          <a:bodyPr wrap="square" rtlCol="0">
-            <a:spAutoFit/>
-          </a:bodyPr>
-          <a:lstStyle/>
-          <a:p>
-            <a:endParaRPr lang="en-GB" b="0" dirty="0">
-              <a:solidFill>
-                <a:srgbClr val="D4D4D4"/>
-              </a:solidFill>
-              <a:effectLst/>
-              <a:latin typeface="Consolas" panose="020B0609020204030204" pitchFamily="49" charset="0"/>
-            </a:endParaRPr>
-          </a:p>
-          <a:p>
-            <a:r>
-              <a:rPr lang="en-GB" b="0" dirty="0">
-                <a:solidFill>
-                  <a:srgbClr val="569CD6"/>
-                </a:solidFill>
-                <a:effectLst/>
-                <a:latin typeface="Consolas" panose="020B0609020204030204" pitchFamily="49" charset="0"/>
-              </a:rPr>
-              <a:t>def</a:t>
-            </a:r>
-            <a:r>
-              <a:rPr lang="en-GB" b="0" dirty="0">
-                <a:solidFill>
-                  <a:srgbClr val="D4D4D4"/>
-                </a:solidFill>
-                <a:effectLst/>
-                <a:latin typeface="Consolas" panose="020B0609020204030204" pitchFamily="49" charset="0"/>
-              </a:rPr>
-              <a:t> </a:t>
-            </a:r>
-            <a:r>
-              <a:rPr lang="en-GB" b="0" dirty="0" err="1">
-                <a:solidFill>
-                  <a:srgbClr val="656565"/>
-                </a:solidFill>
-                <a:effectLst/>
-                <a:latin typeface="Consolas" panose="020B0609020204030204" pitchFamily="49" charset="0"/>
-              </a:rPr>
-              <a:t>brute_force_clique</a:t>
-            </a:r>
-            <a:r>
-              <a:rPr lang="en-GB" b="0" dirty="0">
-                <a:solidFill>
-                  <a:srgbClr val="656565"/>
-                </a:solidFill>
-                <a:effectLst/>
-                <a:latin typeface="Consolas" panose="020B0609020204030204" pitchFamily="49" charset="0"/>
-              </a:rPr>
-              <a:t>_(</a:t>
-            </a:r>
-            <a:r>
-              <a:rPr lang="en-GB" b="0" dirty="0" err="1">
-                <a:solidFill>
-                  <a:srgbClr val="656565"/>
-                </a:solidFill>
-                <a:effectLst/>
-                <a:latin typeface="Consolas" panose="020B0609020204030204" pitchFamily="49" charset="0"/>
-              </a:rPr>
-              <a:t>G:dict</a:t>
-            </a:r>
-            <a:r>
-              <a:rPr lang="en-GB" b="0" dirty="0">
-                <a:solidFill>
-                  <a:srgbClr val="656565"/>
-                </a:solidFill>
-                <a:effectLst/>
-                <a:latin typeface="Consolas" panose="020B0609020204030204" pitchFamily="49" charset="0"/>
-              </a:rPr>
-              <a:t>, U:list, size, </a:t>
-            </a:r>
-            <a:r>
-              <a:rPr lang="en-GB" b="0" dirty="0" err="1">
-                <a:solidFill>
-                  <a:srgbClr val="656565"/>
-                </a:solidFill>
-                <a:effectLst/>
-                <a:latin typeface="Consolas" panose="020B0609020204030204" pitchFamily="49" charset="0"/>
-              </a:rPr>
-              <a:t>nodes:list</a:t>
-            </a:r>
-            <a:r>
-              <a:rPr lang="en-GB" b="0" dirty="0">
-                <a:solidFill>
-                  <a:srgbClr val="656565"/>
-                </a:solidFill>
-                <a:effectLst/>
-                <a:latin typeface="Consolas" panose="020B0609020204030204" pitchFamily="49" charset="0"/>
-              </a:rPr>
-              <a:t>):</a:t>
-            </a:r>
-          </a:p>
-          <a:p>
-            <a:r>
-              <a:rPr lang="en-GB" b="0" dirty="0">
-                <a:solidFill>
-                  <a:srgbClr val="D4D4D4"/>
-                </a:solidFill>
-                <a:effectLst/>
-                <a:latin typeface="Consolas" panose="020B0609020204030204" pitchFamily="49" charset="0"/>
-              </a:rPr>
-              <a:t>    </a:t>
-            </a:r>
-            <a:r>
-              <a:rPr lang="en-GB" b="0" dirty="0">
-                <a:solidFill>
-                  <a:srgbClr val="569CD6"/>
-                </a:solidFill>
-                <a:effectLst/>
-                <a:latin typeface="Consolas" panose="020B0609020204030204" pitchFamily="49" charset="0"/>
-              </a:rPr>
-              <a:t>global</a:t>
-            </a:r>
-            <a:r>
-              <a:rPr lang="en-GB" b="0" dirty="0">
-                <a:solidFill>
-                  <a:srgbClr val="D4D4D4"/>
-                </a:solidFill>
-                <a:effectLst/>
-                <a:latin typeface="Consolas" panose="020B0609020204030204" pitchFamily="49" charset="0"/>
-              </a:rPr>
-              <a:t> </a:t>
-            </a:r>
-            <a:r>
-              <a:rPr lang="en-GB" b="0" dirty="0">
-                <a:solidFill>
-                  <a:srgbClr val="656565"/>
-                </a:solidFill>
-                <a:effectLst/>
-                <a:latin typeface="Consolas" panose="020B0609020204030204" pitchFamily="49" charset="0"/>
-              </a:rPr>
-              <a:t>max, </a:t>
-            </a:r>
-            <a:r>
-              <a:rPr lang="en-GB" b="0" dirty="0" err="1">
-                <a:solidFill>
-                  <a:srgbClr val="656565"/>
-                </a:solidFill>
-                <a:effectLst/>
-                <a:latin typeface="Consolas" panose="020B0609020204030204" pitchFamily="49" charset="0"/>
-              </a:rPr>
-              <a:t>clique_nodes</a:t>
-            </a:r>
-            <a:endParaRPr lang="en-GB" b="0" dirty="0">
-              <a:solidFill>
-                <a:srgbClr val="656565"/>
-              </a:solidFill>
-              <a:effectLst/>
-              <a:latin typeface="Consolas" panose="020B0609020204030204" pitchFamily="49" charset="0"/>
-            </a:endParaRPr>
-          </a:p>
-          <a:p>
-            <a:r>
-              <a:rPr lang="en-GB" b="0" dirty="0">
-                <a:solidFill>
-                  <a:srgbClr val="D4D4D4"/>
-                </a:solidFill>
-                <a:effectLst/>
-                <a:latin typeface="Consolas" panose="020B0609020204030204" pitchFamily="49" charset="0"/>
-              </a:rPr>
-              <a:t>    </a:t>
-            </a:r>
-            <a:r>
-              <a:rPr lang="en-GB" b="0" dirty="0">
-                <a:solidFill>
-                  <a:srgbClr val="569CD6"/>
-                </a:solidFill>
-                <a:effectLst/>
-                <a:latin typeface="Consolas" panose="020B0609020204030204" pitchFamily="49" charset="0"/>
-              </a:rPr>
-              <a:t>if</a:t>
-            </a:r>
-            <a:r>
-              <a:rPr lang="en-GB" b="0" dirty="0">
-                <a:solidFill>
-                  <a:srgbClr val="D4D4D4"/>
-                </a:solidFill>
-                <a:effectLst/>
-                <a:latin typeface="Consolas" panose="020B0609020204030204" pitchFamily="49" charset="0"/>
-              </a:rPr>
-              <a:t> </a:t>
-            </a:r>
-            <a:r>
-              <a:rPr lang="en-GB" b="0" dirty="0" err="1">
-                <a:solidFill>
-                  <a:srgbClr val="656565"/>
-                </a:solidFill>
-                <a:effectLst/>
-                <a:latin typeface="Consolas" panose="020B0609020204030204" pitchFamily="49" charset="0"/>
-              </a:rPr>
-              <a:t>len</a:t>
-            </a:r>
-            <a:r>
-              <a:rPr lang="en-GB" b="0" dirty="0">
-                <a:solidFill>
-                  <a:srgbClr val="656565"/>
-                </a:solidFill>
-                <a:effectLst/>
-                <a:latin typeface="Consolas" panose="020B0609020204030204" pitchFamily="49" charset="0"/>
-              </a:rPr>
-              <a:t>(U) == 0:</a:t>
-            </a:r>
-          </a:p>
-          <a:p>
-            <a:r>
-              <a:rPr lang="en-GB" b="0" dirty="0">
-                <a:solidFill>
-                  <a:srgbClr val="656565"/>
-                </a:solidFill>
-                <a:effectLst/>
-                <a:latin typeface="Consolas" panose="020B0609020204030204" pitchFamily="49" charset="0"/>
-              </a:rPr>
-              <a:t>        max = size</a:t>
-            </a:r>
-          </a:p>
-          <a:p>
-            <a:r>
-              <a:rPr lang="en-GB" b="0" dirty="0">
-                <a:solidFill>
-                  <a:srgbClr val="656565"/>
-                </a:solidFill>
-                <a:effectLst/>
-                <a:latin typeface="Consolas" panose="020B0609020204030204" pitchFamily="49" charset="0"/>
-              </a:rPr>
-              <a:t>        </a:t>
-            </a:r>
-            <a:r>
-              <a:rPr lang="en-GB" b="0" dirty="0" err="1">
-                <a:solidFill>
-                  <a:srgbClr val="656565"/>
-                </a:solidFill>
-                <a:effectLst/>
-                <a:latin typeface="Consolas" panose="020B0609020204030204" pitchFamily="49" charset="0"/>
-              </a:rPr>
-              <a:t>clique_nodes</a:t>
-            </a:r>
-            <a:r>
-              <a:rPr lang="en-GB" b="0" dirty="0">
-                <a:solidFill>
-                  <a:srgbClr val="656565"/>
-                </a:solidFill>
-                <a:effectLst/>
-                <a:latin typeface="Consolas" panose="020B0609020204030204" pitchFamily="49" charset="0"/>
-              </a:rPr>
-              <a:t> = nodes</a:t>
-            </a:r>
-          </a:p>
-          <a:p>
-            <a:r>
-              <a:rPr lang="en-GB" b="0" dirty="0">
-                <a:solidFill>
-                  <a:srgbClr val="D4D4D4"/>
-                </a:solidFill>
-                <a:effectLst/>
-                <a:latin typeface="Consolas" panose="020B0609020204030204" pitchFamily="49" charset="0"/>
-              </a:rPr>
-              <a:t>        </a:t>
-            </a:r>
-            <a:r>
-              <a:rPr lang="en-GB" b="0" dirty="0">
-                <a:solidFill>
-                  <a:srgbClr val="569CD6"/>
-                </a:solidFill>
-                <a:effectLst/>
-                <a:latin typeface="Consolas" panose="020B0609020204030204" pitchFamily="49" charset="0"/>
-              </a:rPr>
-              <a:t>return</a:t>
-            </a:r>
-            <a:r>
-              <a:rPr lang="en-GB" b="0" dirty="0">
-                <a:solidFill>
-                  <a:srgbClr val="D4D4D4"/>
-                </a:solidFill>
-                <a:effectLst/>
-                <a:latin typeface="Consolas" panose="020B0609020204030204" pitchFamily="49" charset="0"/>
-              </a:rPr>
-              <a:t> </a:t>
-            </a:r>
-          </a:p>
-          <a:p>
-            <a:r>
-              <a:rPr lang="en-GB" b="0" dirty="0">
-                <a:solidFill>
-                  <a:srgbClr val="D4D4D4"/>
-                </a:solidFill>
-                <a:effectLst/>
-                <a:latin typeface="Consolas" panose="020B0609020204030204" pitchFamily="49" charset="0"/>
-              </a:rPr>
-              <a:t>        </a:t>
-            </a:r>
-          </a:p>
-          <a:p>
-            <a:r>
-              <a:rPr lang="en-GB" b="0" dirty="0">
-                <a:solidFill>
-                  <a:srgbClr val="D4D4D4"/>
-                </a:solidFill>
-                <a:effectLst/>
-                <a:latin typeface="Consolas" panose="020B0609020204030204" pitchFamily="49" charset="0"/>
-              </a:rPr>
-              <a:t>    </a:t>
-            </a:r>
-            <a:r>
-              <a:rPr lang="en-GB" b="0" dirty="0">
-                <a:solidFill>
-                  <a:srgbClr val="569CD6"/>
-                </a:solidFill>
-                <a:effectLst/>
-                <a:latin typeface="Consolas" panose="020B0609020204030204" pitchFamily="49" charset="0"/>
-              </a:rPr>
-              <a:t>while</a:t>
-            </a:r>
-            <a:r>
-              <a:rPr lang="en-GB" b="0" dirty="0">
-                <a:solidFill>
-                  <a:srgbClr val="D4D4D4"/>
-                </a:solidFill>
-                <a:effectLst/>
-                <a:latin typeface="Consolas" panose="020B0609020204030204" pitchFamily="49" charset="0"/>
-              </a:rPr>
-              <a:t> </a:t>
-            </a:r>
-            <a:r>
-              <a:rPr lang="en-GB" b="0" dirty="0" err="1">
-                <a:solidFill>
-                  <a:srgbClr val="656565"/>
-                </a:solidFill>
-                <a:effectLst/>
-                <a:latin typeface="Consolas" panose="020B0609020204030204" pitchFamily="49" charset="0"/>
-              </a:rPr>
-              <a:t>len</a:t>
-            </a:r>
-            <a:r>
-              <a:rPr lang="en-GB" b="0" dirty="0">
-                <a:solidFill>
-                  <a:srgbClr val="656565"/>
-                </a:solidFill>
-                <a:effectLst/>
-                <a:latin typeface="Consolas" panose="020B0609020204030204" pitchFamily="49" charset="0"/>
-              </a:rPr>
-              <a:t>(U) != 0:</a:t>
-            </a:r>
-          </a:p>
-          <a:p>
-            <a:r>
-              <a:rPr lang="en-GB" b="0" dirty="0">
-                <a:solidFill>
-                  <a:srgbClr val="D4D4D4"/>
-                </a:solidFill>
-                <a:effectLst/>
-                <a:latin typeface="Consolas" panose="020B0609020204030204" pitchFamily="49" charset="0"/>
-              </a:rPr>
-              <a:t>        </a:t>
-            </a:r>
-            <a:r>
-              <a:rPr lang="en-GB" b="0" dirty="0">
-                <a:solidFill>
-                  <a:srgbClr val="569CD6"/>
-                </a:solidFill>
-                <a:effectLst/>
-                <a:latin typeface="Consolas" panose="020B0609020204030204" pitchFamily="49" charset="0"/>
-              </a:rPr>
-              <a:t>if</a:t>
-            </a:r>
-            <a:r>
-              <a:rPr lang="en-GB" b="0" dirty="0">
-                <a:solidFill>
-                  <a:srgbClr val="D4D4D4"/>
-                </a:solidFill>
-                <a:effectLst/>
-                <a:latin typeface="Consolas" panose="020B0609020204030204" pitchFamily="49" charset="0"/>
-              </a:rPr>
-              <a:t> </a:t>
-            </a:r>
-            <a:r>
-              <a:rPr lang="en-GB" b="0" dirty="0">
-                <a:solidFill>
-                  <a:srgbClr val="656565"/>
-                </a:solidFill>
-                <a:effectLst/>
-                <a:latin typeface="Consolas" panose="020B0609020204030204" pitchFamily="49" charset="0"/>
-              </a:rPr>
-              <a:t>size + </a:t>
-            </a:r>
-            <a:r>
-              <a:rPr lang="en-GB" b="0" dirty="0" err="1">
-                <a:solidFill>
-                  <a:srgbClr val="656565"/>
-                </a:solidFill>
-                <a:effectLst/>
-                <a:latin typeface="Consolas" panose="020B0609020204030204" pitchFamily="49" charset="0"/>
-              </a:rPr>
-              <a:t>len</a:t>
-            </a:r>
-            <a:r>
-              <a:rPr lang="en-GB" b="0" dirty="0">
-                <a:solidFill>
-                  <a:srgbClr val="656565"/>
-                </a:solidFill>
-                <a:effectLst/>
-                <a:latin typeface="Consolas" panose="020B0609020204030204" pitchFamily="49" charset="0"/>
-              </a:rPr>
-              <a:t>(U) &lt;= max:</a:t>
-            </a:r>
-          </a:p>
-          <a:p>
-            <a:r>
-              <a:rPr lang="en-GB" b="0" dirty="0">
-                <a:solidFill>
-                  <a:srgbClr val="D4D4D4"/>
-                </a:solidFill>
-                <a:effectLst/>
-                <a:latin typeface="Consolas" panose="020B0609020204030204" pitchFamily="49" charset="0"/>
-              </a:rPr>
-              <a:t>            </a:t>
-            </a:r>
-            <a:r>
-              <a:rPr lang="en-GB" b="0" dirty="0">
-                <a:solidFill>
-                  <a:srgbClr val="569CD6"/>
-                </a:solidFill>
-                <a:effectLst/>
-                <a:latin typeface="Consolas" panose="020B0609020204030204" pitchFamily="49" charset="0"/>
-              </a:rPr>
-              <a:t>return</a:t>
-            </a:r>
-            <a:r>
-              <a:rPr lang="en-GB" b="0" dirty="0">
-                <a:solidFill>
-                  <a:srgbClr val="D4D4D4"/>
-                </a:solidFill>
-                <a:effectLst/>
-                <a:latin typeface="Consolas" panose="020B0609020204030204" pitchFamily="49" charset="0"/>
-              </a:rPr>
-              <a:t> </a:t>
-            </a:r>
-          </a:p>
-          <a:p>
-            <a:r>
-              <a:rPr lang="en-GB" b="0" dirty="0">
-                <a:solidFill>
-                  <a:srgbClr val="D4D4D4"/>
-                </a:solidFill>
-                <a:effectLst/>
-                <a:latin typeface="Consolas" panose="020B0609020204030204" pitchFamily="49" charset="0"/>
-              </a:rPr>
-              <a:t>        </a:t>
-            </a:r>
-            <a:r>
-              <a:rPr lang="en-GB" b="0" dirty="0" err="1">
-                <a:solidFill>
-                  <a:srgbClr val="656565"/>
-                </a:solidFill>
-                <a:effectLst/>
-                <a:latin typeface="Consolas" panose="020B0609020204030204" pitchFamily="49" charset="0"/>
-              </a:rPr>
-              <a:t>i</a:t>
-            </a:r>
-            <a:r>
-              <a:rPr lang="en-GB" b="0" dirty="0">
-                <a:solidFill>
-                  <a:srgbClr val="656565"/>
-                </a:solidFill>
-                <a:effectLst/>
-                <a:latin typeface="Consolas" panose="020B0609020204030204" pitchFamily="49" charset="0"/>
-              </a:rPr>
-              <a:t> = U[0]</a:t>
-            </a:r>
-          </a:p>
-          <a:p>
-            <a:r>
-              <a:rPr lang="en-GB" b="0" dirty="0">
-                <a:solidFill>
-                  <a:srgbClr val="656565"/>
-                </a:solidFill>
-                <a:effectLst/>
-                <a:latin typeface="Consolas" panose="020B0609020204030204" pitchFamily="49" charset="0"/>
-              </a:rPr>
-              <a:t>        </a:t>
-            </a:r>
-            <a:r>
-              <a:rPr lang="en-GB" b="0" dirty="0" err="1">
-                <a:solidFill>
-                  <a:srgbClr val="656565"/>
-                </a:solidFill>
-                <a:effectLst/>
-                <a:latin typeface="Consolas" panose="020B0609020204030204" pitchFamily="49" charset="0"/>
-              </a:rPr>
-              <a:t>nodes.append</a:t>
-            </a:r>
-            <a:r>
-              <a:rPr lang="en-GB" b="0" dirty="0">
-                <a:solidFill>
-                  <a:srgbClr val="656565"/>
-                </a:solidFill>
-                <a:effectLst/>
-                <a:latin typeface="Consolas" panose="020B0609020204030204" pitchFamily="49" charset="0"/>
-              </a:rPr>
-              <a:t>(</a:t>
-            </a:r>
-            <a:r>
-              <a:rPr lang="en-GB" b="0" dirty="0" err="1">
-                <a:solidFill>
-                  <a:srgbClr val="656565"/>
-                </a:solidFill>
-                <a:effectLst/>
-                <a:latin typeface="Consolas" panose="020B0609020204030204" pitchFamily="49" charset="0"/>
-              </a:rPr>
-              <a:t>i</a:t>
-            </a:r>
-            <a:r>
-              <a:rPr lang="en-GB" b="0" dirty="0">
-                <a:solidFill>
-                  <a:srgbClr val="656565"/>
-                </a:solidFill>
-                <a:effectLst/>
-                <a:latin typeface="Consolas" panose="020B0609020204030204" pitchFamily="49" charset="0"/>
-              </a:rPr>
-              <a:t>)</a:t>
-            </a:r>
-          </a:p>
-          <a:p>
-            <a:r>
-              <a:rPr lang="en-GB" b="0" dirty="0">
-                <a:solidFill>
-                  <a:srgbClr val="656565"/>
-                </a:solidFill>
-                <a:effectLst/>
-                <a:latin typeface="Consolas" panose="020B0609020204030204" pitchFamily="49" charset="0"/>
-              </a:rPr>
-              <a:t>        </a:t>
-            </a:r>
-            <a:r>
-              <a:rPr lang="en-GB" b="0" dirty="0" err="1">
-                <a:solidFill>
-                  <a:srgbClr val="656565"/>
-                </a:solidFill>
-                <a:effectLst/>
-                <a:latin typeface="Consolas" panose="020B0609020204030204" pitchFamily="49" charset="0"/>
-              </a:rPr>
-              <a:t>U.remove</a:t>
-            </a:r>
-            <a:r>
-              <a:rPr lang="en-GB" b="0" dirty="0">
-                <a:solidFill>
-                  <a:srgbClr val="656565"/>
-                </a:solidFill>
-                <a:effectLst/>
-                <a:latin typeface="Consolas" panose="020B0609020204030204" pitchFamily="49" charset="0"/>
-              </a:rPr>
-              <a:t>(</a:t>
-            </a:r>
-            <a:r>
-              <a:rPr lang="en-GB" b="0" dirty="0" err="1">
-                <a:solidFill>
-                  <a:srgbClr val="656565"/>
-                </a:solidFill>
-                <a:effectLst/>
-                <a:latin typeface="Consolas" panose="020B0609020204030204" pitchFamily="49" charset="0"/>
-              </a:rPr>
-              <a:t>i</a:t>
-            </a:r>
-            <a:r>
-              <a:rPr lang="en-GB" b="0" dirty="0">
-                <a:solidFill>
-                  <a:srgbClr val="656565"/>
-                </a:solidFill>
-                <a:effectLst/>
-                <a:latin typeface="Consolas" panose="020B0609020204030204" pitchFamily="49" charset="0"/>
-              </a:rPr>
-              <a:t>)</a:t>
-            </a:r>
-          </a:p>
-          <a:p>
-            <a:r>
-              <a:rPr lang="en-GB" b="0" dirty="0">
-                <a:solidFill>
-                  <a:srgbClr val="656565"/>
-                </a:solidFill>
-                <a:effectLst/>
-                <a:latin typeface="Consolas" panose="020B0609020204030204" pitchFamily="49" charset="0"/>
-              </a:rPr>
-              <a:t>        </a:t>
-            </a:r>
-            <a:r>
-              <a:rPr lang="en-GB" b="0" dirty="0" err="1">
-                <a:solidFill>
-                  <a:srgbClr val="656565"/>
-                </a:solidFill>
-                <a:effectLst/>
-                <a:latin typeface="Consolas" panose="020B0609020204030204" pitchFamily="49" charset="0"/>
-              </a:rPr>
-              <a:t>brute_force_clique</a:t>
-            </a:r>
-            <a:r>
-              <a:rPr lang="en-GB" b="0" dirty="0">
-                <a:solidFill>
-                  <a:srgbClr val="656565"/>
-                </a:solidFill>
-                <a:effectLst/>
-                <a:latin typeface="Consolas" panose="020B0609020204030204" pitchFamily="49" charset="0"/>
-              </a:rPr>
-              <a:t>_(G, intersection(U,G[</a:t>
-            </a:r>
-            <a:r>
-              <a:rPr lang="en-GB" b="0" dirty="0" err="1">
-                <a:solidFill>
-                  <a:srgbClr val="656565"/>
-                </a:solidFill>
-                <a:effectLst/>
-                <a:latin typeface="Consolas" panose="020B0609020204030204" pitchFamily="49" charset="0"/>
-              </a:rPr>
-              <a:t>i</a:t>
-            </a:r>
-            <a:r>
-              <a:rPr lang="en-GB" b="0" dirty="0">
-                <a:solidFill>
-                  <a:srgbClr val="656565"/>
-                </a:solidFill>
-                <a:effectLst/>
-                <a:latin typeface="Consolas" panose="020B0609020204030204" pitchFamily="49" charset="0"/>
-              </a:rPr>
-              <a:t>]), size+1,nodes[:]) </a:t>
-            </a:r>
-          </a:p>
-          <a:p>
-            <a:br>
-              <a:rPr lang="en-GB" b="0" dirty="0">
-                <a:solidFill>
-                  <a:srgbClr val="D4D4D4"/>
-                </a:solidFill>
-                <a:effectLst/>
-                <a:latin typeface="Consolas" panose="020B0609020204030204" pitchFamily="49" charset="0"/>
-              </a:rPr>
-            </a:br>
-            <a:r>
-              <a:rPr lang="en-GB" b="0" dirty="0">
-                <a:solidFill>
-                  <a:srgbClr val="569CD6"/>
-                </a:solidFill>
-                <a:effectLst/>
-                <a:latin typeface="Consolas" panose="020B0609020204030204" pitchFamily="49" charset="0"/>
-              </a:rPr>
-              <a:t>def</a:t>
-            </a:r>
-            <a:r>
-              <a:rPr lang="en-GB" b="0" dirty="0">
-                <a:solidFill>
-                  <a:srgbClr val="D4D4D4"/>
-                </a:solidFill>
-                <a:effectLst/>
-                <a:latin typeface="Consolas" panose="020B0609020204030204" pitchFamily="49" charset="0"/>
-              </a:rPr>
-              <a:t> </a:t>
-            </a:r>
-            <a:r>
-              <a:rPr lang="en-GB" b="0" dirty="0" err="1">
-                <a:solidFill>
-                  <a:srgbClr val="656565"/>
-                </a:solidFill>
-                <a:effectLst/>
-                <a:latin typeface="Consolas" panose="020B0609020204030204" pitchFamily="49" charset="0"/>
-              </a:rPr>
-              <a:t>brute_force_clique</a:t>
-            </a:r>
-            <a:r>
-              <a:rPr lang="en-GB" b="0" dirty="0">
-                <a:solidFill>
-                  <a:srgbClr val="656565"/>
-                </a:solidFill>
-                <a:effectLst/>
-                <a:latin typeface="Consolas" panose="020B0609020204030204" pitchFamily="49" charset="0"/>
-              </a:rPr>
-              <a:t>(</a:t>
-            </a:r>
-            <a:r>
-              <a:rPr lang="en-GB" b="0" dirty="0" err="1">
-                <a:solidFill>
-                  <a:srgbClr val="656565"/>
-                </a:solidFill>
-                <a:effectLst/>
-                <a:latin typeface="Consolas" panose="020B0609020204030204" pitchFamily="49" charset="0"/>
-              </a:rPr>
-              <a:t>G:dict</a:t>
-            </a:r>
-            <a:r>
-              <a:rPr lang="en-GB" b="0" dirty="0">
-                <a:solidFill>
-                  <a:srgbClr val="656565"/>
-                </a:solidFill>
-                <a:effectLst/>
-                <a:latin typeface="Consolas" panose="020B0609020204030204" pitchFamily="49" charset="0"/>
-              </a:rPr>
-              <a:t>):</a:t>
-            </a:r>
-          </a:p>
-          <a:p>
-            <a:r>
-              <a:rPr lang="en-GB" b="0" dirty="0">
-                <a:solidFill>
-                  <a:srgbClr val="656565"/>
-                </a:solidFill>
-                <a:effectLst/>
-                <a:latin typeface="Consolas" panose="020B0609020204030204" pitchFamily="49" charset="0"/>
-              </a:rPr>
-              <a:t>    </a:t>
-            </a:r>
-            <a:r>
-              <a:rPr lang="en-GB" b="0" dirty="0" err="1">
-                <a:solidFill>
-                  <a:srgbClr val="656565"/>
-                </a:solidFill>
-                <a:effectLst/>
-                <a:latin typeface="Consolas" panose="020B0609020204030204" pitchFamily="49" charset="0"/>
-              </a:rPr>
-              <a:t>brute_force_clique</a:t>
-            </a:r>
-            <a:r>
-              <a:rPr lang="en-GB" b="0" dirty="0">
-                <a:solidFill>
-                  <a:srgbClr val="656565"/>
-                </a:solidFill>
-                <a:effectLst/>
-                <a:latin typeface="Consolas" panose="020B0609020204030204" pitchFamily="49" charset="0"/>
-              </a:rPr>
-              <a:t>_(G, list(</a:t>
-            </a:r>
-            <a:r>
-              <a:rPr lang="en-GB" b="0" dirty="0" err="1">
-                <a:solidFill>
-                  <a:srgbClr val="656565"/>
-                </a:solidFill>
-                <a:effectLst/>
-                <a:latin typeface="Consolas" panose="020B0609020204030204" pitchFamily="49" charset="0"/>
-              </a:rPr>
-              <a:t>G.keys</a:t>
-            </a:r>
-            <a:r>
-              <a:rPr lang="en-GB" b="0" dirty="0">
-                <a:solidFill>
-                  <a:srgbClr val="656565"/>
-                </a:solidFill>
-                <a:effectLst/>
-                <a:latin typeface="Consolas" panose="020B0609020204030204" pitchFamily="49" charset="0"/>
-              </a:rPr>
-              <a:t>()), 0, [])</a:t>
-            </a:r>
-          </a:p>
-          <a:p>
-            <a:pPr marL="0" indent="0">
-              <a:buNone/>
-            </a:pPr>
-            <a:endParaRPr lang="sr-Latn-RS" dirty="0">
-              <a:latin typeface="Rod" panose="020B0604020202020204" pitchFamily="49" charset="-79"/>
-              <a:cs typeface="Rod" panose="020B0604020202020204" pitchFamily="49" charset="-79"/>
-            </a:endParaRPr>
-          </a:p>
-        </p:txBody>
-      </p:sp>
-      <p:sp>
-        <p:nvSpPr>
-          <p:cNvPr id="8" name="TextBox 7">
-            <a:extLst>
-              <a:ext uri="{FF2B5EF4-FFF2-40B4-BE49-F238E27FC236}">
-                <a16:creationId xmlns:a16="http://schemas.microsoft.com/office/drawing/2014/main" id="{D7E9EAB1-3D4E-41D5-92ED-5F69DF178FDC}"/>
-              </a:ext>
-            </a:extLst>
-          </p:cNvPr>
-          <p:cNvSpPr txBox="1"/>
-          <p:nvPr/>
-        </p:nvSpPr>
-        <p:spPr>
-          <a:xfrm>
-            <a:off x="5587512" y="2077312"/>
-            <a:ext cx="6290896" cy="923330"/>
-          </a:xfrm>
-          <a:prstGeom prst="rect">
-            <a:avLst/>
-          </a:prstGeom>
-          <a:noFill/>
-          <a:ln>
-            <a:solidFill>
-              <a:schemeClr val="accent1"/>
-            </a:solidFill>
-          </a:ln>
-        </p:spPr>
-        <p:txBody>
-          <a:bodyPr wrap="square" rtlCol="0">
-            <a:spAutoFit/>
-          </a:bodyPr>
-          <a:lstStyle/>
-          <a:p>
-            <a:r>
-              <a:rPr lang="en-GB" b="0" dirty="0">
-                <a:solidFill>
-                  <a:srgbClr val="569CD6"/>
-                </a:solidFill>
-                <a:effectLst/>
-                <a:latin typeface="Consolas" panose="020B0609020204030204" pitchFamily="49" charset="0"/>
-              </a:rPr>
-              <a:t>def</a:t>
-            </a:r>
-            <a:r>
-              <a:rPr lang="en-GB" b="0" dirty="0">
-                <a:solidFill>
-                  <a:srgbClr val="D4D4D4"/>
-                </a:solidFill>
-                <a:effectLst/>
-                <a:latin typeface="Consolas" panose="020B0609020204030204" pitchFamily="49" charset="0"/>
-              </a:rPr>
-              <a:t> </a:t>
-            </a:r>
-            <a:r>
-              <a:rPr lang="en-GB" b="0" dirty="0">
-                <a:solidFill>
-                  <a:srgbClr val="656565"/>
-                </a:solidFill>
-                <a:effectLst/>
-                <a:latin typeface="Consolas" panose="020B0609020204030204" pitchFamily="49" charset="0"/>
-              </a:rPr>
-              <a:t>intersection(a: list, b: list):</a:t>
-            </a:r>
-          </a:p>
-          <a:p>
-            <a:r>
-              <a:rPr lang="en-GB" b="0" dirty="0">
-                <a:solidFill>
-                  <a:srgbClr val="D4D4D4"/>
-                </a:solidFill>
-                <a:effectLst/>
-                <a:latin typeface="Consolas" panose="020B0609020204030204" pitchFamily="49" charset="0"/>
-              </a:rPr>
-              <a:t>    </a:t>
-            </a:r>
-            <a:r>
-              <a:rPr lang="en-GB" b="0" dirty="0">
-                <a:solidFill>
-                  <a:srgbClr val="569CD6"/>
-                </a:solidFill>
-                <a:effectLst/>
-                <a:latin typeface="Consolas" panose="020B0609020204030204" pitchFamily="49" charset="0"/>
-              </a:rPr>
-              <a:t>return</a:t>
-            </a:r>
-            <a:r>
-              <a:rPr lang="en-GB" b="0" dirty="0">
-                <a:solidFill>
-                  <a:srgbClr val="D4D4D4"/>
-                </a:solidFill>
-                <a:effectLst/>
-                <a:latin typeface="Consolas" panose="020B0609020204030204" pitchFamily="49" charset="0"/>
-              </a:rPr>
-              <a:t> </a:t>
-            </a:r>
-            <a:r>
-              <a:rPr lang="en-GB" b="0" dirty="0">
-                <a:solidFill>
-                  <a:srgbClr val="656565"/>
-                </a:solidFill>
-                <a:effectLst/>
-                <a:latin typeface="Consolas" panose="020B0609020204030204" pitchFamily="49" charset="0"/>
-              </a:rPr>
-              <a:t>[value </a:t>
-            </a:r>
-            <a:r>
-              <a:rPr lang="en-GB" b="0" dirty="0">
-                <a:solidFill>
-                  <a:srgbClr val="569CD6"/>
-                </a:solidFill>
-                <a:effectLst/>
-                <a:latin typeface="Consolas" panose="020B0609020204030204" pitchFamily="49" charset="0"/>
-              </a:rPr>
-              <a:t>for</a:t>
-            </a:r>
-            <a:r>
-              <a:rPr lang="en-GB" b="0" dirty="0">
-                <a:solidFill>
-                  <a:srgbClr val="D4D4D4"/>
-                </a:solidFill>
-                <a:effectLst/>
-                <a:latin typeface="Consolas" panose="020B0609020204030204" pitchFamily="49" charset="0"/>
-              </a:rPr>
-              <a:t> </a:t>
-            </a:r>
-            <a:r>
-              <a:rPr lang="en-GB" b="0" dirty="0">
-                <a:solidFill>
-                  <a:srgbClr val="656565"/>
-                </a:solidFill>
-                <a:effectLst/>
-                <a:latin typeface="Consolas" panose="020B0609020204030204" pitchFamily="49" charset="0"/>
-              </a:rPr>
-              <a:t>value</a:t>
-            </a:r>
-            <a:r>
-              <a:rPr lang="en-GB" b="0" dirty="0">
-                <a:solidFill>
-                  <a:srgbClr val="D4D4D4"/>
-                </a:solidFill>
-                <a:effectLst/>
-                <a:latin typeface="Consolas" panose="020B0609020204030204" pitchFamily="49" charset="0"/>
-              </a:rPr>
-              <a:t> </a:t>
-            </a:r>
-            <a:r>
-              <a:rPr lang="en-GB" b="0" dirty="0">
-                <a:solidFill>
-                  <a:srgbClr val="569CD6"/>
-                </a:solidFill>
-                <a:effectLst/>
-                <a:latin typeface="Consolas" panose="020B0609020204030204" pitchFamily="49" charset="0"/>
-              </a:rPr>
-              <a:t>in</a:t>
-            </a:r>
-            <a:r>
-              <a:rPr lang="en-GB" b="0" dirty="0">
-                <a:solidFill>
-                  <a:srgbClr val="D4D4D4"/>
-                </a:solidFill>
-                <a:effectLst/>
-                <a:latin typeface="Consolas" panose="020B0609020204030204" pitchFamily="49" charset="0"/>
-              </a:rPr>
-              <a:t> </a:t>
-            </a:r>
-            <a:r>
-              <a:rPr lang="en-GB" b="0" dirty="0">
-                <a:solidFill>
-                  <a:srgbClr val="656565"/>
-                </a:solidFill>
-                <a:effectLst/>
-                <a:latin typeface="Consolas" panose="020B0609020204030204" pitchFamily="49" charset="0"/>
-              </a:rPr>
-              <a:t>a</a:t>
-            </a:r>
-            <a:r>
-              <a:rPr lang="en-GB" b="0" dirty="0">
-                <a:solidFill>
-                  <a:srgbClr val="D4D4D4"/>
-                </a:solidFill>
-                <a:effectLst/>
-                <a:latin typeface="Consolas" panose="020B0609020204030204" pitchFamily="49" charset="0"/>
-              </a:rPr>
-              <a:t> </a:t>
-            </a:r>
-            <a:r>
-              <a:rPr lang="en-GB" b="0" dirty="0">
-                <a:solidFill>
-                  <a:srgbClr val="569CD6"/>
-                </a:solidFill>
-                <a:effectLst/>
-                <a:latin typeface="Consolas" panose="020B0609020204030204" pitchFamily="49" charset="0"/>
-              </a:rPr>
-              <a:t>if</a:t>
-            </a:r>
-            <a:r>
-              <a:rPr lang="en-GB" b="0" dirty="0">
-                <a:solidFill>
-                  <a:srgbClr val="D4D4D4"/>
-                </a:solidFill>
-                <a:effectLst/>
-                <a:latin typeface="Consolas" panose="020B0609020204030204" pitchFamily="49" charset="0"/>
-              </a:rPr>
-              <a:t> </a:t>
-            </a:r>
-            <a:r>
-              <a:rPr lang="en-GB" b="0" dirty="0">
-                <a:solidFill>
-                  <a:srgbClr val="656565"/>
-                </a:solidFill>
-                <a:effectLst/>
-                <a:latin typeface="Consolas" panose="020B0609020204030204" pitchFamily="49" charset="0"/>
-              </a:rPr>
-              <a:t>value </a:t>
-            </a:r>
-            <a:r>
-              <a:rPr lang="en-GB" b="0" dirty="0">
-                <a:solidFill>
-                  <a:srgbClr val="569CD6"/>
-                </a:solidFill>
-                <a:effectLst/>
-                <a:latin typeface="Consolas" panose="020B0609020204030204" pitchFamily="49" charset="0"/>
-              </a:rPr>
-              <a:t>in</a:t>
-            </a:r>
-            <a:r>
-              <a:rPr lang="en-GB" b="0" dirty="0">
-                <a:solidFill>
-                  <a:srgbClr val="D4D4D4"/>
-                </a:solidFill>
-                <a:effectLst/>
-                <a:latin typeface="Consolas" panose="020B0609020204030204" pitchFamily="49" charset="0"/>
-              </a:rPr>
-              <a:t> </a:t>
-            </a:r>
-            <a:r>
-              <a:rPr lang="en-GB" b="0" dirty="0">
-                <a:solidFill>
-                  <a:srgbClr val="656565"/>
-                </a:solidFill>
-                <a:effectLst/>
-                <a:latin typeface="Consolas" panose="020B0609020204030204" pitchFamily="49" charset="0"/>
-              </a:rPr>
-              <a:t>b]</a:t>
-            </a:r>
-            <a:endParaRPr lang="sr-Latn-RS" b="0" dirty="0">
-              <a:solidFill>
-                <a:srgbClr val="656565"/>
-              </a:solidFill>
-              <a:effectLst/>
-              <a:latin typeface="Consolas" panose="020B0609020204030204" pitchFamily="49" charset="0"/>
-            </a:endParaRPr>
-          </a:p>
-          <a:p>
-            <a:endParaRPr lang="sr-Latn-RS" dirty="0"/>
-          </a:p>
-        </p:txBody>
-      </p:sp>
-    </p:spTree>
-    <p:extLst>
-      <p:ext uri="{BB962C8B-B14F-4D97-AF65-F5344CB8AC3E}">
-        <p14:creationId xmlns:p14="http://schemas.microsoft.com/office/powerpoint/2010/main" val="4117549991"/>
-      </p:ext>
-    </p:extLst>
-  </p:cSld>
-  <p:clrMapOvr>
-    <a:masterClrMapping/>
-  </p:clrMapOvr>
-</p:sld>
-</file>
-
-<file path=ppt/slides/slide4.xml><?xml version="1.0" encoding="utf-8"?>
-<p:sld xmlns:a="http://schemas.openxmlformats.org/drawingml/2006/main" xmlns:r="http://schemas.openxmlformats.org/officeDocument/2006/relationships" xmlns:p="http://schemas.openxmlformats.org/presentationml/2006/main">
-  <p:cSld>
-    <p:spTree>
-      <p:nvGrpSpPr>
-        <p:cNvPr id="1" name=""/>
-        <p:cNvGrpSpPr/>
-        <p:nvPr/>
-      </p:nvGrpSpPr>
-      <p:grpSpPr>
-        <a:xfrm>
-          <a:off x="0" y="0"/>
-          <a:ext cx="0" cy="0"/>
-          <a:chOff x="0" y="0"/>
-          <a:chExt cx="0" cy="0"/>
-        </a:xfrm>
-      </p:grpSpPr>
-      <p:sp>
-        <p:nvSpPr>
-          <p:cNvPr id="2" name="Title 1">
-            <a:extLst>
-              <a:ext uri="{FF2B5EF4-FFF2-40B4-BE49-F238E27FC236}">
-                <a16:creationId xmlns:a16="http://schemas.microsoft.com/office/drawing/2014/main" id="{DD1078DF-1171-4B8E-A433-1DDFE2A23C3A}"/>
-              </a:ext>
-            </a:extLst>
-          </p:cNvPr>
-          <p:cNvSpPr>
-            <a:spLocks noGrp="1"/>
-          </p:cNvSpPr>
-          <p:nvPr>
-            <p:ph type="title"/>
-          </p:nvPr>
-        </p:nvSpPr>
-        <p:spPr>
-          <a:xfrm>
-            <a:off x="581192" y="702156"/>
-            <a:ext cx="11029616" cy="659284"/>
-          </a:xfrm>
-        </p:spPr>
-        <p:txBody>
-          <a:bodyPr/>
-          <a:lstStyle/>
-          <a:p>
-            <a:r>
-              <a:rPr lang="en-US" dirty="0" err="1"/>
-              <a:t>Ideja</a:t>
-            </a:r>
-            <a:r>
-              <a:rPr lang="en-US" dirty="0"/>
-              <a:t> </a:t>
-            </a:r>
-            <a:r>
-              <a:rPr lang="en-US" dirty="0" err="1"/>
-              <a:t>iza</a:t>
-            </a:r>
-            <a:r>
-              <a:rPr lang="en-US" dirty="0"/>
-              <a:t> </a:t>
-            </a:r>
-            <a:r>
-              <a:rPr lang="sr-Latn-RS" dirty="0"/>
-              <a:t>Brute force algoritm</a:t>
-            </a:r>
-            <a:r>
-              <a:rPr lang="en-US" dirty="0"/>
-              <a:t>a</a:t>
-            </a:r>
-            <a:r>
-              <a:rPr lang="sr-Latn-RS" dirty="0"/>
-              <a:t> sa odsecanjem</a:t>
-            </a:r>
-          </a:p>
-        </p:txBody>
-      </p:sp>
-      <p:sp>
-        <p:nvSpPr>
-          <p:cNvPr id="3" name="Content Placeholder 2">
-            <a:extLst>
-              <a:ext uri="{FF2B5EF4-FFF2-40B4-BE49-F238E27FC236}">
-                <a16:creationId xmlns:a16="http://schemas.microsoft.com/office/drawing/2014/main" id="{DACE5022-A98C-46AA-BDDA-0152E890BA2F}"/>
-              </a:ext>
-            </a:extLst>
-          </p:cNvPr>
-          <p:cNvSpPr>
-            <a:spLocks noGrp="1"/>
-          </p:cNvSpPr>
-          <p:nvPr>
-            <p:ph idx="1"/>
-          </p:nvPr>
-        </p:nvSpPr>
-        <p:spPr>
-          <a:xfrm>
-            <a:off x="581192" y="1554480"/>
-            <a:ext cx="11029615" cy="4420870"/>
-          </a:xfrm>
-        </p:spPr>
-        <p:txBody>
-          <a:bodyPr/>
-          <a:lstStyle/>
-          <a:p>
-            <a:endParaRPr lang="sr-Latn-RS" dirty="0"/>
-          </a:p>
-        </p:txBody>
-      </p:sp>
-    </p:spTree>
-    <p:extLst>
-      <p:ext uri="{BB962C8B-B14F-4D97-AF65-F5344CB8AC3E}">
-        <p14:creationId xmlns:p14="http://schemas.microsoft.com/office/powerpoint/2010/main" val="1815641983"/>
-      </p:ext>
-    </p:extLst>
-  </p:cSld>
-  <p:clrMapOvr>
-    <a:masterClrMapping/>
-  </p:clrMapOvr>
-</p:sld>
-</file>
-
-<file path=ppt/slides/slide5.xml><?xml version="1.0" encoding="utf-8"?>
-<p:sld xmlns:a="http://schemas.openxmlformats.org/drawingml/2006/main" xmlns:r="http://schemas.openxmlformats.org/officeDocument/2006/relationships" xmlns:p="http://schemas.openxmlformats.org/presentationml/2006/main">
-  <p:cSld>
-    <p:spTree>
-      <p:nvGrpSpPr>
-        <p:cNvPr id="1" name=""/>
-        <p:cNvGrpSpPr/>
-        <p:nvPr/>
-      </p:nvGrpSpPr>
-      <p:grpSpPr>
-        <a:xfrm>
-          <a:off x="0" y="0"/>
-          <a:ext cx="0" cy="0"/>
-          <a:chOff x="0" y="0"/>
-          <a:chExt cx="0" cy="0"/>
-        </a:xfrm>
-      </p:grpSpPr>
-      <p:sp>
-        <p:nvSpPr>
-          <p:cNvPr id="2" name="Title 1">
-            <a:extLst>
-              <a:ext uri="{FF2B5EF4-FFF2-40B4-BE49-F238E27FC236}">
-                <a16:creationId xmlns:a16="http://schemas.microsoft.com/office/drawing/2014/main" id="{4EE5920F-2A1C-4078-A924-BB85ABB7C939}"/>
-              </a:ext>
-            </a:extLst>
-          </p:cNvPr>
-          <p:cNvSpPr>
-            <a:spLocks noGrp="1"/>
-          </p:cNvSpPr>
-          <p:nvPr>
-            <p:ph type="title"/>
-          </p:nvPr>
-        </p:nvSpPr>
-        <p:spPr>
-          <a:xfrm>
-            <a:off x="581192" y="702156"/>
-            <a:ext cx="11029616" cy="546352"/>
-          </a:xfrm>
-        </p:spPr>
-        <p:txBody>
-          <a:bodyPr/>
-          <a:lstStyle/>
-          <a:p>
-            <a:r>
-              <a:rPr lang="sr-Latn-RS" dirty="0"/>
-              <a:t>Optimizacija genetskim algoritmom</a:t>
-            </a:r>
-          </a:p>
-        </p:txBody>
-      </p:sp>
-      <p:sp>
-        <p:nvSpPr>
-          <p:cNvPr id="3" name="Content Placeholder 2">
-            <a:extLst>
-              <a:ext uri="{FF2B5EF4-FFF2-40B4-BE49-F238E27FC236}">
-                <a16:creationId xmlns:a16="http://schemas.microsoft.com/office/drawing/2014/main" id="{12155267-2A50-45E9-96E1-92765E191893}"/>
-              </a:ext>
-            </a:extLst>
-          </p:cNvPr>
-          <p:cNvSpPr>
-            <a:spLocks noGrp="1"/>
-          </p:cNvSpPr>
-          <p:nvPr>
-            <p:ph idx="1"/>
-          </p:nvPr>
-        </p:nvSpPr>
-        <p:spPr>
-          <a:xfrm>
-            <a:off x="581192" y="1248508"/>
-            <a:ext cx="11029615" cy="5152292"/>
-          </a:xfrm>
-        </p:spPr>
-        <p:txBody>
-          <a:bodyPr/>
-          <a:lstStyle/>
-          <a:p>
-            <a:r>
-              <a:rPr lang="sr-Latn-RS" dirty="0"/>
-              <a:t>Klasa </a:t>
-            </a:r>
-            <a:r>
-              <a:rPr lang="sr-Latn-RS" dirty="0">
-                <a:latin typeface="Consolas" panose="020B0609020204030204" pitchFamily="49" charset="0"/>
-              </a:rPr>
-              <a:t>Node</a:t>
-            </a:r>
-            <a:r>
-              <a:rPr lang="sr-Latn-RS" dirty="0"/>
-              <a:t> (vrednost, stepen, skup suseda)</a:t>
-            </a:r>
-          </a:p>
-          <a:p>
-            <a:r>
-              <a:rPr lang="sr-Latn-RS" dirty="0"/>
-              <a:t>Klasa </a:t>
-            </a:r>
-            <a:r>
-              <a:rPr lang="sr-Latn-RS" dirty="0">
-                <a:latin typeface="Consolas" panose="020B0609020204030204" pitchFamily="49" charset="0"/>
-              </a:rPr>
-              <a:t>Graph</a:t>
-            </a:r>
-            <a:r>
-              <a:rPr lang="sr-Latn-RS" dirty="0"/>
-              <a:t> (mapa čvor: susedi, matrica susedstva, sortirani čvorovi)</a:t>
-            </a:r>
-            <a:endParaRPr lang="en-US" dirty="0"/>
-          </a:p>
-          <a:p>
-            <a:pPr lvl="1"/>
-            <a:r>
-              <a:rPr lang="en-US" dirty="0" err="1">
-                <a:latin typeface="Consolas" panose="020B0609020204030204" pitchFamily="49" charset="0"/>
-              </a:rPr>
-              <a:t>add_edge</a:t>
-            </a:r>
-            <a:r>
-              <a:rPr lang="en-US" dirty="0">
-                <a:latin typeface="Consolas" panose="020B0609020204030204" pitchFamily="49" charset="0"/>
-              </a:rPr>
-              <a:t> : </a:t>
-            </a:r>
-            <a:r>
-              <a:rPr lang="en-US" dirty="0" err="1"/>
-              <a:t>dodaje</a:t>
-            </a:r>
-            <a:r>
-              <a:rPr lang="en-US" dirty="0"/>
-              <a:t> se u </a:t>
-            </a:r>
-            <a:r>
-              <a:rPr lang="en-US" dirty="0" err="1"/>
-              <a:t>matricu</a:t>
-            </a:r>
-            <a:r>
-              <a:rPr lang="en-US" dirty="0"/>
-              <a:t> </a:t>
-            </a:r>
-            <a:r>
-              <a:rPr lang="en-US" dirty="0" err="1"/>
-              <a:t>susedstva</a:t>
-            </a:r>
-            <a:r>
-              <a:rPr lang="en-US" dirty="0"/>
-              <a:t>, za </a:t>
-            </a:r>
-            <a:r>
-              <a:rPr lang="en-US" dirty="0" err="1"/>
-              <a:t>svaki</a:t>
-            </a:r>
-            <a:r>
-              <a:rPr lang="en-US" dirty="0"/>
-              <a:t> </a:t>
-            </a:r>
-            <a:r>
-              <a:rPr lang="sr-Latn-RS" dirty="0"/>
-              <a:t>čvor se računa stepen i dodaje mu se sused u listu, svi čvorovi koji nisu već obrađeni smeštaju se u listu sortiranih čvorova</a:t>
-            </a:r>
-          </a:p>
-          <a:p>
-            <a:pPr lvl="1"/>
-            <a:r>
-              <a:rPr lang="sr-Latn-RS" dirty="0">
-                <a:latin typeface="Consolas" panose="020B0609020204030204" pitchFamily="49" charset="0"/>
-              </a:rPr>
-              <a:t>sortList : </a:t>
-            </a:r>
-            <a:r>
-              <a:rPr lang="sr-Latn-RS" dirty="0"/>
-              <a:t>skup sortiranih čvorova se ažurira tako da bude opadajući prema stepenu čvora</a:t>
-            </a:r>
-          </a:p>
-          <a:p>
-            <a:pPr lvl="1"/>
-            <a:r>
-              <a:rPr lang="sr-Latn-RS" dirty="0">
-                <a:latin typeface="Consolas" panose="020B0609020204030204" pitchFamily="49" charset="0"/>
-              </a:rPr>
-              <a:t>visualize : </a:t>
-            </a:r>
-            <a:r>
-              <a:rPr lang="sr-Latn-RS" dirty="0"/>
-              <a:t>korišćenjem </a:t>
-            </a:r>
-            <a:r>
-              <a:rPr lang="sr-Latn-RS" dirty="0">
-                <a:latin typeface="Consolas" panose="020B0609020204030204" pitchFamily="49" charset="0"/>
-              </a:rPr>
-              <a:t>networkx</a:t>
-            </a:r>
-            <a:r>
-              <a:rPr lang="sr-Latn-RS" dirty="0"/>
-              <a:t> i </a:t>
-            </a:r>
-            <a:r>
-              <a:rPr lang="sr-Latn-RS" dirty="0">
-                <a:latin typeface="Consolas" panose="020B0609020204030204" pitchFamily="49" charset="0"/>
-              </a:rPr>
-              <a:t>matplotlib</a:t>
-            </a:r>
-            <a:r>
-              <a:rPr lang="sr-Latn-RS" dirty="0"/>
-              <a:t> biblioteka </a:t>
-            </a:r>
-            <a:endParaRPr lang="en-US" dirty="0">
-              <a:latin typeface="Consolas" panose="020B0609020204030204" pitchFamily="49" charset="0"/>
-            </a:endParaRPr>
-          </a:p>
-          <a:p>
-            <a:r>
-              <a:rPr lang="sr-Latn-RS" dirty="0"/>
-              <a:t>Klasa </a:t>
-            </a:r>
-            <a:r>
-              <a:rPr lang="sr-Latn-RS" dirty="0">
-                <a:latin typeface="Consolas" panose="020B0609020204030204" pitchFamily="49" charset="0"/>
-              </a:rPr>
-              <a:t>Clique </a:t>
-            </a:r>
-            <a:r>
-              <a:rPr lang="sr-Latn-RS" dirty="0"/>
-              <a:t>(skup čvorova koji čine kliku, skup kandidata za kliku)</a:t>
-            </a:r>
-          </a:p>
-          <a:p>
-            <a:pPr lvl="1"/>
-            <a:r>
-              <a:rPr lang="sr-Latn-RS" dirty="0">
-                <a:latin typeface="Consolas" panose="020B0609020204030204" pitchFamily="49" charset="0"/>
-              </a:rPr>
-              <a:t>init : </a:t>
-            </a:r>
-            <a:r>
-              <a:rPr lang="sr-Latn-RS" dirty="0"/>
-              <a:t>za početni čvor se konstruiše klika, za svaki od čvorova grafa ako u matrici susedstva grafa postoji grana dodaje se u listu kandidata za kliku</a:t>
-            </a:r>
-            <a:endParaRPr lang="en-US" dirty="0"/>
-          </a:p>
-          <a:p>
-            <a:pPr lvl="1"/>
-            <a:r>
-              <a:rPr lang="en-US" dirty="0" err="1">
-                <a:latin typeface="Consolas" panose="020B0609020204030204" pitchFamily="49" charset="0"/>
-              </a:rPr>
-              <a:t>add_vertex</a:t>
-            </a:r>
-            <a:r>
-              <a:rPr lang="en-US" dirty="0">
-                <a:latin typeface="Consolas" panose="020B0609020204030204" pitchFamily="49" charset="0"/>
-              </a:rPr>
-              <a:t> : </a:t>
-            </a:r>
-            <a:r>
-              <a:rPr lang="sr-Latn-RS" dirty="0"/>
-              <a:t>ako već nije u listi klike briše se iz liste kandidata i prebacuje u kliku, onda se ostali kandidati uklanjaju ako ne postoji veza(grana) sa novoubačenim čvorom</a:t>
-            </a:r>
-          </a:p>
-          <a:p>
-            <a:pPr lvl="1"/>
-            <a:r>
-              <a:rPr lang="sr-Latn-RS" dirty="0">
-                <a:latin typeface="Consolas" panose="020B0609020204030204" pitchFamily="49" charset="0"/>
-              </a:rPr>
-              <a:t>remove</a:t>
-            </a:r>
-            <a:r>
-              <a:rPr lang="en-US" dirty="0">
-                <a:latin typeface="Consolas" panose="020B0609020204030204" pitchFamily="49" charset="0"/>
-              </a:rPr>
-              <a:t>_vertex : </a:t>
-            </a:r>
-            <a:r>
-              <a:rPr lang="en-US" dirty="0" err="1"/>
-              <a:t>ako</a:t>
-            </a:r>
-            <a:r>
-              <a:rPr lang="en-US" dirty="0"/>
-              <a:t> </a:t>
-            </a:r>
-            <a:r>
-              <a:rPr lang="en-US" dirty="0" err="1"/>
-              <a:t>postoji</a:t>
-            </a:r>
-            <a:r>
-              <a:rPr lang="en-US" dirty="0"/>
-              <a:t> u </a:t>
-            </a:r>
-            <a:r>
-              <a:rPr lang="en-US" dirty="0" err="1"/>
-              <a:t>kliki</a:t>
-            </a:r>
-            <a:r>
-              <a:rPr lang="en-US" dirty="0"/>
-              <a:t> brise se </a:t>
-            </a:r>
-            <a:r>
-              <a:rPr lang="en-US" dirty="0" err="1"/>
-              <a:t>iz</a:t>
-            </a:r>
-            <a:r>
-              <a:rPr lang="en-US" dirty="0"/>
-              <a:t> </a:t>
-            </a:r>
-            <a:r>
-              <a:rPr lang="en-US" dirty="0" err="1"/>
-              <a:t>skupa</a:t>
-            </a:r>
-            <a:r>
-              <a:rPr lang="en-US" dirty="0"/>
-              <a:t> </a:t>
-            </a:r>
-            <a:r>
-              <a:rPr lang="en-US" dirty="0" err="1"/>
-              <a:t>kandidata</a:t>
-            </a:r>
-            <a:r>
-              <a:rPr lang="en-US" dirty="0"/>
-              <a:t>, za </a:t>
-            </a:r>
-            <a:r>
-              <a:rPr lang="en-US" dirty="0" err="1"/>
-              <a:t>svaki</a:t>
-            </a:r>
-            <a:r>
-              <a:rPr lang="en-US" dirty="0"/>
-              <a:t> </a:t>
-            </a:r>
-            <a:r>
-              <a:rPr lang="sr-Latn-RS" dirty="0"/>
-              <a:t>čvor grafa koji nije već u kliki ako postoji veza sa svim čvorovima unutar klike dodaje se u skup kandidata</a:t>
-            </a:r>
-          </a:p>
-          <a:p>
-            <a:pPr lvl="1"/>
-            <a:r>
-              <a:rPr lang="en-US" dirty="0">
-                <a:latin typeface="Consolas" panose="020B0609020204030204" pitchFamily="49" charset="0"/>
-              </a:rPr>
-              <a:t>c</a:t>
-            </a:r>
-            <a:r>
-              <a:rPr lang="sr-Latn-RS" dirty="0">
-                <a:latin typeface="Consolas" panose="020B0609020204030204" pitchFamily="49" charset="0"/>
-              </a:rPr>
-              <a:t>ompute</a:t>
-            </a:r>
-            <a:r>
-              <a:rPr lang="en-US" dirty="0">
-                <a:latin typeface="Consolas" panose="020B0609020204030204" pitchFamily="49" charset="0"/>
-              </a:rPr>
-              <a:t>_</a:t>
-            </a:r>
-            <a:r>
-              <a:rPr lang="en-US" dirty="0" err="1">
-                <a:latin typeface="Consolas" panose="020B0609020204030204" pitchFamily="49" charset="0"/>
-              </a:rPr>
-              <a:t>sorted_list</a:t>
-            </a:r>
-            <a:r>
-              <a:rPr lang="en-US" dirty="0">
-                <a:latin typeface="Consolas" panose="020B0609020204030204" pitchFamily="49" charset="0"/>
-              </a:rPr>
-              <a:t> : </a:t>
-            </a:r>
-            <a:r>
-              <a:rPr lang="en-US" dirty="0" err="1"/>
-              <a:t>svakom</a:t>
-            </a:r>
-            <a:r>
-              <a:rPr lang="en-US" dirty="0"/>
-              <a:t> od </a:t>
-            </a:r>
-            <a:r>
-              <a:rPr lang="en-US" dirty="0" err="1"/>
-              <a:t>kandidata</a:t>
-            </a:r>
-            <a:r>
-              <a:rPr lang="en-US" dirty="0"/>
-              <a:t> se a</a:t>
-            </a:r>
-            <a:r>
-              <a:rPr lang="sr-Latn-RS" dirty="0"/>
-              <a:t>žurira reach ka ostalim kandidatima, takvi Node-ovi se dodaju u listu koja se sortira opadajuće prema reach-u</a:t>
-            </a:r>
-          </a:p>
-        </p:txBody>
-      </p:sp>
-    </p:spTree>
-    <p:extLst>
-      <p:ext uri="{BB962C8B-B14F-4D97-AF65-F5344CB8AC3E}">
-        <p14:creationId xmlns:p14="http://schemas.microsoft.com/office/powerpoint/2010/main" val="2205411366"/>
-      </p:ext>
-    </p:extLst>
-  </p:cSld>
-  <p:clrMapOvr>
-    <a:masterClrMapping/>
-  </p:clrMapOvr>
-</p:sld>
-</file>
-
-<file path=ppt/slides/slide6.xml><?xml version="1.0" encoding="utf-8"?>
-<p:sld xmlns:a="http://schemas.openxmlformats.org/drawingml/2006/main" xmlns:r="http://schemas.openxmlformats.org/officeDocument/2006/relationships" xmlns:p="http://schemas.openxmlformats.org/presentationml/2006/main">
-  <p:cSld>
-    <p:spTree>
-      <p:nvGrpSpPr>
-        <p:cNvPr id="1" name=""/>
-        <p:cNvGrpSpPr/>
-        <p:nvPr/>
-      </p:nvGrpSpPr>
-      <p:grpSpPr>
-        <a:xfrm>
-          <a:off x="0" y="0"/>
-          <a:ext cx="0" cy="0"/>
-          <a:chOff x="0" y="0"/>
-          <a:chExt cx="0" cy="0"/>
-        </a:xfrm>
-      </p:grpSpPr>
-      <p:sp>
-        <p:nvSpPr>
-          <p:cNvPr id="2" name="Title 1">
-            <a:extLst>
-              <a:ext uri="{FF2B5EF4-FFF2-40B4-BE49-F238E27FC236}">
-                <a16:creationId xmlns:a16="http://schemas.microsoft.com/office/drawing/2014/main" id="{81F33AC2-55F7-4A39-83E4-045E60E6E5D0}"/>
-              </a:ext>
-            </a:extLst>
-          </p:cNvPr>
-          <p:cNvSpPr>
-            <a:spLocks noGrp="1"/>
-          </p:cNvSpPr>
-          <p:nvPr>
-            <p:ph type="title"/>
-          </p:nvPr>
-        </p:nvSpPr>
-        <p:spPr>
-          <a:xfrm>
-            <a:off x="581192" y="702156"/>
-            <a:ext cx="11029616" cy="561379"/>
-          </a:xfrm>
-        </p:spPr>
-        <p:txBody>
-          <a:bodyPr>
-            <a:normAutofit/>
-          </a:bodyPr>
-          <a:lstStyle/>
-          <a:p>
-            <a:r>
-              <a:rPr lang="sr-Latn-RS" dirty="0"/>
-              <a:t>Optimizacija genetskim algoritmom</a:t>
-            </a:r>
-          </a:p>
-        </p:txBody>
-      </p:sp>
-      <p:sp>
-        <p:nvSpPr>
-          <p:cNvPr id="3" name="Content Placeholder 2">
-            <a:extLst>
-              <a:ext uri="{FF2B5EF4-FFF2-40B4-BE49-F238E27FC236}">
-                <a16:creationId xmlns:a16="http://schemas.microsoft.com/office/drawing/2014/main" id="{120B0C78-5550-42A7-9465-EAECB049C924}"/>
-              </a:ext>
-            </a:extLst>
-          </p:cNvPr>
-          <p:cNvSpPr>
-            <a:spLocks noGrp="1"/>
-          </p:cNvSpPr>
-          <p:nvPr>
-            <p:ph idx="1"/>
-          </p:nvPr>
-        </p:nvSpPr>
-        <p:spPr>
-          <a:xfrm>
-            <a:off x="581192" y="1263534"/>
-            <a:ext cx="11029615" cy="4892309"/>
-          </a:xfrm>
-        </p:spPr>
-        <p:txBody>
-          <a:bodyPr>
-            <a:normAutofit lnSpcReduction="10000"/>
-          </a:bodyPr>
-          <a:lstStyle/>
-          <a:p>
-            <a:pPr>
-              <a:buFont typeface="Wingdings" panose="05000000000000000000" pitchFamily="2" charset="2"/>
-              <a:buChar char="§"/>
-            </a:pPr>
-            <a:r>
-              <a:rPr lang="en-US" sz="1800" dirty="0" err="1"/>
-              <a:t>Populacija</a:t>
-            </a:r>
-            <a:endParaRPr lang="en-US" sz="1800" dirty="0"/>
-          </a:p>
-          <a:p>
-            <a:pPr marL="0" indent="0">
-              <a:buNone/>
-            </a:pPr>
-            <a:r>
-              <a:rPr lang="en-US" dirty="0" err="1"/>
-              <a:t>Skup</a:t>
-            </a:r>
-            <a:r>
-              <a:rPr lang="en-US" dirty="0"/>
-              <a:t> </a:t>
-            </a:r>
-            <a:r>
-              <a:rPr lang="en-US" dirty="0" err="1"/>
-              <a:t>klika</a:t>
-            </a:r>
-            <a:r>
-              <a:rPr lang="en-US" dirty="0"/>
-              <a:t> </a:t>
-            </a:r>
-            <a:r>
-              <a:rPr lang="en-US" dirty="0" err="1"/>
-              <a:t>dobijenih</a:t>
-            </a:r>
-            <a:r>
-              <a:rPr lang="en-US" dirty="0"/>
-              <a:t> </a:t>
-            </a:r>
-            <a:r>
-              <a:rPr lang="en-US" dirty="0" err="1"/>
-              <a:t>tako</a:t>
-            </a:r>
-            <a:r>
-              <a:rPr lang="en-US" dirty="0"/>
-              <a:t> </a:t>
-            </a:r>
-            <a:r>
-              <a:rPr lang="sr-Latn-RS" dirty="0"/>
-              <a:t>š</a:t>
-            </a:r>
-            <a:r>
-              <a:rPr lang="en-US" dirty="0"/>
-              <a:t>to je </a:t>
-            </a:r>
-            <a:r>
-              <a:rPr lang="sr-Latn-RS" dirty="0"/>
-              <a:t>početni čvor odabran random i za njega pronađena najbolja klika. Ukupan broj klika u populaciji je 10.</a:t>
-            </a:r>
-          </a:p>
-          <a:p>
-            <a:pPr>
-              <a:buFont typeface="Wingdings" panose="05000000000000000000" pitchFamily="2" charset="2"/>
-              <a:buChar char="§"/>
-            </a:pPr>
-            <a:r>
-              <a:rPr lang="sr-Latn-RS" sz="1800" dirty="0"/>
-              <a:t>Selekcija</a:t>
-            </a:r>
-            <a:r>
-              <a:rPr lang="sr-Latn-RS" dirty="0"/>
-              <a:t>: random selekcija dve klike iz populacije</a:t>
-            </a:r>
-            <a:endParaRPr lang="en-US" dirty="0"/>
-          </a:p>
-          <a:p>
-            <a:pPr>
-              <a:buFont typeface="Wingdings" panose="05000000000000000000" pitchFamily="2" charset="2"/>
-              <a:buChar char="§"/>
-            </a:pPr>
-            <a:r>
-              <a:rPr lang="sr-Latn-RS" sz="1800" dirty="0"/>
-              <a:t>Ukrštanje</a:t>
-            </a:r>
-            <a:endParaRPr lang="sr-Latn-RS" dirty="0"/>
-          </a:p>
-          <a:p>
-            <a:pPr marL="0" indent="0">
-              <a:buNone/>
-            </a:pPr>
-            <a:r>
-              <a:rPr lang="sr-Latn-RS" dirty="0"/>
-              <a:t>Početni čvor klike je prvi iz preseka skupa čvorova dve klike, bez sortiranja. Ako nema preseka vraća se klika dobijena pohlepnim ukrštanjem. </a:t>
-            </a:r>
-            <a:br>
-              <a:rPr lang="sr-Latn-RS" dirty="0"/>
-            </a:br>
-            <a:r>
-              <a:rPr lang="sr-Latn-RS" dirty="0"/>
-              <a:t>Obrađuju se svi mogući čvorovi za taj početni čvor.</a:t>
-            </a:r>
-            <a:br>
-              <a:rPr lang="sr-Latn-RS" dirty="0"/>
-            </a:br>
-            <a:r>
-              <a:rPr lang="sr-Latn-RS" dirty="0"/>
-              <a:t>Pohlepno ukrštanje: čvorovi dve klike se dodaju u listu i koje se prave sortirani čvorovi po reach-u opadajuće. Tako su najbolji uvek na pocetku liste. Nova klika se pravi počev od prvog u tako konstruisanoj listi.</a:t>
-            </a:r>
-          </a:p>
-          <a:p>
-            <a:pPr>
-              <a:buFont typeface="Wingdings" panose="05000000000000000000" pitchFamily="2" charset="2"/>
-              <a:buChar char="§"/>
-            </a:pPr>
-            <a:r>
-              <a:rPr lang="sr-Latn-RS" sz="1800" dirty="0"/>
-              <a:t>Mutacija</a:t>
-            </a:r>
-            <a:endParaRPr lang="sr-Latn-RS" dirty="0"/>
-          </a:p>
-          <a:p>
-            <a:pPr marL="0" indent="0">
-              <a:buNone/>
-            </a:pPr>
-            <a:r>
-              <a:rPr lang="sr-Latn-RS" dirty="0"/>
-              <a:t>Bira se predefinisan broj čvorova (1) koji mutiraju i uklanjaju se iz skupa čvorova klike. Dalje se ili formira ponovo opadajuće sortirana lista čvorova za ovako izmenjenu kliku i na osnovu najboljeg čvora dopunjuje klika ili će se iz skupa mogućih čvorova dodavati u kliku dok je to moguće.</a:t>
-            </a:r>
-          </a:p>
-          <a:p>
-            <a:pPr>
-              <a:buFont typeface="Wingdings" panose="05000000000000000000" pitchFamily="2" charset="2"/>
-              <a:buChar char="§"/>
-            </a:pPr>
-            <a:endParaRPr lang="sr-Latn-RS" dirty="0"/>
-          </a:p>
-        </p:txBody>
-      </p:sp>
-    </p:spTree>
-    <p:extLst>
-      <p:ext uri="{BB962C8B-B14F-4D97-AF65-F5344CB8AC3E}">
-        <p14:creationId xmlns:p14="http://schemas.microsoft.com/office/powerpoint/2010/main" val="1330248620"/>
-      </p:ext>
-    </p:extLst>
-  </p:cSld>
-  <p:clrMapOvr>
-    <a:masterClrMapping/>
-  </p:clrMapOvr>
-</p:sld>
-</file>
-
-<file path=ppt/slides/slide7.xml><?xml version="1.0" encoding="utf-8"?>
-<p:sld xmlns:a="http://schemas.openxmlformats.org/drawingml/2006/main" xmlns:r="http://schemas.openxmlformats.org/officeDocument/2006/relationships" xmlns:p="http://schemas.openxmlformats.org/presentationml/2006/main">
-  <p:cSld>
-    <p:spTree>
-      <p:nvGrpSpPr>
-        <p:cNvPr id="1" name=""/>
-        <p:cNvGrpSpPr/>
-        <p:nvPr/>
-      </p:nvGrpSpPr>
-      <p:grpSpPr>
-        <a:xfrm>
-          <a:off x="0" y="0"/>
-          <a:ext cx="0" cy="0"/>
-          <a:chOff x="0" y="0"/>
-          <a:chExt cx="0" cy="0"/>
-        </a:xfrm>
-      </p:grpSpPr>
-      <p:sp>
-        <p:nvSpPr>
-          <p:cNvPr id="2" name="Title 1">
-            <a:extLst>
-              <a:ext uri="{FF2B5EF4-FFF2-40B4-BE49-F238E27FC236}">
-                <a16:creationId xmlns:a16="http://schemas.microsoft.com/office/drawing/2014/main" id="{3CC568A1-99A2-416F-A3AA-0A4A385C16DA}"/>
-              </a:ext>
-            </a:extLst>
-          </p:cNvPr>
-          <p:cNvSpPr>
-            <a:spLocks noGrp="1"/>
-          </p:cNvSpPr>
-          <p:nvPr>
-            <p:ph type="title"/>
-          </p:nvPr>
-        </p:nvSpPr>
-        <p:spPr>
-          <a:xfrm>
-            <a:off x="581192" y="702156"/>
-            <a:ext cx="11029616" cy="689764"/>
-          </a:xfrm>
-        </p:spPr>
-        <p:txBody>
-          <a:bodyPr>
-            <a:normAutofit/>
-          </a:bodyPr>
-          <a:lstStyle/>
-          <a:p>
-            <a:r>
-              <a:rPr lang="en-US" dirty="0" err="1"/>
-              <a:t>Koraci</a:t>
-            </a:r>
-            <a:r>
-              <a:rPr lang="en-US" dirty="0"/>
-              <a:t> </a:t>
-            </a:r>
-            <a:r>
-              <a:rPr lang="en-US" dirty="0" err="1"/>
-              <a:t>Genetskog</a:t>
-            </a:r>
-            <a:r>
-              <a:rPr lang="en-US" dirty="0"/>
-              <a:t> </a:t>
-            </a:r>
-            <a:r>
-              <a:rPr lang="en-US" dirty="0" err="1"/>
-              <a:t>Algoritma</a:t>
-            </a:r>
-            <a:endParaRPr lang="sr-Latn-RS" dirty="0"/>
-          </a:p>
-        </p:txBody>
-      </p:sp>
-      <p:sp>
-        <p:nvSpPr>
-          <p:cNvPr id="3" name="Content Placeholder 2">
-            <a:extLst>
-              <a:ext uri="{FF2B5EF4-FFF2-40B4-BE49-F238E27FC236}">
-                <a16:creationId xmlns:a16="http://schemas.microsoft.com/office/drawing/2014/main" id="{6F3224F9-7CCE-43AE-BEAF-4E03692D068C}"/>
-              </a:ext>
-            </a:extLst>
-          </p:cNvPr>
-          <p:cNvSpPr>
-            <a:spLocks noGrp="1"/>
-          </p:cNvSpPr>
-          <p:nvPr>
-            <p:ph idx="1"/>
-          </p:nvPr>
-        </p:nvSpPr>
-        <p:spPr>
-          <a:xfrm>
-            <a:off x="581192" y="1605280"/>
-            <a:ext cx="11029615" cy="4744720"/>
-          </a:xfrm>
-        </p:spPr>
-        <p:txBody>
-          <a:bodyPr>
-            <a:normAutofit fontScale="92500"/>
-          </a:bodyPr>
-          <a:lstStyle/>
-          <a:p>
-            <a:r>
-              <a:rPr lang="sr-Latn-RS" sz="1800" dirty="0"/>
-              <a:t>Učitavanje grafa u globalnu promenljivu iz nekog od test fajlova</a:t>
-            </a:r>
-          </a:p>
-          <a:p>
-            <a:r>
-              <a:rPr lang="sr-Latn-RS" sz="1800" dirty="0"/>
-              <a:t>Generisanje random populacije, njeno sortiranje po veličini klike opadajuće tako da je najbolja klika prva u listi</a:t>
-            </a:r>
-          </a:p>
-          <a:p>
-            <a:r>
-              <a:rPr lang="sr-Latn-RS" sz="1800" dirty="0"/>
-              <a:t>Pamćenje globalne najbolje klike i njene veličine</a:t>
-            </a:r>
-          </a:p>
-          <a:p>
-            <a:r>
-              <a:rPr lang="sr-Latn-RS" sz="1800" dirty="0"/>
-              <a:t>Kroz iteracije(generacije)</a:t>
-            </a:r>
-          </a:p>
-          <a:p>
-            <a:pPr lvl="1"/>
-            <a:r>
-              <a:rPr lang="sr-Latn-RS" sz="1600" dirty="0"/>
-              <a:t>Ako je veličina prethodne globalne ista kao trenutna najbolja generiše se nova random populacija i resetuje seed za RNG, moguće je ponoviti ovaj postupak dok se ne dostigne </a:t>
-            </a:r>
-            <a:r>
-              <a:rPr lang="sr-Latn-RS" sz="1600" dirty="0">
-                <a:latin typeface="Consolas" panose="020B0609020204030204" pitchFamily="49" charset="0"/>
-              </a:rPr>
-              <a:t>SHUFFLE_TOLERANCE(10)</a:t>
-            </a:r>
-            <a:r>
-              <a:rPr lang="sr-Latn-RS" sz="1600" dirty="0"/>
-              <a:t>,</a:t>
-            </a:r>
-            <a:r>
-              <a:rPr lang="sr-Latn-RS" sz="1600" dirty="0">
-                <a:latin typeface="Consolas" panose="020B0609020204030204" pitchFamily="49" charset="0"/>
-              </a:rPr>
-              <a:t> </a:t>
-            </a:r>
-            <a:r>
-              <a:rPr lang="sr-Latn-RS" sz="1600" dirty="0"/>
-              <a:t>inače se ažurira veličina prethodno najbolje klike</a:t>
-            </a:r>
-          </a:p>
-          <a:p>
-            <a:pPr lvl="1"/>
-            <a:r>
-              <a:rPr lang="sr-Latn-RS" sz="1600" dirty="0"/>
-              <a:t>Trenutna populacija se sortira opadajuće i njena prva klika se bira za najbolju lokalnu, ako je ona bolja od globalne, globalna se ažurira</a:t>
-            </a:r>
-          </a:p>
-          <a:p>
-            <a:pPr lvl="1"/>
-            <a:r>
-              <a:rPr lang="sr-Latn-RS" sz="1600" dirty="0"/>
-              <a:t>Radi se lokalno pobiljšanje globalne najbolje i tako ažurirana se dodaje u novu populaciju. Ovo je korak u kome se jasno vidi elitizam, propagira se u naredne generacije</a:t>
-            </a:r>
-          </a:p>
-          <a:p>
-            <a:pPr lvl="1"/>
-            <a:r>
-              <a:rPr lang="sr-Latn-RS" sz="1600" dirty="0"/>
-              <a:t>Popunjavamo ostatak mesta u novoj populaciji dok možemo tako što koristimo pomenute metode za selekciju i ukrštanje, radimo lokano poboljšanje za kliku dobijenu ukrštanjem, i ako kao takva nije bolja od makar jedne početne klike mutira se</a:t>
-            </a:r>
-          </a:p>
-          <a:p>
-            <a:pPr lvl="1"/>
-            <a:r>
-              <a:rPr lang="sr-Latn-RS" sz="1600" dirty="0"/>
-              <a:t>Zamenjujemo populaciju sa novom</a:t>
-            </a:r>
-          </a:p>
-          <a:p>
-            <a:endParaRPr lang="sr-Latn-RS" dirty="0"/>
-          </a:p>
-        </p:txBody>
-      </p:sp>
-    </p:spTree>
-    <p:extLst>
-      <p:ext uri="{BB962C8B-B14F-4D97-AF65-F5344CB8AC3E}">
-        <p14:creationId xmlns:p14="http://schemas.microsoft.com/office/powerpoint/2010/main" val="2476769733"/>
-      </p:ext>
-    </p:extLst>
-  </p:cSld>
-  <p:clrMapOvr>
-    <a:masterClrMapping/>
-  </p:clrMapOvr>
-</p:sld>
-</file>
-
-<file path=ppt/slides/slide8.xml><?xml version="1.0" encoding="utf-8"?>
-<p:sld xmlns:a="http://schemas.openxmlformats.org/drawingml/2006/main" xmlns:r="http://schemas.openxmlformats.org/officeDocument/2006/relationships" xmlns:p="http://schemas.openxmlformats.org/presentationml/2006/main">
-  <p:cSld>
-    <p:spTree>
-      <p:nvGrpSpPr>
-        <p:cNvPr id="1" name=""/>
-        <p:cNvGrpSpPr/>
-        <p:nvPr/>
-      </p:nvGrpSpPr>
-      <p:grpSpPr>
-        <a:xfrm>
-          <a:off x="0" y="0"/>
-          <a:ext cx="0" cy="0"/>
-          <a:chOff x="0" y="0"/>
-          <a:chExt cx="0" cy="0"/>
-        </a:xfrm>
-      </p:grpSpPr>
-      <p:sp>
-        <p:nvSpPr>
-          <p:cNvPr id="2" name="Title 1">
-            <a:extLst>
-              <a:ext uri="{FF2B5EF4-FFF2-40B4-BE49-F238E27FC236}">
-                <a16:creationId xmlns:a16="http://schemas.microsoft.com/office/drawing/2014/main" id="{347C7A58-33BE-40BB-9EDA-38F7C6B927D9}"/>
-              </a:ext>
-            </a:extLst>
-          </p:cNvPr>
-          <p:cNvSpPr>
-            <a:spLocks noGrp="1"/>
-          </p:cNvSpPr>
-          <p:nvPr>
-            <p:ph type="title"/>
-          </p:nvPr>
-        </p:nvSpPr>
-        <p:spPr>
-          <a:xfrm>
-            <a:off x="581192" y="702156"/>
-            <a:ext cx="11029616" cy="669444"/>
-          </a:xfrm>
-        </p:spPr>
-        <p:txBody>
-          <a:bodyPr/>
-          <a:lstStyle/>
-          <a:p>
-            <a:r>
-              <a:rPr lang="sr-Latn-RS" dirty="0"/>
-              <a:t>Lokalno poboljsanje </a:t>
-            </a:r>
-            <a:r>
-              <a:rPr lang="en-US" sz="2000" cap="none" dirty="0">
-                <a:latin typeface="+mn-lt"/>
-              </a:rPr>
-              <a:t>(</a:t>
-            </a:r>
-            <a:r>
-              <a:rPr lang="sr-Latn-RS" sz="2000" cap="none" dirty="0">
-                <a:latin typeface="+mn-lt"/>
-              </a:rPr>
-              <a:t>local</a:t>
-            </a:r>
-            <a:r>
-              <a:rPr lang="en-US" sz="2000" cap="none" dirty="0">
-                <a:latin typeface="+mn-lt"/>
-              </a:rPr>
-              <a:t>_improvement)</a:t>
-            </a:r>
-            <a:endParaRPr lang="sr-Latn-RS" sz="2000" dirty="0"/>
-          </a:p>
-        </p:txBody>
-      </p:sp>
-      <p:sp>
-        <p:nvSpPr>
-          <p:cNvPr id="3" name="Content Placeholder 2">
-            <a:extLst>
-              <a:ext uri="{FF2B5EF4-FFF2-40B4-BE49-F238E27FC236}">
-                <a16:creationId xmlns:a16="http://schemas.microsoft.com/office/drawing/2014/main" id="{B2DB3C20-8660-4E56-BC57-2F9F9D6A2D2B}"/>
-              </a:ext>
-            </a:extLst>
-          </p:cNvPr>
-          <p:cNvSpPr>
-            <a:spLocks noGrp="1"/>
-          </p:cNvSpPr>
-          <p:nvPr>
-            <p:ph idx="1"/>
-          </p:nvPr>
-        </p:nvSpPr>
-        <p:spPr>
-          <a:xfrm>
-            <a:off x="581192" y="1564640"/>
-            <a:ext cx="11029615" cy="4410710"/>
-          </a:xfrm>
-        </p:spPr>
-        <p:txBody>
-          <a:bodyPr/>
-          <a:lstStyle/>
-          <a:p>
-            <a:r>
-              <a:rPr lang="sr-Latn-RS" dirty="0"/>
-              <a:t>Čuva se početna klika</a:t>
-            </a:r>
-          </a:p>
-          <a:p>
-            <a:r>
-              <a:rPr lang="sr-Latn-RS" dirty="0"/>
-              <a:t>Dok se ne dostigne broj lokalnih poboljšanja (</a:t>
-            </a:r>
-            <a:r>
-              <a:rPr lang="sr-Latn-RS" dirty="0">
-                <a:latin typeface="Consolas" panose="020B0609020204030204" pitchFamily="49" charset="0"/>
-              </a:rPr>
-              <a:t>LOCAL</a:t>
-            </a:r>
-            <a:r>
-              <a:rPr lang="en-US" dirty="0">
-                <a:latin typeface="Consolas" panose="020B0609020204030204" pitchFamily="49" charset="0"/>
-              </a:rPr>
-              <a:t>_IMPROVEMENT(10)</a:t>
-            </a:r>
-            <a:r>
-              <a:rPr lang="sr-Latn-RS" dirty="0"/>
-              <a:t>)</a:t>
-            </a:r>
-            <a:r>
-              <a:rPr lang="en-US" dirty="0"/>
-              <a:t> </a:t>
-            </a:r>
-            <a:r>
-              <a:rPr lang="en-US" dirty="0" err="1"/>
-              <a:t>biraju</a:t>
-            </a:r>
-            <a:r>
-              <a:rPr lang="en-US" dirty="0"/>
-              <a:t> se </a:t>
-            </a:r>
-            <a:r>
-              <a:rPr lang="en-US" dirty="0" err="1"/>
-              <a:t>dva</a:t>
-            </a:r>
-            <a:r>
-              <a:rPr lang="en-US" dirty="0"/>
-              <a:t> random </a:t>
-            </a:r>
-            <a:r>
-              <a:rPr lang="sr-Latn-RS" dirty="0"/>
-              <a:t>čvora koja se uklanjaju iz klike</a:t>
-            </a:r>
-          </a:p>
-          <a:p>
-            <a:r>
-              <a:rPr lang="sr-Latn-RS" dirty="0"/>
-              <a:t>Tako modifikovanoj kliki se generiše njena sortirana lista</a:t>
-            </a:r>
-          </a:p>
-          <a:p>
-            <a:r>
-              <a:rPr lang="sr-Latn-RS" dirty="0"/>
-              <a:t>Dok ima kandidata za kliku, počev od prvog (najboljeg) čvora u sortiranoj listi proverava se da li je on u listi kandidata, ako jeste dodaje se u kliku, tom akcijom se ažuriraju i ostali kandidati, pa se skup kandidata smanjuje.</a:t>
-            </a:r>
-          </a:p>
-          <a:p>
-            <a:r>
-              <a:rPr lang="sr-Latn-RS" dirty="0"/>
-              <a:t>Ako je ovako modifikovana klika bolja od početne, vraća se ona, inače ostaje početna.</a:t>
-            </a:r>
-          </a:p>
-        </p:txBody>
-      </p:sp>
-    </p:spTree>
-    <p:extLst>
-      <p:ext uri="{BB962C8B-B14F-4D97-AF65-F5344CB8AC3E}">
-        <p14:creationId xmlns:p14="http://schemas.microsoft.com/office/powerpoint/2010/main" val="3532476818"/>
-      </p:ext>
-    </p:extLst>
-  </p:cSld>
-  <p:clrMapOvr>
-    <a:masterClrMapping/>
-  </p:clrMapOvr>
-</p:sld>
-</file>
-
-<file path=ppt/slides/slide9.xml><?xml version="1.0" encoding="utf-8"?>
-<p:sld xmlns:a="http://schemas.openxmlformats.org/drawingml/2006/main" xmlns:r="http://schemas.openxmlformats.org/officeDocument/2006/relationships" xmlns:p="http://schemas.openxmlformats.org/presentationml/2006/main">
-  <p:cSld>
-    <p:spTree>
-      <p:nvGrpSpPr>
-        <p:cNvPr id="1" name=""/>
-        <p:cNvGrpSpPr/>
-        <p:nvPr/>
-      </p:nvGrpSpPr>
-      <p:grpSpPr>
-        <a:xfrm>
-          <a:off x="0" y="0"/>
-          <a:ext cx="0" cy="0"/>
-          <a:chOff x="0" y="0"/>
-          <a:chExt cx="0" cy="0"/>
-        </a:xfrm>
-      </p:grpSpPr>
-      <p:sp>
-        <p:nvSpPr>
-          <p:cNvPr id="2" name="Title 1">
-            <a:extLst>
-              <a:ext uri="{FF2B5EF4-FFF2-40B4-BE49-F238E27FC236}">
-                <a16:creationId xmlns:a16="http://schemas.microsoft.com/office/drawing/2014/main" id="{3AE0496F-0BF1-49E8-BE8A-52959825330C}"/>
-              </a:ext>
-            </a:extLst>
-          </p:cNvPr>
-          <p:cNvSpPr>
-            <a:spLocks noGrp="1"/>
-          </p:cNvSpPr>
-          <p:nvPr>
-            <p:ph type="title"/>
-          </p:nvPr>
-        </p:nvSpPr>
-        <p:spPr>
-          <a:xfrm>
-            <a:off x="581192" y="702157"/>
-            <a:ext cx="11029616" cy="602942"/>
-          </a:xfrm>
-        </p:spPr>
-        <p:txBody>
-          <a:bodyPr/>
-          <a:lstStyle/>
-          <a:p>
-            <a:r>
-              <a:rPr lang="en-US" dirty="0"/>
-              <a:t>Test </a:t>
-            </a:r>
-            <a:r>
-              <a:rPr lang="en-US" dirty="0" err="1"/>
-              <a:t>skupovi</a:t>
-            </a:r>
-            <a:endParaRPr lang="sr-Latn-RS" dirty="0"/>
-          </a:p>
-        </p:txBody>
-      </p:sp>
-      <p:sp>
-        <p:nvSpPr>
-          <p:cNvPr id="5" name="Content Placeholder 2">
-            <a:extLst>
-              <a:ext uri="{FF2B5EF4-FFF2-40B4-BE49-F238E27FC236}">
-                <a16:creationId xmlns:a16="http://schemas.microsoft.com/office/drawing/2014/main" id="{C0D6F730-ED56-4099-B712-A016E3CDACC3}"/>
-              </a:ext>
-            </a:extLst>
-          </p:cNvPr>
-          <p:cNvSpPr>
-            <a:spLocks noGrp="1"/>
-          </p:cNvSpPr>
-          <p:nvPr>
-            <p:ph idx="1"/>
-          </p:nvPr>
-        </p:nvSpPr>
-        <p:spPr>
-          <a:xfrm>
-            <a:off x="581192" y="1263534"/>
-            <a:ext cx="11029615" cy="4892309"/>
-          </a:xfrm>
-        </p:spPr>
-        <p:txBody>
-          <a:bodyPr>
-            <a:normAutofit/>
-          </a:bodyPr>
-          <a:lstStyle/>
-          <a:p>
-            <a:pPr marL="476100" indent="-342900"/>
-            <a:r>
-              <a:rPr lang="sr-Latn-RS" sz="2000" dirty="0"/>
-              <a:t>Skup podataka su DIMACS problemske instance </a:t>
-            </a:r>
-            <a:endParaRPr lang="en-US" sz="2000" dirty="0"/>
-          </a:p>
-          <a:p>
-            <a:pPr marL="476100" indent="-342900"/>
-            <a:endParaRPr lang="en-US" sz="2000" dirty="0"/>
-          </a:p>
-          <a:p>
-            <a:pPr marL="133200" indent="0">
-              <a:buNone/>
-            </a:pPr>
-            <a:r>
-              <a:rPr lang="en-US" sz="2000" dirty="0"/>
-              <a:t>U </a:t>
-            </a:r>
-            <a:r>
-              <a:rPr lang="en-US" sz="2000" dirty="0" err="1"/>
-              <a:t>nastavku</a:t>
-            </a:r>
-            <a:r>
-              <a:rPr lang="en-US" sz="2000" dirty="0"/>
-              <a:t> </a:t>
-            </a:r>
-            <a:r>
-              <a:rPr lang="sr-Latn-RS" sz="2000" dirty="0"/>
-              <a:t>će biti izloženi</a:t>
-            </a:r>
-            <a:r>
-              <a:rPr lang="en-US" sz="2000" dirty="0"/>
-              <a:t> </a:t>
-            </a:r>
-            <a:r>
-              <a:rPr lang="en-US" sz="2000" dirty="0" err="1"/>
-              <a:t>rezultati</a:t>
-            </a:r>
-            <a:r>
-              <a:rPr lang="en-US" sz="2000" dirty="0"/>
-              <a:t> </a:t>
-            </a:r>
-            <a:r>
-              <a:rPr lang="en-US" sz="2000" dirty="0" err="1"/>
-              <a:t>dobijeni</a:t>
-            </a:r>
-            <a:r>
-              <a:rPr lang="en-US" sz="2000" dirty="0"/>
-              <a:t> za </a:t>
-            </a:r>
-            <a:r>
-              <a:rPr lang="en-US" sz="2000" dirty="0" err="1"/>
-              <a:t>razli</a:t>
-            </a:r>
-            <a:r>
-              <a:rPr lang="sr-Latn-RS" sz="2000" dirty="0"/>
-              <a:t>čite familije instanci i generatore</a:t>
-            </a:r>
-          </a:p>
-          <a:p>
-            <a:pPr marL="742950" lvl="1" indent="-285750">
-              <a:buFont typeface="Wingdings" panose="05000000000000000000" pitchFamily="2" charset="2"/>
-              <a:buChar char="§"/>
-            </a:pPr>
-            <a:r>
-              <a:rPr lang="sr-Latn-RS" sz="2000" dirty="0"/>
-              <a:t>C familija – random grafovi generisani pomoću programa</a:t>
-            </a:r>
-            <a:r>
-              <a:rPr lang="sr-Latn-RS" sz="2000" b="0" i="0" u="none" strike="noStrike" dirty="0">
-                <a:effectLst/>
-              </a:rPr>
-              <a:t> ggen, generisao Michael Trick</a:t>
-            </a:r>
-          </a:p>
-          <a:p>
-            <a:pPr marL="742950" lvl="1" indent="-285750">
-              <a:buFont typeface="Wingdings" panose="05000000000000000000" pitchFamily="2" charset="2"/>
-              <a:buChar char="§"/>
-            </a:pPr>
-            <a:r>
-              <a:rPr lang="sr-Latn-RS" sz="2000" dirty="0"/>
-              <a:t>DSJC familija – random grafovi, generisao David Johnson</a:t>
-            </a:r>
-          </a:p>
-          <a:p>
-            <a:pPr marL="742950" lvl="1" indent="-285750">
-              <a:buFont typeface="Wingdings" panose="05000000000000000000" pitchFamily="2" charset="2"/>
-              <a:buChar char="§"/>
-            </a:pPr>
-            <a:r>
-              <a:rPr lang="sr-Latn-RS" sz="2000" dirty="0"/>
-              <a:t>GEN familija – veštački generisani grafovi sa velikom poznatom klikom, generisala Laura Sanchis</a:t>
-            </a:r>
-          </a:p>
-          <a:p>
-            <a:pPr marL="742950" lvl="1" indent="-285750">
-              <a:buFont typeface="Wingdings" panose="05000000000000000000" pitchFamily="2" charset="2"/>
-              <a:buChar char="§"/>
-            </a:pPr>
-            <a:r>
-              <a:rPr lang="sr-Latn-RS" sz="2000" dirty="0"/>
-              <a:t>BROCK familija – random grafovi sa klikama među čvorovima sa relativno malim stepenom</a:t>
-            </a:r>
-          </a:p>
-          <a:p>
-            <a:pPr marL="742950" lvl="1" indent="-285750">
-              <a:buFont typeface="Wingdings" panose="05000000000000000000" pitchFamily="2" charset="2"/>
-              <a:buChar char="§"/>
-            </a:pPr>
-            <a:r>
-              <a:rPr lang="sr-Latn-RS" sz="2000" dirty="0"/>
-              <a:t>P</a:t>
-            </a:r>
-            <a:r>
-              <a:rPr lang="en-US" sz="2000" dirty="0"/>
-              <a:t>_HAT</a:t>
-            </a:r>
-            <a:r>
-              <a:rPr lang="sr-Latn-RS" sz="2000" dirty="0"/>
-              <a:t> familija – random grafovi generisani sa p-hat generatorom koji je generalizacija klasičnog uniformnog radnom graf generatora, grafovi imaju širi raspon stepena čvora i veće klike od uniformnih grafova</a:t>
-            </a:r>
-          </a:p>
-        </p:txBody>
-      </p:sp>
-    </p:spTree>
-    <p:extLst>
-      <p:ext uri="{BB962C8B-B14F-4D97-AF65-F5344CB8AC3E}">
-        <p14:creationId xmlns:p14="http://schemas.microsoft.com/office/powerpoint/2010/main" val="3736175160"/>
-      </p:ext>
-    </p:extLst>
-  </p:cSld>
-  <p:clrMapOvr>
-    <a:masterClrMapping/>
-  </p:clrMapOvr>
-</p:sld>
-</file>
-
 <file path=ppt/theme/theme1.xml><?xml version="1.0" encoding="utf-8"?>
 <a:theme xmlns:a="http://schemas.openxmlformats.org/drawingml/2006/main" name="DividendVTI">
   <a:themeElements>
@@ -12154,15 +12035,6 @@
 </file>
 
 <file path=customXml/item2.xml><?xml version="1.0" encoding="utf-8"?>
-<?mso-contentType ?>
-<FormTemplates xmlns="http://schemas.microsoft.com/sharepoint/v3/contenttype/forms">
-  <Display>DocumentLibraryForm</Display>
-  <Edit>DocumentLibraryForm</Edit>
-  <New>DocumentLibraryForm</New>
-</FormTemplates>
-</file>
-
-<file path=customXml/item3.xml><?xml version="1.0" encoding="utf-8"?>
 <ct:contentTypeSchema xmlns:ct="http://schemas.microsoft.com/office/2006/metadata/contentType" xmlns:ma="http://schemas.microsoft.com/office/2006/metadata/properties/metaAttributes" ct:_="" ma:_="" ma:contentTypeName="Document" ma:contentTypeID="0x01010079F111ED35F8CC479449609E8A0923A6" ma:contentTypeVersion="12" ma:contentTypeDescription="Create a new document." ma:contentTypeScope="" ma:versionID="a410dd7f93c95333ffa1b60ed6adedd1">
   <xsd:schema xmlns:xsd="http://www.w3.org/2001/XMLSchema" xmlns:xs="http://www.w3.org/2001/XMLSchema" xmlns:p="http://schemas.microsoft.com/office/2006/metadata/properties" xmlns:ns2="71af3243-3dd4-4a8d-8c0d-dd76da1f02a5" xmlns:ns3="16c05727-aa75-4e4a-9b5f-8a80a1165891" targetNamespace="http://schemas.microsoft.com/office/2006/metadata/properties" ma:root="true" ma:fieldsID="a936d9baba76aa3866493feff160faab" ns2:_="" ns3:_="">
     <xsd:import namespace="71af3243-3dd4-4a8d-8c0d-dd76da1f02a5"/>
@@ -12383,6 +12255,15 @@
 </ct:contentTypeSchema>
 </file>
 
+<file path=customXml/item3.xml><?xml version="1.0" encoding="utf-8"?>
+<?mso-contentType ?>
+<FormTemplates xmlns="http://schemas.microsoft.com/sharepoint/v3/contenttype/forms">
+  <Display>DocumentLibraryForm</Display>
+  <Edit>DocumentLibraryForm</Edit>
+  <New>DocumentLibraryForm</New>
+</FormTemplates>
+</file>
+
 <file path=customXml/itemProps1.xml><?xml version="1.0" encoding="utf-8"?>
 <ds:datastoreItem xmlns:ds="http://schemas.openxmlformats.org/officeDocument/2006/customXml" ds:itemID="{8D289AE2-D2AE-49D1-AFAC-3A79F6794255}">
   <ds:schemaRefs>
@@ -12394,14 +12275,6 @@
 </file>
 
 <file path=customXml/itemProps2.xml><?xml version="1.0" encoding="utf-8"?>
-<ds:datastoreItem xmlns:ds="http://schemas.openxmlformats.org/officeDocument/2006/customXml" ds:itemID="{927BD4C1-B6B1-4715-ABF9-E660A51A4EA0}">
-  <ds:schemaRefs>
-    <ds:schemaRef ds:uri="http://schemas.microsoft.com/sharepoint/v3/contenttype/forms"/>
-  </ds:schemaRefs>
-</ds:datastoreItem>
-</file>
-
-<file path=customXml/itemProps3.xml><?xml version="1.0" encoding="utf-8"?>
 <ds:datastoreItem xmlns:ds="http://schemas.openxmlformats.org/officeDocument/2006/customXml" ds:itemID="{41E7CA09-9778-4414-AE97-8064B12DA30E}">
   <ds:schemaRefs>
     <ds:schemaRef ds:uri="http://schemas.microsoft.com/office/2006/metadata/contentType"/>
@@ -12418,4 +12291,12 @@
     <ds:schemaRef ds:uri="http://schemas.microsoft.com/internal/obd"/>
   </ds:schemaRefs>
 </ds:datastoreItem>
+</file>
+
+<file path=customXml/itemProps3.xml><?xml version="1.0" encoding="utf-8"?>
+<ds:datastoreItem xmlns:ds="http://schemas.openxmlformats.org/officeDocument/2006/customXml" ds:itemID="{927BD4C1-B6B1-4715-ABF9-E660A51A4EA0}">
+  <ds:schemaRefs>
+    <ds:schemaRef ds:uri="http://schemas.microsoft.com/sharepoint/v3/contenttype/forms"/>
+  </ds:schemaRefs>
+</ds:datastoreItem>
 </file>
--- a/[RI] Maximum clique - 107_2015 197_2016.pptx
+++ b/[RI] Maximum clique - 107_2015 197_2016.pptx
@@ -226,7 +226,7 @@
           <a:p>
             <a:fld id="{1A137E8F-F871-4A08-836F-14C59715171E}" type="datetimeFigureOut">
               <a:rPr lang="sr-Latn-RS" smtClean="0"/>
-              <a:t>20.8.2021.</a:t>
+              <a:t>21.8.2021.</a:t>
             </a:fld>
             <a:endParaRPr lang="sr-Latn-RS"/>
           </a:p>
@@ -732,7 +732,7 @@
           <a:p>
             <a:fld id="{787114A7-E6C0-418C-9746-924384952FFA}" type="datetime1">
               <a:rPr lang="en-US" smtClean="0"/>
-              <a:t>20-Aug-21</a:t>
+              <a:t>21-Aug-21</a:t>
             </a:fld>
             <a:endParaRPr lang="en-US" dirty="0"/>
           </a:p>
@@ -939,7 +939,7 @@
           <a:p>
             <a:fld id="{45E5DCC3-ED7E-4357-AB17-C456B0C26267}" type="datetime1">
               <a:rPr lang="en-US" smtClean="0"/>
-              <a:t>20-Aug-21</a:t>
+              <a:t>21-Aug-21</a:t>
             </a:fld>
             <a:endParaRPr lang="en-US" dirty="0"/>
           </a:p>
@@ -1305,7 +1305,7 @@
           <a:p>
             <a:fld id="{32B866DC-2DD3-4684-9286-BA8D11B99F65}" type="datetime1">
               <a:rPr lang="en-US" smtClean="0"/>
-              <a:t>20-Aug-21</a:t>
+              <a:t>21-Aug-21</a:t>
             </a:fld>
             <a:endParaRPr lang="en-US" dirty="0"/>
           </a:p>
@@ -1507,7 +1507,7 @@
           <a:p>
             <a:fld id="{3241DFA3-D189-4C98-AA3D-5C5210A24D66}" type="datetime1">
               <a:rPr lang="en-US" smtClean="0"/>
-              <a:t>20-Aug-21</a:t>
+              <a:t>21-Aug-21</a:t>
             </a:fld>
             <a:endParaRPr lang="en-US" dirty="0"/>
           </a:p>
@@ -1823,7 +1823,7 @@
           <a:p>
             <a:fld id="{1945E8C0-6A43-4935-84C5-FCF4DAAF0DBF}" type="datetime1">
               <a:rPr lang="en-US" smtClean="0"/>
-              <a:t>20-Aug-21</a:t>
+              <a:t>21-Aug-21</a:t>
             </a:fld>
             <a:endParaRPr lang="en-US" dirty="0"/>
           </a:p>
@@ -2080,7 +2080,7 @@
           <a:p>
             <a:fld id="{28409D40-57F7-42B4-A6EB-5519178EA39D}" type="datetime1">
               <a:rPr lang="en-US" smtClean="0"/>
-              <a:t>20-Aug-21</a:t>
+              <a:t>21-Aug-21</a:t>
             </a:fld>
             <a:endParaRPr lang="en-US" dirty="0"/>
           </a:p>
@@ -2506,7 +2506,7 @@
           <a:p>
             <a:fld id="{3ABBBF51-A0EA-4176-822C-C2F4E1C48E00}" type="datetime1">
               <a:rPr lang="en-US" smtClean="0"/>
-              <a:t>20-Aug-21</a:t>
+              <a:t>21-Aug-21</a:t>
             </a:fld>
             <a:endParaRPr lang="en-US" dirty="0"/>
           </a:p>
@@ -2633,7 +2633,7 @@
           <a:p>
             <a:fld id="{7AA56B23-EAF6-43CE-9C5F-C1AC6F75B3FE}" type="datetime1">
               <a:rPr lang="en-US" smtClean="0"/>
-              <a:t>20-Aug-21</a:t>
+              <a:t>21-Aug-21</a:t>
             </a:fld>
             <a:endParaRPr lang="en-US" dirty="0"/>
           </a:p>
@@ -2732,7 +2732,7 @@
           <a:p>
             <a:fld id="{9CF9F856-8832-45FD-BDF7-49D388E23701}" type="datetime1">
               <a:rPr lang="en-US" smtClean="0"/>
-              <a:t>20-Aug-21</a:t>
+              <a:t>21-Aug-21</a:t>
             </a:fld>
             <a:endParaRPr lang="en-US" dirty="0"/>
           </a:p>
@@ -3113,7 +3113,7 @@
           <a:p>
             <a:fld id="{D0353F64-6950-4819-AEAC-6A0A49540B45}" type="datetime1">
               <a:rPr lang="en-US" smtClean="0"/>
-              <a:t>20-Aug-21</a:t>
+              <a:t>21-Aug-21</a:t>
             </a:fld>
             <a:endParaRPr lang="en-US" dirty="0"/>
           </a:p>
@@ -3410,7 +3410,7 @@
           <a:p>
             <a:fld id="{EF0885CB-6479-43E7-8A1D-2D9096958F51}" type="datetime1">
               <a:rPr lang="en-US" smtClean="0"/>
-              <a:t>20-Aug-21</a:t>
+              <a:t>21-Aug-21</a:t>
             </a:fld>
             <a:endParaRPr lang="en-US" dirty="0"/>
           </a:p>
@@ -3629,7 +3629,7 @@
           <a:p>
             <a:fld id="{9A1DEE35-3117-409A-BC8A-67B6E44B5615}" type="datetime1">
               <a:rPr lang="en-US" smtClean="0"/>
-              <a:t>20-Aug-21</a:t>
+              <a:t>21-Aug-21</a:t>
             </a:fld>
             <a:endParaRPr lang="en-US" dirty="0"/>
           </a:p>
@@ -5789,7 +5789,7 @@
         <p:spPr>
           <a:xfrm>
             <a:off x="581192" y="2690336"/>
-            <a:ext cx="11029616" cy="1477328"/>
+            <a:ext cx="11029616" cy="2031325"/>
           </a:xfrm>
           <a:prstGeom prst="rect">
             <a:avLst/>
@@ -5847,6 +5847,26 @@
                 <a:hlinkClick r:id="rId3"/>
               </a:rPr>
               <a:t>NetworkX</a:t>
+            </a:r>
+            <a:endParaRPr lang="en-US" dirty="0"/>
+          </a:p>
+          <a:p>
+            <a:pPr marL="285750" indent="-285750">
+              <a:buFont typeface="Arial" panose="020B0604020202020204" pitchFamily="34" charset="0"/>
+              <a:buChar char="•"/>
+            </a:pPr>
+            <a:endParaRPr lang="en-US" dirty="0"/>
+          </a:p>
+          <a:p>
+            <a:pPr marL="285750" indent="-285750">
+              <a:buFont typeface="Arial" panose="020B0604020202020204" pitchFamily="34" charset="0"/>
+              <a:buChar char="•"/>
+            </a:pPr>
+            <a:r>
+              <a:rPr lang="en-GB">
+                <a:hlinkClick r:id="rId4"/>
+              </a:rPr>
+              <a:t>A fast algorithm for the maximum clique problem</a:t>
             </a:r>
             <a:endParaRPr lang="en-US" dirty="0"/>
           </a:p>
@@ -12035,6 +12055,15 @@
 </file>
 
 <file path=customXml/item2.xml><?xml version="1.0" encoding="utf-8"?>
+<?mso-contentType ?>
+<FormTemplates xmlns="http://schemas.microsoft.com/sharepoint/v3/contenttype/forms">
+  <Display>DocumentLibraryForm</Display>
+  <Edit>DocumentLibraryForm</Edit>
+  <New>DocumentLibraryForm</New>
+</FormTemplates>
+</file>
+
+<file path=customXml/item3.xml><?xml version="1.0" encoding="utf-8"?>
 <ct:contentTypeSchema xmlns:ct="http://schemas.microsoft.com/office/2006/metadata/contentType" xmlns:ma="http://schemas.microsoft.com/office/2006/metadata/properties/metaAttributes" ct:_="" ma:_="" ma:contentTypeName="Document" ma:contentTypeID="0x01010079F111ED35F8CC479449609E8A0923A6" ma:contentTypeVersion="12" ma:contentTypeDescription="Create a new document." ma:contentTypeScope="" ma:versionID="a410dd7f93c95333ffa1b60ed6adedd1">
   <xsd:schema xmlns:xsd="http://www.w3.org/2001/XMLSchema" xmlns:xs="http://www.w3.org/2001/XMLSchema" xmlns:p="http://schemas.microsoft.com/office/2006/metadata/properties" xmlns:ns2="71af3243-3dd4-4a8d-8c0d-dd76da1f02a5" xmlns:ns3="16c05727-aa75-4e4a-9b5f-8a80a1165891" targetNamespace="http://schemas.microsoft.com/office/2006/metadata/properties" ma:root="true" ma:fieldsID="a936d9baba76aa3866493feff160faab" ns2:_="" ns3:_="">
     <xsd:import namespace="71af3243-3dd4-4a8d-8c0d-dd76da1f02a5"/>
@@ -12255,15 +12284,6 @@
 </ct:contentTypeSchema>
 </file>
 
-<file path=customXml/item3.xml><?xml version="1.0" encoding="utf-8"?>
-<?mso-contentType ?>
-<FormTemplates xmlns="http://schemas.microsoft.com/sharepoint/v3/contenttype/forms">
-  <Display>DocumentLibraryForm</Display>
-  <Edit>DocumentLibraryForm</Edit>
-  <New>DocumentLibraryForm</New>
-</FormTemplates>
-</file>
-
 <file path=customXml/itemProps1.xml><?xml version="1.0" encoding="utf-8"?>
 <ds:datastoreItem xmlns:ds="http://schemas.openxmlformats.org/officeDocument/2006/customXml" ds:itemID="{8D289AE2-D2AE-49D1-AFAC-3A79F6794255}">
   <ds:schemaRefs>
@@ -12275,6 +12295,14 @@
 </file>
 
 <file path=customXml/itemProps2.xml><?xml version="1.0" encoding="utf-8"?>
+<ds:datastoreItem xmlns:ds="http://schemas.openxmlformats.org/officeDocument/2006/customXml" ds:itemID="{927BD4C1-B6B1-4715-ABF9-E660A51A4EA0}">
+  <ds:schemaRefs>
+    <ds:schemaRef ds:uri="http://schemas.microsoft.com/sharepoint/v3/contenttype/forms"/>
+  </ds:schemaRefs>
+</ds:datastoreItem>
+</file>
+
+<file path=customXml/itemProps3.xml><?xml version="1.0" encoding="utf-8"?>
 <ds:datastoreItem xmlns:ds="http://schemas.openxmlformats.org/officeDocument/2006/customXml" ds:itemID="{41E7CA09-9778-4414-AE97-8064B12DA30E}">
   <ds:schemaRefs>
     <ds:schemaRef ds:uri="http://schemas.microsoft.com/office/2006/metadata/contentType"/>
@@ -12291,12 +12319,4 @@
     <ds:schemaRef ds:uri="http://schemas.microsoft.com/internal/obd"/>
   </ds:schemaRefs>
 </ds:datastoreItem>
-</file>
-
-<file path=customXml/itemProps3.xml><?xml version="1.0" encoding="utf-8"?>
-<ds:datastoreItem xmlns:ds="http://schemas.openxmlformats.org/officeDocument/2006/customXml" ds:itemID="{927BD4C1-B6B1-4715-ABF9-E660A51A4EA0}">
-  <ds:schemaRefs>
-    <ds:schemaRef ds:uri="http://schemas.microsoft.com/sharepoint/v3/contenttype/forms"/>
-  </ds:schemaRefs>
-</ds:datastoreItem>
 </file>